--- a/Paper WOrk/Presentation.pptx
+++ b/Paper WOrk/Presentation.pptx
@@ -5,18 +5,21 @@
     <p:sldMasterId id="2147483678" r:id="rId1"/>
   </p:sldMasterIdLst>
   <p:notesMasterIdLst>
-    <p:notesMasterId r:id="rId11"/>
+    <p:notesMasterId r:id="rId14"/>
   </p:notesMasterIdLst>
   <p:sldIdLst>
     <p:sldId id="256" r:id="rId2"/>
     <p:sldId id="263" r:id="rId3"/>
     <p:sldId id="257" r:id="rId4"/>
-    <p:sldId id="264" r:id="rId5"/>
-    <p:sldId id="265" r:id="rId6"/>
-    <p:sldId id="261" r:id="rId7"/>
+    <p:sldId id="261" r:id="rId5"/>
+    <p:sldId id="264" r:id="rId6"/>
+    <p:sldId id="265" r:id="rId7"/>
     <p:sldId id="262" r:id="rId8"/>
-    <p:sldId id="258" r:id="rId9"/>
-    <p:sldId id="260" r:id="rId10"/>
+    <p:sldId id="267" r:id="rId9"/>
+    <p:sldId id="268" r:id="rId10"/>
+    <p:sldId id="266" r:id="rId11"/>
+    <p:sldId id="258" r:id="rId12"/>
+    <p:sldId id="260" r:id="rId13"/>
   </p:sldIdLst>
   <p:sldSz cx="12192000" cy="6858000"/>
   <p:notesSz cx="6858000" cy="9144000"/>
@@ -871,788 +874,6 @@
 </file>
 
 <file path=ppt/diagrams/colors2.xml><?xml version="1.0" encoding="utf-8"?>
-<dgm:colorsDef xmlns:dgm="http://schemas.openxmlformats.org/drawingml/2006/diagram" xmlns:a="http://schemas.openxmlformats.org/drawingml/2006/main" uniqueId="urn:microsoft.com/office/officeart/2005/8/colors/colorful2">
-  <dgm:title val=""/>
-  <dgm:desc val=""/>
-  <dgm:catLst>
-    <dgm:cat type="colorful" pri="10200"/>
-  </dgm:catLst>
-  <dgm:styleLbl name="node0">
-    <dgm:fillClrLst meth="repeat">
-      <a:schemeClr val="accent1"/>
-    </dgm:fillClrLst>
-    <dgm:linClrLst meth="repeat">
-      <a:schemeClr val="lt1"/>
-    </dgm:linClrLst>
-    <dgm:effectClrLst/>
-    <dgm:txLinClrLst/>
-    <dgm:txFillClrLst/>
-    <dgm:txEffectClrLst/>
-  </dgm:styleLbl>
-  <dgm:styleLbl name="node1">
-    <dgm:fillClrLst>
-      <a:schemeClr val="accent2"/>
-      <a:schemeClr val="accent3"/>
-    </dgm:fillClrLst>
-    <dgm:linClrLst meth="repeat">
-      <a:schemeClr val="lt1"/>
-    </dgm:linClrLst>
-    <dgm:effectClrLst/>
-    <dgm:txLinClrLst/>
-    <dgm:txFillClrLst/>
-    <dgm:txEffectClrLst/>
-  </dgm:styleLbl>
-  <dgm:styleLbl name="alignNode1">
-    <dgm:fillClrLst>
-      <a:schemeClr val="accent2"/>
-      <a:schemeClr val="accent3"/>
-    </dgm:fillClrLst>
-    <dgm:linClrLst>
-      <a:schemeClr val="accent2"/>
-      <a:schemeClr val="accent3"/>
-    </dgm:linClrLst>
-    <dgm:effectClrLst/>
-    <dgm:txLinClrLst/>
-    <dgm:txFillClrLst/>
-    <dgm:txEffectClrLst/>
-  </dgm:styleLbl>
-  <dgm:styleLbl name="lnNode1">
-    <dgm:fillClrLst>
-      <a:schemeClr val="accent2"/>
-      <a:schemeClr val="accent3"/>
-    </dgm:fillClrLst>
-    <dgm:linClrLst meth="repeat">
-      <a:schemeClr val="lt1"/>
-    </dgm:linClrLst>
-    <dgm:effectClrLst/>
-    <dgm:txLinClrLst/>
-    <dgm:txFillClrLst/>
-    <dgm:txEffectClrLst/>
-  </dgm:styleLbl>
-  <dgm:styleLbl name="vennNode1">
-    <dgm:fillClrLst>
-      <a:schemeClr val="accent2">
-        <a:alpha val="50000"/>
-      </a:schemeClr>
-      <a:schemeClr val="accent3">
-        <a:alpha val="50000"/>
-      </a:schemeClr>
-    </dgm:fillClrLst>
-    <dgm:linClrLst meth="repeat">
-      <a:schemeClr val="lt1"/>
-    </dgm:linClrLst>
-    <dgm:effectClrLst/>
-    <dgm:txLinClrLst/>
-    <dgm:txFillClrLst/>
-    <dgm:txEffectClrLst/>
-  </dgm:styleLbl>
-  <dgm:styleLbl name="node2">
-    <dgm:fillClrLst>
-      <a:schemeClr val="accent3"/>
-    </dgm:fillClrLst>
-    <dgm:linClrLst meth="repeat">
-      <a:schemeClr val="lt1"/>
-    </dgm:linClrLst>
-    <dgm:effectClrLst/>
-    <dgm:txLinClrLst/>
-    <dgm:txFillClrLst/>
-    <dgm:txEffectClrLst/>
-  </dgm:styleLbl>
-  <dgm:styleLbl name="node3">
-    <dgm:fillClrLst>
-      <a:schemeClr val="accent4"/>
-    </dgm:fillClrLst>
-    <dgm:linClrLst meth="repeat">
-      <a:schemeClr val="lt1"/>
-    </dgm:linClrLst>
-    <dgm:effectClrLst/>
-    <dgm:txLinClrLst/>
-    <dgm:txFillClrLst/>
-    <dgm:txEffectClrLst/>
-  </dgm:styleLbl>
-  <dgm:styleLbl name="node4">
-    <dgm:fillClrLst>
-      <a:schemeClr val="accent5"/>
-    </dgm:fillClrLst>
-    <dgm:linClrLst meth="repeat">
-      <a:schemeClr val="lt1"/>
-    </dgm:linClrLst>
-    <dgm:effectClrLst/>
-    <dgm:txLinClrLst/>
-    <dgm:txFillClrLst/>
-    <dgm:txEffectClrLst/>
-  </dgm:styleLbl>
-  <dgm:styleLbl name="fgImgPlace1">
-    <dgm:fillClrLst>
-      <a:schemeClr val="accent2">
-        <a:tint val="50000"/>
-      </a:schemeClr>
-      <a:schemeClr val="accent3">
-        <a:tint val="50000"/>
-      </a:schemeClr>
-    </dgm:fillClrLst>
-    <dgm:linClrLst meth="repeat">
-      <a:schemeClr val="lt1"/>
-    </dgm:linClrLst>
-    <dgm:effectClrLst/>
-    <dgm:txLinClrLst/>
-    <dgm:txFillClrLst meth="repeat">
-      <a:schemeClr val="lt1"/>
-    </dgm:txFillClrLst>
-    <dgm:txEffectClrLst/>
-  </dgm:styleLbl>
-  <dgm:styleLbl name="alignImgPlace1">
-    <dgm:fillClrLst>
-      <a:schemeClr val="accent2">
-        <a:tint val="50000"/>
-      </a:schemeClr>
-      <a:schemeClr val="accent3">
-        <a:tint val="20000"/>
-      </a:schemeClr>
-    </dgm:fillClrLst>
-    <dgm:linClrLst meth="repeat">
-      <a:schemeClr val="lt1"/>
-    </dgm:linClrLst>
-    <dgm:effectClrLst/>
-    <dgm:txLinClrLst/>
-    <dgm:txFillClrLst meth="repeat">
-      <a:schemeClr val="lt1"/>
-    </dgm:txFillClrLst>
-    <dgm:txEffectClrLst/>
-  </dgm:styleLbl>
-  <dgm:styleLbl name="bgImgPlace1">
-    <dgm:fillClrLst>
-      <a:schemeClr val="accent2">
-        <a:tint val="50000"/>
-      </a:schemeClr>
-      <a:schemeClr val="accent3">
-        <a:tint val="20000"/>
-      </a:schemeClr>
-    </dgm:fillClrLst>
-    <dgm:linClrLst meth="repeat">
-      <a:schemeClr val="lt1"/>
-    </dgm:linClrLst>
-    <dgm:effectClrLst/>
-    <dgm:txLinClrLst/>
-    <dgm:txFillClrLst meth="repeat">
-      <a:schemeClr val="lt1"/>
-    </dgm:txFillClrLst>
-    <dgm:txEffectClrLst/>
-  </dgm:styleLbl>
-  <dgm:styleLbl name="sibTrans2D1">
-    <dgm:fillClrLst>
-      <a:schemeClr val="accent2"/>
-      <a:schemeClr val="accent3"/>
-    </dgm:fillClrLst>
-    <dgm:linClrLst meth="repeat">
-      <a:schemeClr val="lt1"/>
-    </dgm:linClrLst>
-    <dgm:effectClrLst/>
-    <dgm:txLinClrLst/>
-    <dgm:txFillClrLst/>
-    <dgm:txEffectClrLst/>
-  </dgm:styleLbl>
-  <dgm:styleLbl name="fgSibTrans2D1">
-    <dgm:fillClrLst>
-      <a:schemeClr val="accent2"/>
-      <a:schemeClr val="accent3"/>
-    </dgm:fillClrLst>
-    <dgm:linClrLst meth="repeat">
-      <a:schemeClr val="lt1"/>
-    </dgm:linClrLst>
-    <dgm:effectClrLst/>
-    <dgm:txLinClrLst/>
-    <dgm:txFillClrLst meth="repeat">
-      <a:schemeClr val="lt1"/>
-    </dgm:txFillClrLst>
-    <dgm:txEffectClrLst/>
-  </dgm:styleLbl>
-  <dgm:styleLbl name="bgSibTrans2D1">
-    <dgm:fillClrLst>
-      <a:schemeClr val="accent2"/>
-      <a:schemeClr val="accent3"/>
-    </dgm:fillClrLst>
-    <dgm:linClrLst meth="repeat">
-      <a:schemeClr val="lt1"/>
-    </dgm:linClrLst>
-    <dgm:effectClrLst/>
-    <dgm:txLinClrLst/>
-    <dgm:txFillClrLst meth="repeat">
-      <a:schemeClr val="lt1"/>
-    </dgm:txFillClrLst>
-    <dgm:txEffectClrLst/>
-  </dgm:styleLbl>
-  <dgm:styleLbl name="sibTrans1D1">
-    <dgm:fillClrLst/>
-    <dgm:linClrLst>
-      <a:schemeClr val="accent2"/>
-      <a:schemeClr val="accent3"/>
-    </dgm:linClrLst>
-    <dgm:effectClrLst/>
-    <dgm:txLinClrLst/>
-    <dgm:txFillClrLst meth="repeat">
-      <a:schemeClr val="tx1"/>
-    </dgm:txFillClrLst>
-    <dgm:txEffectClrLst/>
-  </dgm:styleLbl>
-  <dgm:styleLbl name="callout">
-    <dgm:fillClrLst meth="repeat">
-      <a:schemeClr val="accent2"/>
-    </dgm:fillClrLst>
-    <dgm:linClrLst meth="repeat">
-      <a:schemeClr val="accent2">
-        <a:tint val="50000"/>
-      </a:schemeClr>
-    </dgm:linClrLst>
-    <dgm:effectClrLst/>
-    <dgm:txLinClrLst/>
-    <dgm:txFillClrLst meth="repeat">
-      <a:schemeClr val="tx1"/>
-    </dgm:txFillClrLst>
-    <dgm:txEffectClrLst/>
-  </dgm:styleLbl>
-  <dgm:styleLbl name="asst0">
-    <dgm:fillClrLst meth="repeat">
-      <a:schemeClr val="accent2"/>
-    </dgm:fillClrLst>
-    <dgm:linClrLst meth="repeat">
-      <a:schemeClr val="lt1">
-        <a:shade val="80000"/>
-      </a:schemeClr>
-    </dgm:linClrLst>
-    <dgm:effectClrLst/>
-    <dgm:txLinClrLst/>
-    <dgm:txFillClrLst/>
-    <dgm:txEffectClrLst/>
-  </dgm:styleLbl>
-  <dgm:styleLbl name="asst1">
-    <dgm:fillClrLst meth="repeat">
-      <a:schemeClr val="accent3"/>
-    </dgm:fillClrLst>
-    <dgm:linClrLst meth="repeat">
-      <a:schemeClr val="lt1">
-        <a:shade val="80000"/>
-      </a:schemeClr>
-    </dgm:linClrLst>
-    <dgm:effectClrLst/>
-    <dgm:txLinClrLst/>
-    <dgm:txFillClrLst/>
-    <dgm:txEffectClrLst/>
-  </dgm:styleLbl>
-  <dgm:styleLbl name="asst2">
-    <dgm:fillClrLst>
-      <a:schemeClr val="accent4"/>
-    </dgm:fillClrLst>
-    <dgm:linClrLst meth="repeat">
-      <a:schemeClr val="lt1"/>
-    </dgm:linClrLst>
-    <dgm:effectClrLst/>
-    <dgm:txLinClrLst/>
-    <dgm:txFillClrLst/>
-    <dgm:txEffectClrLst/>
-  </dgm:styleLbl>
-  <dgm:styleLbl name="asst3">
-    <dgm:fillClrLst>
-      <a:schemeClr val="accent5"/>
-    </dgm:fillClrLst>
-    <dgm:linClrLst meth="repeat">
-      <a:schemeClr val="lt1"/>
-    </dgm:linClrLst>
-    <dgm:effectClrLst/>
-    <dgm:txLinClrLst/>
-    <dgm:txFillClrLst/>
-    <dgm:txEffectClrLst/>
-  </dgm:styleLbl>
-  <dgm:styleLbl name="asst4">
-    <dgm:fillClrLst>
-      <a:schemeClr val="accent6"/>
-    </dgm:fillClrLst>
-    <dgm:linClrLst meth="repeat">
-      <a:schemeClr val="lt1"/>
-    </dgm:linClrLst>
-    <dgm:effectClrLst/>
-    <dgm:txLinClrLst/>
-    <dgm:txFillClrLst/>
-    <dgm:txEffectClrLst/>
-  </dgm:styleLbl>
-  <dgm:styleLbl name="parChTrans2D1">
-    <dgm:fillClrLst meth="repeat">
-      <a:schemeClr val="accent2"/>
-    </dgm:fillClrLst>
-    <dgm:linClrLst meth="repeat">
-      <a:schemeClr val="lt1"/>
-    </dgm:linClrLst>
-    <dgm:effectClrLst/>
-    <dgm:txLinClrLst/>
-    <dgm:txFillClrLst meth="repeat">
-      <a:schemeClr val="lt1"/>
-    </dgm:txFillClrLst>
-    <dgm:txEffectClrLst/>
-  </dgm:styleLbl>
-  <dgm:styleLbl name="parChTrans2D2">
-    <dgm:fillClrLst meth="repeat">
-      <a:schemeClr val="accent3"/>
-    </dgm:fillClrLst>
-    <dgm:linClrLst meth="repeat">
-      <a:schemeClr val="lt1"/>
-    </dgm:linClrLst>
-    <dgm:effectClrLst/>
-    <dgm:txLinClrLst/>
-    <dgm:txFillClrLst/>
-    <dgm:txEffectClrLst/>
-  </dgm:styleLbl>
-  <dgm:styleLbl name="parChTrans2D3">
-    <dgm:fillClrLst meth="repeat">
-      <a:schemeClr val="accent4"/>
-    </dgm:fillClrLst>
-    <dgm:linClrLst meth="repeat">
-      <a:schemeClr val="lt1"/>
-    </dgm:linClrLst>
-    <dgm:effectClrLst/>
-    <dgm:txLinClrLst/>
-    <dgm:txFillClrLst/>
-    <dgm:txEffectClrLst/>
-  </dgm:styleLbl>
-  <dgm:styleLbl name="parChTrans2D4">
-    <dgm:fillClrLst meth="repeat">
-      <a:schemeClr val="accent5"/>
-    </dgm:fillClrLst>
-    <dgm:linClrLst meth="repeat">
-      <a:schemeClr val="lt1"/>
-    </dgm:linClrLst>
-    <dgm:effectClrLst/>
-    <dgm:txLinClrLst/>
-    <dgm:txFillClrLst meth="repeat">
-      <a:schemeClr val="lt1"/>
-    </dgm:txFillClrLst>
-    <dgm:txEffectClrLst/>
-  </dgm:styleLbl>
-  <dgm:styleLbl name="parChTrans1D1">
-    <dgm:fillClrLst meth="repeat">
-      <a:schemeClr val="accent2"/>
-    </dgm:fillClrLst>
-    <dgm:linClrLst meth="repeat">
-      <a:schemeClr val="accent2"/>
-    </dgm:linClrLst>
-    <dgm:effectClrLst/>
-    <dgm:txLinClrLst/>
-    <dgm:txFillClrLst meth="repeat">
-      <a:schemeClr val="tx1"/>
-    </dgm:txFillClrLst>
-    <dgm:txEffectClrLst/>
-  </dgm:styleLbl>
-  <dgm:styleLbl name="parChTrans1D2">
-    <dgm:fillClrLst meth="repeat">
-      <a:schemeClr val="accent2">
-        <a:tint val="90000"/>
-      </a:schemeClr>
-    </dgm:fillClrLst>
-    <dgm:linClrLst meth="repeat">
-      <a:schemeClr val="accent3"/>
-    </dgm:linClrLst>
-    <dgm:effectClrLst/>
-    <dgm:txLinClrLst/>
-    <dgm:txFillClrLst meth="repeat">
-      <a:schemeClr val="tx1"/>
-    </dgm:txFillClrLst>
-    <dgm:txEffectClrLst/>
-  </dgm:styleLbl>
-  <dgm:styleLbl name="parChTrans1D3">
-    <dgm:fillClrLst meth="repeat">
-      <a:schemeClr val="accent2">
-        <a:tint val="70000"/>
-      </a:schemeClr>
-    </dgm:fillClrLst>
-    <dgm:linClrLst meth="repeat">
-      <a:schemeClr val="accent4"/>
-    </dgm:linClrLst>
-    <dgm:effectClrLst/>
-    <dgm:txLinClrLst/>
-    <dgm:txFillClrLst meth="repeat">
-      <a:schemeClr val="tx1"/>
-    </dgm:txFillClrLst>
-    <dgm:txEffectClrLst/>
-  </dgm:styleLbl>
-  <dgm:styleLbl name="parChTrans1D4">
-    <dgm:fillClrLst meth="repeat">
-      <a:schemeClr val="accent2">
-        <a:tint val="50000"/>
-      </a:schemeClr>
-    </dgm:fillClrLst>
-    <dgm:linClrLst meth="repeat">
-      <a:schemeClr val="accent5"/>
-    </dgm:linClrLst>
-    <dgm:effectClrLst/>
-    <dgm:txLinClrLst/>
-    <dgm:txFillClrLst meth="repeat">
-      <a:schemeClr val="tx1"/>
-    </dgm:txFillClrLst>
-    <dgm:txEffectClrLst/>
-  </dgm:styleLbl>
-  <dgm:styleLbl name="fgAcc1">
-    <dgm:fillClrLst meth="repeat">
-      <a:schemeClr val="lt1">
-        <a:alpha val="90000"/>
-      </a:schemeClr>
-    </dgm:fillClrLst>
-    <dgm:linClrLst>
-      <a:schemeClr val="accent2"/>
-      <a:schemeClr val="accent3"/>
-    </dgm:linClrLst>
-    <dgm:effectClrLst/>
-    <dgm:txLinClrLst/>
-    <dgm:txFillClrLst meth="repeat">
-      <a:schemeClr val="dk1"/>
-    </dgm:txFillClrLst>
-    <dgm:txEffectClrLst/>
-  </dgm:styleLbl>
-  <dgm:styleLbl name="conFgAcc1">
-    <dgm:fillClrLst meth="repeat">
-      <a:schemeClr val="lt1">
-        <a:alpha val="90000"/>
-      </a:schemeClr>
-    </dgm:fillClrLst>
-    <dgm:linClrLst>
-      <a:schemeClr val="accent2"/>
-      <a:schemeClr val="accent3"/>
-    </dgm:linClrLst>
-    <dgm:effectClrLst/>
-    <dgm:txLinClrLst/>
-    <dgm:txFillClrLst meth="repeat">
-      <a:schemeClr val="dk1"/>
-    </dgm:txFillClrLst>
-    <dgm:txEffectClrLst/>
-  </dgm:styleLbl>
-  <dgm:styleLbl name="alignAcc1">
-    <dgm:fillClrLst meth="repeat">
-      <a:schemeClr val="lt1">
-        <a:alpha val="90000"/>
-      </a:schemeClr>
-    </dgm:fillClrLst>
-    <dgm:linClrLst>
-      <a:schemeClr val="accent2"/>
-      <a:schemeClr val="accent3"/>
-    </dgm:linClrLst>
-    <dgm:effectClrLst/>
-    <dgm:txLinClrLst/>
-    <dgm:txFillClrLst meth="repeat">
-      <a:schemeClr val="dk1"/>
-    </dgm:txFillClrLst>
-    <dgm:txEffectClrLst/>
-  </dgm:styleLbl>
-  <dgm:styleLbl name="trAlignAcc1">
-    <dgm:fillClrLst meth="repeat">
-      <a:schemeClr val="lt1">
-        <a:alpha val="40000"/>
-      </a:schemeClr>
-    </dgm:fillClrLst>
-    <dgm:linClrLst meth="repeat">
-      <a:schemeClr val="accent2"/>
-    </dgm:linClrLst>
-    <dgm:effectClrLst/>
-    <dgm:txLinClrLst/>
-    <dgm:txFillClrLst meth="repeat">
-      <a:schemeClr val="dk1"/>
-    </dgm:txFillClrLst>
-    <dgm:txEffectClrLst/>
-  </dgm:styleLbl>
-  <dgm:styleLbl name="bgAcc1">
-    <dgm:fillClrLst meth="repeat">
-      <a:schemeClr val="lt1">
-        <a:alpha val="90000"/>
-      </a:schemeClr>
-    </dgm:fillClrLst>
-    <dgm:linClrLst>
-      <a:schemeClr val="accent2"/>
-      <a:schemeClr val="accent3"/>
-    </dgm:linClrLst>
-    <dgm:effectClrLst/>
-    <dgm:txLinClrLst/>
-    <dgm:txFillClrLst meth="repeat">
-      <a:schemeClr val="dk1"/>
-    </dgm:txFillClrLst>
-    <dgm:txEffectClrLst/>
-  </dgm:styleLbl>
-  <dgm:styleLbl name="solidFgAcc1">
-    <dgm:fillClrLst meth="repeat">
-      <a:schemeClr val="lt1"/>
-    </dgm:fillClrLst>
-    <dgm:linClrLst>
-      <a:schemeClr val="accent2"/>
-      <a:schemeClr val="accent3"/>
-    </dgm:linClrLst>
-    <dgm:effectClrLst/>
-    <dgm:txLinClrLst/>
-    <dgm:txFillClrLst meth="repeat">
-      <a:schemeClr val="dk1"/>
-    </dgm:txFillClrLst>
-    <dgm:txEffectClrLst/>
-  </dgm:styleLbl>
-  <dgm:styleLbl name="solidAlignAcc1">
-    <dgm:fillClrLst meth="repeat">
-      <a:schemeClr val="lt1"/>
-    </dgm:fillClrLst>
-    <dgm:linClrLst>
-      <a:schemeClr val="accent2"/>
-      <a:schemeClr val="accent3"/>
-    </dgm:linClrLst>
-    <dgm:effectClrLst/>
-    <dgm:txLinClrLst/>
-    <dgm:txFillClrLst meth="repeat">
-      <a:schemeClr val="dk1"/>
-    </dgm:txFillClrLst>
-    <dgm:txEffectClrLst/>
-  </dgm:styleLbl>
-  <dgm:styleLbl name="solidBgAcc1">
-    <dgm:fillClrLst meth="repeat">
-      <a:schemeClr val="lt1"/>
-    </dgm:fillClrLst>
-    <dgm:linClrLst>
-      <a:schemeClr val="accent2"/>
-      <a:schemeClr val="accent3"/>
-    </dgm:linClrLst>
-    <dgm:effectClrLst/>
-    <dgm:txLinClrLst/>
-    <dgm:txFillClrLst meth="repeat">
-      <a:schemeClr val="dk1"/>
-    </dgm:txFillClrLst>
-    <dgm:txEffectClrLst/>
-  </dgm:styleLbl>
-  <dgm:styleLbl name="fgAccFollowNode1">
-    <dgm:fillClrLst>
-      <a:schemeClr val="accent2">
-        <a:tint val="40000"/>
-        <a:alpha val="90000"/>
-      </a:schemeClr>
-      <a:schemeClr val="accent3">
-        <a:tint val="40000"/>
-        <a:alpha val="90000"/>
-      </a:schemeClr>
-    </dgm:fillClrLst>
-    <dgm:linClrLst>
-      <a:schemeClr val="accent2">
-        <a:tint val="40000"/>
-        <a:alpha val="90000"/>
-      </a:schemeClr>
-      <a:schemeClr val="accent3">
-        <a:tint val="40000"/>
-        <a:alpha val="90000"/>
-      </a:schemeClr>
-    </dgm:linClrLst>
-    <dgm:effectClrLst/>
-    <dgm:txLinClrLst/>
-    <dgm:txFillClrLst meth="repeat">
-      <a:schemeClr val="dk1"/>
-    </dgm:txFillClrLst>
-    <dgm:txEffectClrLst/>
-  </dgm:styleLbl>
-  <dgm:styleLbl name="alignAccFollowNode1">
-    <dgm:fillClrLst>
-      <a:schemeClr val="accent2">
-        <a:tint val="40000"/>
-        <a:alpha val="90000"/>
-      </a:schemeClr>
-      <a:schemeClr val="accent3">
-        <a:tint val="40000"/>
-        <a:alpha val="90000"/>
-      </a:schemeClr>
-    </dgm:fillClrLst>
-    <dgm:linClrLst>
-      <a:schemeClr val="accent2">
-        <a:tint val="40000"/>
-        <a:alpha val="90000"/>
-      </a:schemeClr>
-      <a:schemeClr val="accent3">
-        <a:tint val="40000"/>
-        <a:alpha val="90000"/>
-      </a:schemeClr>
-    </dgm:linClrLst>
-    <dgm:effectClrLst/>
-    <dgm:txLinClrLst/>
-    <dgm:txFillClrLst meth="repeat">
-      <a:schemeClr val="dk1"/>
-    </dgm:txFillClrLst>
-    <dgm:txEffectClrLst/>
-  </dgm:styleLbl>
-  <dgm:styleLbl name="bgAccFollowNode1">
-    <dgm:fillClrLst>
-      <a:schemeClr val="accent2">
-        <a:tint val="40000"/>
-        <a:alpha val="90000"/>
-      </a:schemeClr>
-      <a:schemeClr val="accent3">
-        <a:tint val="40000"/>
-        <a:alpha val="90000"/>
-      </a:schemeClr>
-    </dgm:fillClrLst>
-    <dgm:linClrLst>
-      <a:schemeClr val="accent2">
-        <a:tint val="40000"/>
-        <a:alpha val="90000"/>
-      </a:schemeClr>
-      <a:schemeClr val="accent3">
-        <a:tint val="40000"/>
-        <a:alpha val="90000"/>
-      </a:schemeClr>
-    </dgm:linClrLst>
-    <dgm:effectClrLst/>
-    <dgm:txLinClrLst/>
-    <dgm:txFillClrLst meth="repeat">
-      <a:schemeClr val="dk1"/>
-    </dgm:txFillClrLst>
-    <dgm:txEffectClrLst/>
-  </dgm:styleLbl>
-  <dgm:styleLbl name="fgAcc0">
-    <dgm:fillClrLst meth="repeat">
-      <a:schemeClr val="lt1">
-        <a:alpha val="90000"/>
-      </a:schemeClr>
-    </dgm:fillClrLst>
-    <dgm:linClrLst>
-      <a:schemeClr val="accent1"/>
-    </dgm:linClrLst>
-    <dgm:effectClrLst/>
-    <dgm:txLinClrLst/>
-    <dgm:txFillClrLst meth="repeat">
-      <a:schemeClr val="dk1"/>
-    </dgm:txFillClrLst>
-    <dgm:txEffectClrLst/>
-  </dgm:styleLbl>
-  <dgm:styleLbl name="fgAcc2">
-    <dgm:fillClrLst meth="repeat">
-      <a:schemeClr val="lt1">
-        <a:alpha val="90000"/>
-      </a:schemeClr>
-    </dgm:fillClrLst>
-    <dgm:linClrLst>
-      <a:schemeClr val="accent3"/>
-    </dgm:linClrLst>
-    <dgm:effectClrLst/>
-    <dgm:txLinClrLst/>
-    <dgm:txFillClrLst meth="repeat">
-      <a:schemeClr val="dk1"/>
-    </dgm:txFillClrLst>
-    <dgm:txEffectClrLst/>
-  </dgm:styleLbl>
-  <dgm:styleLbl name="fgAcc3">
-    <dgm:fillClrLst meth="repeat">
-      <a:schemeClr val="lt1">
-        <a:alpha val="90000"/>
-      </a:schemeClr>
-    </dgm:fillClrLst>
-    <dgm:linClrLst>
-      <a:schemeClr val="accent4"/>
-    </dgm:linClrLst>
-    <dgm:effectClrLst/>
-    <dgm:txLinClrLst/>
-    <dgm:txFillClrLst meth="repeat">
-      <a:schemeClr val="dk1"/>
-    </dgm:txFillClrLst>
-    <dgm:txEffectClrLst/>
-  </dgm:styleLbl>
-  <dgm:styleLbl name="fgAcc4">
-    <dgm:fillClrLst meth="repeat">
-      <a:schemeClr val="lt1">
-        <a:alpha val="90000"/>
-      </a:schemeClr>
-    </dgm:fillClrLst>
-    <dgm:linClrLst>
-      <a:schemeClr val="accent5"/>
-    </dgm:linClrLst>
-    <dgm:effectClrLst/>
-    <dgm:txLinClrLst/>
-    <dgm:txFillClrLst meth="repeat">
-      <a:schemeClr val="dk1"/>
-    </dgm:txFillClrLst>
-    <dgm:txEffectClrLst/>
-  </dgm:styleLbl>
-  <dgm:styleLbl name="bgShp">
-    <dgm:fillClrLst meth="repeat">
-      <a:schemeClr val="accent2">
-        <a:tint val="40000"/>
-      </a:schemeClr>
-    </dgm:fillClrLst>
-    <dgm:linClrLst meth="repeat">
-      <a:schemeClr val="dk1"/>
-    </dgm:linClrLst>
-    <dgm:effectClrLst/>
-    <dgm:txLinClrLst/>
-    <dgm:txFillClrLst meth="repeat">
-      <a:schemeClr val="dk1"/>
-    </dgm:txFillClrLst>
-    <dgm:txEffectClrLst/>
-  </dgm:styleLbl>
-  <dgm:styleLbl name="dkBgShp">
-    <dgm:fillClrLst meth="repeat">
-      <a:schemeClr val="accent2">
-        <a:shade val="90000"/>
-      </a:schemeClr>
-    </dgm:fillClrLst>
-    <dgm:linClrLst meth="repeat">
-      <a:schemeClr val="dk1"/>
-    </dgm:linClrLst>
-    <dgm:effectClrLst/>
-    <dgm:txLinClrLst/>
-    <dgm:txFillClrLst meth="repeat">
-      <a:schemeClr val="lt1"/>
-    </dgm:txFillClrLst>
-    <dgm:txEffectClrLst/>
-  </dgm:styleLbl>
-  <dgm:styleLbl name="trBgShp">
-    <dgm:fillClrLst meth="repeat">
-      <a:schemeClr val="accent2">
-        <a:tint val="50000"/>
-        <a:alpha val="40000"/>
-      </a:schemeClr>
-    </dgm:fillClrLst>
-    <dgm:linClrLst meth="repeat">
-      <a:schemeClr val="accent2"/>
-    </dgm:linClrLst>
-    <dgm:effectClrLst/>
-    <dgm:txLinClrLst/>
-    <dgm:txFillClrLst meth="repeat">
-      <a:schemeClr val="lt1"/>
-    </dgm:txFillClrLst>
-    <dgm:txEffectClrLst/>
-  </dgm:styleLbl>
-  <dgm:styleLbl name="fgShp">
-    <dgm:fillClrLst meth="repeat">
-      <a:schemeClr val="accent2">
-        <a:tint val="40000"/>
-      </a:schemeClr>
-    </dgm:fillClrLst>
-    <dgm:linClrLst meth="repeat">
-      <a:schemeClr val="lt1"/>
-    </dgm:linClrLst>
-    <dgm:effectClrLst/>
-    <dgm:txLinClrLst/>
-    <dgm:txFillClrLst meth="repeat">
-      <a:schemeClr val="dk1"/>
-    </dgm:txFillClrLst>
-    <dgm:txEffectClrLst/>
-  </dgm:styleLbl>
-  <dgm:styleLbl name="revTx">
-    <dgm:fillClrLst meth="repeat">
-      <a:schemeClr val="lt1">
-        <a:alpha val="0"/>
-      </a:schemeClr>
-    </dgm:fillClrLst>
-    <dgm:linClrLst meth="repeat">
-      <a:schemeClr val="dk1">
-        <a:alpha val="0"/>
-      </a:schemeClr>
-    </dgm:linClrLst>
-    <dgm:effectClrLst/>
-    <dgm:txLinClrLst/>
-    <dgm:txFillClrLst meth="repeat">
-      <a:schemeClr val="tx1"/>
-    </dgm:txFillClrLst>
-    <dgm:txEffectClrLst/>
-  </dgm:styleLbl>
-</dgm:colorsDef>
-</file>
-
-<file path=ppt/diagrams/colors3.xml><?xml version="1.0" encoding="utf-8"?>
 <dgm:colorsDef xmlns:dgm="http://schemas.openxmlformats.org/drawingml/2006/diagram" xmlns:a="http://schemas.openxmlformats.org/drawingml/2006/main" uniqueId="urn:microsoft.com/office/officeart/2018/5/colors/Iconchunking_neutralbg_colorful1">
   <dgm:title val=""/>
   <dgm:desc val=""/>
@@ -2540,6 +1761,1535 @@
     <dgm:fillClrLst meth="repeat">
       <a:schemeClr val="accent2">
         <a:tint val="40000"/>
+      </a:schemeClr>
+    </dgm:fillClrLst>
+    <dgm:linClrLst meth="repeat">
+      <a:schemeClr val="lt1"/>
+    </dgm:linClrLst>
+    <dgm:effectClrLst/>
+    <dgm:txLinClrLst/>
+    <dgm:txFillClrLst meth="repeat">
+      <a:schemeClr val="dk1"/>
+    </dgm:txFillClrLst>
+    <dgm:txEffectClrLst/>
+  </dgm:styleLbl>
+  <dgm:styleLbl name="revTx">
+    <dgm:fillClrLst meth="repeat">
+      <a:schemeClr val="lt1">
+        <a:alpha val="0"/>
+      </a:schemeClr>
+    </dgm:fillClrLst>
+    <dgm:linClrLst meth="repeat">
+      <a:schemeClr val="dk1">
+        <a:alpha val="0"/>
+      </a:schemeClr>
+    </dgm:linClrLst>
+    <dgm:effectClrLst/>
+    <dgm:txLinClrLst/>
+    <dgm:txFillClrLst meth="repeat">
+      <a:schemeClr val="tx1"/>
+    </dgm:txFillClrLst>
+    <dgm:txEffectClrLst/>
+  </dgm:styleLbl>
+</dgm:colorsDef>
+</file>
+
+<file path=ppt/diagrams/colors3.xml><?xml version="1.0" encoding="utf-8"?>
+<dgm:colorsDef xmlns:dgm="http://schemas.openxmlformats.org/drawingml/2006/diagram" xmlns:a="http://schemas.openxmlformats.org/drawingml/2006/main" uniqueId="urn:microsoft.com/office/officeart/2005/8/colors/colorful2">
+  <dgm:title val=""/>
+  <dgm:desc val=""/>
+  <dgm:catLst>
+    <dgm:cat type="colorful" pri="10200"/>
+  </dgm:catLst>
+  <dgm:styleLbl name="node0">
+    <dgm:fillClrLst meth="repeat">
+      <a:schemeClr val="accent1"/>
+    </dgm:fillClrLst>
+    <dgm:linClrLst meth="repeat">
+      <a:schemeClr val="lt1"/>
+    </dgm:linClrLst>
+    <dgm:effectClrLst/>
+    <dgm:txLinClrLst/>
+    <dgm:txFillClrLst/>
+    <dgm:txEffectClrLst/>
+  </dgm:styleLbl>
+  <dgm:styleLbl name="node1">
+    <dgm:fillClrLst>
+      <a:schemeClr val="accent2"/>
+      <a:schemeClr val="accent3"/>
+    </dgm:fillClrLst>
+    <dgm:linClrLst meth="repeat">
+      <a:schemeClr val="lt1"/>
+    </dgm:linClrLst>
+    <dgm:effectClrLst/>
+    <dgm:txLinClrLst/>
+    <dgm:txFillClrLst/>
+    <dgm:txEffectClrLst/>
+  </dgm:styleLbl>
+  <dgm:styleLbl name="alignNode1">
+    <dgm:fillClrLst>
+      <a:schemeClr val="accent2"/>
+      <a:schemeClr val="accent3"/>
+    </dgm:fillClrLst>
+    <dgm:linClrLst>
+      <a:schemeClr val="accent2"/>
+      <a:schemeClr val="accent3"/>
+    </dgm:linClrLst>
+    <dgm:effectClrLst/>
+    <dgm:txLinClrLst/>
+    <dgm:txFillClrLst/>
+    <dgm:txEffectClrLst/>
+  </dgm:styleLbl>
+  <dgm:styleLbl name="lnNode1">
+    <dgm:fillClrLst>
+      <a:schemeClr val="accent2"/>
+      <a:schemeClr val="accent3"/>
+    </dgm:fillClrLst>
+    <dgm:linClrLst meth="repeat">
+      <a:schemeClr val="lt1"/>
+    </dgm:linClrLst>
+    <dgm:effectClrLst/>
+    <dgm:txLinClrLst/>
+    <dgm:txFillClrLst/>
+    <dgm:txEffectClrLst/>
+  </dgm:styleLbl>
+  <dgm:styleLbl name="vennNode1">
+    <dgm:fillClrLst>
+      <a:schemeClr val="accent2">
+        <a:alpha val="50000"/>
+      </a:schemeClr>
+      <a:schemeClr val="accent3">
+        <a:alpha val="50000"/>
+      </a:schemeClr>
+    </dgm:fillClrLst>
+    <dgm:linClrLst meth="repeat">
+      <a:schemeClr val="lt1"/>
+    </dgm:linClrLst>
+    <dgm:effectClrLst/>
+    <dgm:txLinClrLst/>
+    <dgm:txFillClrLst/>
+    <dgm:txEffectClrLst/>
+  </dgm:styleLbl>
+  <dgm:styleLbl name="node2">
+    <dgm:fillClrLst>
+      <a:schemeClr val="accent3"/>
+    </dgm:fillClrLst>
+    <dgm:linClrLst meth="repeat">
+      <a:schemeClr val="lt1"/>
+    </dgm:linClrLst>
+    <dgm:effectClrLst/>
+    <dgm:txLinClrLst/>
+    <dgm:txFillClrLst/>
+    <dgm:txEffectClrLst/>
+  </dgm:styleLbl>
+  <dgm:styleLbl name="node3">
+    <dgm:fillClrLst>
+      <a:schemeClr val="accent4"/>
+    </dgm:fillClrLst>
+    <dgm:linClrLst meth="repeat">
+      <a:schemeClr val="lt1"/>
+    </dgm:linClrLst>
+    <dgm:effectClrLst/>
+    <dgm:txLinClrLst/>
+    <dgm:txFillClrLst/>
+    <dgm:txEffectClrLst/>
+  </dgm:styleLbl>
+  <dgm:styleLbl name="node4">
+    <dgm:fillClrLst>
+      <a:schemeClr val="accent5"/>
+    </dgm:fillClrLst>
+    <dgm:linClrLst meth="repeat">
+      <a:schemeClr val="lt1"/>
+    </dgm:linClrLst>
+    <dgm:effectClrLst/>
+    <dgm:txLinClrLst/>
+    <dgm:txFillClrLst/>
+    <dgm:txEffectClrLst/>
+  </dgm:styleLbl>
+  <dgm:styleLbl name="fgImgPlace1">
+    <dgm:fillClrLst>
+      <a:schemeClr val="accent2">
+        <a:tint val="50000"/>
+      </a:schemeClr>
+      <a:schemeClr val="accent3">
+        <a:tint val="50000"/>
+      </a:schemeClr>
+    </dgm:fillClrLst>
+    <dgm:linClrLst meth="repeat">
+      <a:schemeClr val="lt1"/>
+    </dgm:linClrLst>
+    <dgm:effectClrLst/>
+    <dgm:txLinClrLst/>
+    <dgm:txFillClrLst meth="repeat">
+      <a:schemeClr val="lt1"/>
+    </dgm:txFillClrLst>
+    <dgm:txEffectClrLst/>
+  </dgm:styleLbl>
+  <dgm:styleLbl name="alignImgPlace1">
+    <dgm:fillClrLst>
+      <a:schemeClr val="accent2">
+        <a:tint val="50000"/>
+      </a:schemeClr>
+      <a:schemeClr val="accent3">
+        <a:tint val="20000"/>
+      </a:schemeClr>
+    </dgm:fillClrLst>
+    <dgm:linClrLst meth="repeat">
+      <a:schemeClr val="lt1"/>
+    </dgm:linClrLst>
+    <dgm:effectClrLst/>
+    <dgm:txLinClrLst/>
+    <dgm:txFillClrLst meth="repeat">
+      <a:schemeClr val="lt1"/>
+    </dgm:txFillClrLst>
+    <dgm:txEffectClrLst/>
+  </dgm:styleLbl>
+  <dgm:styleLbl name="bgImgPlace1">
+    <dgm:fillClrLst>
+      <a:schemeClr val="accent2">
+        <a:tint val="50000"/>
+      </a:schemeClr>
+      <a:schemeClr val="accent3">
+        <a:tint val="20000"/>
+      </a:schemeClr>
+    </dgm:fillClrLst>
+    <dgm:linClrLst meth="repeat">
+      <a:schemeClr val="lt1"/>
+    </dgm:linClrLst>
+    <dgm:effectClrLst/>
+    <dgm:txLinClrLst/>
+    <dgm:txFillClrLst meth="repeat">
+      <a:schemeClr val="lt1"/>
+    </dgm:txFillClrLst>
+    <dgm:txEffectClrLst/>
+  </dgm:styleLbl>
+  <dgm:styleLbl name="sibTrans2D1">
+    <dgm:fillClrLst>
+      <a:schemeClr val="accent2"/>
+      <a:schemeClr val="accent3"/>
+    </dgm:fillClrLst>
+    <dgm:linClrLst meth="repeat">
+      <a:schemeClr val="lt1"/>
+    </dgm:linClrLst>
+    <dgm:effectClrLst/>
+    <dgm:txLinClrLst/>
+    <dgm:txFillClrLst/>
+    <dgm:txEffectClrLst/>
+  </dgm:styleLbl>
+  <dgm:styleLbl name="fgSibTrans2D1">
+    <dgm:fillClrLst>
+      <a:schemeClr val="accent2"/>
+      <a:schemeClr val="accent3"/>
+    </dgm:fillClrLst>
+    <dgm:linClrLst meth="repeat">
+      <a:schemeClr val="lt1"/>
+    </dgm:linClrLst>
+    <dgm:effectClrLst/>
+    <dgm:txLinClrLst/>
+    <dgm:txFillClrLst meth="repeat">
+      <a:schemeClr val="lt1"/>
+    </dgm:txFillClrLst>
+    <dgm:txEffectClrLst/>
+  </dgm:styleLbl>
+  <dgm:styleLbl name="bgSibTrans2D1">
+    <dgm:fillClrLst>
+      <a:schemeClr val="accent2"/>
+      <a:schemeClr val="accent3"/>
+    </dgm:fillClrLst>
+    <dgm:linClrLst meth="repeat">
+      <a:schemeClr val="lt1"/>
+    </dgm:linClrLst>
+    <dgm:effectClrLst/>
+    <dgm:txLinClrLst/>
+    <dgm:txFillClrLst meth="repeat">
+      <a:schemeClr val="lt1"/>
+    </dgm:txFillClrLst>
+    <dgm:txEffectClrLst/>
+  </dgm:styleLbl>
+  <dgm:styleLbl name="sibTrans1D1">
+    <dgm:fillClrLst/>
+    <dgm:linClrLst>
+      <a:schemeClr val="accent2"/>
+      <a:schemeClr val="accent3"/>
+    </dgm:linClrLst>
+    <dgm:effectClrLst/>
+    <dgm:txLinClrLst/>
+    <dgm:txFillClrLst meth="repeat">
+      <a:schemeClr val="tx1"/>
+    </dgm:txFillClrLst>
+    <dgm:txEffectClrLst/>
+  </dgm:styleLbl>
+  <dgm:styleLbl name="callout">
+    <dgm:fillClrLst meth="repeat">
+      <a:schemeClr val="accent2"/>
+    </dgm:fillClrLst>
+    <dgm:linClrLst meth="repeat">
+      <a:schemeClr val="accent2">
+        <a:tint val="50000"/>
+      </a:schemeClr>
+    </dgm:linClrLst>
+    <dgm:effectClrLst/>
+    <dgm:txLinClrLst/>
+    <dgm:txFillClrLst meth="repeat">
+      <a:schemeClr val="tx1"/>
+    </dgm:txFillClrLst>
+    <dgm:txEffectClrLst/>
+  </dgm:styleLbl>
+  <dgm:styleLbl name="asst0">
+    <dgm:fillClrLst meth="repeat">
+      <a:schemeClr val="accent2"/>
+    </dgm:fillClrLst>
+    <dgm:linClrLst meth="repeat">
+      <a:schemeClr val="lt1">
+        <a:shade val="80000"/>
+      </a:schemeClr>
+    </dgm:linClrLst>
+    <dgm:effectClrLst/>
+    <dgm:txLinClrLst/>
+    <dgm:txFillClrLst/>
+    <dgm:txEffectClrLst/>
+  </dgm:styleLbl>
+  <dgm:styleLbl name="asst1">
+    <dgm:fillClrLst meth="repeat">
+      <a:schemeClr val="accent3"/>
+    </dgm:fillClrLst>
+    <dgm:linClrLst meth="repeat">
+      <a:schemeClr val="lt1">
+        <a:shade val="80000"/>
+      </a:schemeClr>
+    </dgm:linClrLst>
+    <dgm:effectClrLst/>
+    <dgm:txLinClrLst/>
+    <dgm:txFillClrLst/>
+    <dgm:txEffectClrLst/>
+  </dgm:styleLbl>
+  <dgm:styleLbl name="asst2">
+    <dgm:fillClrLst>
+      <a:schemeClr val="accent4"/>
+    </dgm:fillClrLst>
+    <dgm:linClrLst meth="repeat">
+      <a:schemeClr val="lt1"/>
+    </dgm:linClrLst>
+    <dgm:effectClrLst/>
+    <dgm:txLinClrLst/>
+    <dgm:txFillClrLst/>
+    <dgm:txEffectClrLst/>
+  </dgm:styleLbl>
+  <dgm:styleLbl name="asst3">
+    <dgm:fillClrLst>
+      <a:schemeClr val="accent5"/>
+    </dgm:fillClrLst>
+    <dgm:linClrLst meth="repeat">
+      <a:schemeClr val="lt1"/>
+    </dgm:linClrLst>
+    <dgm:effectClrLst/>
+    <dgm:txLinClrLst/>
+    <dgm:txFillClrLst/>
+    <dgm:txEffectClrLst/>
+  </dgm:styleLbl>
+  <dgm:styleLbl name="asst4">
+    <dgm:fillClrLst>
+      <a:schemeClr val="accent6"/>
+    </dgm:fillClrLst>
+    <dgm:linClrLst meth="repeat">
+      <a:schemeClr val="lt1"/>
+    </dgm:linClrLst>
+    <dgm:effectClrLst/>
+    <dgm:txLinClrLst/>
+    <dgm:txFillClrLst/>
+    <dgm:txEffectClrLst/>
+  </dgm:styleLbl>
+  <dgm:styleLbl name="parChTrans2D1">
+    <dgm:fillClrLst meth="repeat">
+      <a:schemeClr val="accent2"/>
+    </dgm:fillClrLst>
+    <dgm:linClrLst meth="repeat">
+      <a:schemeClr val="lt1"/>
+    </dgm:linClrLst>
+    <dgm:effectClrLst/>
+    <dgm:txLinClrLst/>
+    <dgm:txFillClrLst meth="repeat">
+      <a:schemeClr val="lt1"/>
+    </dgm:txFillClrLst>
+    <dgm:txEffectClrLst/>
+  </dgm:styleLbl>
+  <dgm:styleLbl name="parChTrans2D2">
+    <dgm:fillClrLst meth="repeat">
+      <a:schemeClr val="accent3"/>
+    </dgm:fillClrLst>
+    <dgm:linClrLst meth="repeat">
+      <a:schemeClr val="lt1"/>
+    </dgm:linClrLst>
+    <dgm:effectClrLst/>
+    <dgm:txLinClrLst/>
+    <dgm:txFillClrLst/>
+    <dgm:txEffectClrLst/>
+  </dgm:styleLbl>
+  <dgm:styleLbl name="parChTrans2D3">
+    <dgm:fillClrLst meth="repeat">
+      <a:schemeClr val="accent4"/>
+    </dgm:fillClrLst>
+    <dgm:linClrLst meth="repeat">
+      <a:schemeClr val="lt1"/>
+    </dgm:linClrLst>
+    <dgm:effectClrLst/>
+    <dgm:txLinClrLst/>
+    <dgm:txFillClrLst/>
+    <dgm:txEffectClrLst/>
+  </dgm:styleLbl>
+  <dgm:styleLbl name="parChTrans2D4">
+    <dgm:fillClrLst meth="repeat">
+      <a:schemeClr val="accent5"/>
+    </dgm:fillClrLst>
+    <dgm:linClrLst meth="repeat">
+      <a:schemeClr val="lt1"/>
+    </dgm:linClrLst>
+    <dgm:effectClrLst/>
+    <dgm:txLinClrLst/>
+    <dgm:txFillClrLst meth="repeat">
+      <a:schemeClr val="lt1"/>
+    </dgm:txFillClrLst>
+    <dgm:txEffectClrLst/>
+  </dgm:styleLbl>
+  <dgm:styleLbl name="parChTrans1D1">
+    <dgm:fillClrLst meth="repeat">
+      <a:schemeClr val="accent2"/>
+    </dgm:fillClrLst>
+    <dgm:linClrLst meth="repeat">
+      <a:schemeClr val="accent2"/>
+    </dgm:linClrLst>
+    <dgm:effectClrLst/>
+    <dgm:txLinClrLst/>
+    <dgm:txFillClrLst meth="repeat">
+      <a:schemeClr val="tx1"/>
+    </dgm:txFillClrLst>
+    <dgm:txEffectClrLst/>
+  </dgm:styleLbl>
+  <dgm:styleLbl name="parChTrans1D2">
+    <dgm:fillClrLst meth="repeat">
+      <a:schemeClr val="accent2">
+        <a:tint val="90000"/>
+      </a:schemeClr>
+    </dgm:fillClrLst>
+    <dgm:linClrLst meth="repeat">
+      <a:schemeClr val="accent3"/>
+    </dgm:linClrLst>
+    <dgm:effectClrLst/>
+    <dgm:txLinClrLst/>
+    <dgm:txFillClrLst meth="repeat">
+      <a:schemeClr val="tx1"/>
+    </dgm:txFillClrLst>
+    <dgm:txEffectClrLst/>
+  </dgm:styleLbl>
+  <dgm:styleLbl name="parChTrans1D3">
+    <dgm:fillClrLst meth="repeat">
+      <a:schemeClr val="accent2">
+        <a:tint val="70000"/>
+      </a:schemeClr>
+    </dgm:fillClrLst>
+    <dgm:linClrLst meth="repeat">
+      <a:schemeClr val="accent4"/>
+    </dgm:linClrLst>
+    <dgm:effectClrLst/>
+    <dgm:txLinClrLst/>
+    <dgm:txFillClrLst meth="repeat">
+      <a:schemeClr val="tx1"/>
+    </dgm:txFillClrLst>
+    <dgm:txEffectClrLst/>
+  </dgm:styleLbl>
+  <dgm:styleLbl name="parChTrans1D4">
+    <dgm:fillClrLst meth="repeat">
+      <a:schemeClr val="accent2">
+        <a:tint val="50000"/>
+      </a:schemeClr>
+    </dgm:fillClrLst>
+    <dgm:linClrLst meth="repeat">
+      <a:schemeClr val="accent5"/>
+    </dgm:linClrLst>
+    <dgm:effectClrLst/>
+    <dgm:txLinClrLst/>
+    <dgm:txFillClrLst meth="repeat">
+      <a:schemeClr val="tx1"/>
+    </dgm:txFillClrLst>
+    <dgm:txEffectClrLst/>
+  </dgm:styleLbl>
+  <dgm:styleLbl name="fgAcc1">
+    <dgm:fillClrLst meth="repeat">
+      <a:schemeClr val="lt1">
+        <a:alpha val="90000"/>
+      </a:schemeClr>
+    </dgm:fillClrLst>
+    <dgm:linClrLst>
+      <a:schemeClr val="accent2"/>
+      <a:schemeClr val="accent3"/>
+    </dgm:linClrLst>
+    <dgm:effectClrLst/>
+    <dgm:txLinClrLst/>
+    <dgm:txFillClrLst meth="repeat">
+      <a:schemeClr val="dk1"/>
+    </dgm:txFillClrLst>
+    <dgm:txEffectClrLst/>
+  </dgm:styleLbl>
+  <dgm:styleLbl name="conFgAcc1">
+    <dgm:fillClrLst meth="repeat">
+      <a:schemeClr val="lt1">
+        <a:alpha val="90000"/>
+      </a:schemeClr>
+    </dgm:fillClrLst>
+    <dgm:linClrLst>
+      <a:schemeClr val="accent2"/>
+      <a:schemeClr val="accent3"/>
+    </dgm:linClrLst>
+    <dgm:effectClrLst/>
+    <dgm:txLinClrLst/>
+    <dgm:txFillClrLst meth="repeat">
+      <a:schemeClr val="dk1"/>
+    </dgm:txFillClrLst>
+    <dgm:txEffectClrLst/>
+  </dgm:styleLbl>
+  <dgm:styleLbl name="alignAcc1">
+    <dgm:fillClrLst meth="repeat">
+      <a:schemeClr val="lt1">
+        <a:alpha val="90000"/>
+      </a:schemeClr>
+    </dgm:fillClrLst>
+    <dgm:linClrLst>
+      <a:schemeClr val="accent2"/>
+      <a:schemeClr val="accent3"/>
+    </dgm:linClrLst>
+    <dgm:effectClrLst/>
+    <dgm:txLinClrLst/>
+    <dgm:txFillClrLst meth="repeat">
+      <a:schemeClr val="dk1"/>
+    </dgm:txFillClrLst>
+    <dgm:txEffectClrLst/>
+  </dgm:styleLbl>
+  <dgm:styleLbl name="trAlignAcc1">
+    <dgm:fillClrLst meth="repeat">
+      <a:schemeClr val="lt1">
+        <a:alpha val="40000"/>
+      </a:schemeClr>
+    </dgm:fillClrLst>
+    <dgm:linClrLst meth="repeat">
+      <a:schemeClr val="accent2"/>
+    </dgm:linClrLst>
+    <dgm:effectClrLst/>
+    <dgm:txLinClrLst/>
+    <dgm:txFillClrLst meth="repeat">
+      <a:schemeClr val="dk1"/>
+    </dgm:txFillClrLst>
+    <dgm:txEffectClrLst/>
+  </dgm:styleLbl>
+  <dgm:styleLbl name="bgAcc1">
+    <dgm:fillClrLst meth="repeat">
+      <a:schemeClr val="lt1">
+        <a:alpha val="90000"/>
+      </a:schemeClr>
+    </dgm:fillClrLst>
+    <dgm:linClrLst>
+      <a:schemeClr val="accent2"/>
+      <a:schemeClr val="accent3"/>
+    </dgm:linClrLst>
+    <dgm:effectClrLst/>
+    <dgm:txLinClrLst/>
+    <dgm:txFillClrLst meth="repeat">
+      <a:schemeClr val="dk1"/>
+    </dgm:txFillClrLst>
+    <dgm:txEffectClrLst/>
+  </dgm:styleLbl>
+  <dgm:styleLbl name="solidFgAcc1">
+    <dgm:fillClrLst meth="repeat">
+      <a:schemeClr val="lt1"/>
+    </dgm:fillClrLst>
+    <dgm:linClrLst>
+      <a:schemeClr val="accent2"/>
+      <a:schemeClr val="accent3"/>
+    </dgm:linClrLst>
+    <dgm:effectClrLst/>
+    <dgm:txLinClrLst/>
+    <dgm:txFillClrLst meth="repeat">
+      <a:schemeClr val="dk1"/>
+    </dgm:txFillClrLst>
+    <dgm:txEffectClrLst/>
+  </dgm:styleLbl>
+  <dgm:styleLbl name="solidAlignAcc1">
+    <dgm:fillClrLst meth="repeat">
+      <a:schemeClr val="lt1"/>
+    </dgm:fillClrLst>
+    <dgm:linClrLst>
+      <a:schemeClr val="accent2"/>
+      <a:schemeClr val="accent3"/>
+    </dgm:linClrLst>
+    <dgm:effectClrLst/>
+    <dgm:txLinClrLst/>
+    <dgm:txFillClrLst meth="repeat">
+      <a:schemeClr val="dk1"/>
+    </dgm:txFillClrLst>
+    <dgm:txEffectClrLst/>
+  </dgm:styleLbl>
+  <dgm:styleLbl name="solidBgAcc1">
+    <dgm:fillClrLst meth="repeat">
+      <a:schemeClr val="lt1"/>
+    </dgm:fillClrLst>
+    <dgm:linClrLst>
+      <a:schemeClr val="accent2"/>
+      <a:schemeClr val="accent3"/>
+    </dgm:linClrLst>
+    <dgm:effectClrLst/>
+    <dgm:txLinClrLst/>
+    <dgm:txFillClrLst meth="repeat">
+      <a:schemeClr val="dk1"/>
+    </dgm:txFillClrLst>
+    <dgm:txEffectClrLst/>
+  </dgm:styleLbl>
+  <dgm:styleLbl name="fgAccFollowNode1">
+    <dgm:fillClrLst>
+      <a:schemeClr val="accent2">
+        <a:tint val="40000"/>
+        <a:alpha val="90000"/>
+      </a:schemeClr>
+      <a:schemeClr val="accent3">
+        <a:tint val="40000"/>
+        <a:alpha val="90000"/>
+      </a:schemeClr>
+    </dgm:fillClrLst>
+    <dgm:linClrLst>
+      <a:schemeClr val="accent2">
+        <a:tint val="40000"/>
+        <a:alpha val="90000"/>
+      </a:schemeClr>
+      <a:schemeClr val="accent3">
+        <a:tint val="40000"/>
+        <a:alpha val="90000"/>
+      </a:schemeClr>
+    </dgm:linClrLst>
+    <dgm:effectClrLst/>
+    <dgm:txLinClrLst/>
+    <dgm:txFillClrLst meth="repeat">
+      <a:schemeClr val="dk1"/>
+    </dgm:txFillClrLst>
+    <dgm:txEffectClrLst/>
+  </dgm:styleLbl>
+  <dgm:styleLbl name="alignAccFollowNode1">
+    <dgm:fillClrLst>
+      <a:schemeClr val="accent2">
+        <a:tint val="40000"/>
+        <a:alpha val="90000"/>
+      </a:schemeClr>
+      <a:schemeClr val="accent3">
+        <a:tint val="40000"/>
+        <a:alpha val="90000"/>
+      </a:schemeClr>
+    </dgm:fillClrLst>
+    <dgm:linClrLst>
+      <a:schemeClr val="accent2">
+        <a:tint val="40000"/>
+        <a:alpha val="90000"/>
+      </a:schemeClr>
+      <a:schemeClr val="accent3">
+        <a:tint val="40000"/>
+        <a:alpha val="90000"/>
+      </a:schemeClr>
+    </dgm:linClrLst>
+    <dgm:effectClrLst/>
+    <dgm:txLinClrLst/>
+    <dgm:txFillClrLst meth="repeat">
+      <a:schemeClr val="dk1"/>
+    </dgm:txFillClrLst>
+    <dgm:txEffectClrLst/>
+  </dgm:styleLbl>
+  <dgm:styleLbl name="bgAccFollowNode1">
+    <dgm:fillClrLst>
+      <a:schemeClr val="accent2">
+        <a:tint val="40000"/>
+        <a:alpha val="90000"/>
+      </a:schemeClr>
+      <a:schemeClr val="accent3">
+        <a:tint val="40000"/>
+        <a:alpha val="90000"/>
+      </a:schemeClr>
+    </dgm:fillClrLst>
+    <dgm:linClrLst>
+      <a:schemeClr val="accent2">
+        <a:tint val="40000"/>
+        <a:alpha val="90000"/>
+      </a:schemeClr>
+      <a:schemeClr val="accent3">
+        <a:tint val="40000"/>
+        <a:alpha val="90000"/>
+      </a:schemeClr>
+    </dgm:linClrLst>
+    <dgm:effectClrLst/>
+    <dgm:txLinClrLst/>
+    <dgm:txFillClrLst meth="repeat">
+      <a:schemeClr val="dk1"/>
+    </dgm:txFillClrLst>
+    <dgm:txEffectClrLst/>
+  </dgm:styleLbl>
+  <dgm:styleLbl name="fgAcc0">
+    <dgm:fillClrLst meth="repeat">
+      <a:schemeClr val="lt1">
+        <a:alpha val="90000"/>
+      </a:schemeClr>
+    </dgm:fillClrLst>
+    <dgm:linClrLst>
+      <a:schemeClr val="accent1"/>
+    </dgm:linClrLst>
+    <dgm:effectClrLst/>
+    <dgm:txLinClrLst/>
+    <dgm:txFillClrLst meth="repeat">
+      <a:schemeClr val="dk1"/>
+    </dgm:txFillClrLst>
+    <dgm:txEffectClrLst/>
+  </dgm:styleLbl>
+  <dgm:styleLbl name="fgAcc2">
+    <dgm:fillClrLst meth="repeat">
+      <a:schemeClr val="lt1">
+        <a:alpha val="90000"/>
+      </a:schemeClr>
+    </dgm:fillClrLst>
+    <dgm:linClrLst>
+      <a:schemeClr val="accent3"/>
+    </dgm:linClrLst>
+    <dgm:effectClrLst/>
+    <dgm:txLinClrLst/>
+    <dgm:txFillClrLst meth="repeat">
+      <a:schemeClr val="dk1"/>
+    </dgm:txFillClrLst>
+    <dgm:txEffectClrLst/>
+  </dgm:styleLbl>
+  <dgm:styleLbl name="fgAcc3">
+    <dgm:fillClrLst meth="repeat">
+      <a:schemeClr val="lt1">
+        <a:alpha val="90000"/>
+      </a:schemeClr>
+    </dgm:fillClrLst>
+    <dgm:linClrLst>
+      <a:schemeClr val="accent4"/>
+    </dgm:linClrLst>
+    <dgm:effectClrLst/>
+    <dgm:txLinClrLst/>
+    <dgm:txFillClrLst meth="repeat">
+      <a:schemeClr val="dk1"/>
+    </dgm:txFillClrLst>
+    <dgm:txEffectClrLst/>
+  </dgm:styleLbl>
+  <dgm:styleLbl name="fgAcc4">
+    <dgm:fillClrLst meth="repeat">
+      <a:schemeClr val="lt1">
+        <a:alpha val="90000"/>
+      </a:schemeClr>
+    </dgm:fillClrLst>
+    <dgm:linClrLst>
+      <a:schemeClr val="accent5"/>
+    </dgm:linClrLst>
+    <dgm:effectClrLst/>
+    <dgm:txLinClrLst/>
+    <dgm:txFillClrLst meth="repeat">
+      <a:schemeClr val="dk1"/>
+    </dgm:txFillClrLst>
+    <dgm:txEffectClrLst/>
+  </dgm:styleLbl>
+  <dgm:styleLbl name="bgShp">
+    <dgm:fillClrLst meth="repeat">
+      <a:schemeClr val="accent2">
+        <a:tint val="40000"/>
+      </a:schemeClr>
+    </dgm:fillClrLst>
+    <dgm:linClrLst meth="repeat">
+      <a:schemeClr val="dk1"/>
+    </dgm:linClrLst>
+    <dgm:effectClrLst/>
+    <dgm:txLinClrLst/>
+    <dgm:txFillClrLst meth="repeat">
+      <a:schemeClr val="dk1"/>
+    </dgm:txFillClrLst>
+    <dgm:txEffectClrLst/>
+  </dgm:styleLbl>
+  <dgm:styleLbl name="dkBgShp">
+    <dgm:fillClrLst meth="repeat">
+      <a:schemeClr val="accent2">
+        <a:shade val="90000"/>
+      </a:schemeClr>
+    </dgm:fillClrLst>
+    <dgm:linClrLst meth="repeat">
+      <a:schemeClr val="dk1"/>
+    </dgm:linClrLst>
+    <dgm:effectClrLst/>
+    <dgm:txLinClrLst/>
+    <dgm:txFillClrLst meth="repeat">
+      <a:schemeClr val="lt1"/>
+    </dgm:txFillClrLst>
+    <dgm:txEffectClrLst/>
+  </dgm:styleLbl>
+  <dgm:styleLbl name="trBgShp">
+    <dgm:fillClrLst meth="repeat">
+      <a:schemeClr val="accent2">
+        <a:tint val="50000"/>
+        <a:alpha val="40000"/>
+      </a:schemeClr>
+    </dgm:fillClrLst>
+    <dgm:linClrLst meth="repeat">
+      <a:schemeClr val="accent2"/>
+    </dgm:linClrLst>
+    <dgm:effectClrLst/>
+    <dgm:txLinClrLst/>
+    <dgm:txFillClrLst meth="repeat">
+      <a:schemeClr val="lt1"/>
+    </dgm:txFillClrLst>
+    <dgm:txEffectClrLst/>
+  </dgm:styleLbl>
+  <dgm:styleLbl name="fgShp">
+    <dgm:fillClrLst meth="repeat">
+      <a:schemeClr val="accent2">
+        <a:tint val="40000"/>
+      </a:schemeClr>
+    </dgm:fillClrLst>
+    <dgm:linClrLst meth="repeat">
+      <a:schemeClr val="lt1"/>
+    </dgm:linClrLst>
+    <dgm:effectClrLst/>
+    <dgm:txLinClrLst/>
+    <dgm:txFillClrLst meth="repeat">
+      <a:schemeClr val="dk1"/>
+    </dgm:txFillClrLst>
+    <dgm:txEffectClrLst/>
+  </dgm:styleLbl>
+  <dgm:styleLbl name="revTx">
+    <dgm:fillClrLst meth="repeat">
+      <a:schemeClr val="lt1">
+        <a:alpha val="0"/>
+      </a:schemeClr>
+    </dgm:fillClrLst>
+    <dgm:linClrLst meth="repeat">
+      <a:schemeClr val="dk1">
+        <a:alpha val="0"/>
+      </a:schemeClr>
+    </dgm:linClrLst>
+    <dgm:effectClrLst/>
+    <dgm:txLinClrLst/>
+    <dgm:txFillClrLst meth="repeat">
+      <a:schemeClr val="tx1"/>
+    </dgm:txFillClrLst>
+    <dgm:txEffectClrLst/>
+  </dgm:styleLbl>
+</dgm:colorsDef>
+</file>
+
+<file path=ppt/diagrams/colors4.xml><?xml version="1.0" encoding="utf-8"?>
+<dgm:colorsDef xmlns:dgm="http://schemas.openxmlformats.org/drawingml/2006/diagram" xmlns:a="http://schemas.openxmlformats.org/drawingml/2006/main" uniqueId="urn:microsoft.com/office/officeart/2005/8/colors/accent1_2">
+  <dgm:title val=""/>
+  <dgm:desc val=""/>
+  <dgm:catLst>
+    <dgm:cat type="accent1" pri="11200"/>
+  </dgm:catLst>
+  <dgm:styleLbl name="node0">
+    <dgm:fillClrLst meth="repeat">
+      <a:schemeClr val="accent1"/>
+    </dgm:fillClrLst>
+    <dgm:linClrLst meth="repeat">
+      <a:schemeClr val="lt1"/>
+    </dgm:linClrLst>
+    <dgm:effectClrLst/>
+    <dgm:txLinClrLst/>
+    <dgm:txFillClrLst/>
+    <dgm:txEffectClrLst/>
+  </dgm:styleLbl>
+  <dgm:styleLbl name="alignNode1">
+    <dgm:fillClrLst meth="repeat">
+      <a:schemeClr val="accent1"/>
+    </dgm:fillClrLst>
+    <dgm:linClrLst meth="repeat">
+      <a:schemeClr val="accent1"/>
+    </dgm:linClrLst>
+    <dgm:effectClrLst/>
+    <dgm:txLinClrLst/>
+    <dgm:txFillClrLst/>
+    <dgm:txEffectClrLst/>
+  </dgm:styleLbl>
+  <dgm:styleLbl name="node1">
+    <dgm:fillClrLst meth="repeat">
+      <a:schemeClr val="accent1"/>
+    </dgm:fillClrLst>
+    <dgm:linClrLst meth="repeat">
+      <a:schemeClr val="lt1"/>
+    </dgm:linClrLst>
+    <dgm:effectClrLst/>
+    <dgm:txLinClrLst/>
+    <dgm:txFillClrLst/>
+    <dgm:txEffectClrLst/>
+  </dgm:styleLbl>
+  <dgm:styleLbl name="lnNode1">
+    <dgm:fillClrLst meth="repeat">
+      <a:schemeClr val="accent1"/>
+    </dgm:fillClrLst>
+    <dgm:linClrLst meth="repeat">
+      <a:schemeClr val="lt1"/>
+    </dgm:linClrLst>
+    <dgm:effectClrLst/>
+    <dgm:txLinClrLst/>
+    <dgm:txFillClrLst/>
+    <dgm:txEffectClrLst/>
+  </dgm:styleLbl>
+  <dgm:styleLbl name="vennNode1">
+    <dgm:fillClrLst meth="repeat">
+      <a:schemeClr val="accent1">
+        <a:alpha val="50000"/>
+      </a:schemeClr>
+    </dgm:fillClrLst>
+    <dgm:linClrLst meth="repeat">
+      <a:schemeClr val="lt1"/>
+    </dgm:linClrLst>
+    <dgm:effectClrLst/>
+    <dgm:txLinClrLst/>
+    <dgm:txFillClrLst/>
+    <dgm:txEffectClrLst/>
+  </dgm:styleLbl>
+  <dgm:styleLbl name="node2">
+    <dgm:fillClrLst meth="repeat">
+      <a:schemeClr val="accent1"/>
+    </dgm:fillClrLst>
+    <dgm:linClrLst meth="repeat">
+      <a:schemeClr val="lt1"/>
+    </dgm:linClrLst>
+    <dgm:effectClrLst/>
+    <dgm:txLinClrLst/>
+    <dgm:txFillClrLst/>
+    <dgm:txEffectClrLst/>
+  </dgm:styleLbl>
+  <dgm:styleLbl name="node3">
+    <dgm:fillClrLst meth="repeat">
+      <a:schemeClr val="accent1"/>
+    </dgm:fillClrLst>
+    <dgm:linClrLst meth="repeat">
+      <a:schemeClr val="lt1"/>
+    </dgm:linClrLst>
+    <dgm:effectClrLst/>
+    <dgm:txLinClrLst/>
+    <dgm:txFillClrLst/>
+    <dgm:txEffectClrLst/>
+  </dgm:styleLbl>
+  <dgm:styleLbl name="node4">
+    <dgm:fillClrLst meth="repeat">
+      <a:schemeClr val="accent1"/>
+    </dgm:fillClrLst>
+    <dgm:linClrLst meth="repeat">
+      <a:schemeClr val="lt1"/>
+    </dgm:linClrLst>
+    <dgm:effectClrLst/>
+    <dgm:txLinClrLst/>
+    <dgm:txFillClrLst/>
+    <dgm:txEffectClrLst/>
+  </dgm:styleLbl>
+  <dgm:styleLbl name="fgImgPlace1">
+    <dgm:fillClrLst meth="repeat">
+      <a:schemeClr val="accent1">
+        <a:tint val="50000"/>
+      </a:schemeClr>
+    </dgm:fillClrLst>
+    <dgm:linClrLst meth="repeat">
+      <a:schemeClr val="lt1"/>
+    </dgm:linClrLst>
+    <dgm:effectClrLst/>
+    <dgm:txLinClrLst/>
+    <dgm:txFillClrLst meth="repeat">
+      <a:schemeClr val="lt1"/>
+    </dgm:txFillClrLst>
+    <dgm:txEffectClrLst/>
+  </dgm:styleLbl>
+  <dgm:styleLbl name="alignImgPlace1">
+    <dgm:fillClrLst meth="repeat">
+      <a:schemeClr val="accent1">
+        <a:tint val="50000"/>
+      </a:schemeClr>
+    </dgm:fillClrLst>
+    <dgm:linClrLst meth="repeat">
+      <a:schemeClr val="lt1"/>
+    </dgm:linClrLst>
+    <dgm:effectClrLst/>
+    <dgm:txLinClrLst/>
+    <dgm:txFillClrLst meth="repeat">
+      <a:schemeClr val="lt1"/>
+    </dgm:txFillClrLst>
+    <dgm:txEffectClrLst/>
+  </dgm:styleLbl>
+  <dgm:styleLbl name="bgImgPlace1">
+    <dgm:fillClrLst meth="repeat">
+      <a:schemeClr val="accent1">
+        <a:tint val="50000"/>
+      </a:schemeClr>
+    </dgm:fillClrLst>
+    <dgm:linClrLst meth="repeat">
+      <a:schemeClr val="lt1"/>
+    </dgm:linClrLst>
+    <dgm:effectClrLst/>
+    <dgm:txLinClrLst/>
+    <dgm:txFillClrLst meth="repeat">
+      <a:schemeClr val="lt1"/>
+    </dgm:txFillClrLst>
+    <dgm:txEffectClrLst/>
+  </dgm:styleLbl>
+  <dgm:styleLbl name="sibTrans2D1">
+    <dgm:fillClrLst meth="repeat">
+      <a:schemeClr val="accent1">
+        <a:tint val="60000"/>
+      </a:schemeClr>
+    </dgm:fillClrLst>
+    <dgm:linClrLst meth="repeat">
+      <a:schemeClr val="accent1">
+        <a:tint val="60000"/>
+      </a:schemeClr>
+    </dgm:linClrLst>
+    <dgm:effectClrLst/>
+    <dgm:txLinClrLst/>
+    <dgm:txFillClrLst/>
+    <dgm:txEffectClrLst/>
+  </dgm:styleLbl>
+  <dgm:styleLbl name="fgSibTrans2D1">
+    <dgm:fillClrLst meth="repeat">
+      <a:schemeClr val="accent1">
+        <a:tint val="60000"/>
+      </a:schemeClr>
+    </dgm:fillClrLst>
+    <dgm:linClrLst meth="repeat">
+      <a:schemeClr val="accent1">
+        <a:tint val="60000"/>
+      </a:schemeClr>
+    </dgm:linClrLst>
+    <dgm:effectClrLst/>
+    <dgm:txLinClrLst/>
+    <dgm:txFillClrLst/>
+    <dgm:txEffectClrLst/>
+  </dgm:styleLbl>
+  <dgm:styleLbl name="bgSibTrans2D1">
+    <dgm:fillClrLst meth="repeat">
+      <a:schemeClr val="accent1">
+        <a:tint val="60000"/>
+      </a:schemeClr>
+    </dgm:fillClrLst>
+    <dgm:linClrLst meth="repeat">
+      <a:schemeClr val="accent1">
+        <a:tint val="60000"/>
+      </a:schemeClr>
+    </dgm:linClrLst>
+    <dgm:effectClrLst/>
+    <dgm:txLinClrLst/>
+    <dgm:txFillClrLst/>
+    <dgm:txEffectClrLst/>
+  </dgm:styleLbl>
+  <dgm:styleLbl name="sibTrans1D1">
+    <dgm:fillClrLst meth="repeat">
+      <a:schemeClr val="accent1"/>
+    </dgm:fillClrLst>
+    <dgm:linClrLst meth="repeat">
+      <a:schemeClr val="accent1"/>
+    </dgm:linClrLst>
+    <dgm:effectClrLst/>
+    <dgm:txLinClrLst/>
+    <dgm:txFillClrLst meth="repeat">
+      <a:schemeClr val="tx1"/>
+    </dgm:txFillClrLst>
+    <dgm:txEffectClrLst/>
+  </dgm:styleLbl>
+  <dgm:styleLbl name="callout">
+    <dgm:fillClrLst meth="repeat">
+      <a:schemeClr val="accent1"/>
+    </dgm:fillClrLst>
+    <dgm:linClrLst meth="repeat">
+      <a:schemeClr val="accent1">
+        <a:tint val="50000"/>
+      </a:schemeClr>
+    </dgm:linClrLst>
+    <dgm:effectClrLst/>
+    <dgm:txLinClrLst/>
+    <dgm:txFillClrLst meth="repeat">
+      <a:schemeClr val="tx1"/>
+    </dgm:txFillClrLst>
+    <dgm:txEffectClrLst/>
+  </dgm:styleLbl>
+  <dgm:styleLbl name="asst0">
+    <dgm:fillClrLst meth="repeat">
+      <a:schemeClr val="accent1"/>
+    </dgm:fillClrLst>
+    <dgm:linClrLst meth="repeat">
+      <a:schemeClr val="lt1"/>
+    </dgm:linClrLst>
+    <dgm:effectClrLst/>
+    <dgm:txLinClrLst/>
+    <dgm:txFillClrLst/>
+    <dgm:txEffectClrLst/>
+  </dgm:styleLbl>
+  <dgm:styleLbl name="asst1">
+    <dgm:fillClrLst meth="repeat">
+      <a:schemeClr val="accent1"/>
+    </dgm:fillClrLst>
+    <dgm:linClrLst meth="repeat">
+      <a:schemeClr val="lt1"/>
+    </dgm:linClrLst>
+    <dgm:effectClrLst/>
+    <dgm:txLinClrLst/>
+    <dgm:txFillClrLst/>
+    <dgm:txEffectClrLst/>
+  </dgm:styleLbl>
+  <dgm:styleLbl name="asst2">
+    <dgm:fillClrLst meth="repeat">
+      <a:schemeClr val="accent1"/>
+    </dgm:fillClrLst>
+    <dgm:linClrLst meth="repeat">
+      <a:schemeClr val="lt1"/>
+    </dgm:linClrLst>
+    <dgm:effectClrLst/>
+    <dgm:txLinClrLst/>
+    <dgm:txFillClrLst/>
+    <dgm:txEffectClrLst/>
+  </dgm:styleLbl>
+  <dgm:styleLbl name="asst3">
+    <dgm:fillClrLst meth="repeat">
+      <a:schemeClr val="accent1"/>
+    </dgm:fillClrLst>
+    <dgm:linClrLst meth="repeat">
+      <a:schemeClr val="lt1"/>
+    </dgm:linClrLst>
+    <dgm:effectClrLst/>
+    <dgm:txLinClrLst/>
+    <dgm:txFillClrLst/>
+    <dgm:txEffectClrLst/>
+  </dgm:styleLbl>
+  <dgm:styleLbl name="asst4">
+    <dgm:fillClrLst meth="repeat">
+      <a:schemeClr val="accent1"/>
+    </dgm:fillClrLst>
+    <dgm:linClrLst meth="repeat">
+      <a:schemeClr val="lt1"/>
+    </dgm:linClrLst>
+    <dgm:effectClrLst/>
+    <dgm:txLinClrLst/>
+    <dgm:txFillClrLst/>
+    <dgm:txEffectClrLst/>
+  </dgm:styleLbl>
+  <dgm:styleLbl name="parChTrans2D1">
+    <dgm:fillClrLst meth="repeat">
+      <a:schemeClr val="accent1">
+        <a:tint val="60000"/>
+      </a:schemeClr>
+    </dgm:fillClrLst>
+    <dgm:linClrLst meth="repeat">
+      <a:schemeClr val="accent1">
+        <a:tint val="60000"/>
+      </a:schemeClr>
+    </dgm:linClrLst>
+    <dgm:effectClrLst/>
+    <dgm:txLinClrLst/>
+    <dgm:txFillClrLst meth="repeat">
+      <a:schemeClr val="lt1"/>
+    </dgm:txFillClrLst>
+    <dgm:txEffectClrLst/>
+  </dgm:styleLbl>
+  <dgm:styleLbl name="parChTrans2D2">
+    <dgm:fillClrLst meth="repeat">
+      <a:schemeClr val="accent1"/>
+    </dgm:fillClrLst>
+    <dgm:linClrLst meth="repeat">
+      <a:schemeClr val="accent1"/>
+    </dgm:linClrLst>
+    <dgm:effectClrLst/>
+    <dgm:txLinClrLst/>
+    <dgm:txFillClrLst meth="repeat">
+      <a:schemeClr val="lt1"/>
+    </dgm:txFillClrLst>
+    <dgm:txEffectClrLst/>
+  </dgm:styleLbl>
+  <dgm:styleLbl name="parChTrans2D3">
+    <dgm:fillClrLst meth="repeat">
+      <a:schemeClr val="accent1"/>
+    </dgm:fillClrLst>
+    <dgm:linClrLst meth="repeat">
+      <a:schemeClr val="accent1"/>
+    </dgm:linClrLst>
+    <dgm:effectClrLst/>
+    <dgm:txLinClrLst/>
+    <dgm:txFillClrLst meth="repeat">
+      <a:schemeClr val="lt1"/>
+    </dgm:txFillClrLst>
+    <dgm:txEffectClrLst/>
+  </dgm:styleLbl>
+  <dgm:styleLbl name="parChTrans2D4">
+    <dgm:fillClrLst meth="repeat">
+      <a:schemeClr val="accent1"/>
+    </dgm:fillClrLst>
+    <dgm:linClrLst meth="repeat">
+      <a:schemeClr val="accent1"/>
+    </dgm:linClrLst>
+    <dgm:effectClrLst/>
+    <dgm:txLinClrLst/>
+    <dgm:txFillClrLst meth="repeat">
+      <a:schemeClr val="lt1"/>
+    </dgm:txFillClrLst>
+    <dgm:txEffectClrLst/>
+  </dgm:styleLbl>
+  <dgm:styleLbl name="parChTrans1D1">
+    <dgm:fillClrLst meth="repeat">
+      <a:schemeClr val="accent1"/>
+    </dgm:fillClrLst>
+    <dgm:linClrLst meth="repeat">
+      <a:schemeClr val="accent1">
+        <a:shade val="60000"/>
+      </a:schemeClr>
+    </dgm:linClrLst>
+    <dgm:effectClrLst/>
+    <dgm:txLinClrLst/>
+    <dgm:txFillClrLst meth="repeat">
+      <a:schemeClr val="tx1"/>
+    </dgm:txFillClrLst>
+    <dgm:txEffectClrLst/>
+  </dgm:styleLbl>
+  <dgm:styleLbl name="parChTrans1D2">
+    <dgm:fillClrLst meth="repeat">
+      <a:schemeClr val="accent1"/>
+    </dgm:fillClrLst>
+    <dgm:linClrLst meth="repeat">
+      <a:schemeClr val="accent1">
+        <a:shade val="60000"/>
+      </a:schemeClr>
+    </dgm:linClrLst>
+    <dgm:effectClrLst/>
+    <dgm:txLinClrLst/>
+    <dgm:txFillClrLst meth="repeat">
+      <a:schemeClr val="tx1"/>
+    </dgm:txFillClrLst>
+    <dgm:txEffectClrLst/>
+  </dgm:styleLbl>
+  <dgm:styleLbl name="parChTrans1D3">
+    <dgm:fillClrLst meth="repeat">
+      <a:schemeClr val="accent1"/>
+    </dgm:fillClrLst>
+    <dgm:linClrLst meth="repeat">
+      <a:schemeClr val="accent1">
+        <a:shade val="80000"/>
+      </a:schemeClr>
+    </dgm:linClrLst>
+    <dgm:effectClrLst/>
+    <dgm:txLinClrLst/>
+    <dgm:txFillClrLst meth="repeat">
+      <a:schemeClr val="tx1"/>
+    </dgm:txFillClrLst>
+    <dgm:txEffectClrLst/>
+  </dgm:styleLbl>
+  <dgm:styleLbl name="parChTrans1D4">
+    <dgm:fillClrLst meth="repeat">
+      <a:schemeClr val="accent1"/>
+    </dgm:fillClrLst>
+    <dgm:linClrLst meth="repeat">
+      <a:schemeClr val="accent1">
+        <a:shade val="80000"/>
+      </a:schemeClr>
+    </dgm:linClrLst>
+    <dgm:effectClrLst/>
+    <dgm:txLinClrLst/>
+    <dgm:txFillClrLst meth="repeat">
+      <a:schemeClr val="tx1"/>
+    </dgm:txFillClrLst>
+    <dgm:txEffectClrLst/>
+  </dgm:styleLbl>
+  <dgm:styleLbl name="fgAcc1">
+    <dgm:fillClrLst meth="repeat">
+      <a:schemeClr val="lt1">
+        <a:alpha val="90000"/>
+      </a:schemeClr>
+    </dgm:fillClrLst>
+    <dgm:linClrLst meth="repeat">
+      <a:schemeClr val="accent1"/>
+    </dgm:linClrLst>
+    <dgm:effectClrLst/>
+    <dgm:txLinClrLst/>
+    <dgm:txFillClrLst meth="repeat">
+      <a:schemeClr val="dk1"/>
+    </dgm:txFillClrLst>
+    <dgm:txEffectClrLst/>
+  </dgm:styleLbl>
+  <dgm:styleLbl name="conFgAcc1">
+    <dgm:fillClrLst meth="repeat">
+      <a:schemeClr val="lt1">
+        <a:alpha val="90000"/>
+      </a:schemeClr>
+    </dgm:fillClrLst>
+    <dgm:linClrLst meth="repeat">
+      <a:schemeClr val="accent1"/>
+    </dgm:linClrLst>
+    <dgm:effectClrLst/>
+    <dgm:txLinClrLst/>
+    <dgm:txFillClrLst meth="repeat">
+      <a:schemeClr val="dk1"/>
+    </dgm:txFillClrLst>
+    <dgm:txEffectClrLst/>
+  </dgm:styleLbl>
+  <dgm:styleLbl name="alignAcc1">
+    <dgm:fillClrLst meth="repeat">
+      <a:schemeClr val="lt1">
+        <a:alpha val="90000"/>
+      </a:schemeClr>
+    </dgm:fillClrLst>
+    <dgm:linClrLst meth="repeat">
+      <a:schemeClr val="accent1"/>
+    </dgm:linClrLst>
+    <dgm:effectClrLst/>
+    <dgm:txLinClrLst/>
+    <dgm:txFillClrLst meth="repeat">
+      <a:schemeClr val="dk1"/>
+    </dgm:txFillClrLst>
+    <dgm:txEffectClrLst/>
+  </dgm:styleLbl>
+  <dgm:styleLbl name="trAlignAcc1">
+    <dgm:fillClrLst meth="repeat">
+      <a:schemeClr val="lt1">
+        <a:alpha val="40000"/>
+      </a:schemeClr>
+    </dgm:fillClrLst>
+    <dgm:linClrLst meth="repeat">
+      <a:schemeClr val="accent1"/>
+    </dgm:linClrLst>
+    <dgm:effectClrLst/>
+    <dgm:txLinClrLst/>
+    <dgm:txFillClrLst meth="repeat">
+      <a:schemeClr val="dk1"/>
+    </dgm:txFillClrLst>
+    <dgm:txEffectClrLst/>
+  </dgm:styleLbl>
+  <dgm:styleLbl name="bgAcc1">
+    <dgm:fillClrLst meth="repeat">
+      <a:schemeClr val="lt1">
+        <a:alpha val="90000"/>
+      </a:schemeClr>
+    </dgm:fillClrLst>
+    <dgm:linClrLst meth="repeat">
+      <a:schemeClr val="accent1"/>
+    </dgm:linClrLst>
+    <dgm:effectClrLst/>
+    <dgm:txLinClrLst/>
+    <dgm:txFillClrLst meth="repeat">
+      <a:schemeClr val="dk1"/>
+    </dgm:txFillClrLst>
+    <dgm:txEffectClrLst/>
+  </dgm:styleLbl>
+  <dgm:styleLbl name="solidFgAcc1">
+    <dgm:fillClrLst meth="repeat">
+      <a:schemeClr val="lt1"/>
+    </dgm:fillClrLst>
+    <dgm:linClrLst meth="repeat">
+      <a:schemeClr val="accent1"/>
+    </dgm:linClrLst>
+    <dgm:effectClrLst/>
+    <dgm:txLinClrLst/>
+    <dgm:txFillClrLst meth="repeat">
+      <a:schemeClr val="dk1"/>
+    </dgm:txFillClrLst>
+    <dgm:txEffectClrLst/>
+  </dgm:styleLbl>
+  <dgm:styleLbl name="solidAlignAcc1">
+    <dgm:fillClrLst meth="repeat">
+      <a:schemeClr val="lt1"/>
+    </dgm:fillClrLst>
+    <dgm:linClrLst meth="repeat">
+      <a:schemeClr val="accent1"/>
+    </dgm:linClrLst>
+    <dgm:effectClrLst/>
+    <dgm:txLinClrLst/>
+    <dgm:txFillClrLst meth="repeat">
+      <a:schemeClr val="dk1"/>
+    </dgm:txFillClrLst>
+    <dgm:txEffectClrLst/>
+  </dgm:styleLbl>
+  <dgm:styleLbl name="solidBgAcc1">
+    <dgm:fillClrLst meth="repeat">
+      <a:schemeClr val="lt1"/>
+    </dgm:fillClrLst>
+    <dgm:linClrLst meth="repeat">
+      <a:schemeClr val="accent1"/>
+    </dgm:linClrLst>
+    <dgm:effectClrLst/>
+    <dgm:txLinClrLst/>
+    <dgm:txFillClrLst meth="repeat">
+      <a:schemeClr val="dk1"/>
+    </dgm:txFillClrLst>
+    <dgm:txEffectClrLst/>
+  </dgm:styleLbl>
+  <dgm:styleLbl name="fgAccFollowNode1">
+    <dgm:fillClrLst meth="repeat">
+      <a:schemeClr val="accent1">
+        <a:alpha val="90000"/>
+        <a:tint val="40000"/>
+      </a:schemeClr>
+    </dgm:fillClrLst>
+    <dgm:linClrLst meth="repeat">
+      <a:schemeClr val="accent1">
+        <a:alpha val="90000"/>
+        <a:tint val="40000"/>
+      </a:schemeClr>
+    </dgm:linClrLst>
+    <dgm:effectClrLst/>
+    <dgm:txLinClrLst/>
+    <dgm:txFillClrLst meth="repeat">
+      <a:schemeClr val="dk1"/>
+    </dgm:txFillClrLst>
+    <dgm:txEffectClrLst/>
+  </dgm:styleLbl>
+  <dgm:styleLbl name="alignAccFollowNode1">
+    <dgm:fillClrLst meth="repeat">
+      <a:schemeClr val="accent1">
+        <a:alpha val="90000"/>
+        <a:tint val="40000"/>
+      </a:schemeClr>
+    </dgm:fillClrLst>
+    <dgm:linClrLst meth="repeat">
+      <a:schemeClr val="accent1">
+        <a:alpha val="90000"/>
+        <a:tint val="40000"/>
+      </a:schemeClr>
+    </dgm:linClrLst>
+    <dgm:effectClrLst/>
+    <dgm:txLinClrLst/>
+    <dgm:txFillClrLst meth="repeat">
+      <a:schemeClr val="dk1"/>
+    </dgm:txFillClrLst>
+    <dgm:txEffectClrLst/>
+  </dgm:styleLbl>
+  <dgm:styleLbl name="bgAccFollowNode1">
+    <dgm:fillClrLst meth="repeat">
+      <a:schemeClr val="accent1">
+        <a:alpha val="90000"/>
+        <a:tint val="40000"/>
+      </a:schemeClr>
+    </dgm:fillClrLst>
+    <dgm:linClrLst meth="repeat">
+      <a:schemeClr val="accent1">
+        <a:alpha val="90000"/>
+        <a:tint val="40000"/>
+      </a:schemeClr>
+    </dgm:linClrLst>
+    <dgm:effectClrLst/>
+    <dgm:txLinClrLst/>
+    <dgm:txFillClrLst meth="repeat">
+      <a:schemeClr val="dk1"/>
+    </dgm:txFillClrLst>
+    <dgm:txEffectClrLst/>
+  </dgm:styleLbl>
+  <dgm:styleLbl name="fgAcc0">
+    <dgm:fillClrLst meth="repeat">
+      <a:schemeClr val="lt1">
+        <a:alpha val="90000"/>
+      </a:schemeClr>
+    </dgm:fillClrLst>
+    <dgm:linClrLst meth="repeat">
+      <a:schemeClr val="accent1"/>
+    </dgm:linClrLst>
+    <dgm:effectClrLst/>
+    <dgm:txLinClrLst/>
+    <dgm:txFillClrLst meth="repeat">
+      <a:schemeClr val="dk1"/>
+    </dgm:txFillClrLst>
+    <dgm:txEffectClrLst/>
+  </dgm:styleLbl>
+  <dgm:styleLbl name="fgAcc2">
+    <dgm:fillClrLst meth="repeat">
+      <a:schemeClr val="lt1">
+        <a:alpha val="90000"/>
+      </a:schemeClr>
+    </dgm:fillClrLst>
+    <dgm:linClrLst meth="repeat">
+      <a:schemeClr val="accent1"/>
+    </dgm:linClrLst>
+    <dgm:effectClrLst/>
+    <dgm:txLinClrLst/>
+    <dgm:txFillClrLst meth="repeat">
+      <a:schemeClr val="dk1"/>
+    </dgm:txFillClrLst>
+    <dgm:txEffectClrLst/>
+  </dgm:styleLbl>
+  <dgm:styleLbl name="fgAcc3">
+    <dgm:fillClrLst meth="repeat">
+      <a:schemeClr val="lt1">
+        <a:alpha val="90000"/>
+      </a:schemeClr>
+    </dgm:fillClrLst>
+    <dgm:linClrLst meth="repeat">
+      <a:schemeClr val="accent1"/>
+    </dgm:linClrLst>
+    <dgm:effectClrLst/>
+    <dgm:txLinClrLst/>
+    <dgm:txFillClrLst meth="repeat">
+      <a:schemeClr val="dk1"/>
+    </dgm:txFillClrLst>
+    <dgm:txEffectClrLst/>
+  </dgm:styleLbl>
+  <dgm:styleLbl name="fgAcc4">
+    <dgm:fillClrLst meth="repeat">
+      <a:schemeClr val="lt1">
+        <a:alpha val="90000"/>
+      </a:schemeClr>
+    </dgm:fillClrLst>
+    <dgm:linClrLst meth="repeat">
+      <a:schemeClr val="accent1"/>
+    </dgm:linClrLst>
+    <dgm:effectClrLst/>
+    <dgm:txLinClrLst/>
+    <dgm:txFillClrLst meth="repeat">
+      <a:schemeClr val="dk1"/>
+    </dgm:txFillClrLst>
+    <dgm:txEffectClrLst/>
+  </dgm:styleLbl>
+  <dgm:styleLbl name="bgShp">
+    <dgm:fillClrLst meth="repeat">
+      <a:schemeClr val="accent1">
+        <a:tint val="40000"/>
+      </a:schemeClr>
+    </dgm:fillClrLst>
+    <dgm:linClrLst meth="repeat">
+      <a:schemeClr val="accent1"/>
+    </dgm:linClrLst>
+    <dgm:effectClrLst/>
+    <dgm:txLinClrLst/>
+    <dgm:txFillClrLst meth="repeat">
+      <a:schemeClr val="dk1"/>
+    </dgm:txFillClrLst>
+    <dgm:txEffectClrLst/>
+  </dgm:styleLbl>
+  <dgm:styleLbl name="dkBgShp">
+    <dgm:fillClrLst meth="repeat">
+      <a:schemeClr val="accent1">
+        <a:shade val="80000"/>
+      </a:schemeClr>
+    </dgm:fillClrLst>
+    <dgm:linClrLst meth="repeat">
+      <a:schemeClr val="accent1"/>
+    </dgm:linClrLst>
+    <dgm:effectClrLst/>
+    <dgm:txLinClrLst/>
+    <dgm:txFillClrLst meth="repeat">
+      <a:schemeClr val="lt1"/>
+    </dgm:txFillClrLst>
+    <dgm:txEffectClrLst/>
+  </dgm:styleLbl>
+  <dgm:styleLbl name="trBgShp">
+    <dgm:fillClrLst meth="repeat">
+      <a:schemeClr val="accent1">
+        <a:tint val="50000"/>
+        <a:alpha val="40000"/>
+      </a:schemeClr>
+    </dgm:fillClrLst>
+    <dgm:linClrLst meth="repeat">
+      <a:schemeClr val="accent1"/>
+    </dgm:linClrLst>
+    <dgm:effectClrLst/>
+    <dgm:txLinClrLst/>
+    <dgm:txFillClrLst meth="repeat">
+      <a:schemeClr val="lt1"/>
+    </dgm:txFillClrLst>
+    <dgm:txEffectClrLst/>
+  </dgm:styleLbl>
+  <dgm:styleLbl name="fgShp">
+    <dgm:fillClrLst meth="repeat">
+      <a:schemeClr val="accent1">
+        <a:tint val="60000"/>
       </a:schemeClr>
     </dgm:fillClrLst>
     <dgm:linClrLst meth="repeat">
@@ -2966,254 +3716,6 @@
 </file>
 
 <file path=ppt/diagrams/data2.xml><?xml version="1.0" encoding="utf-8"?>
-<dgm:dataModel xmlns:dgm="http://schemas.openxmlformats.org/drawingml/2006/diagram" xmlns:a="http://schemas.openxmlformats.org/drawingml/2006/main">
-  <dgm:ptLst>
-    <dgm:pt modelId="{DFB9D189-9C79-4C5C-8548-37C5920C0C61}" type="doc">
-      <dgm:prSet loTypeId="urn:microsoft.com/office/officeart/2005/8/layout/vList2" loCatId="list" qsTypeId="urn:microsoft.com/office/officeart/2005/8/quickstyle/simple5" qsCatId="simple" csTypeId="urn:microsoft.com/office/officeart/2005/8/colors/colorful2" csCatId="colorful"/>
-      <dgm:spPr/>
-      <dgm:t>
-        <a:bodyPr/>
-        <a:lstStyle/>
-        <a:p>
-          <a:endParaRPr lang="en-US"/>
-        </a:p>
-      </dgm:t>
-    </dgm:pt>
-    <dgm:pt modelId="{7AF89441-1D15-4AC9-ADAB-D8DA9E192C49}">
-      <dgm:prSet/>
-      <dgm:spPr/>
-      <dgm:t>
-        <a:bodyPr/>
-        <a:lstStyle/>
-        <a:p>
-          <a:r>
-            <a:rPr lang="en-GB"/>
-            <a:t>Firebase Database</a:t>
-          </a:r>
-          <a:endParaRPr lang="en-US"/>
-        </a:p>
-      </dgm:t>
-    </dgm:pt>
-    <dgm:pt modelId="{C17A0711-7887-4DC4-9470-047C50797CCC}" type="parTrans" cxnId="{88F59FAD-3CE6-46E6-8BA9-13A48B16D1FE}">
-      <dgm:prSet/>
-      <dgm:spPr/>
-      <dgm:t>
-        <a:bodyPr/>
-        <a:lstStyle/>
-        <a:p>
-          <a:endParaRPr lang="en-US"/>
-        </a:p>
-      </dgm:t>
-    </dgm:pt>
-    <dgm:pt modelId="{8636B702-4021-4F27-9DF1-3A520940D697}" type="sibTrans" cxnId="{88F59FAD-3CE6-46E6-8BA9-13A48B16D1FE}">
-      <dgm:prSet/>
-      <dgm:spPr/>
-      <dgm:t>
-        <a:bodyPr/>
-        <a:lstStyle/>
-        <a:p>
-          <a:endParaRPr lang="en-US"/>
-        </a:p>
-      </dgm:t>
-    </dgm:pt>
-    <dgm:pt modelId="{59C41E80-58F4-4219-B58C-3731467A6561}">
-      <dgm:prSet/>
-      <dgm:spPr/>
-      <dgm:t>
-        <a:bodyPr/>
-        <a:lstStyle/>
-        <a:p>
-          <a:r>
-            <a:rPr lang="en-GB"/>
-            <a:t>Microservice architecture</a:t>
-          </a:r>
-          <a:endParaRPr lang="en-US"/>
-        </a:p>
-      </dgm:t>
-    </dgm:pt>
-    <dgm:pt modelId="{2460C37D-720C-4605-BF11-028A6A2D0FA6}" type="parTrans" cxnId="{7204C16C-3FE1-4570-A590-FE662CE1B2DC}">
-      <dgm:prSet/>
-      <dgm:spPr/>
-      <dgm:t>
-        <a:bodyPr/>
-        <a:lstStyle/>
-        <a:p>
-          <a:endParaRPr lang="en-US"/>
-        </a:p>
-      </dgm:t>
-    </dgm:pt>
-    <dgm:pt modelId="{EB09D050-6A5D-4C99-A890-DF114014244E}" type="sibTrans" cxnId="{7204C16C-3FE1-4570-A590-FE662CE1B2DC}">
-      <dgm:prSet/>
-      <dgm:spPr/>
-      <dgm:t>
-        <a:bodyPr/>
-        <a:lstStyle/>
-        <a:p>
-          <a:endParaRPr lang="en-US"/>
-        </a:p>
-      </dgm:t>
-    </dgm:pt>
-    <dgm:pt modelId="{8E6B4176-4048-4329-8F1C-DD832A89416C}">
-      <dgm:prSet/>
-      <dgm:spPr/>
-      <dgm:t>
-        <a:bodyPr/>
-        <a:lstStyle/>
-        <a:p>
-          <a:r>
-            <a:rPr lang="en-GB"/>
-            <a:t>Scalable infustrictire </a:t>
-          </a:r>
-          <a:endParaRPr lang="en-US"/>
-        </a:p>
-      </dgm:t>
-    </dgm:pt>
-    <dgm:pt modelId="{6BB4639E-25B7-4663-B76A-47A3F19808FE}" type="parTrans" cxnId="{8729C65B-BFE4-466D-A6F7-C451810F5A9B}">
-      <dgm:prSet/>
-      <dgm:spPr/>
-      <dgm:t>
-        <a:bodyPr/>
-        <a:lstStyle/>
-        <a:p>
-          <a:endParaRPr lang="en-US"/>
-        </a:p>
-      </dgm:t>
-    </dgm:pt>
-    <dgm:pt modelId="{C8CEB3C2-5A5C-4D70-A63E-49E90CD882F4}" type="sibTrans" cxnId="{8729C65B-BFE4-466D-A6F7-C451810F5A9B}">
-      <dgm:prSet/>
-      <dgm:spPr/>
-      <dgm:t>
-        <a:bodyPr/>
-        <a:lstStyle/>
-        <a:p>
-          <a:endParaRPr lang="en-US"/>
-        </a:p>
-      </dgm:t>
-    </dgm:pt>
-    <dgm:pt modelId="{C2CC721D-0D06-4308-BB7C-3B7886EF53B2}">
-      <dgm:prSet/>
-      <dgm:spPr/>
-      <dgm:t>
-        <a:bodyPr/>
-        <a:lstStyle/>
-        <a:p>
-          <a:r>
-            <a:rPr lang="en-GB"/>
-            <a:t>Flexible and Secure design</a:t>
-          </a:r>
-          <a:endParaRPr lang="en-US"/>
-        </a:p>
-      </dgm:t>
-    </dgm:pt>
-    <dgm:pt modelId="{3B7446D2-2073-4856-90D3-995E3283723A}" type="parTrans" cxnId="{2D2D47EA-19E5-4A28-ABBA-368C4205B110}">
-      <dgm:prSet/>
-      <dgm:spPr/>
-      <dgm:t>
-        <a:bodyPr/>
-        <a:lstStyle/>
-        <a:p>
-          <a:endParaRPr lang="en-US"/>
-        </a:p>
-      </dgm:t>
-    </dgm:pt>
-    <dgm:pt modelId="{F5BA9D43-B28E-486A-A522-A212CB82E086}" type="sibTrans" cxnId="{2D2D47EA-19E5-4A28-ABBA-368C4205B110}">
-      <dgm:prSet/>
-      <dgm:spPr/>
-      <dgm:t>
-        <a:bodyPr/>
-        <a:lstStyle/>
-        <a:p>
-          <a:endParaRPr lang="en-US"/>
-        </a:p>
-      </dgm:t>
-    </dgm:pt>
-    <dgm:pt modelId="{27EC2720-6D22-4668-8A6D-B1A7BFFD0B9B}" type="pres">
-      <dgm:prSet presAssocID="{DFB9D189-9C79-4C5C-8548-37C5920C0C61}" presName="linear" presStyleCnt="0">
-        <dgm:presLayoutVars>
-          <dgm:animLvl val="lvl"/>
-          <dgm:resizeHandles val="exact"/>
-        </dgm:presLayoutVars>
-      </dgm:prSet>
-      <dgm:spPr/>
-    </dgm:pt>
-    <dgm:pt modelId="{B99D3781-8EF8-4D3A-8015-D0520415B759}" type="pres">
-      <dgm:prSet presAssocID="{7AF89441-1D15-4AC9-ADAB-D8DA9E192C49}" presName="parentText" presStyleLbl="node1" presStyleIdx="0" presStyleCnt="4">
-        <dgm:presLayoutVars>
-          <dgm:chMax val="0"/>
-          <dgm:bulletEnabled val="1"/>
-        </dgm:presLayoutVars>
-      </dgm:prSet>
-      <dgm:spPr/>
-    </dgm:pt>
-    <dgm:pt modelId="{0D44D2A4-EC9A-4825-8F71-263BEF7DA266}" type="pres">
-      <dgm:prSet presAssocID="{8636B702-4021-4F27-9DF1-3A520940D697}" presName="spacer" presStyleCnt="0"/>
-      <dgm:spPr/>
-    </dgm:pt>
-    <dgm:pt modelId="{E8DA13C9-9CC4-4B33-9DD4-2401AAD0C6F5}" type="pres">
-      <dgm:prSet presAssocID="{59C41E80-58F4-4219-B58C-3731467A6561}" presName="parentText" presStyleLbl="node1" presStyleIdx="1" presStyleCnt="4">
-        <dgm:presLayoutVars>
-          <dgm:chMax val="0"/>
-          <dgm:bulletEnabled val="1"/>
-        </dgm:presLayoutVars>
-      </dgm:prSet>
-      <dgm:spPr/>
-    </dgm:pt>
-    <dgm:pt modelId="{44D7360D-67A0-40BB-B808-B69437211C67}" type="pres">
-      <dgm:prSet presAssocID="{EB09D050-6A5D-4C99-A890-DF114014244E}" presName="spacer" presStyleCnt="0"/>
-      <dgm:spPr/>
-    </dgm:pt>
-    <dgm:pt modelId="{B5055A80-F538-43F8-A39B-A640607FA012}" type="pres">
-      <dgm:prSet presAssocID="{8E6B4176-4048-4329-8F1C-DD832A89416C}" presName="parentText" presStyleLbl="node1" presStyleIdx="2" presStyleCnt="4">
-        <dgm:presLayoutVars>
-          <dgm:chMax val="0"/>
-          <dgm:bulletEnabled val="1"/>
-        </dgm:presLayoutVars>
-      </dgm:prSet>
-      <dgm:spPr/>
-    </dgm:pt>
-    <dgm:pt modelId="{6A2252D4-7F8A-4F22-B7DD-E12B034FD7FD}" type="pres">
-      <dgm:prSet presAssocID="{C8CEB3C2-5A5C-4D70-A63E-49E90CD882F4}" presName="spacer" presStyleCnt="0"/>
-      <dgm:spPr/>
-    </dgm:pt>
-    <dgm:pt modelId="{9B7820E0-CDBE-49CF-BFA3-2C4B1A8F22D6}" type="pres">
-      <dgm:prSet presAssocID="{C2CC721D-0D06-4308-BB7C-3B7886EF53B2}" presName="parentText" presStyleLbl="node1" presStyleIdx="3" presStyleCnt="4">
-        <dgm:presLayoutVars>
-          <dgm:chMax val="0"/>
-          <dgm:bulletEnabled val="1"/>
-        </dgm:presLayoutVars>
-      </dgm:prSet>
-      <dgm:spPr/>
-    </dgm:pt>
-  </dgm:ptLst>
-  <dgm:cxnLst>
-    <dgm:cxn modelId="{8729C65B-BFE4-466D-A6F7-C451810F5A9B}" srcId="{DFB9D189-9C79-4C5C-8548-37C5920C0C61}" destId="{8E6B4176-4048-4329-8F1C-DD832A89416C}" srcOrd="2" destOrd="0" parTransId="{6BB4639E-25B7-4663-B76A-47A3F19808FE}" sibTransId="{C8CEB3C2-5A5C-4D70-A63E-49E90CD882F4}"/>
-    <dgm:cxn modelId="{7204C16C-3FE1-4570-A590-FE662CE1B2DC}" srcId="{DFB9D189-9C79-4C5C-8548-37C5920C0C61}" destId="{59C41E80-58F4-4219-B58C-3731467A6561}" srcOrd="1" destOrd="0" parTransId="{2460C37D-720C-4605-BF11-028A6A2D0FA6}" sibTransId="{EB09D050-6A5D-4C99-A890-DF114014244E}"/>
-    <dgm:cxn modelId="{AA986A51-3EC1-46FA-8E88-1B1093AC5299}" type="presOf" srcId="{7AF89441-1D15-4AC9-ADAB-D8DA9E192C49}" destId="{B99D3781-8EF8-4D3A-8015-D0520415B759}" srcOrd="0" destOrd="0" presId="urn:microsoft.com/office/officeart/2005/8/layout/vList2"/>
-    <dgm:cxn modelId="{A63D3B83-4331-4FA6-A16D-3F220F66618D}" type="presOf" srcId="{C2CC721D-0D06-4308-BB7C-3B7886EF53B2}" destId="{9B7820E0-CDBE-49CF-BFA3-2C4B1A8F22D6}" srcOrd="0" destOrd="0" presId="urn:microsoft.com/office/officeart/2005/8/layout/vList2"/>
-    <dgm:cxn modelId="{A67E4493-DB03-4C83-A5F0-97E298B879A2}" type="presOf" srcId="{8E6B4176-4048-4329-8F1C-DD832A89416C}" destId="{B5055A80-F538-43F8-A39B-A640607FA012}" srcOrd="0" destOrd="0" presId="urn:microsoft.com/office/officeart/2005/8/layout/vList2"/>
-    <dgm:cxn modelId="{88F59FAD-3CE6-46E6-8BA9-13A48B16D1FE}" srcId="{DFB9D189-9C79-4C5C-8548-37C5920C0C61}" destId="{7AF89441-1D15-4AC9-ADAB-D8DA9E192C49}" srcOrd="0" destOrd="0" parTransId="{C17A0711-7887-4DC4-9470-047C50797CCC}" sibTransId="{8636B702-4021-4F27-9DF1-3A520940D697}"/>
-    <dgm:cxn modelId="{7A09E1C0-85C0-4980-9639-1C417A4854AF}" type="presOf" srcId="{DFB9D189-9C79-4C5C-8548-37C5920C0C61}" destId="{27EC2720-6D22-4668-8A6D-B1A7BFFD0B9B}" srcOrd="0" destOrd="0" presId="urn:microsoft.com/office/officeart/2005/8/layout/vList2"/>
-    <dgm:cxn modelId="{537AC7C3-006C-42D0-88EB-07DA226D8B06}" type="presOf" srcId="{59C41E80-58F4-4219-B58C-3731467A6561}" destId="{E8DA13C9-9CC4-4B33-9DD4-2401AAD0C6F5}" srcOrd="0" destOrd="0" presId="urn:microsoft.com/office/officeart/2005/8/layout/vList2"/>
-    <dgm:cxn modelId="{2D2D47EA-19E5-4A28-ABBA-368C4205B110}" srcId="{DFB9D189-9C79-4C5C-8548-37C5920C0C61}" destId="{C2CC721D-0D06-4308-BB7C-3B7886EF53B2}" srcOrd="3" destOrd="0" parTransId="{3B7446D2-2073-4856-90D3-995E3283723A}" sibTransId="{F5BA9D43-B28E-486A-A522-A212CB82E086}"/>
-    <dgm:cxn modelId="{674F7C3C-AA78-477D-9A6B-B65F11574C46}" type="presParOf" srcId="{27EC2720-6D22-4668-8A6D-B1A7BFFD0B9B}" destId="{B99D3781-8EF8-4D3A-8015-D0520415B759}" srcOrd="0" destOrd="0" presId="urn:microsoft.com/office/officeart/2005/8/layout/vList2"/>
-    <dgm:cxn modelId="{D0506B9D-0C06-45C6-AF75-75D0F0D659E8}" type="presParOf" srcId="{27EC2720-6D22-4668-8A6D-B1A7BFFD0B9B}" destId="{0D44D2A4-EC9A-4825-8F71-263BEF7DA266}" srcOrd="1" destOrd="0" presId="urn:microsoft.com/office/officeart/2005/8/layout/vList2"/>
-    <dgm:cxn modelId="{C80379EF-060A-44E6-9D59-88D7C075B1E4}" type="presParOf" srcId="{27EC2720-6D22-4668-8A6D-B1A7BFFD0B9B}" destId="{E8DA13C9-9CC4-4B33-9DD4-2401AAD0C6F5}" srcOrd="2" destOrd="0" presId="urn:microsoft.com/office/officeart/2005/8/layout/vList2"/>
-    <dgm:cxn modelId="{0CD951CE-F86F-46EE-B6AE-AAEBBAA977AF}" type="presParOf" srcId="{27EC2720-6D22-4668-8A6D-B1A7BFFD0B9B}" destId="{44D7360D-67A0-40BB-B808-B69437211C67}" srcOrd="3" destOrd="0" presId="urn:microsoft.com/office/officeart/2005/8/layout/vList2"/>
-    <dgm:cxn modelId="{1B05BE33-E712-4011-990F-1C4AA0076DED}" type="presParOf" srcId="{27EC2720-6D22-4668-8A6D-B1A7BFFD0B9B}" destId="{B5055A80-F538-43F8-A39B-A640607FA012}" srcOrd="4" destOrd="0" presId="urn:microsoft.com/office/officeart/2005/8/layout/vList2"/>
-    <dgm:cxn modelId="{B58B69CE-D517-4E75-A703-209FD4B5E612}" type="presParOf" srcId="{27EC2720-6D22-4668-8A6D-B1A7BFFD0B9B}" destId="{6A2252D4-7F8A-4F22-B7DD-E12B034FD7FD}" srcOrd="5" destOrd="0" presId="urn:microsoft.com/office/officeart/2005/8/layout/vList2"/>
-    <dgm:cxn modelId="{C047199C-A1B6-4665-A520-11A0BB46B423}" type="presParOf" srcId="{27EC2720-6D22-4668-8A6D-B1A7BFFD0B9B}" destId="{9B7820E0-CDBE-49CF-BFA3-2C4B1A8F22D6}" srcOrd="6" destOrd="0" presId="urn:microsoft.com/office/officeart/2005/8/layout/vList2"/>
-  </dgm:cxnLst>
-  <dgm:bg/>
-  <dgm:whole/>
-  <dgm:extLst>
-    <a:ext uri="http://schemas.microsoft.com/office/drawing/2008/diagram">
-      <dsp:dataModelExt xmlns:dsp="http://schemas.microsoft.com/office/drawing/2008/diagram" relId="rId8" minVer="http://schemas.openxmlformats.org/drawingml/2006/diagram"/>
-    </a:ext>
-  </dgm:extLst>
-</dgm:dataModel>
-</file>
-
-<file path=ppt/diagrams/data3.xml><?xml version="1.0" encoding="utf-8"?>
 <dgm:dataModel xmlns:dgm="http://schemas.openxmlformats.org/drawingml/2006/diagram" xmlns:a="http://schemas.openxmlformats.org/drawingml/2006/main">
   <dgm:ptLst>
     <dgm:pt modelId="{B171D517-B4FB-4387-9344-69537B5AFAC3}" type="doc">
@@ -4394,6 +4896,430 @@
 </dgm:dataModel>
 </file>
 
+<file path=ppt/diagrams/data3.xml><?xml version="1.0" encoding="utf-8"?>
+<dgm:dataModel xmlns:dgm="http://schemas.openxmlformats.org/drawingml/2006/diagram" xmlns:a="http://schemas.openxmlformats.org/drawingml/2006/main">
+  <dgm:ptLst>
+    <dgm:pt modelId="{DFB9D189-9C79-4C5C-8548-37C5920C0C61}" type="doc">
+      <dgm:prSet loTypeId="urn:microsoft.com/office/officeart/2005/8/layout/vList2" loCatId="list" qsTypeId="urn:microsoft.com/office/officeart/2005/8/quickstyle/simple5" qsCatId="simple" csTypeId="urn:microsoft.com/office/officeart/2005/8/colors/colorful2" csCatId="colorful"/>
+      <dgm:spPr/>
+      <dgm:t>
+        <a:bodyPr/>
+        <a:lstStyle/>
+        <a:p>
+          <a:endParaRPr lang="en-US"/>
+        </a:p>
+      </dgm:t>
+    </dgm:pt>
+    <dgm:pt modelId="{7AF89441-1D15-4AC9-ADAB-D8DA9E192C49}">
+      <dgm:prSet/>
+      <dgm:spPr/>
+      <dgm:t>
+        <a:bodyPr/>
+        <a:lstStyle/>
+        <a:p>
+          <a:r>
+            <a:rPr lang="en-GB"/>
+            <a:t>Firebase Database</a:t>
+          </a:r>
+          <a:endParaRPr lang="en-US"/>
+        </a:p>
+      </dgm:t>
+    </dgm:pt>
+    <dgm:pt modelId="{C17A0711-7887-4DC4-9470-047C50797CCC}" type="parTrans" cxnId="{88F59FAD-3CE6-46E6-8BA9-13A48B16D1FE}">
+      <dgm:prSet/>
+      <dgm:spPr/>
+      <dgm:t>
+        <a:bodyPr/>
+        <a:lstStyle/>
+        <a:p>
+          <a:endParaRPr lang="en-US"/>
+        </a:p>
+      </dgm:t>
+    </dgm:pt>
+    <dgm:pt modelId="{8636B702-4021-4F27-9DF1-3A520940D697}" type="sibTrans" cxnId="{88F59FAD-3CE6-46E6-8BA9-13A48B16D1FE}">
+      <dgm:prSet/>
+      <dgm:spPr/>
+      <dgm:t>
+        <a:bodyPr/>
+        <a:lstStyle/>
+        <a:p>
+          <a:endParaRPr lang="en-US"/>
+        </a:p>
+      </dgm:t>
+    </dgm:pt>
+    <dgm:pt modelId="{59C41E80-58F4-4219-B58C-3731467A6561}">
+      <dgm:prSet/>
+      <dgm:spPr/>
+      <dgm:t>
+        <a:bodyPr/>
+        <a:lstStyle/>
+        <a:p>
+          <a:r>
+            <a:rPr lang="en-GB"/>
+            <a:t>Microservice architecture</a:t>
+          </a:r>
+          <a:endParaRPr lang="en-US"/>
+        </a:p>
+      </dgm:t>
+    </dgm:pt>
+    <dgm:pt modelId="{2460C37D-720C-4605-BF11-028A6A2D0FA6}" type="parTrans" cxnId="{7204C16C-3FE1-4570-A590-FE662CE1B2DC}">
+      <dgm:prSet/>
+      <dgm:spPr/>
+      <dgm:t>
+        <a:bodyPr/>
+        <a:lstStyle/>
+        <a:p>
+          <a:endParaRPr lang="en-US"/>
+        </a:p>
+      </dgm:t>
+    </dgm:pt>
+    <dgm:pt modelId="{EB09D050-6A5D-4C99-A890-DF114014244E}" type="sibTrans" cxnId="{7204C16C-3FE1-4570-A590-FE662CE1B2DC}">
+      <dgm:prSet/>
+      <dgm:spPr/>
+      <dgm:t>
+        <a:bodyPr/>
+        <a:lstStyle/>
+        <a:p>
+          <a:endParaRPr lang="en-US"/>
+        </a:p>
+      </dgm:t>
+    </dgm:pt>
+    <dgm:pt modelId="{8E6B4176-4048-4329-8F1C-DD832A89416C}">
+      <dgm:prSet/>
+      <dgm:spPr/>
+      <dgm:t>
+        <a:bodyPr/>
+        <a:lstStyle/>
+        <a:p>
+          <a:r>
+            <a:rPr lang="en-GB"/>
+            <a:t>Scalable infustrictire </a:t>
+          </a:r>
+          <a:endParaRPr lang="en-US"/>
+        </a:p>
+      </dgm:t>
+    </dgm:pt>
+    <dgm:pt modelId="{6BB4639E-25B7-4663-B76A-47A3F19808FE}" type="parTrans" cxnId="{8729C65B-BFE4-466D-A6F7-C451810F5A9B}">
+      <dgm:prSet/>
+      <dgm:spPr/>
+      <dgm:t>
+        <a:bodyPr/>
+        <a:lstStyle/>
+        <a:p>
+          <a:endParaRPr lang="en-US"/>
+        </a:p>
+      </dgm:t>
+    </dgm:pt>
+    <dgm:pt modelId="{C8CEB3C2-5A5C-4D70-A63E-49E90CD882F4}" type="sibTrans" cxnId="{8729C65B-BFE4-466D-A6F7-C451810F5A9B}">
+      <dgm:prSet/>
+      <dgm:spPr/>
+      <dgm:t>
+        <a:bodyPr/>
+        <a:lstStyle/>
+        <a:p>
+          <a:endParaRPr lang="en-US"/>
+        </a:p>
+      </dgm:t>
+    </dgm:pt>
+    <dgm:pt modelId="{C2CC721D-0D06-4308-BB7C-3B7886EF53B2}">
+      <dgm:prSet/>
+      <dgm:spPr/>
+      <dgm:t>
+        <a:bodyPr/>
+        <a:lstStyle/>
+        <a:p>
+          <a:r>
+            <a:rPr lang="en-GB"/>
+            <a:t>Flexible and Secure design</a:t>
+          </a:r>
+          <a:endParaRPr lang="en-US"/>
+        </a:p>
+      </dgm:t>
+    </dgm:pt>
+    <dgm:pt modelId="{3B7446D2-2073-4856-90D3-995E3283723A}" type="parTrans" cxnId="{2D2D47EA-19E5-4A28-ABBA-368C4205B110}">
+      <dgm:prSet/>
+      <dgm:spPr/>
+      <dgm:t>
+        <a:bodyPr/>
+        <a:lstStyle/>
+        <a:p>
+          <a:endParaRPr lang="en-US"/>
+        </a:p>
+      </dgm:t>
+    </dgm:pt>
+    <dgm:pt modelId="{F5BA9D43-B28E-486A-A522-A212CB82E086}" type="sibTrans" cxnId="{2D2D47EA-19E5-4A28-ABBA-368C4205B110}">
+      <dgm:prSet/>
+      <dgm:spPr/>
+      <dgm:t>
+        <a:bodyPr/>
+        <a:lstStyle/>
+        <a:p>
+          <a:endParaRPr lang="en-US"/>
+        </a:p>
+      </dgm:t>
+    </dgm:pt>
+    <dgm:pt modelId="{27EC2720-6D22-4668-8A6D-B1A7BFFD0B9B}" type="pres">
+      <dgm:prSet presAssocID="{DFB9D189-9C79-4C5C-8548-37C5920C0C61}" presName="linear" presStyleCnt="0">
+        <dgm:presLayoutVars>
+          <dgm:animLvl val="lvl"/>
+          <dgm:resizeHandles val="exact"/>
+        </dgm:presLayoutVars>
+      </dgm:prSet>
+      <dgm:spPr/>
+    </dgm:pt>
+    <dgm:pt modelId="{B99D3781-8EF8-4D3A-8015-D0520415B759}" type="pres">
+      <dgm:prSet presAssocID="{7AF89441-1D15-4AC9-ADAB-D8DA9E192C49}" presName="parentText" presStyleLbl="node1" presStyleIdx="0" presStyleCnt="4">
+        <dgm:presLayoutVars>
+          <dgm:chMax val="0"/>
+          <dgm:bulletEnabled val="1"/>
+        </dgm:presLayoutVars>
+      </dgm:prSet>
+      <dgm:spPr/>
+    </dgm:pt>
+    <dgm:pt modelId="{0D44D2A4-EC9A-4825-8F71-263BEF7DA266}" type="pres">
+      <dgm:prSet presAssocID="{8636B702-4021-4F27-9DF1-3A520940D697}" presName="spacer" presStyleCnt="0"/>
+      <dgm:spPr/>
+    </dgm:pt>
+    <dgm:pt modelId="{E8DA13C9-9CC4-4B33-9DD4-2401AAD0C6F5}" type="pres">
+      <dgm:prSet presAssocID="{59C41E80-58F4-4219-B58C-3731467A6561}" presName="parentText" presStyleLbl="node1" presStyleIdx="1" presStyleCnt="4">
+        <dgm:presLayoutVars>
+          <dgm:chMax val="0"/>
+          <dgm:bulletEnabled val="1"/>
+        </dgm:presLayoutVars>
+      </dgm:prSet>
+      <dgm:spPr/>
+    </dgm:pt>
+    <dgm:pt modelId="{44D7360D-67A0-40BB-B808-B69437211C67}" type="pres">
+      <dgm:prSet presAssocID="{EB09D050-6A5D-4C99-A890-DF114014244E}" presName="spacer" presStyleCnt="0"/>
+      <dgm:spPr/>
+    </dgm:pt>
+    <dgm:pt modelId="{B5055A80-F538-43F8-A39B-A640607FA012}" type="pres">
+      <dgm:prSet presAssocID="{8E6B4176-4048-4329-8F1C-DD832A89416C}" presName="parentText" presStyleLbl="node1" presStyleIdx="2" presStyleCnt="4">
+        <dgm:presLayoutVars>
+          <dgm:chMax val="0"/>
+          <dgm:bulletEnabled val="1"/>
+        </dgm:presLayoutVars>
+      </dgm:prSet>
+      <dgm:spPr/>
+    </dgm:pt>
+    <dgm:pt modelId="{6A2252D4-7F8A-4F22-B7DD-E12B034FD7FD}" type="pres">
+      <dgm:prSet presAssocID="{C8CEB3C2-5A5C-4D70-A63E-49E90CD882F4}" presName="spacer" presStyleCnt="0"/>
+      <dgm:spPr/>
+    </dgm:pt>
+    <dgm:pt modelId="{9B7820E0-CDBE-49CF-BFA3-2C4B1A8F22D6}" type="pres">
+      <dgm:prSet presAssocID="{C2CC721D-0D06-4308-BB7C-3B7886EF53B2}" presName="parentText" presStyleLbl="node1" presStyleIdx="3" presStyleCnt="4">
+        <dgm:presLayoutVars>
+          <dgm:chMax val="0"/>
+          <dgm:bulletEnabled val="1"/>
+        </dgm:presLayoutVars>
+      </dgm:prSet>
+      <dgm:spPr/>
+    </dgm:pt>
+  </dgm:ptLst>
+  <dgm:cxnLst>
+    <dgm:cxn modelId="{8729C65B-BFE4-466D-A6F7-C451810F5A9B}" srcId="{DFB9D189-9C79-4C5C-8548-37C5920C0C61}" destId="{8E6B4176-4048-4329-8F1C-DD832A89416C}" srcOrd="2" destOrd="0" parTransId="{6BB4639E-25B7-4663-B76A-47A3F19808FE}" sibTransId="{C8CEB3C2-5A5C-4D70-A63E-49E90CD882F4}"/>
+    <dgm:cxn modelId="{7204C16C-3FE1-4570-A590-FE662CE1B2DC}" srcId="{DFB9D189-9C79-4C5C-8548-37C5920C0C61}" destId="{59C41E80-58F4-4219-B58C-3731467A6561}" srcOrd="1" destOrd="0" parTransId="{2460C37D-720C-4605-BF11-028A6A2D0FA6}" sibTransId="{EB09D050-6A5D-4C99-A890-DF114014244E}"/>
+    <dgm:cxn modelId="{AA986A51-3EC1-46FA-8E88-1B1093AC5299}" type="presOf" srcId="{7AF89441-1D15-4AC9-ADAB-D8DA9E192C49}" destId="{B99D3781-8EF8-4D3A-8015-D0520415B759}" srcOrd="0" destOrd="0" presId="urn:microsoft.com/office/officeart/2005/8/layout/vList2"/>
+    <dgm:cxn modelId="{A63D3B83-4331-4FA6-A16D-3F220F66618D}" type="presOf" srcId="{C2CC721D-0D06-4308-BB7C-3B7886EF53B2}" destId="{9B7820E0-CDBE-49CF-BFA3-2C4B1A8F22D6}" srcOrd="0" destOrd="0" presId="urn:microsoft.com/office/officeart/2005/8/layout/vList2"/>
+    <dgm:cxn modelId="{A67E4493-DB03-4C83-A5F0-97E298B879A2}" type="presOf" srcId="{8E6B4176-4048-4329-8F1C-DD832A89416C}" destId="{B5055A80-F538-43F8-A39B-A640607FA012}" srcOrd="0" destOrd="0" presId="urn:microsoft.com/office/officeart/2005/8/layout/vList2"/>
+    <dgm:cxn modelId="{88F59FAD-3CE6-46E6-8BA9-13A48B16D1FE}" srcId="{DFB9D189-9C79-4C5C-8548-37C5920C0C61}" destId="{7AF89441-1D15-4AC9-ADAB-D8DA9E192C49}" srcOrd="0" destOrd="0" parTransId="{C17A0711-7887-4DC4-9470-047C50797CCC}" sibTransId="{8636B702-4021-4F27-9DF1-3A520940D697}"/>
+    <dgm:cxn modelId="{7A09E1C0-85C0-4980-9639-1C417A4854AF}" type="presOf" srcId="{DFB9D189-9C79-4C5C-8548-37C5920C0C61}" destId="{27EC2720-6D22-4668-8A6D-B1A7BFFD0B9B}" srcOrd="0" destOrd="0" presId="urn:microsoft.com/office/officeart/2005/8/layout/vList2"/>
+    <dgm:cxn modelId="{537AC7C3-006C-42D0-88EB-07DA226D8B06}" type="presOf" srcId="{59C41E80-58F4-4219-B58C-3731467A6561}" destId="{E8DA13C9-9CC4-4B33-9DD4-2401AAD0C6F5}" srcOrd="0" destOrd="0" presId="urn:microsoft.com/office/officeart/2005/8/layout/vList2"/>
+    <dgm:cxn modelId="{2D2D47EA-19E5-4A28-ABBA-368C4205B110}" srcId="{DFB9D189-9C79-4C5C-8548-37C5920C0C61}" destId="{C2CC721D-0D06-4308-BB7C-3B7886EF53B2}" srcOrd="3" destOrd="0" parTransId="{3B7446D2-2073-4856-90D3-995E3283723A}" sibTransId="{F5BA9D43-B28E-486A-A522-A212CB82E086}"/>
+    <dgm:cxn modelId="{674F7C3C-AA78-477D-9A6B-B65F11574C46}" type="presParOf" srcId="{27EC2720-6D22-4668-8A6D-B1A7BFFD0B9B}" destId="{B99D3781-8EF8-4D3A-8015-D0520415B759}" srcOrd="0" destOrd="0" presId="urn:microsoft.com/office/officeart/2005/8/layout/vList2"/>
+    <dgm:cxn modelId="{D0506B9D-0C06-45C6-AF75-75D0F0D659E8}" type="presParOf" srcId="{27EC2720-6D22-4668-8A6D-B1A7BFFD0B9B}" destId="{0D44D2A4-EC9A-4825-8F71-263BEF7DA266}" srcOrd="1" destOrd="0" presId="urn:microsoft.com/office/officeart/2005/8/layout/vList2"/>
+    <dgm:cxn modelId="{C80379EF-060A-44E6-9D59-88D7C075B1E4}" type="presParOf" srcId="{27EC2720-6D22-4668-8A6D-B1A7BFFD0B9B}" destId="{E8DA13C9-9CC4-4B33-9DD4-2401AAD0C6F5}" srcOrd="2" destOrd="0" presId="urn:microsoft.com/office/officeart/2005/8/layout/vList2"/>
+    <dgm:cxn modelId="{0CD951CE-F86F-46EE-B6AE-AAEBBAA977AF}" type="presParOf" srcId="{27EC2720-6D22-4668-8A6D-B1A7BFFD0B9B}" destId="{44D7360D-67A0-40BB-B808-B69437211C67}" srcOrd="3" destOrd="0" presId="urn:microsoft.com/office/officeart/2005/8/layout/vList2"/>
+    <dgm:cxn modelId="{1B05BE33-E712-4011-990F-1C4AA0076DED}" type="presParOf" srcId="{27EC2720-6D22-4668-8A6D-B1A7BFFD0B9B}" destId="{B5055A80-F538-43F8-A39B-A640607FA012}" srcOrd="4" destOrd="0" presId="urn:microsoft.com/office/officeart/2005/8/layout/vList2"/>
+    <dgm:cxn modelId="{B58B69CE-D517-4E75-A703-209FD4B5E612}" type="presParOf" srcId="{27EC2720-6D22-4668-8A6D-B1A7BFFD0B9B}" destId="{6A2252D4-7F8A-4F22-B7DD-E12B034FD7FD}" srcOrd="5" destOrd="0" presId="urn:microsoft.com/office/officeart/2005/8/layout/vList2"/>
+    <dgm:cxn modelId="{C047199C-A1B6-4665-A520-11A0BB46B423}" type="presParOf" srcId="{27EC2720-6D22-4668-8A6D-B1A7BFFD0B9B}" destId="{9B7820E0-CDBE-49CF-BFA3-2C4B1A8F22D6}" srcOrd="6" destOrd="0" presId="urn:microsoft.com/office/officeart/2005/8/layout/vList2"/>
+  </dgm:cxnLst>
+  <dgm:bg/>
+  <dgm:whole/>
+  <dgm:extLst>
+    <a:ext uri="http://schemas.microsoft.com/office/drawing/2008/diagram">
+      <dsp:dataModelExt xmlns:dsp="http://schemas.microsoft.com/office/drawing/2008/diagram" relId="rId8" minVer="http://schemas.openxmlformats.org/drawingml/2006/diagram"/>
+    </a:ext>
+  </dgm:extLst>
+</dgm:dataModel>
+</file>
+
+<file path=ppt/diagrams/data4.xml><?xml version="1.0" encoding="utf-8"?>
+<dgm:dataModel xmlns:dgm="http://schemas.openxmlformats.org/drawingml/2006/diagram" xmlns:a="http://schemas.openxmlformats.org/drawingml/2006/main">
+  <dgm:ptLst>
+    <dgm:pt modelId="{51E533CF-5F10-4A40-8A95-7C9AC682F757}" type="doc">
+      <dgm:prSet loTypeId="urn:microsoft.com/office/officeart/2005/8/layout/hierarchy1" loCatId="hierarchy" qsTypeId="urn:microsoft.com/office/officeart/2005/8/quickstyle/simple1" qsCatId="simple" csTypeId="urn:microsoft.com/office/officeart/2005/8/colors/accent1_2" csCatId="accent1"/>
+      <dgm:spPr/>
+      <dgm:t>
+        <a:bodyPr/>
+        <a:lstStyle/>
+        <a:p>
+          <a:endParaRPr lang="en-US"/>
+        </a:p>
+      </dgm:t>
+    </dgm:pt>
+    <dgm:pt modelId="{03A236F5-22F1-4B8E-8819-2E06427D73EE}">
+      <dgm:prSet/>
+      <dgm:spPr/>
+      <dgm:t>
+        <a:bodyPr/>
+        <a:lstStyle/>
+        <a:p>
+          <a:r>
+            <a:rPr lang="en-GB"/>
+            <a:t>Create software that allows a business, and individuals track their IOT devices lifecycle from manufacture to installation, operation, maintenance, and eventually, recycling if possible.</a:t>
+          </a:r>
+          <a:endParaRPr lang="en-US"/>
+        </a:p>
+      </dgm:t>
+    </dgm:pt>
+    <dgm:pt modelId="{7973E880-0F5F-45C3-B648-EF4AA20D25CD}" type="parTrans" cxnId="{7947CB2C-98F1-4705-ACFE-3BFC539D8D0F}">
+      <dgm:prSet/>
+      <dgm:spPr/>
+      <dgm:t>
+        <a:bodyPr/>
+        <a:lstStyle/>
+        <a:p>
+          <a:endParaRPr lang="en-US"/>
+        </a:p>
+      </dgm:t>
+    </dgm:pt>
+    <dgm:pt modelId="{BFFBE6B1-E2E3-4098-9643-DA75072D3176}" type="sibTrans" cxnId="{7947CB2C-98F1-4705-ACFE-3BFC539D8D0F}">
+      <dgm:prSet/>
+      <dgm:spPr/>
+      <dgm:t>
+        <a:bodyPr/>
+        <a:lstStyle/>
+        <a:p>
+          <a:endParaRPr lang="en-US"/>
+        </a:p>
+      </dgm:t>
+    </dgm:pt>
+    <dgm:pt modelId="{6986CA9C-7916-4834-B901-339D3F1F2F93}">
+      <dgm:prSet/>
+      <dgm:spPr/>
+      <dgm:t>
+        <a:bodyPr/>
+        <a:lstStyle/>
+        <a:p>
+          <a:r>
+            <a:rPr lang="en-GB"/>
+            <a:t>Whether managing a handful of devices to scaling to thousands, our solution should be able to adapt to meet the diverse needs of clients, offering flexibility in our client-side integration as well as on our database.</a:t>
+          </a:r>
+          <a:endParaRPr lang="en-US"/>
+        </a:p>
+      </dgm:t>
+    </dgm:pt>
+    <dgm:pt modelId="{D84F88CE-34E5-4A0B-9836-03E3F096D97F}" type="parTrans" cxnId="{85187E2C-4FFC-499A-983F-FDB1F562FCAE}">
+      <dgm:prSet/>
+      <dgm:spPr/>
+      <dgm:t>
+        <a:bodyPr/>
+        <a:lstStyle/>
+        <a:p>
+          <a:endParaRPr lang="en-US"/>
+        </a:p>
+      </dgm:t>
+    </dgm:pt>
+    <dgm:pt modelId="{6FB659B2-2BFB-4E41-AAF1-A0BF5704A5F9}" type="sibTrans" cxnId="{85187E2C-4FFC-499A-983F-FDB1F562FCAE}">
+      <dgm:prSet/>
+      <dgm:spPr/>
+      <dgm:t>
+        <a:bodyPr/>
+        <a:lstStyle/>
+        <a:p>
+          <a:endParaRPr lang="en-US"/>
+        </a:p>
+      </dgm:t>
+    </dgm:pt>
+    <dgm:pt modelId="{234C7C7E-F93D-45B3-AE09-477ABF1CBDBB}" type="pres">
+      <dgm:prSet presAssocID="{51E533CF-5F10-4A40-8A95-7C9AC682F757}" presName="hierChild1" presStyleCnt="0">
+        <dgm:presLayoutVars>
+          <dgm:chPref val="1"/>
+          <dgm:dir/>
+          <dgm:animOne val="branch"/>
+          <dgm:animLvl val="lvl"/>
+          <dgm:resizeHandles/>
+        </dgm:presLayoutVars>
+      </dgm:prSet>
+      <dgm:spPr/>
+    </dgm:pt>
+    <dgm:pt modelId="{A5703146-FE9C-4E2C-9E41-52281E03E1FE}" type="pres">
+      <dgm:prSet presAssocID="{03A236F5-22F1-4B8E-8819-2E06427D73EE}" presName="hierRoot1" presStyleCnt="0"/>
+      <dgm:spPr/>
+    </dgm:pt>
+    <dgm:pt modelId="{6EEE6900-7CAB-46F9-8A7A-AD6D24CA51D5}" type="pres">
+      <dgm:prSet presAssocID="{03A236F5-22F1-4B8E-8819-2E06427D73EE}" presName="composite" presStyleCnt="0"/>
+      <dgm:spPr/>
+    </dgm:pt>
+    <dgm:pt modelId="{971C4E0F-E956-4F25-BDAE-1567EB1E0EF2}" type="pres">
+      <dgm:prSet presAssocID="{03A236F5-22F1-4B8E-8819-2E06427D73EE}" presName="background" presStyleLbl="node0" presStyleIdx="0" presStyleCnt="2"/>
+      <dgm:spPr/>
+    </dgm:pt>
+    <dgm:pt modelId="{A2D265AB-2C9B-40D1-A371-2CF89C70470D}" type="pres">
+      <dgm:prSet presAssocID="{03A236F5-22F1-4B8E-8819-2E06427D73EE}" presName="text" presStyleLbl="fgAcc0" presStyleIdx="0" presStyleCnt="2">
+        <dgm:presLayoutVars>
+          <dgm:chPref val="3"/>
+        </dgm:presLayoutVars>
+      </dgm:prSet>
+      <dgm:spPr/>
+    </dgm:pt>
+    <dgm:pt modelId="{D1F420BA-0C80-4276-A8EF-E8F33EE6F9FD}" type="pres">
+      <dgm:prSet presAssocID="{03A236F5-22F1-4B8E-8819-2E06427D73EE}" presName="hierChild2" presStyleCnt="0"/>
+      <dgm:spPr/>
+    </dgm:pt>
+    <dgm:pt modelId="{CBA3A008-6415-45C5-B21F-1E83FFE3B537}" type="pres">
+      <dgm:prSet presAssocID="{6986CA9C-7916-4834-B901-339D3F1F2F93}" presName="hierRoot1" presStyleCnt="0"/>
+      <dgm:spPr/>
+    </dgm:pt>
+    <dgm:pt modelId="{54AF8BD9-4072-437B-916F-B22045B396F0}" type="pres">
+      <dgm:prSet presAssocID="{6986CA9C-7916-4834-B901-339D3F1F2F93}" presName="composite" presStyleCnt="0"/>
+      <dgm:spPr/>
+    </dgm:pt>
+    <dgm:pt modelId="{37B2B16D-E0CE-42F5-845B-E68B3140DC9B}" type="pres">
+      <dgm:prSet presAssocID="{6986CA9C-7916-4834-B901-339D3F1F2F93}" presName="background" presStyleLbl="node0" presStyleIdx="1" presStyleCnt="2"/>
+      <dgm:spPr/>
+    </dgm:pt>
+    <dgm:pt modelId="{9D2DD10D-11BF-48C1-8811-E811CFBAEAC3}" type="pres">
+      <dgm:prSet presAssocID="{6986CA9C-7916-4834-B901-339D3F1F2F93}" presName="text" presStyleLbl="fgAcc0" presStyleIdx="1" presStyleCnt="2">
+        <dgm:presLayoutVars>
+          <dgm:chPref val="3"/>
+        </dgm:presLayoutVars>
+      </dgm:prSet>
+      <dgm:spPr/>
+    </dgm:pt>
+    <dgm:pt modelId="{503C0EBB-F56E-4D49-80C3-15C3529B2615}" type="pres">
+      <dgm:prSet presAssocID="{6986CA9C-7916-4834-B901-339D3F1F2F93}" presName="hierChild2" presStyleCnt="0"/>
+      <dgm:spPr/>
+    </dgm:pt>
+  </dgm:ptLst>
+  <dgm:cxnLst>
+    <dgm:cxn modelId="{D147320A-A3D0-4E21-A83D-5E0A549B7BAA}" type="presOf" srcId="{51E533CF-5F10-4A40-8A95-7C9AC682F757}" destId="{234C7C7E-F93D-45B3-AE09-477ABF1CBDBB}" srcOrd="0" destOrd="0" presId="urn:microsoft.com/office/officeart/2005/8/layout/hierarchy1"/>
+    <dgm:cxn modelId="{85187E2C-4FFC-499A-983F-FDB1F562FCAE}" srcId="{51E533CF-5F10-4A40-8A95-7C9AC682F757}" destId="{6986CA9C-7916-4834-B901-339D3F1F2F93}" srcOrd="1" destOrd="0" parTransId="{D84F88CE-34E5-4A0B-9836-03E3F096D97F}" sibTransId="{6FB659B2-2BFB-4E41-AAF1-A0BF5704A5F9}"/>
+    <dgm:cxn modelId="{7947CB2C-98F1-4705-ACFE-3BFC539D8D0F}" srcId="{51E533CF-5F10-4A40-8A95-7C9AC682F757}" destId="{03A236F5-22F1-4B8E-8819-2E06427D73EE}" srcOrd="0" destOrd="0" parTransId="{7973E880-0F5F-45C3-B648-EF4AA20D25CD}" sibTransId="{BFFBE6B1-E2E3-4098-9643-DA75072D3176}"/>
+    <dgm:cxn modelId="{880AD544-B667-4451-88E6-CCDD9642E7D2}" type="presOf" srcId="{6986CA9C-7916-4834-B901-339D3F1F2F93}" destId="{9D2DD10D-11BF-48C1-8811-E811CFBAEAC3}" srcOrd="0" destOrd="0" presId="urn:microsoft.com/office/officeart/2005/8/layout/hierarchy1"/>
+    <dgm:cxn modelId="{174DB8B8-C240-492D-BA5E-8FA06E108B7F}" type="presOf" srcId="{03A236F5-22F1-4B8E-8819-2E06427D73EE}" destId="{A2D265AB-2C9B-40D1-A371-2CF89C70470D}" srcOrd="0" destOrd="0" presId="urn:microsoft.com/office/officeart/2005/8/layout/hierarchy1"/>
+    <dgm:cxn modelId="{000F7061-D443-417E-BC84-731E606B0978}" type="presParOf" srcId="{234C7C7E-F93D-45B3-AE09-477ABF1CBDBB}" destId="{A5703146-FE9C-4E2C-9E41-52281E03E1FE}" srcOrd="0" destOrd="0" presId="urn:microsoft.com/office/officeart/2005/8/layout/hierarchy1"/>
+    <dgm:cxn modelId="{C5FE7EF9-B492-41C3-A406-F8FE77E36E13}" type="presParOf" srcId="{A5703146-FE9C-4E2C-9E41-52281E03E1FE}" destId="{6EEE6900-7CAB-46F9-8A7A-AD6D24CA51D5}" srcOrd="0" destOrd="0" presId="urn:microsoft.com/office/officeart/2005/8/layout/hierarchy1"/>
+    <dgm:cxn modelId="{569EA547-F4A7-4C95-92EC-3B9A8BE19E17}" type="presParOf" srcId="{6EEE6900-7CAB-46F9-8A7A-AD6D24CA51D5}" destId="{971C4E0F-E956-4F25-BDAE-1567EB1E0EF2}" srcOrd="0" destOrd="0" presId="urn:microsoft.com/office/officeart/2005/8/layout/hierarchy1"/>
+    <dgm:cxn modelId="{F813CB28-380F-4382-91A9-0C6058F66B19}" type="presParOf" srcId="{6EEE6900-7CAB-46F9-8A7A-AD6D24CA51D5}" destId="{A2D265AB-2C9B-40D1-A371-2CF89C70470D}" srcOrd="1" destOrd="0" presId="urn:microsoft.com/office/officeart/2005/8/layout/hierarchy1"/>
+    <dgm:cxn modelId="{D40A52E8-1BD8-447D-8B4B-90BB5AA6FB2A}" type="presParOf" srcId="{A5703146-FE9C-4E2C-9E41-52281E03E1FE}" destId="{D1F420BA-0C80-4276-A8EF-E8F33EE6F9FD}" srcOrd="1" destOrd="0" presId="urn:microsoft.com/office/officeart/2005/8/layout/hierarchy1"/>
+    <dgm:cxn modelId="{4578B809-E5E7-40A1-AA38-4E1E5FBEF9D3}" type="presParOf" srcId="{234C7C7E-F93D-45B3-AE09-477ABF1CBDBB}" destId="{CBA3A008-6415-45C5-B21F-1E83FFE3B537}" srcOrd="1" destOrd="0" presId="urn:microsoft.com/office/officeart/2005/8/layout/hierarchy1"/>
+    <dgm:cxn modelId="{AF4E3E9D-8DD9-459A-997A-D05162D3E696}" type="presParOf" srcId="{CBA3A008-6415-45C5-B21F-1E83FFE3B537}" destId="{54AF8BD9-4072-437B-916F-B22045B396F0}" srcOrd="0" destOrd="0" presId="urn:microsoft.com/office/officeart/2005/8/layout/hierarchy1"/>
+    <dgm:cxn modelId="{50800EC2-0534-4BD0-AF59-B4701BD5EA63}" type="presParOf" srcId="{54AF8BD9-4072-437B-916F-B22045B396F0}" destId="{37B2B16D-E0CE-42F5-845B-E68B3140DC9B}" srcOrd="0" destOrd="0" presId="urn:microsoft.com/office/officeart/2005/8/layout/hierarchy1"/>
+    <dgm:cxn modelId="{C009648D-4A1A-4E94-991D-E4439E9CBC25}" type="presParOf" srcId="{54AF8BD9-4072-437B-916F-B22045B396F0}" destId="{9D2DD10D-11BF-48C1-8811-E811CFBAEAC3}" srcOrd="1" destOrd="0" presId="urn:microsoft.com/office/officeart/2005/8/layout/hierarchy1"/>
+    <dgm:cxn modelId="{F45B9B47-C1EB-4457-A8D6-46BE311839A5}" type="presParOf" srcId="{CBA3A008-6415-45C5-B21F-1E83FFE3B537}" destId="{503C0EBB-F56E-4D49-80C3-15C3529B2615}" srcOrd="1" destOrd="0" presId="urn:microsoft.com/office/officeart/2005/8/layout/hierarchy1"/>
+  </dgm:cxnLst>
+  <dgm:bg/>
+  <dgm:whole/>
+  <dgm:extLst>
+    <a:ext uri="http://schemas.microsoft.com/office/drawing/2008/diagram">
+      <dsp:dataModelExt xmlns:dsp="http://schemas.microsoft.com/office/drawing/2008/diagram" relId="rId6" minVer="http://schemas.openxmlformats.org/drawingml/2006/diagram"/>
+    </a:ext>
+  </dgm:extLst>
+</dgm:dataModel>
+</file>
+
 <file path=ppt/diagrams/drawing1.xml><?xml version="1.0" encoding="utf-8"?>
 <dsp:drawing xmlns:dgm="http://schemas.openxmlformats.org/drawingml/2006/diagram" xmlns:dsp="http://schemas.microsoft.com/office/drawing/2008/diagram" xmlns:a="http://schemas.openxmlformats.org/drawingml/2006/main">
   <dsp:spTree>
@@ -4963,442 +5889,6 @@
 </file>
 
 <file path=ppt/diagrams/drawing2.xml><?xml version="1.0" encoding="utf-8"?>
-<dsp:drawing xmlns:dgm="http://schemas.openxmlformats.org/drawingml/2006/diagram" xmlns:dsp="http://schemas.microsoft.com/office/drawing/2008/diagram" xmlns:a="http://schemas.openxmlformats.org/drawingml/2006/main">
-  <dsp:spTree>
-    <dsp:nvGrpSpPr>
-      <dsp:cNvPr id="0" name=""/>
-      <dsp:cNvGrpSpPr/>
-    </dsp:nvGrpSpPr>
-    <dsp:grpSpPr/>
-    <dsp:sp modelId="{B99D3781-8EF8-4D3A-8015-D0520415B759}">
-      <dsp:nvSpPr>
-        <dsp:cNvPr id="0" name=""/>
-        <dsp:cNvSpPr/>
-      </dsp:nvSpPr>
-      <dsp:spPr>
-        <a:xfrm>
-          <a:off x="0" y="846677"/>
-          <a:ext cx="6261100" cy="889200"/>
-        </a:xfrm>
-        <a:prstGeom prst="roundRect">
-          <a:avLst/>
-        </a:prstGeom>
-        <a:gradFill rotWithShape="0">
-          <a:gsLst>
-            <a:gs pos="0">
-              <a:schemeClr val="accent2">
-                <a:hueOff val="0"/>
-                <a:satOff val="0"/>
-                <a:lumOff val="0"/>
-                <a:alphaOff val="0"/>
-                <a:tint val="94000"/>
-                <a:satMod val="103000"/>
-                <a:lumMod val="102000"/>
-              </a:schemeClr>
-            </a:gs>
-            <a:gs pos="50000">
-              <a:schemeClr val="accent2">
-                <a:hueOff val="0"/>
-                <a:satOff val="0"/>
-                <a:lumOff val="0"/>
-                <a:alphaOff val="0"/>
-                <a:shade val="100000"/>
-                <a:satMod val="110000"/>
-                <a:lumMod val="100000"/>
-              </a:schemeClr>
-            </a:gs>
-            <a:gs pos="100000">
-              <a:schemeClr val="accent2">
-                <a:hueOff val="0"/>
-                <a:satOff val="0"/>
-                <a:lumOff val="0"/>
-                <a:alphaOff val="0"/>
-                <a:shade val="78000"/>
-                <a:satMod val="120000"/>
-                <a:lumMod val="99000"/>
-              </a:schemeClr>
-            </a:gs>
-          </a:gsLst>
-          <a:lin ang="5400000" scaled="0"/>
-        </a:gradFill>
-        <a:ln>
-          <a:noFill/>
-        </a:ln>
-        <a:effectLst>
-          <a:outerShdw blurRad="57150" dist="19050" dir="5400000" algn="ctr" rotWithShape="0">
-            <a:srgbClr val="000000">
-              <a:alpha val="63000"/>
-            </a:srgbClr>
-          </a:outerShdw>
-        </a:effectLst>
-      </dsp:spPr>
-      <dsp:style>
-        <a:lnRef idx="0">
-          <a:scrgbClr r="0" g="0" b="0"/>
-        </a:lnRef>
-        <a:fillRef idx="3">
-          <a:scrgbClr r="0" g="0" b="0"/>
-        </a:fillRef>
-        <a:effectRef idx="3">
-          <a:scrgbClr r="0" g="0" b="0"/>
-        </a:effectRef>
-        <a:fontRef idx="minor">
-          <a:schemeClr val="lt1"/>
-        </a:fontRef>
-      </dsp:style>
-      <dsp:txBody>
-        <a:bodyPr spcFirstLastPara="0" vert="horz" wrap="square" lIns="144780" tIns="144780" rIns="144780" bIns="144780" numCol="1" spcCol="1270" anchor="ctr" anchorCtr="0">
-          <a:noAutofit/>
-        </a:bodyPr>
-        <a:lstStyle/>
-        <a:p>
-          <a:pPr marL="0" lvl="0" indent="0" algn="l" defTabSz="1689100">
-            <a:lnSpc>
-              <a:spcPct val="90000"/>
-            </a:lnSpc>
-            <a:spcBef>
-              <a:spcPct val="0"/>
-            </a:spcBef>
-            <a:spcAft>
-              <a:spcPct val="35000"/>
-            </a:spcAft>
-            <a:buNone/>
-          </a:pPr>
-          <a:r>
-            <a:rPr lang="en-GB" sz="3800" kern="1200"/>
-            <a:t>Firebase Database</a:t>
-          </a:r>
-          <a:endParaRPr lang="en-US" sz="3800" kern="1200"/>
-        </a:p>
-      </dsp:txBody>
-      <dsp:txXfrm>
-        <a:off x="43407" y="890084"/>
-        <a:ext cx="6174286" cy="802386"/>
-      </dsp:txXfrm>
-    </dsp:sp>
-    <dsp:sp modelId="{E8DA13C9-9CC4-4B33-9DD4-2401AAD0C6F5}">
-      <dsp:nvSpPr>
-        <dsp:cNvPr id="0" name=""/>
-        <dsp:cNvSpPr/>
-      </dsp:nvSpPr>
-      <dsp:spPr>
-        <a:xfrm>
-          <a:off x="0" y="1845317"/>
-          <a:ext cx="6261100" cy="889200"/>
-        </a:xfrm>
-        <a:prstGeom prst="roundRect">
-          <a:avLst/>
-        </a:prstGeom>
-        <a:gradFill rotWithShape="0">
-          <a:gsLst>
-            <a:gs pos="0">
-              <a:schemeClr val="accent2">
-                <a:hueOff val="-67698"/>
-                <a:satOff val="-14504"/>
-                <a:lumOff val="19805"/>
-                <a:alphaOff val="0"/>
-                <a:tint val="94000"/>
-                <a:satMod val="103000"/>
-                <a:lumMod val="102000"/>
-              </a:schemeClr>
-            </a:gs>
-            <a:gs pos="50000">
-              <a:schemeClr val="accent2">
-                <a:hueOff val="-67698"/>
-                <a:satOff val="-14504"/>
-                <a:lumOff val="19805"/>
-                <a:alphaOff val="0"/>
-                <a:shade val="100000"/>
-                <a:satMod val="110000"/>
-                <a:lumMod val="100000"/>
-              </a:schemeClr>
-            </a:gs>
-            <a:gs pos="100000">
-              <a:schemeClr val="accent2">
-                <a:hueOff val="-67698"/>
-                <a:satOff val="-14504"/>
-                <a:lumOff val="19805"/>
-                <a:alphaOff val="0"/>
-                <a:shade val="78000"/>
-                <a:satMod val="120000"/>
-                <a:lumMod val="99000"/>
-              </a:schemeClr>
-            </a:gs>
-          </a:gsLst>
-          <a:lin ang="5400000" scaled="0"/>
-        </a:gradFill>
-        <a:ln>
-          <a:noFill/>
-        </a:ln>
-        <a:effectLst>
-          <a:outerShdw blurRad="57150" dist="19050" dir="5400000" algn="ctr" rotWithShape="0">
-            <a:srgbClr val="000000">
-              <a:alpha val="63000"/>
-            </a:srgbClr>
-          </a:outerShdw>
-        </a:effectLst>
-      </dsp:spPr>
-      <dsp:style>
-        <a:lnRef idx="0">
-          <a:scrgbClr r="0" g="0" b="0"/>
-        </a:lnRef>
-        <a:fillRef idx="3">
-          <a:scrgbClr r="0" g="0" b="0"/>
-        </a:fillRef>
-        <a:effectRef idx="3">
-          <a:scrgbClr r="0" g="0" b="0"/>
-        </a:effectRef>
-        <a:fontRef idx="minor">
-          <a:schemeClr val="lt1"/>
-        </a:fontRef>
-      </dsp:style>
-      <dsp:txBody>
-        <a:bodyPr spcFirstLastPara="0" vert="horz" wrap="square" lIns="144780" tIns="144780" rIns="144780" bIns="144780" numCol="1" spcCol="1270" anchor="ctr" anchorCtr="0">
-          <a:noAutofit/>
-        </a:bodyPr>
-        <a:lstStyle/>
-        <a:p>
-          <a:pPr marL="0" lvl="0" indent="0" algn="l" defTabSz="1689100">
-            <a:lnSpc>
-              <a:spcPct val="90000"/>
-            </a:lnSpc>
-            <a:spcBef>
-              <a:spcPct val="0"/>
-            </a:spcBef>
-            <a:spcAft>
-              <a:spcPct val="35000"/>
-            </a:spcAft>
-            <a:buNone/>
-          </a:pPr>
-          <a:r>
-            <a:rPr lang="en-GB" sz="3800" kern="1200"/>
-            <a:t>Microservice architecture</a:t>
-          </a:r>
-          <a:endParaRPr lang="en-US" sz="3800" kern="1200"/>
-        </a:p>
-      </dsp:txBody>
-      <dsp:txXfrm>
-        <a:off x="43407" y="1888724"/>
-        <a:ext cx="6174286" cy="802386"/>
-      </dsp:txXfrm>
-    </dsp:sp>
-    <dsp:sp modelId="{B5055A80-F538-43F8-A39B-A640607FA012}">
-      <dsp:nvSpPr>
-        <dsp:cNvPr id="0" name=""/>
-        <dsp:cNvSpPr/>
-      </dsp:nvSpPr>
-      <dsp:spPr>
-        <a:xfrm>
-          <a:off x="0" y="2843957"/>
-          <a:ext cx="6261100" cy="889200"/>
-        </a:xfrm>
-        <a:prstGeom prst="roundRect">
-          <a:avLst/>
-        </a:prstGeom>
-        <a:gradFill rotWithShape="0">
-          <a:gsLst>
-            <a:gs pos="0">
-              <a:schemeClr val="accent2">
-                <a:hueOff val="-135396"/>
-                <a:satOff val="-29008"/>
-                <a:lumOff val="39609"/>
-                <a:alphaOff val="0"/>
-                <a:tint val="94000"/>
-                <a:satMod val="103000"/>
-                <a:lumMod val="102000"/>
-              </a:schemeClr>
-            </a:gs>
-            <a:gs pos="50000">
-              <a:schemeClr val="accent2">
-                <a:hueOff val="-135396"/>
-                <a:satOff val="-29008"/>
-                <a:lumOff val="39609"/>
-                <a:alphaOff val="0"/>
-                <a:shade val="100000"/>
-                <a:satMod val="110000"/>
-                <a:lumMod val="100000"/>
-              </a:schemeClr>
-            </a:gs>
-            <a:gs pos="100000">
-              <a:schemeClr val="accent2">
-                <a:hueOff val="-135396"/>
-                <a:satOff val="-29008"/>
-                <a:lumOff val="39609"/>
-                <a:alphaOff val="0"/>
-                <a:shade val="78000"/>
-                <a:satMod val="120000"/>
-                <a:lumMod val="99000"/>
-              </a:schemeClr>
-            </a:gs>
-          </a:gsLst>
-          <a:lin ang="5400000" scaled="0"/>
-        </a:gradFill>
-        <a:ln>
-          <a:noFill/>
-        </a:ln>
-        <a:effectLst>
-          <a:outerShdw blurRad="57150" dist="19050" dir="5400000" algn="ctr" rotWithShape="0">
-            <a:srgbClr val="000000">
-              <a:alpha val="63000"/>
-            </a:srgbClr>
-          </a:outerShdw>
-        </a:effectLst>
-      </dsp:spPr>
-      <dsp:style>
-        <a:lnRef idx="0">
-          <a:scrgbClr r="0" g="0" b="0"/>
-        </a:lnRef>
-        <a:fillRef idx="3">
-          <a:scrgbClr r="0" g="0" b="0"/>
-        </a:fillRef>
-        <a:effectRef idx="3">
-          <a:scrgbClr r="0" g="0" b="0"/>
-        </a:effectRef>
-        <a:fontRef idx="minor">
-          <a:schemeClr val="lt1"/>
-        </a:fontRef>
-      </dsp:style>
-      <dsp:txBody>
-        <a:bodyPr spcFirstLastPara="0" vert="horz" wrap="square" lIns="144780" tIns="144780" rIns="144780" bIns="144780" numCol="1" spcCol="1270" anchor="ctr" anchorCtr="0">
-          <a:noAutofit/>
-        </a:bodyPr>
-        <a:lstStyle/>
-        <a:p>
-          <a:pPr marL="0" lvl="0" indent="0" algn="l" defTabSz="1689100">
-            <a:lnSpc>
-              <a:spcPct val="90000"/>
-            </a:lnSpc>
-            <a:spcBef>
-              <a:spcPct val="0"/>
-            </a:spcBef>
-            <a:spcAft>
-              <a:spcPct val="35000"/>
-            </a:spcAft>
-            <a:buNone/>
-          </a:pPr>
-          <a:r>
-            <a:rPr lang="en-GB" sz="3800" kern="1200"/>
-            <a:t>Scalable infustrictire </a:t>
-          </a:r>
-          <a:endParaRPr lang="en-US" sz="3800" kern="1200"/>
-        </a:p>
-      </dsp:txBody>
-      <dsp:txXfrm>
-        <a:off x="43407" y="2887364"/>
-        <a:ext cx="6174286" cy="802386"/>
-      </dsp:txXfrm>
-    </dsp:sp>
-    <dsp:sp modelId="{9B7820E0-CDBE-49CF-BFA3-2C4B1A8F22D6}">
-      <dsp:nvSpPr>
-        <dsp:cNvPr id="0" name=""/>
-        <dsp:cNvSpPr/>
-      </dsp:nvSpPr>
-      <dsp:spPr>
-        <a:xfrm>
-          <a:off x="0" y="3842597"/>
-          <a:ext cx="6261100" cy="889200"/>
-        </a:xfrm>
-        <a:prstGeom prst="roundRect">
-          <a:avLst/>
-        </a:prstGeom>
-        <a:gradFill rotWithShape="0">
-          <a:gsLst>
-            <a:gs pos="0">
-              <a:schemeClr val="accent2">
-                <a:hueOff val="-203093"/>
-                <a:satOff val="-43512"/>
-                <a:lumOff val="59414"/>
-                <a:alphaOff val="0"/>
-                <a:tint val="94000"/>
-                <a:satMod val="103000"/>
-                <a:lumMod val="102000"/>
-              </a:schemeClr>
-            </a:gs>
-            <a:gs pos="50000">
-              <a:schemeClr val="accent2">
-                <a:hueOff val="-203093"/>
-                <a:satOff val="-43512"/>
-                <a:lumOff val="59414"/>
-                <a:alphaOff val="0"/>
-                <a:shade val="100000"/>
-                <a:satMod val="110000"/>
-                <a:lumMod val="100000"/>
-              </a:schemeClr>
-            </a:gs>
-            <a:gs pos="100000">
-              <a:schemeClr val="accent2">
-                <a:hueOff val="-203093"/>
-                <a:satOff val="-43512"/>
-                <a:lumOff val="59414"/>
-                <a:alphaOff val="0"/>
-                <a:shade val="78000"/>
-                <a:satMod val="120000"/>
-                <a:lumMod val="99000"/>
-              </a:schemeClr>
-            </a:gs>
-          </a:gsLst>
-          <a:lin ang="5400000" scaled="0"/>
-        </a:gradFill>
-        <a:ln>
-          <a:noFill/>
-        </a:ln>
-        <a:effectLst>
-          <a:outerShdw blurRad="57150" dist="19050" dir="5400000" algn="ctr" rotWithShape="0">
-            <a:srgbClr val="000000">
-              <a:alpha val="63000"/>
-            </a:srgbClr>
-          </a:outerShdw>
-        </a:effectLst>
-      </dsp:spPr>
-      <dsp:style>
-        <a:lnRef idx="0">
-          <a:scrgbClr r="0" g="0" b="0"/>
-        </a:lnRef>
-        <a:fillRef idx="3">
-          <a:scrgbClr r="0" g="0" b="0"/>
-        </a:fillRef>
-        <a:effectRef idx="3">
-          <a:scrgbClr r="0" g="0" b="0"/>
-        </a:effectRef>
-        <a:fontRef idx="minor">
-          <a:schemeClr val="lt1"/>
-        </a:fontRef>
-      </dsp:style>
-      <dsp:txBody>
-        <a:bodyPr spcFirstLastPara="0" vert="horz" wrap="square" lIns="144780" tIns="144780" rIns="144780" bIns="144780" numCol="1" spcCol="1270" anchor="ctr" anchorCtr="0">
-          <a:noAutofit/>
-        </a:bodyPr>
-        <a:lstStyle/>
-        <a:p>
-          <a:pPr marL="0" lvl="0" indent="0" algn="l" defTabSz="1689100">
-            <a:lnSpc>
-              <a:spcPct val="90000"/>
-            </a:lnSpc>
-            <a:spcBef>
-              <a:spcPct val="0"/>
-            </a:spcBef>
-            <a:spcAft>
-              <a:spcPct val="35000"/>
-            </a:spcAft>
-            <a:buNone/>
-          </a:pPr>
-          <a:r>
-            <a:rPr lang="en-GB" sz="3800" kern="1200"/>
-            <a:t>Flexible and Secure design</a:t>
-          </a:r>
-          <a:endParaRPr lang="en-US" sz="3800" kern="1200"/>
-        </a:p>
-      </dsp:txBody>
-      <dsp:txXfrm>
-        <a:off x="43407" y="3886004"/>
-        <a:ext cx="6174286" cy="802386"/>
-      </dsp:txXfrm>
-    </dsp:sp>
-  </dsp:spTree>
-</dsp:drawing>
-</file>
-
-<file path=ppt/diagrams/drawing3.xml><?xml version="1.0" encoding="utf-8"?>
 <dsp:drawing xmlns:dgm="http://schemas.openxmlformats.org/drawingml/2006/diagram" xmlns:dsp="http://schemas.microsoft.com/office/drawing/2008/diagram" xmlns:a="http://schemas.openxmlformats.org/drawingml/2006/main">
   <dsp:spTree>
     <dsp:nvGrpSpPr>
@@ -6536,6 +7026,714 @@
 </dsp:drawing>
 </file>
 
+<file path=ppt/diagrams/drawing3.xml><?xml version="1.0" encoding="utf-8"?>
+<dsp:drawing xmlns:dgm="http://schemas.openxmlformats.org/drawingml/2006/diagram" xmlns:dsp="http://schemas.microsoft.com/office/drawing/2008/diagram" xmlns:a="http://schemas.openxmlformats.org/drawingml/2006/main">
+  <dsp:spTree>
+    <dsp:nvGrpSpPr>
+      <dsp:cNvPr id="0" name=""/>
+      <dsp:cNvGrpSpPr/>
+    </dsp:nvGrpSpPr>
+    <dsp:grpSpPr/>
+    <dsp:sp modelId="{B99D3781-8EF8-4D3A-8015-D0520415B759}">
+      <dsp:nvSpPr>
+        <dsp:cNvPr id="0" name=""/>
+        <dsp:cNvSpPr/>
+      </dsp:nvSpPr>
+      <dsp:spPr>
+        <a:xfrm>
+          <a:off x="0" y="846677"/>
+          <a:ext cx="6261100" cy="889200"/>
+        </a:xfrm>
+        <a:prstGeom prst="roundRect">
+          <a:avLst/>
+        </a:prstGeom>
+        <a:gradFill rotWithShape="0">
+          <a:gsLst>
+            <a:gs pos="0">
+              <a:schemeClr val="accent2">
+                <a:hueOff val="0"/>
+                <a:satOff val="0"/>
+                <a:lumOff val="0"/>
+                <a:alphaOff val="0"/>
+                <a:tint val="94000"/>
+                <a:satMod val="103000"/>
+                <a:lumMod val="102000"/>
+              </a:schemeClr>
+            </a:gs>
+            <a:gs pos="50000">
+              <a:schemeClr val="accent2">
+                <a:hueOff val="0"/>
+                <a:satOff val="0"/>
+                <a:lumOff val="0"/>
+                <a:alphaOff val="0"/>
+                <a:shade val="100000"/>
+                <a:satMod val="110000"/>
+                <a:lumMod val="100000"/>
+              </a:schemeClr>
+            </a:gs>
+            <a:gs pos="100000">
+              <a:schemeClr val="accent2">
+                <a:hueOff val="0"/>
+                <a:satOff val="0"/>
+                <a:lumOff val="0"/>
+                <a:alphaOff val="0"/>
+                <a:shade val="78000"/>
+                <a:satMod val="120000"/>
+                <a:lumMod val="99000"/>
+              </a:schemeClr>
+            </a:gs>
+          </a:gsLst>
+          <a:lin ang="5400000" scaled="0"/>
+        </a:gradFill>
+        <a:ln>
+          <a:noFill/>
+        </a:ln>
+        <a:effectLst>
+          <a:outerShdw blurRad="57150" dist="19050" dir="5400000" algn="ctr" rotWithShape="0">
+            <a:srgbClr val="000000">
+              <a:alpha val="63000"/>
+            </a:srgbClr>
+          </a:outerShdw>
+        </a:effectLst>
+      </dsp:spPr>
+      <dsp:style>
+        <a:lnRef idx="0">
+          <a:scrgbClr r="0" g="0" b="0"/>
+        </a:lnRef>
+        <a:fillRef idx="3">
+          <a:scrgbClr r="0" g="0" b="0"/>
+        </a:fillRef>
+        <a:effectRef idx="3">
+          <a:scrgbClr r="0" g="0" b="0"/>
+        </a:effectRef>
+        <a:fontRef idx="minor">
+          <a:schemeClr val="lt1"/>
+        </a:fontRef>
+      </dsp:style>
+      <dsp:txBody>
+        <a:bodyPr spcFirstLastPara="0" vert="horz" wrap="square" lIns="144780" tIns="144780" rIns="144780" bIns="144780" numCol="1" spcCol="1270" anchor="ctr" anchorCtr="0">
+          <a:noAutofit/>
+        </a:bodyPr>
+        <a:lstStyle/>
+        <a:p>
+          <a:pPr marL="0" lvl="0" indent="0" algn="l" defTabSz="1689100">
+            <a:lnSpc>
+              <a:spcPct val="90000"/>
+            </a:lnSpc>
+            <a:spcBef>
+              <a:spcPct val="0"/>
+            </a:spcBef>
+            <a:spcAft>
+              <a:spcPct val="35000"/>
+            </a:spcAft>
+            <a:buNone/>
+          </a:pPr>
+          <a:r>
+            <a:rPr lang="en-GB" sz="3800" kern="1200"/>
+            <a:t>Firebase Database</a:t>
+          </a:r>
+          <a:endParaRPr lang="en-US" sz="3800" kern="1200"/>
+        </a:p>
+      </dsp:txBody>
+      <dsp:txXfrm>
+        <a:off x="43407" y="890084"/>
+        <a:ext cx="6174286" cy="802386"/>
+      </dsp:txXfrm>
+    </dsp:sp>
+    <dsp:sp modelId="{E8DA13C9-9CC4-4B33-9DD4-2401AAD0C6F5}">
+      <dsp:nvSpPr>
+        <dsp:cNvPr id="0" name=""/>
+        <dsp:cNvSpPr/>
+      </dsp:nvSpPr>
+      <dsp:spPr>
+        <a:xfrm>
+          <a:off x="0" y="1845317"/>
+          <a:ext cx="6261100" cy="889200"/>
+        </a:xfrm>
+        <a:prstGeom prst="roundRect">
+          <a:avLst/>
+        </a:prstGeom>
+        <a:gradFill rotWithShape="0">
+          <a:gsLst>
+            <a:gs pos="0">
+              <a:schemeClr val="accent2">
+                <a:hueOff val="-67698"/>
+                <a:satOff val="-14504"/>
+                <a:lumOff val="19805"/>
+                <a:alphaOff val="0"/>
+                <a:tint val="94000"/>
+                <a:satMod val="103000"/>
+                <a:lumMod val="102000"/>
+              </a:schemeClr>
+            </a:gs>
+            <a:gs pos="50000">
+              <a:schemeClr val="accent2">
+                <a:hueOff val="-67698"/>
+                <a:satOff val="-14504"/>
+                <a:lumOff val="19805"/>
+                <a:alphaOff val="0"/>
+                <a:shade val="100000"/>
+                <a:satMod val="110000"/>
+                <a:lumMod val="100000"/>
+              </a:schemeClr>
+            </a:gs>
+            <a:gs pos="100000">
+              <a:schemeClr val="accent2">
+                <a:hueOff val="-67698"/>
+                <a:satOff val="-14504"/>
+                <a:lumOff val="19805"/>
+                <a:alphaOff val="0"/>
+                <a:shade val="78000"/>
+                <a:satMod val="120000"/>
+                <a:lumMod val="99000"/>
+              </a:schemeClr>
+            </a:gs>
+          </a:gsLst>
+          <a:lin ang="5400000" scaled="0"/>
+        </a:gradFill>
+        <a:ln>
+          <a:noFill/>
+        </a:ln>
+        <a:effectLst>
+          <a:outerShdw blurRad="57150" dist="19050" dir="5400000" algn="ctr" rotWithShape="0">
+            <a:srgbClr val="000000">
+              <a:alpha val="63000"/>
+            </a:srgbClr>
+          </a:outerShdw>
+        </a:effectLst>
+      </dsp:spPr>
+      <dsp:style>
+        <a:lnRef idx="0">
+          <a:scrgbClr r="0" g="0" b="0"/>
+        </a:lnRef>
+        <a:fillRef idx="3">
+          <a:scrgbClr r="0" g="0" b="0"/>
+        </a:fillRef>
+        <a:effectRef idx="3">
+          <a:scrgbClr r="0" g="0" b="0"/>
+        </a:effectRef>
+        <a:fontRef idx="minor">
+          <a:schemeClr val="lt1"/>
+        </a:fontRef>
+      </dsp:style>
+      <dsp:txBody>
+        <a:bodyPr spcFirstLastPara="0" vert="horz" wrap="square" lIns="144780" tIns="144780" rIns="144780" bIns="144780" numCol="1" spcCol="1270" anchor="ctr" anchorCtr="0">
+          <a:noAutofit/>
+        </a:bodyPr>
+        <a:lstStyle/>
+        <a:p>
+          <a:pPr marL="0" lvl="0" indent="0" algn="l" defTabSz="1689100">
+            <a:lnSpc>
+              <a:spcPct val="90000"/>
+            </a:lnSpc>
+            <a:spcBef>
+              <a:spcPct val="0"/>
+            </a:spcBef>
+            <a:spcAft>
+              <a:spcPct val="35000"/>
+            </a:spcAft>
+            <a:buNone/>
+          </a:pPr>
+          <a:r>
+            <a:rPr lang="en-GB" sz="3800" kern="1200"/>
+            <a:t>Microservice architecture</a:t>
+          </a:r>
+          <a:endParaRPr lang="en-US" sz="3800" kern="1200"/>
+        </a:p>
+      </dsp:txBody>
+      <dsp:txXfrm>
+        <a:off x="43407" y="1888724"/>
+        <a:ext cx="6174286" cy="802386"/>
+      </dsp:txXfrm>
+    </dsp:sp>
+    <dsp:sp modelId="{B5055A80-F538-43F8-A39B-A640607FA012}">
+      <dsp:nvSpPr>
+        <dsp:cNvPr id="0" name=""/>
+        <dsp:cNvSpPr/>
+      </dsp:nvSpPr>
+      <dsp:spPr>
+        <a:xfrm>
+          <a:off x="0" y="2843957"/>
+          <a:ext cx="6261100" cy="889200"/>
+        </a:xfrm>
+        <a:prstGeom prst="roundRect">
+          <a:avLst/>
+        </a:prstGeom>
+        <a:gradFill rotWithShape="0">
+          <a:gsLst>
+            <a:gs pos="0">
+              <a:schemeClr val="accent2">
+                <a:hueOff val="-135396"/>
+                <a:satOff val="-29008"/>
+                <a:lumOff val="39609"/>
+                <a:alphaOff val="0"/>
+                <a:tint val="94000"/>
+                <a:satMod val="103000"/>
+                <a:lumMod val="102000"/>
+              </a:schemeClr>
+            </a:gs>
+            <a:gs pos="50000">
+              <a:schemeClr val="accent2">
+                <a:hueOff val="-135396"/>
+                <a:satOff val="-29008"/>
+                <a:lumOff val="39609"/>
+                <a:alphaOff val="0"/>
+                <a:shade val="100000"/>
+                <a:satMod val="110000"/>
+                <a:lumMod val="100000"/>
+              </a:schemeClr>
+            </a:gs>
+            <a:gs pos="100000">
+              <a:schemeClr val="accent2">
+                <a:hueOff val="-135396"/>
+                <a:satOff val="-29008"/>
+                <a:lumOff val="39609"/>
+                <a:alphaOff val="0"/>
+                <a:shade val="78000"/>
+                <a:satMod val="120000"/>
+                <a:lumMod val="99000"/>
+              </a:schemeClr>
+            </a:gs>
+          </a:gsLst>
+          <a:lin ang="5400000" scaled="0"/>
+        </a:gradFill>
+        <a:ln>
+          <a:noFill/>
+        </a:ln>
+        <a:effectLst>
+          <a:outerShdw blurRad="57150" dist="19050" dir="5400000" algn="ctr" rotWithShape="0">
+            <a:srgbClr val="000000">
+              <a:alpha val="63000"/>
+            </a:srgbClr>
+          </a:outerShdw>
+        </a:effectLst>
+      </dsp:spPr>
+      <dsp:style>
+        <a:lnRef idx="0">
+          <a:scrgbClr r="0" g="0" b="0"/>
+        </a:lnRef>
+        <a:fillRef idx="3">
+          <a:scrgbClr r="0" g="0" b="0"/>
+        </a:fillRef>
+        <a:effectRef idx="3">
+          <a:scrgbClr r="0" g="0" b="0"/>
+        </a:effectRef>
+        <a:fontRef idx="minor">
+          <a:schemeClr val="lt1"/>
+        </a:fontRef>
+      </dsp:style>
+      <dsp:txBody>
+        <a:bodyPr spcFirstLastPara="0" vert="horz" wrap="square" lIns="144780" tIns="144780" rIns="144780" bIns="144780" numCol="1" spcCol="1270" anchor="ctr" anchorCtr="0">
+          <a:noAutofit/>
+        </a:bodyPr>
+        <a:lstStyle/>
+        <a:p>
+          <a:pPr marL="0" lvl="0" indent="0" algn="l" defTabSz="1689100">
+            <a:lnSpc>
+              <a:spcPct val="90000"/>
+            </a:lnSpc>
+            <a:spcBef>
+              <a:spcPct val="0"/>
+            </a:spcBef>
+            <a:spcAft>
+              <a:spcPct val="35000"/>
+            </a:spcAft>
+            <a:buNone/>
+          </a:pPr>
+          <a:r>
+            <a:rPr lang="en-GB" sz="3800" kern="1200"/>
+            <a:t>Scalable infustrictire </a:t>
+          </a:r>
+          <a:endParaRPr lang="en-US" sz="3800" kern="1200"/>
+        </a:p>
+      </dsp:txBody>
+      <dsp:txXfrm>
+        <a:off x="43407" y="2887364"/>
+        <a:ext cx="6174286" cy="802386"/>
+      </dsp:txXfrm>
+    </dsp:sp>
+    <dsp:sp modelId="{9B7820E0-CDBE-49CF-BFA3-2C4B1A8F22D6}">
+      <dsp:nvSpPr>
+        <dsp:cNvPr id="0" name=""/>
+        <dsp:cNvSpPr/>
+      </dsp:nvSpPr>
+      <dsp:spPr>
+        <a:xfrm>
+          <a:off x="0" y="3842597"/>
+          <a:ext cx="6261100" cy="889200"/>
+        </a:xfrm>
+        <a:prstGeom prst="roundRect">
+          <a:avLst/>
+        </a:prstGeom>
+        <a:gradFill rotWithShape="0">
+          <a:gsLst>
+            <a:gs pos="0">
+              <a:schemeClr val="accent2">
+                <a:hueOff val="-203093"/>
+                <a:satOff val="-43512"/>
+                <a:lumOff val="59414"/>
+                <a:alphaOff val="0"/>
+                <a:tint val="94000"/>
+                <a:satMod val="103000"/>
+                <a:lumMod val="102000"/>
+              </a:schemeClr>
+            </a:gs>
+            <a:gs pos="50000">
+              <a:schemeClr val="accent2">
+                <a:hueOff val="-203093"/>
+                <a:satOff val="-43512"/>
+                <a:lumOff val="59414"/>
+                <a:alphaOff val="0"/>
+                <a:shade val="100000"/>
+                <a:satMod val="110000"/>
+                <a:lumMod val="100000"/>
+              </a:schemeClr>
+            </a:gs>
+            <a:gs pos="100000">
+              <a:schemeClr val="accent2">
+                <a:hueOff val="-203093"/>
+                <a:satOff val="-43512"/>
+                <a:lumOff val="59414"/>
+                <a:alphaOff val="0"/>
+                <a:shade val="78000"/>
+                <a:satMod val="120000"/>
+                <a:lumMod val="99000"/>
+              </a:schemeClr>
+            </a:gs>
+          </a:gsLst>
+          <a:lin ang="5400000" scaled="0"/>
+        </a:gradFill>
+        <a:ln>
+          <a:noFill/>
+        </a:ln>
+        <a:effectLst>
+          <a:outerShdw blurRad="57150" dist="19050" dir="5400000" algn="ctr" rotWithShape="0">
+            <a:srgbClr val="000000">
+              <a:alpha val="63000"/>
+            </a:srgbClr>
+          </a:outerShdw>
+        </a:effectLst>
+      </dsp:spPr>
+      <dsp:style>
+        <a:lnRef idx="0">
+          <a:scrgbClr r="0" g="0" b="0"/>
+        </a:lnRef>
+        <a:fillRef idx="3">
+          <a:scrgbClr r="0" g="0" b="0"/>
+        </a:fillRef>
+        <a:effectRef idx="3">
+          <a:scrgbClr r="0" g="0" b="0"/>
+        </a:effectRef>
+        <a:fontRef idx="minor">
+          <a:schemeClr val="lt1"/>
+        </a:fontRef>
+      </dsp:style>
+      <dsp:txBody>
+        <a:bodyPr spcFirstLastPara="0" vert="horz" wrap="square" lIns="144780" tIns="144780" rIns="144780" bIns="144780" numCol="1" spcCol="1270" anchor="ctr" anchorCtr="0">
+          <a:noAutofit/>
+        </a:bodyPr>
+        <a:lstStyle/>
+        <a:p>
+          <a:pPr marL="0" lvl="0" indent="0" algn="l" defTabSz="1689100">
+            <a:lnSpc>
+              <a:spcPct val="90000"/>
+            </a:lnSpc>
+            <a:spcBef>
+              <a:spcPct val="0"/>
+            </a:spcBef>
+            <a:spcAft>
+              <a:spcPct val="35000"/>
+            </a:spcAft>
+            <a:buNone/>
+          </a:pPr>
+          <a:r>
+            <a:rPr lang="en-GB" sz="3800" kern="1200"/>
+            <a:t>Flexible and Secure design</a:t>
+          </a:r>
+          <a:endParaRPr lang="en-US" sz="3800" kern="1200"/>
+        </a:p>
+      </dsp:txBody>
+      <dsp:txXfrm>
+        <a:off x="43407" y="3886004"/>
+        <a:ext cx="6174286" cy="802386"/>
+      </dsp:txXfrm>
+    </dsp:sp>
+  </dsp:spTree>
+</dsp:drawing>
+</file>
+
+<file path=ppt/diagrams/drawing4.xml><?xml version="1.0" encoding="utf-8"?>
+<dsp:drawing xmlns:dgm="http://schemas.openxmlformats.org/drawingml/2006/diagram" xmlns:dsp="http://schemas.microsoft.com/office/drawing/2008/diagram" xmlns:a="http://schemas.openxmlformats.org/drawingml/2006/main">
+  <dsp:spTree>
+    <dsp:nvGrpSpPr>
+      <dsp:cNvPr id="0" name=""/>
+      <dsp:cNvGrpSpPr/>
+    </dsp:nvGrpSpPr>
+    <dsp:grpSpPr/>
+    <dsp:sp modelId="{971C4E0F-E956-4F25-BDAE-1567EB1E0EF2}">
+      <dsp:nvSpPr>
+        <dsp:cNvPr id="0" name=""/>
+        <dsp:cNvSpPr/>
+      </dsp:nvSpPr>
+      <dsp:spPr>
+        <a:xfrm>
+          <a:off x="1322" y="81131"/>
+          <a:ext cx="4640570" cy="2946761"/>
+        </a:xfrm>
+        <a:prstGeom prst="roundRect">
+          <a:avLst>
+            <a:gd name="adj" fmla="val 10000"/>
+          </a:avLst>
+        </a:prstGeom>
+        <a:solidFill>
+          <a:schemeClr val="accent1">
+            <a:hueOff val="0"/>
+            <a:satOff val="0"/>
+            <a:lumOff val="0"/>
+            <a:alphaOff val="0"/>
+          </a:schemeClr>
+        </a:solidFill>
+        <a:ln w="12700" cap="flat" cmpd="sng" algn="ctr">
+          <a:solidFill>
+            <a:schemeClr val="lt1">
+              <a:hueOff val="0"/>
+              <a:satOff val="0"/>
+              <a:lumOff val="0"/>
+              <a:alphaOff val="0"/>
+            </a:schemeClr>
+          </a:solidFill>
+          <a:prstDash val="solid"/>
+        </a:ln>
+        <a:effectLst/>
+      </dsp:spPr>
+      <dsp:style>
+        <a:lnRef idx="2">
+          <a:scrgbClr r="0" g="0" b="0"/>
+        </a:lnRef>
+        <a:fillRef idx="1">
+          <a:scrgbClr r="0" g="0" b="0"/>
+        </a:fillRef>
+        <a:effectRef idx="0">
+          <a:scrgbClr r="0" g="0" b="0"/>
+        </a:effectRef>
+        <a:fontRef idx="minor">
+          <a:schemeClr val="lt1"/>
+        </a:fontRef>
+      </dsp:style>
+    </dsp:sp>
+    <dsp:sp modelId="{A2D265AB-2C9B-40D1-A371-2CF89C70470D}">
+      <dsp:nvSpPr>
+        <dsp:cNvPr id="0" name=""/>
+        <dsp:cNvSpPr/>
+      </dsp:nvSpPr>
+      <dsp:spPr>
+        <a:xfrm>
+          <a:off x="516940" y="570969"/>
+          <a:ext cx="4640570" cy="2946761"/>
+        </a:xfrm>
+        <a:prstGeom prst="roundRect">
+          <a:avLst>
+            <a:gd name="adj" fmla="val 10000"/>
+          </a:avLst>
+        </a:prstGeom>
+        <a:solidFill>
+          <a:schemeClr val="lt1">
+            <a:alpha val="90000"/>
+            <a:hueOff val="0"/>
+            <a:satOff val="0"/>
+            <a:lumOff val="0"/>
+            <a:alphaOff val="0"/>
+          </a:schemeClr>
+        </a:solidFill>
+        <a:ln w="12700" cap="flat" cmpd="sng" algn="ctr">
+          <a:solidFill>
+            <a:schemeClr val="accent1">
+              <a:hueOff val="0"/>
+              <a:satOff val="0"/>
+              <a:lumOff val="0"/>
+              <a:alphaOff val="0"/>
+            </a:schemeClr>
+          </a:solidFill>
+          <a:prstDash val="solid"/>
+        </a:ln>
+        <a:effectLst/>
+      </dsp:spPr>
+      <dsp:style>
+        <a:lnRef idx="2">
+          <a:scrgbClr r="0" g="0" b="0"/>
+        </a:lnRef>
+        <a:fillRef idx="1">
+          <a:scrgbClr r="0" g="0" b="0"/>
+        </a:fillRef>
+        <a:effectRef idx="0">
+          <a:scrgbClr r="0" g="0" b="0"/>
+        </a:effectRef>
+        <a:fontRef idx="minor"/>
+      </dsp:style>
+      <dsp:txBody>
+        <a:bodyPr spcFirstLastPara="0" vert="horz" wrap="square" lIns="91440" tIns="91440" rIns="91440" bIns="91440" numCol="1" spcCol="1270" anchor="ctr" anchorCtr="0">
+          <a:noAutofit/>
+        </a:bodyPr>
+        <a:lstStyle/>
+        <a:p>
+          <a:pPr marL="0" lvl="0" indent="0" algn="ctr" defTabSz="1066800">
+            <a:lnSpc>
+              <a:spcPct val="90000"/>
+            </a:lnSpc>
+            <a:spcBef>
+              <a:spcPct val="0"/>
+            </a:spcBef>
+            <a:spcAft>
+              <a:spcPct val="35000"/>
+            </a:spcAft>
+            <a:buNone/>
+          </a:pPr>
+          <a:r>
+            <a:rPr lang="en-GB" sz="2400" kern="1200"/>
+            <a:t>Create software that allows a business, and individuals track their IOT devices lifecycle from manufacture to installation, operation, maintenance, and eventually, recycling if possible.</a:t>
+          </a:r>
+          <a:endParaRPr lang="en-US" sz="2400" kern="1200"/>
+        </a:p>
+      </dsp:txBody>
+      <dsp:txXfrm>
+        <a:off x="603248" y="657277"/>
+        <a:ext cx="4467954" cy="2774145"/>
+      </dsp:txXfrm>
+    </dsp:sp>
+    <dsp:sp modelId="{37B2B16D-E0CE-42F5-845B-E68B3140DC9B}">
+      <dsp:nvSpPr>
+        <dsp:cNvPr id="0" name=""/>
+        <dsp:cNvSpPr/>
+      </dsp:nvSpPr>
+      <dsp:spPr>
+        <a:xfrm>
+          <a:off x="5673129" y="81131"/>
+          <a:ext cx="4640570" cy="2946761"/>
+        </a:xfrm>
+        <a:prstGeom prst="roundRect">
+          <a:avLst>
+            <a:gd name="adj" fmla="val 10000"/>
+          </a:avLst>
+        </a:prstGeom>
+        <a:solidFill>
+          <a:schemeClr val="accent1">
+            <a:hueOff val="0"/>
+            <a:satOff val="0"/>
+            <a:lumOff val="0"/>
+            <a:alphaOff val="0"/>
+          </a:schemeClr>
+        </a:solidFill>
+        <a:ln w="12700" cap="flat" cmpd="sng" algn="ctr">
+          <a:solidFill>
+            <a:schemeClr val="lt1">
+              <a:hueOff val="0"/>
+              <a:satOff val="0"/>
+              <a:lumOff val="0"/>
+              <a:alphaOff val="0"/>
+            </a:schemeClr>
+          </a:solidFill>
+          <a:prstDash val="solid"/>
+        </a:ln>
+        <a:effectLst/>
+      </dsp:spPr>
+      <dsp:style>
+        <a:lnRef idx="2">
+          <a:scrgbClr r="0" g="0" b="0"/>
+        </a:lnRef>
+        <a:fillRef idx="1">
+          <a:scrgbClr r="0" g="0" b="0"/>
+        </a:fillRef>
+        <a:effectRef idx="0">
+          <a:scrgbClr r="0" g="0" b="0"/>
+        </a:effectRef>
+        <a:fontRef idx="minor">
+          <a:schemeClr val="lt1"/>
+        </a:fontRef>
+      </dsp:style>
+    </dsp:sp>
+    <dsp:sp modelId="{9D2DD10D-11BF-48C1-8811-E811CFBAEAC3}">
+      <dsp:nvSpPr>
+        <dsp:cNvPr id="0" name=""/>
+        <dsp:cNvSpPr/>
+      </dsp:nvSpPr>
+      <dsp:spPr>
+        <a:xfrm>
+          <a:off x="6188748" y="570969"/>
+          <a:ext cx="4640570" cy="2946761"/>
+        </a:xfrm>
+        <a:prstGeom prst="roundRect">
+          <a:avLst>
+            <a:gd name="adj" fmla="val 10000"/>
+          </a:avLst>
+        </a:prstGeom>
+        <a:solidFill>
+          <a:schemeClr val="lt1">
+            <a:alpha val="90000"/>
+            <a:hueOff val="0"/>
+            <a:satOff val="0"/>
+            <a:lumOff val="0"/>
+            <a:alphaOff val="0"/>
+          </a:schemeClr>
+        </a:solidFill>
+        <a:ln w="12700" cap="flat" cmpd="sng" algn="ctr">
+          <a:solidFill>
+            <a:schemeClr val="accent1">
+              <a:hueOff val="0"/>
+              <a:satOff val="0"/>
+              <a:lumOff val="0"/>
+              <a:alphaOff val="0"/>
+            </a:schemeClr>
+          </a:solidFill>
+          <a:prstDash val="solid"/>
+        </a:ln>
+        <a:effectLst/>
+      </dsp:spPr>
+      <dsp:style>
+        <a:lnRef idx="2">
+          <a:scrgbClr r="0" g="0" b="0"/>
+        </a:lnRef>
+        <a:fillRef idx="1">
+          <a:scrgbClr r="0" g="0" b="0"/>
+        </a:fillRef>
+        <a:effectRef idx="0">
+          <a:scrgbClr r="0" g="0" b="0"/>
+        </a:effectRef>
+        <a:fontRef idx="minor"/>
+      </dsp:style>
+      <dsp:txBody>
+        <a:bodyPr spcFirstLastPara="0" vert="horz" wrap="square" lIns="91440" tIns="91440" rIns="91440" bIns="91440" numCol="1" spcCol="1270" anchor="ctr" anchorCtr="0">
+          <a:noAutofit/>
+        </a:bodyPr>
+        <a:lstStyle/>
+        <a:p>
+          <a:pPr marL="0" lvl="0" indent="0" algn="ctr" defTabSz="1066800">
+            <a:lnSpc>
+              <a:spcPct val="90000"/>
+            </a:lnSpc>
+            <a:spcBef>
+              <a:spcPct val="0"/>
+            </a:spcBef>
+            <a:spcAft>
+              <a:spcPct val="35000"/>
+            </a:spcAft>
+            <a:buNone/>
+          </a:pPr>
+          <a:r>
+            <a:rPr lang="en-GB" sz="2400" kern="1200"/>
+            <a:t>Whether managing a handful of devices to scaling to thousands, our solution should be able to adapt to meet the diverse needs of clients, offering flexibility in our client-side integration as well as on our database.</a:t>
+          </a:r>
+          <a:endParaRPr lang="en-US" sz="2400" kern="1200"/>
+        </a:p>
+      </dsp:txBody>
+      <dsp:txXfrm>
+        <a:off x="6275056" y="657277"/>
+        <a:ext cx="4467954" cy="2774145"/>
+      </dsp:txXfrm>
+    </dsp:sp>
+  </dsp:spTree>
+</dsp:drawing>
+</file>
+
 <file path=ppt/diagrams/layout1.xml><?xml version="1.0" encoding="utf-8"?>
 <dgm:layoutDef xmlns:dgm="http://schemas.openxmlformats.org/drawingml/2006/diagram" xmlns:a="http://schemas.openxmlformats.org/drawingml/2006/main" uniqueId="urn:microsoft.com/office/officeart/2005/8/layout/process4">
   <dgm:title val=""/>
@@ -6890,173 +8088,6 @@
 </file>
 
 <file path=ppt/diagrams/layout2.xml><?xml version="1.0" encoding="utf-8"?>
-<dgm:layoutDef xmlns:dgm="http://schemas.openxmlformats.org/drawingml/2006/diagram" xmlns:a="http://schemas.openxmlformats.org/drawingml/2006/main" uniqueId="urn:microsoft.com/office/officeart/2005/8/layout/vList2">
-  <dgm:title val=""/>
-  <dgm:desc val=""/>
-  <dgm:catLst>
-    <dgm:cat type="list" pri="3000"/>
-    <dgm:cat type="convert" pri="1000"/>
-  </dgm:catLst>
-  <dgm:sampData>
-    <dgm:dataModel>
-      <dgm:ptLst>
-        <dgm:pt modelId="0" type="doc"/>
-        <dgm:pt modelId="1">
-          <dgm:prSet phldr="1"/>
-        </dgm:pt>
-        <dgm:pt modelId="11">
-          <dgm:prSet phldr="1"/>
-        </dgm:pt>
-        <dgm:pt modelId="2">
-          <dgm:prSet phldr="1"/>
-        </dgm:pt>
-        <dgm:pt modelId="21">
-          <dgm:prSet phldr="1"/>
-        </dgm:pt>
-      </dgm:ptLst>
-      <dgm:cxnLst>
-        <dgm:cxn modelId="4" srcId="0" destId="1" srcOrd="0" destOrd="0"/>
-        <dgm:cxn modelId="5" srcId="0" destId="2" srcOrd="1" destOrd="0"/>
-        <dgm:cxn modelId="12" srcId="1" destId="11" srcOrd="0" destOrd="0"/>
-        <dgm:cxn modelId="23" srcId="2" destId="21" srcOrd="0" destOrd="0"/>
-      </dgm:cxnLst>
-      <dgm:bg/>
-      <dgm:whole/>
-    </dgm:dataModel>
-  </dgm:sampData>
-  <dgm:styleData>
-    <dgm:dataModel>
-      <dgm:ptLst>
-        <dgm:pt modelId="0" type="doc"/>
-        <dgm:pt modelId="1"/>
-        <dgm:pt modelId="2"/>
-      </dgm:ptLst>
-      <dgm:cxnLst>
-        <dgm:cxn modelId="3" srcId="0" destId="1" srcOrd="0" destOrd="0"/>
-        <dgm:cxn modelId="4" srcId="0" destId="2" srcOrd="1" destOrd="0"/>
-      </dgm:cxnLst>
-      <dgm:bg/>
-      <dgm:whole/>
-    </dgm:dataModel>
-  </dgm:styleData>
-  <dgm:clrData>
-    <dgm:dataModel>
-      <dgm:ptLst>
-        <dgm:pt modelId="0" type="doc"/>
-        <dgm:pt modelId="1"/>
-        <dgm:pt modelId="2"/>
-        <dgm:pt modelId="3"/>
-        <dgm:pt modelId="4"/>
-      </dgm:ptLst>
-      <dgm:cxnLst>
-        <dgm:cxn modelId="5" srcId="0" destId="1" srcOrd="0" destOrd="0"/>
-        <dgm:cxn modelId="6" srcId="0" destId="2" srcOrd="1" destOrd="0"/>
-        <dgm:cxn modelId="7" srcId="0" destId="3" srcOrd="2" destOrd="0"/>
-        <dgm:cxn modelId="8" srcId="0" destId="4" srcOrd="3" destOrd="0"/>
-      </dgm:cxnLst>
-      <dgm:bg/>
-      <dgm:whole/>
-    </dgm:dataModel>
-  </dgm:clrData>
-  <dgm:layoutNode name="linear">
-    <dgm:varLst>
-      <dgm:animLvl val="lvl"/>
-      <dgm:resizeHandles val="exact"/>
-    </dgm:varLst>
-    <dgm:alg type="lin">
-      <dgm:param type="linDir" val="fromT"/>
-      <dgm:param type="vertAlign" val="mid"/>
-    </dgm:alg>
-    <dgm:shape xmlns:r="http://schemas.openxmlformats.org/officeDocument/2006/relationships" r:blip="">
-      <dgm:adjLst/>
-    </dgm:shape>
-    <dgm:presOf/>
-    <dgm:constrLst>
-      <dgm:constr type="w" for="ch" forName="parentText" refType="w"/>
-      <dgm:constr type="h" for="ch" forName="parentText" refType="primFontSz" refFor="ch" refForName="parentText" fact="0.52"/>
-      <dgm:constr type="w" for="ch" forName="childText" refType="w"/>
-      <dgm:constr type="h" for="ch" forName="childText" refType="primFontSz" refFor="ch" refForName="parentText" fact="0.46"/>
-      <dgm:constr type="h" for="ch" forName="parentText" op="equ"/>
-      <dgm:constr type="primFontSz" for="ch" forName="parentText" op="equ" val="65"/>
-      <dgm:constr type="primFontSz" for="ch" forName="childText" refType="primFontSz" refFor="ch" refForName="parentText" op="equ"/>
-      <dgm:constr type="h" for="ch" forName="spacer" refType="primFontSz" refFor="ch" refForName="parentText" fact="0.08"/>
-    </dgm:constrLst>
-    <dgm:ruleLst>
-      <dgm:rule type="primFontSz" for="ch" forName="parentText" val="5" fact="NaN" max="NaN"/>
-    </dgm:ruleLst>
-    <dgm:forEach name="Name0" axis="ch" ptType="node">
-      <dgm:layoutNode name="parentText" styleLbl="node1">
-        <dgm:varLst>
-          <dgm:chMax val="0"/>
-          <dgm:bulletEnabled val="1"/>
-        </dgm:varLst>
-        <dgm:alg type="tx">
-          <dgm:param type="parTxLTRAlign" val="l"/>
-          <dgm:param type="parTxRTLAlign" val="r"/>
-        </dgm:alg>
-        <dgm:shape xmlns:r="http://schemas.openxmlformats.org/officeDocument/2006/relationships" type="roundRect" r:blip="">
-          <dgm:adjLst/>
-        </dgm:shape>
-        <dgm:presOf axis="self"/>
-        <dgm:constrLst>
-          <dgm:constr type="tMarg" refType="primFontSz" fact="0.3"/>
-          <dgm:constr type="bMarg" refType="primFontSz" fact="0.3"/>
-          <dgm:constr type="lMarg" refType="primFontSz" fact="0.3"/>
-          <dgm:constr type="rMarg" refType="primFontSz" fact="0.3"/>
-        </dgm:constrLst>
-        <dgm:ruleLst>
-          <dgm:rule type="h" val="INF" fact="NaN" max="NaN"/>
-        </dgm:ruleLst>
-      </dgm:layoutNode>
-      <dgm:choose name="Name1">
-        <dgm:if name="Name2" axis="ch" ptType="node" func="cnt" op="gte" val="1">
-          <dgm:layoutNode name="childText" styleLbl="revTx">
-            <dgm:varLst>
-              <dgm:bulletEnabled val="1"/>
-            </dgm:varLst>
-            <dgm:alg type="tx">
-              <dgm:param type="stBulletLvl" val="1"/>
-              <dgm:param type="lnSpAfChP" val="20"/>
-            </dgm:alg>
-            <dgm:shape xmlns:r="http://schemas.openxmlformats.org/officeDocument/2006/relationships" type="rect" r:blip="">
-              <dgm:adjLst/>
-            </dgm:shape>
-            <dgm:presOf axis="des" ptType="node"/>
-            <dgm:constrLst>
-              <dgm:constr type="tMarg" refType="primFontSz" fact="0.1"/>
-              <dgm:constr type="bMarg" refType="primFontSz" fact="0.1"/>
-              <dgm:constr type="lMarg" refType="w" fact="0.09"/>
-            </dgm:constrLst>
-            <dgm:ruleLst>
-              <dgm:rule type="h" val="INF" fact="NaN" max="NaN"/>
-            </dgm:ruleLst>
-          </dgm:layoutNode>
-        </dgm:if>
-        <dgm:else name="Name3">
-          <dgm:choose name="Name4">
-            <dgm:if name="Name5" axis="par ch" ptType="doc node" func="cnt" op="gte" val="2">
-              <dgm:forEach name="Name6" axis="followSib" ptType="sibTrans" cnt="1">
-                <dgm:layoutNode name="spacer">
-                  <dgm:alg type="sp"/>
-                  <dgm:shape xmlns:r="http://schemas.openxmlformats.org/officeDocument/2006/relationships" r:blip="">
-                    <dgm:adjLst/>
-                  </dgm:shape>
-                  <dgm:presOf/>
-                  <dgm:constrLst/>
-                  <dgm:ruleLst/>
-                </dgm:layoutNode>
-              </dgm:forEach>
-            </dgm:if>
-            <dgm:else name="Name7"/>
-          </dgm:choose>
-        </dgm:else>
-      </dgm:choose>
-    </dgm:forEach>
-  </dgm:layoutNode>
-</dgm:layoutDef>
-</file>
-
-<file path=ppt/diagrams/layout3.xml><?xml version="1.0" encoding="utf-8"?>
 <dgm:layoutDef xmlns:dgm="http://schemas.openxmlformats.org/drawingml/2006/diagram" xmlns:a="http://schemas.openxmlformats.org/drawingml/2006/main" uniqueId="urn:microsoft.com/office/officeart/2018/2/layout/IconLabelDescriptionList">
   <dgm:title val="Icon Label Description List"/>
   <dgm:desc val="Use to show non-sequential or grouped chunks of information. The placeholder holds an icon or small picture, and corresponding text boxes show Level 1 and Level 2 text respectively. Works well for minimal Level 1 text accompanied by lengthier Level two text."/>
@@ -7265,6 +8296,736 @@
 </dgm:layoutDef>
 </file>
 
+<file path=ppt/diagrams/layout3.xml><?xml version="1.0" encoding="utf-8"?>
+<dgm:layoutDef xmlns:dgm="http://schemas.openxmlformats.org/drawingml/2006/diagram" xmlns:a="http://schemas.openxmlformats.org/drawingml/2006/main" uniqueId="urn:microsoft.com/office/officeart/2005/8/layout/vList2">
+  <dgm:title val=""/>
+  <dgm:desc val=""/>
+  <dgm:catLst>
+    <dgm:cat type="list" pri="3000"/>
+    <dgm:cat type="convert" pri="1000"/>
+  </dgm:catLst>
+  <dgm:sampData>
+    <dgm:dataModel>
+      <dgm:ptLst>
+        <dgm:pt modelId="0" type="doc"/>
+        <dgm:pt modelId="1">
+          <dgm:prSet phldr="1"/>
+        </dgm:pt>
+        <dgm:pt modelId="11">
+          <dgm:prSet phldr="1"/>
+        </dgm:pt>
+        <dgm:pt modelId="2">
+          <dgm:prSet phldr="1"/>
+        </dgm:pt>
+        <dgm:pt modelId="21">
+          <dgm:prSet phldr="1"/>
+        </dgm:pt>
+      </dgm:ptLst>
+      <dgm:cxnLst>
+        <dgm:cxn modelId="4" srcId="0" destId="1" srcOrd="0" destOrd="0"/>
+        <dgm:cxn modelId="5" srcId="0" destId="2" srcOrd="1" destOrd="0"/>
+        <dgm:cxn modelId="12" srcId="1" destId="11" srcOrd="0" destOrd="0"/>
+        <dgm:cxn modelId="23" srcId="2" destId="21" srcOrd="0" destOrd="0"/>
+      </dgm:cxnLst>
+      <dgm:bg/>
+      <dgm:whole/>
+    </dgm:dataModel>
+  </dgm:sampData>
+  <dgm:styleData>
+    <dgm:dataModel>
+      <dgm:ptLst>
+        <dgm:pt modelId="0" type="doc"/>
+        <dgm:pt modelId="1"/>
+        <dgm:pt modelId="2"/>
+      </dgm:ptLst>
+      <dgm:cxnLst>
+        <dgm:cxn modelId="3" srcId="0" destId="1" srcOrd="0" destOrd="0"/>
+        <dgm:cxn modelId="4" srcId="0" destId="2" srcOrd="1" destOrd="0"/>
+      </dgm:cxnLst>
+      <dgm:bg/>
+      <dgm:whole/>
+    </dgm:dataModel>
+  </dgm:styleData>
+  <dgm:clrData>
+    <dgm:dataModel>
+      <dgm:ptLst>
+        <dgm:pt modelId="0" type="doc"/>
+        <dgm:pt modelId="1"/>
+        <dgm:pt modelId="2"/>
+        <dgm:pt modelId="3"/>
+        <dgm:pt modelId="4"/>
+      </dgm:ptLst>
+      <dgm:cxnLst>
+        <dgm:cxn modelId="5" srcId="0" destId="1" srcOrd="0" destOrd="0"/>
+        <dgm:cxn modelId="6" srcId="0" destId="2" srcOrd="1" destOrd="0"/>
+        <dgm:cxn modelId="7" srcId="0" destId="3" srcOrd="2" destOrd="0"/>
+        <dgm:cxn modelId="8" srcId="0" destId="4" srcOrd="3" destOrd="0"/>
+      </dgm:cxnLst>
+      <dgm:bg/>
+      <dgm:whole/>
+    </dgm:dataModel>
+  </dgm:clrData>
+  <dgm:layoutNode name="linear">
+    <dgm:varLst>
+      <dgm:animLvl val="lvl"/>
+      <dgm:resizeHandles val="exact"/>
+    </dgm:varLst>
+    <dgm:alg type="lin">
+      <dgm:param type="linDir" val="fromT"/>
+      <dgm:param type="vertAlign" val="mid"/>
+    </dgm:alg>
+    <dgm:shape xmlns:r="http://schemas.openxmlformats.org/officeDocument/2006/relationships" r:blip="">
+      <dgm:adjLst/>
+    </dgm:shape>
+    <dgm:presOf/>
+    <dgm:constrLst>
+      <dgm:constr type="w" for="ch" forName="parentText" refType="w"/>
+      <dgm:constr type="h" for="ch" forName="parentText" refType="primFontSz" refFor="ch" refForName="parentText" fact="0.52"/>
+      <dgm:constr type="w" for="ch" forName="childText" refType="w"/>
+      <dgm:constr type="h" for="ch" forName="childText" refType="primFontSz" refFor="ch" refForName="parentText" fact="0.46"/>
+      <dgm:constr type="h" for="ch" forName="parentText" op="equ"/>
+      <dgm:constr type="primFontSz" for="ch" forName="parentText" op="equ" val="65"/>
+      <dgm:constr type="primFontSz" for="ch" forName="childText" refType="primFontSz" refFor="ch" refForName="parentText" op="equ"/>
+      <dgm:constr type="h" for="ch" forName="spacer" refType="primFontSz" refFor="ch" refForName="parentText" fact="0.08"/>
+    </dgm:constrLst>
+    <dgm:ruleLst>
+      <dgm:rule type="primFontSz" for="ch" forName="parentText" val="5" fact="NaN" max="NaN"/>
+    </dgm:ruleLst>
+    <dgm:forEach name="Name0" axis="ch" ptType="node">
+      <dgm:layoutNode name="parentText" styleLbl="node1">
+        <dgm:varLst>
+          <dgm:chMax val="0"/>
+          <dgm:bulletEnabled val="1"/>
+        </dgm:varLst>
+        <dgm:alg type="tx">
+          <dgm:param type="parTxLTRAlign" val="l"/>
+          <dgm:param type="parTxRTLAlign" val="r"/>
+        </dgm:alg>
+        <dgm:shape xmlns:r="http://schemas.openxmlformats.org/officeDocument/2006/relationships" type="roundRect" r:blip="">
+          <dgm:adjLst/>
+        </dgm:shape>
+        <dgm:presOf axis="self"/>
+        <dgm:constrLst>
+          <dgm:constr type="tMarg" refType="primFontSz" fact="0.3"/>
+          <dgm:constr type="bMarg" refType="primFontSz" fact="0.3"/>
+          <dgm:constr type="lMarg" refType="primFontSz" fact="0.3"/>
+          <dgm:constr type="rMarg" refType="primFontSz" fact="0.3"/>
+        </dgm:constrLst>
+        <dgm:ruleLst>
+          <dgm:rule type="h" val="INF" fact="NaN" max="NaN"/>
+        </dgm:ruleLst>
+      </dgm:layoutNode>
+      <dgm:choose name="Name1">
+        <dgm:if name="Name2" axis="ch" ptType="node" func="cnt" op="gte" val="1">
+          <dgm:layoutNode name="childText" styleLbl="revTx">
+            <dgm:varLst>
+              <dgm:bulletEnabled val="1"/>
+            </dgm:varLst>
+            <dgm:alg type="tx">
+              <dgm:param type="stBulletLvl" val="1"/>
+              <dgm:param type="lnSpAfChP" val="20"/>
+            </dgm:alg>
+            <dgm:shape xmlns:r="http://schemas.openxmlformats.org/officeDocument/2006/relationships" type="rect" r:blip="">
+              <dgm:adjLst/>
+            </dgm:shape>
+            <dgm:presOf axis="des" ptType="node"/>
+            <dgm:constrLst>
+              <dgm:constr type="tMarg" refType="primFontSz" fact="0.1"/>
+              <dgm:constr type="bMarg" refType="primFontSz" fact="0.1"/>
+              <dgm:constr type="lMarg" refType="w" fact="0.09"/>
+            </dgm:constrLst>
+            <dgm:ruleLst>
+              <dgm:rule type="h" val="INF" fact="NaN" max="NaN"/>
+            </dgm:ruleLst>
+          </dgm:layoutNode>
+        </dgm:if>
+        <dgm:else name="Name3">
+          <dgm:choose name="Name4">
+            <dgm:if name="Name5" axis="par ch" ptType="doc node" func="cnt" op="gte" val="2">
+              <dgm:forEach name="Name6" axis="followSib" ptType="sibTrans" cnt="1">
+                <dgm:layoutNode name="spacer">
+                  <dgm:alg type="sp"/>
+                  <dgm:shape xmlns:r="http://schemas.openxmlformats.org/officeDocument/2006/relationships" r:blip="">
+                    <dgm:adjLst/>
+                  </dgm:shape>
+                  <dgm:presOf/>
+                  <dgm:constrLst/>
+                  <dgm:ruleLst/>
+                </dgm:layoutNode>
+              </dgm:forEach>
+            </dgm:if>
+            <dgm:else name="Name7"/>
+          </dgm:choose>
+        </dgm:else>
+      </dgm:choose>
+    </dgm:forEach>
+  </dgm:layoutNode>
+</dgm:layoutDef>
+</file>
+
+<file path=ppt/diagrams/layout4.xml><?xml version="1.0" encoding="utf-8"?>
+<dgm:layoutDef xmlns:dgm="http://schemas.openxmlformats.org/drawingml/2006/diagram" xmlns:a="http://schemas.openxmlformats.org/drawingml/2006/main" uniqueId="urn:microsoft.com/office/officeart/2005/8/layout/hierarchy1">
+  <dgm:title val=""/>
+  <dgm:desc val=""/>
+  <dgm:catLst>
+    <dgm:cat type="hierarchy" pri="2000"/>
+  </dgm:catLst>
+  <dgm:sampData>
+    <dgm:dataModel>
+      <dgm:ptLst>
+        <dgm:pt modelId="0" type="doc"/>
+        <dgm:pt modelId="1">
+          <dgm:prSet phldr="1"/>
+        </dgm:pt>
+        <dgm:pt modelId="2">
+          <dgm:prSet phldr="1"/>
+        </dgm:pt>
+        <dgm:pt modelId="21">
+          <dgm:prSet phldr="1"/>
+        </dgm:pt>
+        <dgm:pt modelId="22">
+          <dgm:prSet phldr="1"/>
+        </dgm:pt>
+        <dgm:pt modelId="3">
+          <dgm:prSet phldr="1"/>
+        </dgm:pt>
+        <dgm:pt modelId="31">
+          <dgm:prSet phldr="1"/>
+        </dgm:pt>
+      </dgm:ptLst>
+      <dgm:cxnLst>
+        <dgm:cxn modelId="4" srcId="0" destId="1" srcOrd="0" destOrd="0"/>
+        <dgm:cxn modelId="5" srcId="1" destId="2" srcOrd="0" destOrd="0"/>
+        <dgm:cxn modelId="6" srcId="1" destId="3" srcOrd="1" destOrd="0"/>
+        <dgm:cxn modelId="23" srcId="2" destId="21" srcOrd="0" destOrd="0"/>
+        <dgm:cxn modelId="24" srcId="2" destId="22" srcOrd="1" destOrd="0"/>
+        <dgm:cxn modelId="33" srcId="3" destId="31" srcOrd="0" destOrd="0"/>
+      </dgm:cxnLst>
+      <dgm:bg/>
+      <dgm:whole/>
+    </dgm:dataModel>
+  </dgm:sampData>
+  <dgm:styleData>
+    <dgm:dataModel>
+      <dgm:ptLst>
+        <dgm:pt modelId="0" type="doc"/>
+        <dgm:pt modelId="1"/>
+        <dgm:pt modelId="11"/>
+        <dgm:pt modelId="12"/>
+      </dgm:ptLst>
+      <dgm:cxnLst>
+        <dgm:cxn modelId="2" srcId="0" destId="1" srcOrd="0" destOrd="0"/>
+        <dgm:cxn modelId="13" srcId="1" destId="11" srcOrd="0" destOrd="0"/>
+        <dgm:cxn modelId="14" srcId="1" destId="12" srcOrd="1" destOrd="0"/>
+      </dgm:cxnLst>
+      <dgm:bg/>
+      <dgm:whole/>
+    </dgm:dataModel>
+  </dgm:styleData>
+  <dgm:clrData>
+    <dgm:dataModel>
+      <dgm:ptLst>
+        <dgm:pt modelId="0" type="doc"/>
+        <dgm:pt modelId="1"/>
+        <dgm:pt modelId="2"/>
+        <dgm:pt modelId="21"/>
+        <dgm:pt modelId="211"/>
+        <dgm:pt modelId="3"/>
+        <dgm:pt modelId="31"/>
+        <dgm:pt modelId="311"/>
+      </dgm:ptLst>
+      <dgm:cxnLst>
+        <dgm:cxn modelId="4" srcId="0" destId="1" srcOrd="0" destOrd="0"/>
+        <dgm:cxn modelId="5" srcId="1" destId="2" srcOrd="0" destOrd="0"/>
+        <dgm:cxn modelId="6" srcId="1" destId="3" srcOrd="1" destOrd="0"/>
+        <dgm:cxn modelId="23" srcId="2" destId="21" srcOrd="0" destOrd="0"/>
+        <dgm:cxn modelId="24" srcId="21" destId="211" srcOrd="0" destOrd="0"/>
+        <dgm:cxn modelId="33" srcId="3" destId="31" srcOrd="0" destOrd="0"/>
+        <dgm:cxn modelId="34" srcId="31" destId="311" srcOrd="0" destOrd="0"/>
+      </dgm:cxnLst>
+      <dgm:bg/>
+      <dgm:whole/>
+    </dgm:dataModel>
+  </dgm:clrData>
+  <dgm:layoutNode name="hierChild1">
+    <dgm:varLst>
+      <dgm:chPref val="1"/>
+      <dgm:dir/>
+      <dgm:animOne val="branch"/>
+      <dgm:animLvl val="lvl"/>
+      <dgm:resizeHandles/>
+    </dgm:varLst>
+    <dgm:choose name="Name0">
+      <dgm:if name="Name1" func="var" arg="dir" op="equ" val="norm">
+        <dgm:alg type="hierChild">
+          <dgm:param type="linDir" val="fromL"/>
+        </dgm:alg>
+      </dgm:if>
+      <dgm:else name="Name2">
+        <dgm:alg type="hierChild">
+          <dgm:param type="linDir" val="fromR"/>
+        </dgm:alg>
+      </dgm:else>
+    </dgm:choose>
+    <dgm:shape xmlns:r="http://schemas.openxmlformats.org/officeDocument/2006/relationships" r:blip="">
+      <dgm:adjLst/>
+    </dgm:shape>
+    <dgm:presOf/>
+    <dgm:constrLst>
+      <dgm:constr type="primFontSz" for="des" ptType="node" op="equ" val="65"/>
+      <dgm:constr type="w" for="des" forName="composite" refType="w"/>
+      <dgm:constr type="h" for="des" forName="composite" refType="w" refFor="des" refForName="composite" fact="0.667"/>
+      <dgm:constr type="w" for="des" forName="composite2" refType="w" refFor="des" refForName="composite"/>
+      <dgm:constr type="h" for="des" forName="composite2" refType="h" refFor="des" refForName="composite"/>
+      <dgm:constr type="w" for="des" forName="composite3" refType="w" refFor="des" refForName="composite"/>
+      <dgm:constr type="h" for="des" forName="composite3" refType="h" refFor="des" refForName="composite"/>
+      <dgm:constr type="w" for="des" forName="composite4" refType="w" refFor="des" refForName="composite"/>
+      <dgm:constr type="h" for="des" forName="composite4" refType="h" refFor="des" refForName="composite"/>
+      <dgm:constr type="w" for="des" forName="composite5" refType="w" refFor="des" refForName="composite"/>
+      <dgm:constr type="h" for="des" forName="composite5" refType="h" refFor="des" refForName="composite"/>
+      <dgm:constr type="sibSp" refType="w" refFor="des" refForName="composite" fact="0.1"/>
+      <dgm:constr type="sibSp" for="des" forName="hierChild2" refType="sibSp"/>
+      <dgm:constr type="sibSp" for="des" forName="hierChild3" refType="sibSp"/>
+      <dgm:constr type="sibSp" for="des" forName="hierChild4" refType="sibSp"/>
+      <dgm:constr type="sibSp" for="des" forName="hierChild5" refType="sibSp"/>
+      <dgm:constr type="sibSp" for="des" forName="hierChild6" refType="sibSp"/>
+      <dgm:constr type="sp" for="des" forName="hierRoot1" refType="h" refFor="des" refForName="composite" fact="0.25"/>
+      <dgm:constr type="sp" for="des" forName="hierRoot2" refType="sp" refFor="des" refForName="hierRoot1"/>
+      <dgm:constr type="sp" for="des" forName="hierRoot3" refType="sp" refFor="des" refForName="hierRoot1"/>
+      <dgm:constr type="sp" for="des" forName="hierRoot4" refType="sp" refFor="des" refForName="hierRoot1"/>
+      <dgm:constr type="sp" for="des" forName="hierRoot5" refType="sp" refFor="des" refForName="hierRoot1"/>
+    </dgm:constrLst>
+    <dgm:ruleLst/>
+    <dgm:forEach name="Name3" axis="ch">
+      <dgm:forEach name="Name4" axis="self" ptType="node">
+        <dgm:layoutNode name="hierRoot1">
+          <dgm:alg type="hierRoot"/>
+          <dgm:shape xmlns:r="http://schemas.openxmlformats.org/officeDocument/2006/relationships" r:blip="">
+            <dgm:adjLst/>
+          </dgm:shape>
+          <dgm:presOf/>
+          <dgm:constrLst>
+            <dgm:constr type="bendDist" for="des" ptType="parTrans" refType="sp" fact="0.5"/>
+          </dgm:constrLst>
+          <dgm:ruleLst/>
+          <dgm:layoutNode name="composite">
+            <dgm:alg type="composite"/>
+            <dgm:shape xmlns:r="http://schemas.openxmlformats.org/officeDocument/2006/relationships" r:blip="">
+              <dgm:adjLst/>
+            </dgm:shape>
+            <dgm:presOf/>
+            <dgm:constrLst>
+              <dgm:constr type="w" for="ch" forName="background" refType="w" fact="0.9"/>
+              <dgm:constr type="h" for="ch" forName="background" refType="w" refFor="ch" refForName="background" fact="0.635"/>
+              <dgm:constr type="t" for="ch" forName="background"/>
+              <dgm:constr type="l" for="ch" forName="background"/>
+              <dgm:constr type="w" for="ch" forName="text" refType="w" fact="0.9"/>
+              <dgm:constr type="h" for="ch" forName="text" refType="w" refFor="ch" refForName="text" fact="0.635"/>
+              <dgm:constr type="t" for="ch" forName="text" refType="w" fact="0.095"/>
+              <dgm:constr type="l" for="ch" forName="text" refType="w" fact="0.1"/>
+            </dgm:constrLst>
+            <dgm:ruleLst/>
+            <dgm:layoutNode name="background" styleLbl="node0" moveWith="text">
+              <dgm:alg type="sp"/>
+              <dgm:shape xmlns:r="http://schemas.openxmlformats.org/officeDocument/2006/relationships" type="roundRect" r:blip="">
+                <dgm:adjLst>
+                  <dgm:adj idx="1" val="0.1"/>
+                </dgm:adjLst>
+              </dgm:shape>
+              <dgm:presOf/>
+              <dgm:constrLst/>
+              <dgm:ruleLst/>
+            </dgm:layoutNode>
+            <dgm:layoutNode name="text" styleLbl="fgAcc0">
+              <dgm:varLst>
+                <dgm:chPref val="3"/>
+              </dgm:varLst>
+              <dgm:alg type="tx"/>
+              <dgm:shape xmlns:r="http://schemas.openxmlformats.org/officeDocument/2006/relationships" type="roundRect" r:blip="">
+                <dgm:adjLst>
+                  <dgm:adj idx="1" val="0.1"/>
+                </dgm:adjLst>
+              </dgm:shape>
+              <dgm:presOf axis="self"/>
+              <dgm:constrLst>
+                <dgm:constr type="tMarg" refType="primFontSz" fact="0.3"/>
+                <dgm:constr type="bMarg" refType="primFontSz" fact="0.3"/>
+                <dgm:constr type="lMarg" refType="primFontSz" fact="0.3"/>
+                <dgm:constr type="rMarg" refType="primFontSz" fact="0.3"/>
+              </dgm:constrLst>
+              <dgm:ruleLst>
+                <dgm:rule type="primFontSz" val="5" fact="NaN" max="NaN"/>
+              </dgm:ruleLst>
+            </dgm:layoutNode>
+          </dgm:layoutNode>
+          <dgm:layoutNode name="hierChild2">
+            <dgm:choose name="Name5">
+              <dgm:if name="Name6" func="var" arg="dir" op="equ" val="norm">
+                <dgm:alg type="hierChild">
+                  <dgm:param type="linDir" val="fromL"/>
+                </dgm:alg>
+              </dgm:if>
+              <dgm:else name="Name7">
+                <dgm:alg type="hierChild">
+                  <dgm:param type="linDir" val="fromR"/>
+                </dgm:alg>
+              </dgm:else>
+            </dgm:choose>
+            <dgm:shape xmlns:r="http://schemas.openxmlformats.org/officeDocument/2006/relationships" r:blip="">
+              <dgm:adjLst/>
+            </dgm:shape>
+            <dgm:presOf/>
+            <dgm:constrLst/>
+            <dgm:ruleLst/>
+            <dgm:forEach name="Name8" axis="ch">
+              <dgm:forEach name="Name9" axis="self" ptType="parTrans" cnt="1">
+                <dgm:layoutNode name="Name10">
+                  <dgm:alg type="conn">
+                    <dgm:param type="dim" val="1D"/>
+                    <dgm:param type="endSty" val="noArr"/>
+                    <dgm:param type="connRout" val="bend"/>
+                    <dgm:param type="bendPt" val="end"/>
+                    <dgm:param type="begPts" val="bCtr"/>
+                    <dgm:param type="endPts" val="tCtr"/>
+                    <dgm:param type="srcNode" val="background"/>
+                    <dgm:param type="dstNode" val="background2"/>
+                  </dgm:alg>
+                  <dgm:shape xmlns:r="http://schemas.openxmlformats.org/officeDocument/2006/relationships" type="conn" r:blip="" zOrderOff="-999">
+                    <dgm:adjLst/>
+                  </dgm:shape>
+                  <dgm:presOf axis="self"/>
+                  <dgm:constrLst>
+                    <dgm:constr type="begPad"/>
+                    <dgm:constr type="endPad"/>
+                  </dgm:constrLst>
+                  <dgm:ruleLst/>
+                </dgm:layoutNode>
+              </dgm:forEach>
+              <dgm:forEach name="Name11" axis="self" ptType="node">
+                <dgm:layoutNode name="hierRoot2">
+                  <dgm:alg type="hierRoot"/>
+                  <dgm:shape xmlns:r="http://schemas.openxmlformats.org/officeDocument/2006/relationships" r:blip="">
+                    <dgm:adjLst/>
+                  </dgm:shape>
+                  <dgm:presOf/>
+                  <dgm:constrLst>
+                    <dgm:constr type="bendDist" for="des" ptType="parTrans" refType="sp" fact="0.5"/>
+                  </dgm:constrLst>
+                  <dgm:ruleLst/>
+                  <dgm:layoutNode name="composite2">
+                    <dgm:alg type="composite"/>
+                    <dgm:shape xmlns:r="http://schemas.openxmlformats.org/officeDocument/2006/relationships" r:blip="">
+                      <dgm:adjLst/>
+                    </dgm:shape>
+                    <dgm:presOf/>
+                    <dgm:constrLst>
+                      <dgm:constr type="w" for="ch" forName="background2" refType="w" fact="0.9"/>
+                      <dgm:constr type="h" for="ch" forName="background2" refType="w" refFor="ch" refForName="background2" fact="0.635"/>
+                      <dgm:constr type="t" for="ch" forName="background2"/>
+                      <dgm:constr type="l" for="ch" forName="background2"/>
+                      <dgm:constr type="w" for="ch" forName="text2" refType="w" fact="0.9"/>
+                      <dgm:constr type="h" for="ch" forName="text2" refType="w" refFor="ch" refForName="text2" fact="0.635"/>
+                      <dgm:constr type="t" for="ch" forName="text2" refType="w" fact="0.095"/>
+                      <dgm:constr type="l" for="ch" forName="text2" refType="w" fact="0.1"/>
+                    </dgm:constrLst>
+                    <dgm:ruleLst/>
+                    <dgm:layoutNode name="background2" moveWith="text2">
+                      <dgm:alg type="sp"/>
+                      <dgm:shape xmlns:r="http://schemas.openxmlformats.org/officeDocument/2006/relationships" type="roundRect" r:blip="">
+                        <dgm:adjLst>
+                          <dgm:adj idx="1" val="0.1"/>
+                        </dgm:adjLst>
+                      </dgm:shape>
+                      <dgm:presOf/>
+                      <dgm:constrLst/>
+                      <dgm:ruleLst/>
+                    </dgm:layoutNode>
+                    <dgm:layoutNode name="text2" styleLbl="fgAcc2">
+                      <dgm:varLst>
+                        <dgm:chPref val="3"/>
+                      </dgm:varLst>
+                      <dgm:alg type="tx"/>
+                      <dgm:shape xmlns:r="http://schemas.openxmlformats.org/officeDocument/2006/relationships" type="roundRect" r:blip="">
+                        <dgm:adjLst>
+                          <dgm:adj idx="1" val="0.1"/>
+                        </dgm:adjLst>
+                      </dgm:shape>
+                      <dgm:presOf axis="self"/>
+                      <dgm:constrLst>
+                        <dgm:constr type="tMarg" refType="primFontSz" fact="0.3"/>
+                        <dgm:constr type="bMarg" refType="primFontSz" fact="0.3"/>
+                        <dgm:constr type="lMarg" refType="primFontSz" fact="0.3"/>
+                        <dgm:constr type="rMarg" refType="primFontSz" fact="0.3"/>
+                      </dgm:constrLst>
+                      <dgm:ruleLst>
+                        <dgm:rule type="primFontSz" val="5" fact="NaN" max="NaN"/>
+                      </dgm:ruleLst>
+                    </dgm:layoutNode>
+                  </dgm:layoutNode>
+                  <dgm:layoutNode name="hierChild3">
+                    <dgm:choose name="Name12">
+                      <dgm:if name="Name13" func="var" arg="dir" op="equ" val="norm">
+                        <dgm:alg type="hierChild">
+                          <dgm:param type="linDir" val="fromL"/>
+                        </dgm:alg>
+                      </dgm:if>
+                      <dgm:else name="Name14">
+                        <dgm:alg type="hierChild">
+                          <dgm:param type="linDir" val="fromR"/>
+                        </dgm:alg>
+                      </dgm:else>
+                    </dgm:choose>
+                    <dgm:shape xmlns:r="http://schemas.openxmlformats.org/officeDocument/2006/relationships" r:blip="">
+                      <dgm:adjLst/>
+                    </dgm:shape>
+                    <dgm:presOf/>
+                    <dgm:constrLst/>
+                    <dgm:ruleLst/>
+                    <dgm:forEach name="Name15" axis="ch">
+                      <dgm:forEach name="Name16" axis="self" ptType="parTrans" cnt="1">
+                        <dgm:layoutNode name="Name17">
+                          <dgm:alg type="conn">
+                            <dgm:param type="dim" val="1D"/>
+                            <dgm:param type="endSty" val="noArr"/>
+                            <dgm:param type="connRout" val="bend"/>
+                            <dgm:param type="bendPt" val="end"/>
+                            <dgm:param type="begPts" val="bCtr"/>
+                            <dgm:param type="endPts" val="tCtr"/>
+                            <dgm:param type="srcNode" val="background2"/>
+                            <dgm:param type="dstNode" val="background3"/>
+                          </dgm:alg>
+                          <dgm:shape xmlns:r="http://schemas.openxmlformats.org/officeDocument/2006/relationships" type="conn" r:blip="" zOrderOff="-999">
+                            <dgm:adjLst/>
+                          </dgm:shape>
+                          <dgm:presOf axis="self"/>
+                          <dgm:constrLst>
+                            <dgm:constr type="begPad"/>
+                            <dgm:constr type="endPad"/>
+                          </dgm:constrLst>
+                          <dgm:ruleLst/>
+                        </dgm:layoutNode>
+                      </dgm:forEach>
+                      <dgm:forEach name="Name18" axis="self" ptType="node">
+                        <dgm:layoutNode name="hierRoot3">
+                          <dgm:alg type="hierRoot"/>
+                          <dgm:shape xmlns:r="http://schemas.openxmlformats.org/officeDocument/2006/relationships" r:blip="">
+                            <dgm:adjLst/>
+                          </dgm:shape>
+                          <dgm:presOf/>
+                          <dgm:constrLst>
+                            <dgm:constr type="bendDist" for="des" ptType="parTrans" refType="sp" fact="0.5"/>
+                          </dgm:constrLst>
+                          <dgm:ruleLst/>
+                          <dgm:layoutNode name="composite3">
+                            <dgm:alg type="composite"/>
+                            <dgm:shape xmlns:r="http://schemas.openxmlformats.org/officeDocument/2006/relationships" r:blip="">
+                              <dgm:adjLst/>
+                            </dgm:shape>
+                            <dgm:presOf/>
+                            <dgm:constrLst>
+                              <dgm:constr type="w" for="ch" forName="background3" refType="w" fact="0.9"/>
+                              <dgm:constr type="h" for="ch" forName="background3" refType="w" refFor="ch" refForName="background3" fact="0.635"/>
+                              <dgm:constr type="t" for="ch" forName="background3"/>
+                              <dgm:constr type="l" for="ch" forName="background3"/>
+                              <dgm:constr type="w" for="ch" forName="text3" refType="w" fact="0.9"/>
+                              <dgm:constr type="h" for="ch" forName="text3" refType="w" refFor="ch" refForName="text3" fact="0.635"/>
+                              <dgm:constr type="t" for="ch" forName="text3" refType="w" fact="0.095"/>
+                              <dgm:constr type="l" for="ch" forName="text3" refType="w" fact="0.1"/>
+                            </dgm:constrLst>
+                            <dgm:ruleLst/>
+                            <dgm:layoutNode name="background3" moveWith="text3">
+                              <dgm:alg type="sp"/>
+                              <dgm:shape xmlns:r="http://schemas.openxmlformats.org/officeDocument/2006/relationships" type="roundRect" r:blip="">
+                                <dgm:adjLst>
+                                  <dgm:adj idx="1" val="0.1"/>
+                                </dgm:adjLst>
+                              </dgm:shape>
+                              <dgm:presOf/>
+                              <dgm:constrLst/>
+                              <dgm:ruleLst/>
+                            </dgm:layoutNode>
+                            <dgm:layoutNode name="text3" styleLbl="fgAcc3">
+                              <dgm:varLst>
+                                <dgm:chPref val="3"/>
+                              </dgm:varLst>
+                              <dgm:alg type="tx"/>
+                              <dgm:shape xmlns:r="http://schemas.openxmlformats.org/officeDocument/2006/relationships" type="roundRect" r:blip="">
+                                <dgm:adjLst>
+                                  <dgm:adj idx="1" val="0.1"/>
+                                </dgm:adjLst>
+                              </dgm:shape>
+                              <dgm:presOf axis="self"/>
+                              <dgm:constrLst>
+                                <dgm:constr type="tMarg" refType="primFontSz" fact="0.3"/>
+                                <dgm:constr type="bMarg" refType="primFontSz" fact="0.3"/>
+                                <dgm:constr type="lMarg" refType="primFontSz" fact="0.3"/>
+                                <dgm:constr type="rMarg" refType="primFontSz" fact="0.3"/>
+                              </dgm:constrLst>
+                              <dgm:ruleLst>
+                                <dgm:rule type="primFontSz" val="5" fact="NaN" max="NaN"/>
+                              </dgm:ruleLst>
+                            </dgm:layoutNode>
+                          </dgm:layoutNode>
+                          <dgm:layoutNode name="hierChild4">
+                            <dgm:choose name="Name19">
+                              <dgm:if name="Name20" func="var" arg="dir" op="equ" val="norm">
+                                <dgm:alg type="hierChild">
+                                  <dgm:param type="linDir" val="fromL"/>
+                                </dgm:alg>
+                              </dgm:if>
+                              <dgm:else name="Name21">
+                                <dgm:alg type="hierChild">
+                                  <dgm:param type="linDir" val="fromR"/>
+                                </dgm:alg>
+                              </dgm:else>
+                            </dgm:choose>
+                            <dgm:shape xmlns:r="http://schemas.openxmlformats.org/officeDocument/2006/relationships" r:blip="">
+                              <dgm:adjLst/>
+                            </dgm:shape>
+                            <dgm:presOf/>
+                            <dgm:constrLst/>
+                            <dgm:ruleLst/>
+                            <dgm:forEach name="repeat" axis="ch">
+                              <dgm:forEach name="Name22" axis="self" ptType="parTrans" cnt="1">
+                                <dgm:layoutNode name="Name23">
+                                  <dgm:choose name="Name24">
+                                    <dgm:if name="Name25" axis="self" func="depth" op="lte" val="4">
+                                      <dgm:alg type="conn">
+                                        <dgm:param type="dim" val="1D"/>
+                                        <dgm:param type="endSty" val="noArr"/>
+                                        <dgm:param type="connRout" val="bend"/>
+                                        <dgm:param type="bendPt" val="end"/>
+                                        <dgm:param type="begPts" val="bCtr"/>
+                                        <dgm:param type="endPts" val="tCtr"/>
+                                        <dgm:param type="srcNode" val="background3"/>
+                                        <dgm:param type="dstNode" val="background4"/>
+                                      </dgm:alg>
+                                    </dgm:if>
+                                    <dgm:else name="Name26">
+                                      <dgm:alg type="conn">
+                                        <dgm:param type="dim" val="1D"/>
+                                        <dgm:param type="endSty" val="noArr"/>
+                                        <dgm:param type="connRout" val="bend"/>
+                                        <dgm:param type="bendPt" val="end"/>
+                                        <dgm:param type="begPts" val="bCtr"/>
+                                        <dgm:param type="endPts" val="tCtr"/>
+                                        <dgm:param type="srcNode" val="background4"/>
+                                        <dgm:param type="dstNode" val="background4"/>
+                                      </dgm:alg>
+                                    </dgm:else>
+                                  </dgm:choose>
+                                  <dgm:shape xmlns:r="http://schemas.openxmlformats.org/officeDocument/2006/relationships" type="conn" r:blip="" zOrderOff="-999">
+                                    <dgm:adjLst/>
+                                  </dgm:shape>
+                                  <dgm:presOf axis="self"/>
+                                  <dgm:constrLst>
+                                    <dgm:constr type="begPad"/>
+                                    <dgm:constr type="endPad"/>
+                                  </dgm:constrLst>
+                                  <dgm:ruleLst/>
+                                </dgm:layoutNode>
+                              </dgm:forEach>
+                              <dgm:forEach name="Name27" axis="self" ptType="node">
+                                <dgm:layoutNode name="hierRoot4">
+                                  <dgm:alg type="hierRoot"/>
+                                  <dgm:shape xmlns:r="http://schemas.openxmlformats.org/officeDocument/2006/relationships" r:blip="">
+                                    <dgm:adjLst/>
+                                  </dgm:shape>
+                                  <dgm:presOf/>
+                                  <dgm:constrLst>
+                                    <dgm:constr type="bendDist" for="des" ptType="parTrans" refType="sp" fact="0.5"/>
+                                  </dgm:constrLst>
+                                  <dgm:ruleLst/>
+                                  <dgm:layoutNode name="composite4">
+                                    <dgm:alg type="composite"/>
+                                    <dgm:shape xmlns:r="http://schemas.openxmlformats.org/officeDocument/2006/relationships" r:blip="">
+                                      <dgm:adjLst/>
+                                    </dgm:shape>
+                                    <dgm:presOf/>
+                                    <dgm:constrLst>
+                                      <dgm:constr type="w" for="ch" forName="background4" refType="w" fact="0.9"/>
+                                      <dgm:constr type="h" for="ch" forName="background4" refType="w" refFor="ch" refForName="background4" fact="0.635"/>
+                                      <dgm:constr type="t" for="ch" forName="background4"/>
+                                      <dgm:constr type="l" for="ch" forName="background4"/>
+                                      <dgm:constr type="w" for="ch" forName="text4" refType="w" fact="0.9"/>
+                                      <dgm:constr type="h" for="ch" forName="text4" refType="w" refFor="ch" refForName="text4" fact="0.635"/>
+                                      <dgm:constr type="t" for="ch" forName="text4" refType="w" fact="0.095"/>
+                                      <dgm:constr type="l" for="ch" forName="text4" refType="w" fact="0.1"/>
+                                    </dgm:constrLst>
+                                    <dgm:ruleLst/>
+                                    <dgm:layoutNode name="background4" moveWith="text4">
+                                      <dgm:alg type="sp"/>
+                                      <dgm:shape xmlns:r="http://schemas.openxmlformats.org/officeDocument/2006/relationships" type="roundRect" r:blip="">
+                                        <dgm:adjLst>
+                                          <dgm:adj idx="1" val="0.1"/>
+                                        </dgm:adjLst>
+                                      </dgm:shape>
+                                      <dgm:presOf/>
+                                      <dgm:constrLst/>
+                                      <dgm:ruleLst/>
+                                    </dgm:layoutNode>
+                                    <dgm:layoutNode name="text4" styleLbl="fgAcc4">
+                                      <dgm:varLst>
+                                        <dgm:chPref val="3"/>
+                                      </dgm:varLst>
+                                      <dgm:alg type="tx"/>
+                                      <dgm:shape xmlns:r="http://schemas.openxmlformats.org/officeDocument/2006/relationships" type="roundRect" r:blip="">
+                                        <dgm:adjLst>
+                                          <dgm:adj idx="1" val="0.1"/>
+                                        </dgm:adjLst>
+                                      </dgm:shape>
+                                      <dgm:presOf axis="self"/>
+                                      <dgm:constrLst>
+                                        <dgm:constr type="tMarg" refType="primFontSz" fact="0.3"/>
+                                        <dgm:constr type="bMarg" refType="primFontSz" fact="0.3"/>
+                                        <dgm:constr type="lMarg" refType="primFontSz" fact="0.3"/>
+                                        <dgm:constr type="rMarg" refType="primFontSz" fact="0.3"/>
+                                      </dgm:constrLst>
+                                      <dgm:ruleLst>
+                                        <dgm:rule type="primFontSz" val="5" fact="NaN" max="NaN"/>
+                                      </dgm:ruleLst>
+                                    </dgm:layoutNode>
+                                  </dgm:layoutNode>
+                                  <dgm:layoutNode name="hierChild5">
+                                    <dgm:choose name="Name28">
+                                      <dgm:if name="Name29" func="var" arg="dir" op="equ" val="norm">
+                                        <dgm:alg type="hierChild">
+                                          <dgm:param type="linDir" val="fromL"/>
+                                        </dgm:alg>
+                                      </dgm:if>
+                                      <dgm:else name="Name30">
+                                        <dgm:alg type="hierChild">
+                                          <dgm:param type="linDir" val="fromR"/>
+                                        </dgm:alg>
+                                      </dgm:else>
+                                    </dgm:choose>
+                                    <dgm:shape xmlns:r="http://schemas.openxmlformats.org/officeDocument/2006/relationships" r:blip="">
+                                      <dgm:adjLst/>
+                                    </dgm:shape>
+                                    <dgm:presOf/>
+                                    <dgm:constrLst/>
+                                    <dgm:ruleLst/>
+                                    <dgm:forEach name="Name31" ref="repeat"/>
+                                  </dgm:layoutNode>
+                                </dgm:layoutNode>
+                              </dgm:forEach>
+                            </dgm:forEach>
+                          </dgm:layoutNode>
+                        </dgm:layoutNode>
+                      </dgm:forEach>
+                    </dgm:forEach>
+                  </dgm:layoutNode>
+                </dgm:layoutNode>
+              </dgm:forEach>
+            </dgm:forEach>
+          </dgm:layoutNode>
+        </dgm:layoutNode>
+      </dgm:forEach>
+    </dgm:forEach>
+  </dgm:layoutNode>
+</dgm:layoutDef>
+</file>
+
 <file path=ppt/diagrams/quickStyle1.xml><?xml version="1.0" encoding="utf-8"?>
 <dgm:styleDef xmlns:dgm="http://schemas.openxmlformats.org/drawingml/2006/diagram" xmlns:a="http://schemas.openxmlformats.org/drawingml/2006/main" uniqueId="urn:microsoft.com/office/officeart/2005/8/quickstyle/simple1">
   <dgm:title val=""/>
@@ -8300,6 +10061,1040 @@
 </file>
 
 <file path=ppt/diagrams/quickStyle2.xml><?xml version="1.0" encoding="utf-8"?>
+<dgm:styleDef xmlns:dgm="http://schemas.openxmlformats.org/drawingml/2006/diagram" xmlns:a="http://schemas.openxmlformats.org/drawingml/2006/main" uniqueId="urn:microsoft.com/office/officeart/2005/8/quickstyle/simple1">
+  <dgm:title val=""/>
+  <dgm:desc val=""/>
+  <dgm:catLst>
+    <dgm:cat type="simple" pri="10100"/>
+  </dgm:catLst>
+  <dgm:scene3d>
+    <a:camera prst="orthographicFront"/>
+    <a:lightRig rig="threePt" dir="t"/>
+  </dgm:scene3d>
+  <dgm:styleLbl name="node0">
+    <dgm:scene3d>
+      <a:camera prst="orthographicFront"/>
+      <a:lightRig rig="threePt" dir="t"/>
+    </dgm:scene3d>
+    <dgm:sp3d/>
+    <dgm:txPr/>
+    <dgm:style>
+      <a:lnRef idx="2">
+        <a:scrgbClr r="0" g="0" b="0"/>
+      </a:lnRef>
+      <a:fillRef idx="1">
+        <a:scrgbClr r="0" g="0" b="0"/>
+      </a:fillRef>
+      <a:effectRef idx="0">
+        <a:scrgbClr r="0" g="0" b="0"/>
+      </a:effectRef>
+      <a:fontRef idx="minor">
+        <a:schemeClr val="lt1"/>
+      </a:fontRef>
+    </dgm:style>
+  </dgm:styleLbl>
+  <dgm:styleLbl name="lnNode1">
+    <dgm:scene3d>
+      <a:camera prst="orthographicFront"/>
+      <a:lightRig rig="threePt" dir="t"/>
+    </dgm:scene3d>
+    <dgm:sp3d/>
+    <dgm:txPr/>
+    <dgm:style>
+      <a:lnRef idx="2">
+        <a:scrgbClr r="0" g="0" b="0"/>
+      </a:lnRef>
+      <a:fillRef idx="1">
+        <a:scrgbClr r="0" g="0" b="0"/>
+      </a:fillRef>
+      <a:effectRef idx="0">
+        <a:scrgbClr r="0" g="0" b="0"/>
+      </a:effectRef>
+      <a:fontRef idx="minor">
+        <a:schemeClr val="lt1"/>
+      </a:fontRef>
+    </dgm:style>
+  </dgm:styleLbl>
+  <dgm:styleLbl name="vennNode1">
+    <dgm:scene3d>
+      <a:camera prst="orthographicFront"/>
+      <a:lightRig rig="threePt" dir="t"/>
+    </dgm:scene3d>
+    <dgm:sp3d/>
+    <dgm:txPr/>
+    <dgm:style>
+      <a:lnRef idx="2">
+        <a:scrgbClr r="0" g="0" b="0"/>
+      </a:lnRef>
+      <a:fillRef idx="1">
+        <a:scrgbClr r="0" g="0" b="0"/>
+      </a:fillRef>
+      <a:effectRef idx="0">
+        <a:scrgbClr r="0" g="0" b="0"/>
+      </a:effectRef>
+      <a:fontRef idx="minor">
+        <a:schemeClr val="tx1"/>
+      </a:fontRef>
+    </dgm:style>
+  </dgm:styleLbl>
+  <dgm:styleLbl name="alignNode1">
+    <dgm:scene3d>
+      <a:camera prst="orthographicFront"/>
+      <a:lightRig rig="threePt" dir="t"/>
+    </dgm:scene3d>
+    <dgm:sp3d/>
+    <dgm:txPr/>
+    <dgm:style>
+      <a:lnRef idx="2">
+        <a:scrgbClr r="0" g="0" b="0"/>
+      </a:lnRef>
+      <a:fillRef idx="1">
+        <a:scrgbClr r="0" g="0" b="0"/>
+      </a:fillRef>
+      <a:effectRef idx="0">
+        <a:scrgbClr r="0" g="0" b="0"/>
+      </a:effectRef>
+      <a:fontRef idx="minor">
+        <a:schemeClr val="lt1"/>
+      </a:fontRef>
+    </dgm:style>
+  </dgm:styleLbl>
+  <dgm:styleLbl name="node1">
+    <dgm:scene3d>
+      <a:camera prst="orthographicFront"/>
+      <a:lightRig rig="threePt" dir="t"/>
+    </dgm:scene3d>
+    <dgm:sp3d/>
+    <dgm:txPr/>
+    <dgm:style>
+      <a:lnRef idx="2">
+        <a:scrgbClr r="0" g="0" b="0"/>
+      </a:lnRef>
+      <a:fillRef idx="1">
+        <a:scrgbClr r="0" g="0" b="0"/>
+      </a:fillRef>
+      <a:effectRef idx="0">
+        <a:scrgbClr r="0" g="0" b="0"/>
+      </a:effectRef>
+      <a:fontRef idx="minor">
+        <a:schemeClr val="lt1"/>
+      </a:fontRef>
+    </dgm:style>
+  </dgm:styleLbl>
+  <dgm:styleLbl name="node2">
+    <dgm:scene3d>
+      <a:camera prst="orthographicFront"/>
+      <a:lightRig rig="threePt" dir="t"/>
+    </dgm:scene3d>
+    <dgm:sp3d/>
+    <dgm:txPr/>
+    <dgm:style>
+      <a:lnRef idx="2">
+        <a:scrgbClr r="0" g="0" b="0"/>
+      </a:lnRef>
+      <a:fillRef idx="1">
+        <a:scrgbClr r="0" g="0" b="0"/>
+      </a:fillRef>
+      <a:effectRef idx="0">
+        <a:scrgbClr r="0" g="0" b="0"/>
+      </a:effectRef>
+      <a:fontRef idx="minor">
+        <a:schemeClr val="lt1"/>
+      </a:fontRef>
+    </dgm:style>
+  </dgm:styleLbl>
+  <dgm:styleLbl name="node3">
+    <dgm:scene3d>
+      <a:camera prst="orthographicFront"/>
+      <a:lightRig rig="threePt" dir="t"/>
+    </dgm:scene3d>
+    <dgm:sp3d/>
+    <dgm:txPr/>
+    <dgm:style>
+      <a:lnRef idx="2">
+        <a:scrgbClr r="0" g="0" b="0"/>
+      </a:lnRef>
+      <a:fillRef idx="1">
+        <a:scrgbClr r="0" g="0" b="0"/>
+      </a:fillRef>
+      <a:effectRef idx="0">
+        <a:scrgbClr r="0" g="0" b="0"/>
+      </a:effectRef>
+      <a:fontRef idx="minor">
+        <a:schemeClr val="lt1"/>
+      </a:fontRef>
+    </dgm:style>
+  </dgm:styleLbl>
+  <dgm:styleLbl name="node4">
+    <dgm:scene3d>
+      <a:camera prst="orthographicFront"/>
+      <a:lightRig rig="threePt" dir="t"/>
+    </dgm:scene3d>
+    <dgm:sp3d/>
+    <dgm:txPr/>
+    <dgm:style>
+      <a:lnRef idx="2">
+        <a:scrgbClr r="0" g="0" b="0"/>
+      </a:lnRef>
+      <a:fillRef idx="1">
+        <a:scrgbClr r="0" g="0" b="0"/>
+      </a:fillRef>
+      <a:effectRef idx="0">
+        <a:scrgbClr r="0" g="0" b="0"/>
+      </a:effectRef>
+      <a:fontRef idx="minor">
+        <a:schemeClr val="lt1"/>
+      </a:fontRef>
+    </dgm:style>
+  </dgm:styleLbl>
+  <dgm:styleLbl name="fgImgPlace1">
+    <dgm:scene3d>
+      <a:camera prst="orthographicFront"/>
+      <a:lightRig rig="threePt" dir="t"/>
+    </dgm:scene3d>
+    <dgm:sp3d/>
+    <dgm:txPr/>
+    <dgm:style>
+      <a:lnRef idx="2">
+        <a:scrgbClr r="0" g="0" b="0"/>
+      </a:lnRef>
+      <a:fillRef idx="1">
+        <a:scrgbClr r="0" g="0" b="0"/>
+      </a:fillRef>
+      <a:effectRef idx="0">
+        <a:scrgbClr r="0" g="0" b="0"/>
+      </a:effectRef>
+      <a:fontRef idx="minor"/>
+    </dgm:style>
+  </dgm:styleLbl>
+  <dgm:styleLbl name="alignImgPlace1">
+    <dgm:scene3d>
+      <a:camera prst="orthographicFront"/>
+      <a:lightRig rig="threePt" dir="t"/>
+    </dgm:scene3d>
+    <dgm:sp3d/>
+    <dgm:txPr/>
+    <dgm:style>
+      <a:lnRef idx="2">
+        <a:scrgbClr r="0" g="0" b="0"/>
+      </a:lnRef>
+      <a:fillRef idx="1">
+        <a:scrgbClr r="0" g="0" b="0"/>
+      </a:fillRef>
+      <a:effectRef idx="0">
+        <a:scrgbClr r="0" g="0" b="0"/>
+      </a:effectRef>
+      <a:fontRef idx="minor"/>
+    </dgm:style>
+  </dgm:styleLbl>
+  <dgm:styleLbl name="bgImgPlace1">
+    <dgm:scene3d>
+      <a:camera prst="orthographicFront"/>
+      <a:lightRig rig="threePt" dir="t"/>
+    </dgm:scene3d>
+    <dgm:sp3d/>
+    <dgm:txPr/>
+    <dgm:style>
+      <a:lnRef idx="2">
+        <a:scrgbClr r="0" g="0" b="0"/>
+      </a:lnRef>
+      <a:fillRef idx="1">
+        <a:scrgbClr r="0" g="0" b="0"/>
+      </a:fillRef>
+      <a:effectRef idx="0">
+        <a:scrgbClr r="0" g="0" b="0"/>
+      </a:effectRef>
+      <a:fontRef idx="minor"/>
+    </dgm:style>
+  </dgm:styleLbl>
+  <dgm:styleLbl name="sibTrans2D1">
+    <dgm:scene3d>
+      <a:camera prst="orthographicFront"/>
+      <a:lightRig rig="threePt" dir="t"/>
+    </dgm:scene3d>
+    <dgm:sp3d/>
+    <dgm:txPr/>
+    <dgm:style>
+      <a:lnRef idx="0">
+        <a:scrgbClr r="0" g="0" b="0"/>
+      </a:lnRef>
+      <a:fillRef idx="1">
+        <a:scrgbClr r="0" g="0" b="0"/>
+      </a:fillRef>
+      <a:effectRef idx="0">
+        <a:scrgbClr r="0" g="0" b="0"/>
+      </a:effectRef>
+      <a:fontRef idx="minor">
+        <a:schemeClr val="lt1"/>
+      </a:fontRef>
+    </dgm:style>
+  </dgm:styleLbl>
+  <dgm:styleLbl name="fgSibTrans2D1">
+    <dgm:scene3d>
+      <a:camera prst="orthographicFront"/>
+      <a:lightRig rig="threePt" dir="t"/>
+    </dgm:scene3d>
+    <dgm:sp3d/>
+    <dgm:txPr/>
+    <dgm:style>
+      <a:lnRef idx="0">
+        <a:scrgbClr r="0" g="0" b="0"/>
+      </a:lnRef>
+      <a:fillRef idx="1">
+        <a:scrgbClr r="0" g="0" b="0"/>
+      </a:fillRef>
+      <a:effectRef idx="0">
+        <a:scrgbClr r="0" g="0" b="0"/>
+      </a:effectRef>
+      <a:fontRef idx="minor">
+        <a:schemeClr val="lt1"/>
+      </a:fontRef>
+    </dgm:style>
+  </dgm:styleLbl>
+  <dgm:styleLbl name="bgSibTrans2D1">
+    <dgm:scene3d>
+      <a:camera prst="orthographicFront"/>
+      <a:lightRig rig="threePt" dir="t"/>
+    </dgm:scene3d>
+    <dgm:sp3d/>
+    <dgm:txPr/>
+    <dgm:style>
+      <a:lnRef idx="0">
+        <a:scrgbClr r="0" g="0" b="0"/>
+      </a:lnRef>
+      <a:fillRef idx="1">
+        <a:scrgbClr r="0" g="0" b="0"/>
+      </a:fillRef>
+      <a:effectRef idx="0">
+        <a:scrgbClr r="0" g="0" b="0"/>
+      </a:effectRef>
+      <a:fontRef idx="minor">
+        <a:schemeClr val="lt1"/>
+      </a:fontRef>
+    </dgm:style>
+  </dgm:styleLbl>
+  <dgm:styleLbl name="sibTrans1D1">
+    <dgm:scene3d>
+      <a:camera prst="orthographicFront"/>
+      <a:lightRig rig="threePt" dir="t"/>
+    </dgm:scene3d>
+    <dgm:sp3d/>
+    <dgm:txPr/>
+    <dgm:style>
+      <a:lnRef idx="1">
+        <a:scrgbClr r="0" g="0" b="0"/>
+      </a:lnRef>
+      <a:fillRef idx="0">
+        <a:scrgbClr r="0" g="0" b="0"/>
+      </a:fillRef>
+      <a:effectRef idx="0">
+        <a:scrgbClr r="0" g="0" b="0"/>
+      </a:effectRef>
+      <a:fontRef idx="minor"/>
+    </dgm:style>
+  </dgm:styleLbl>
+  <dgm:styleLbl name="callout">
+    <dgm:scene3d>
+      <a:camera prst="orthographicFront"/>
+      <a:lightRig rig="threePt" dir="t"/>
+    </dgm:scene3d>
+    <dgm:sp3d/>
+    <dgm:txPr/>
+    <dgm:style>
+      <a:lnRef idx="2">
+        <a:scrgbClr r="0" g="0" b="0"/>
+      </a:lnRef>
+      <a:fillRef idx="1">
+        <a:scrgbClr r="0" g="0" b="0"/>
+      </a:fillRef>
+      <a:effectRef idx="0">
+        <a:scrgbClr r="0" g="0" b="0"/>
+      </a:effectRef>
+      <a:fontRef idx="minor"/>
+    </dgm:style>
+  </dgm:styleLbl>
+  <dgm:styleLbl name="asst0">
+    <dgm:scene3d>
+      <a:camera prst="orthographicFront"/>
+      <a:lightRig rig="threePt" dir="t"/>
+    </dgm:scene3d>
+    <dgm:sp3d/>
+    <dgm:txPr/>
+    <dgm:style>
+      <a:lnRef idx="2">
+        <a:scrgbClr r="0" g="0" b="0"/>
+      </a:lnRef>
+      <a:fillRef idx="1">
+        <a:scrgbClr r="0" g="0" b="0"/>
+      </a:fillRef>
+      <a:effectRef idx="0">
+        <a:scrgbClr r="0" g="0" b="0"/>
+      </a:effectRef>
+      <a:fontRef idx="minor">
+        <a:schemeClr val="lt1"/>
+      </a:fontRef>
+    </dgm:style>
+  </dgm:styleLbl>
+  <dgm:styleLbl name="asst1">
+    <dgm:scene3d>
+      <a:camera prst="orthographicFront"/>
+      <a:lightRig rig="threePt" dir="t"/>
+    </dgm:scene3d>
+    <dgm:sp3d/>
+    <dgm:txPr/>
+    <dgm:style>
+      <a:lnRef idx="2">
+        <a:scrgbClr r="0" g="0" b="0"/>
+      </a:lnRef>
+      <a:fillRef idx="1">
+        <a:scrgbClr r="0" g="0" b="0"/>
+      </a:fillRef>
+      <a:effectRef idx="0">
+        <a:scrgbClr r="0" g="0" b="0"/>
+      </a:effectRef>
+      <a:fontRef idx="minor">
+        <a:schemeClr val="lt1"/>
+      </a:fontRef>
+    </dgm:style>
+  </dgm:styleLbl>
+  <dgm:styleLbl name="asst2">
+    <dgm:scene3d>
+      <a:camera prst="orthographicFront"/>
+      <a:lightRig rig="threePt" dir="t"/>
+    </dgm:scene3d>
+    <dgm:sp3d/>
+    <dgm:txPr/>
+    <dgm:style>
+      <a:lnRef idx="2">
+        <a:scrgbClr r="0" g="0" b="0"/>
+      </a:lnRef>
+      <a:fillRef idx="1">
+        <a:scrgbClr r="0" g="0" b="0"/>
+      </a:fillRef>
+      <a:effectRef idx="0">
+        <a:scrgbClr r="0" g="0" b="0"/>
+      </a:effectRef>
+      <a:fontRef idx="minor">
+        <a:schemeClr val="lt1"/>
+      </a:fontRef>
+    </dgm:style>
+  </dgm:styleLbl>
+  <dgm:styleLbl name="asst3">
+    <dgm:scene3d>
+      <a:camera prst="orthographicFront"/>
+      <a:lightRig rig="threePt" dir="t"/>
+    </dgm:scene3d>
+    <dgm:sp3d/>
+    <dgm:txPr/>
+    <dgm:style>
+      <a:lnRef idx="2">
+        <a:scrgbClr r="0" g="0" b="0"/>
+      </a:lnRef>
+      <a:fillRef idx="1">
+        <a:scrgbClr r="0" g="0" b="0"/>
+      </a:fillRef>
+      <a:effectRef idx="0">
+        <a:scrgbClr r="0" g="0" b="0"/>
+      </a:effectRef>
+      <a:fontRef idx="minor">
+        <a:schemeClr val="lt1"/>
+      </a:fontRef>
+    </dgm:style>
+  </dgm:styleLbl>
+  <dgm:styleLbl name="asst4">
+    <dgm:scene3d>
+      <a:camera prst="orthographicFront"/>
+      <a:lightRig rig="threePt" dir="t"/>
+    </dgm:scene3d>
+    <dgm:sp3d/>
+    <dgm:txPr/>
+    <dgm:style>
+      <a:lnRef idx="2">
+        <a:scrgbClr r="0" g="0" b="0"/>
+      </a:lnRef>
+      <a:fillRef idx="1">
+        <a:scrgbClr r="0" g="0" b="0"/>
+      </a:fillRef>
+      <a:effectRef idx="0">
+        <a:scrgbClr r="0" g="0" b="0"/>
+      </a:effectRef>
+      <a:fontRef idx="minor">
+        <a:schemeClr val="lt1"/>
+      </a:fontRef>
+    </dgm:style>
+  </dgm:styleLbl>
+  <dgm:styleLbl name="parChTrans2D1">
+    <dgm:scene3d>
+      <a:camera prst="orthographicFront"/>
+      <a:lightRig rig="threePt" dir="t"/>
+    </dgm:scene3d>
+    <dgm:sp3d/>
+    <dgm:txPr/>
+    <dgm:style>
+      <a:lnRef idx="2">
+        <a:scrgbClr r="0" g="0" b="0"/>
+      </a:lnRef>
+      <a:fillRef idx="1">
+        <a:scrgbClr r="0" g="0" b="0"/>
+      </a:fillRef>
+      <a:effectRef idx="0">
+        <a:scrgbClr r="0" g="0" b="0"/>
+      </a:effectRef>
+      <a:fontRef idx="minor">
+        <a:schemeClr val="lt1"/>
+      </a:fontRef>
+    </dgm:style>
+  </dgm:styleLbl>
+  <dgm:styleLbl name="parChTrans2D2">
+    <dgm:scene3d>
+      <a:camera prst="orthographicFront"/>
+      <a:lightRig rig="threePt" dir="t"/>
+    </dgm:scene3d>
+    <dgm:sp3d/>
+    <dgm:txPr/>
+    <dgm:style>
+      <a:lnRef idx="2">
+        <a:scrgbClr r="0" g="0" b="0"/>
+      </a:lnRef>
+      <a:fillRef idx="1">
+        <a:scrgbClr r="0" g="0" b="0"/>
+      </a:fillRef>
+      <a:effectRef idx="0">
+        <a:scrgbClr r="0" g="0" b="0"/>
+      </a:effectRef>
+      <a:fontRef idx="minor">
+        <a:schemeClr val="lt1"/>
+      </a:fontRef>
+    </dgm:style>
+  </dgm:styleLbl>
+  <dgm:styleLbl name="parChTrans2D3">
+    <dgm:scene3d>
+      <a:camera prst="orthographicFront"/>
+      <a:lightRig rig="threePt" dir="t"/>
+    </dgm:scene3d>
+    <dgm:sp3d/>
+    <dgm:txPr/>
+    <dgm:style>
+      <a:lnRef idx="2">
+        <a:scrgbClr r="0" g="0" b="0"/>
+      </a:lnRef>
+      <a:fillRef idx="1">
+        <a:scrgbClr r="0" g="0" b="0"/>
+      </a:fillRef>
+      <a:effectRef idx="0">
+        <a:scrgbClr r="0" g="0" b="0"/>
+      </a:effectRef>
+      <a:fontRef idx="minor">
+        <a:schemeClr val="lt1"/>
+      </a:fontRef>
+    </dgm:style>
+  </dgm:styleLbl>
+  <dgm:styleLbl name="parChTrans2D4">
+    <dgm:scene3d>
+      <a:camera prst="orthographicFront"/>
+      <a:lightRig rig="threePt" dir="t"/>
+    </dgm:scene3d>
+    <dgm:sp3d/>
+    <dgm:txPr/>
+    <dgm:style>
+      <a:lnRef idx="2">
+        <a:scrgbClr r="0" g="0" b="0"/>
+      </a:lnRef>
+      <a:fillRef idx="1">
+        <a:scrgbClr r="0" g="0" b="0"/>
+      </a:fillRef>
+      <a:effectRef idx="0">
+        <a:scrgbClr r="0" g="0" b="0"/>
+      </a:effectRef>
+      <a:fontRef idx="minor">
+        <a:schemeClr val="lt1"/>
+      </a:fontRef>
+    </dgm:style>
+  </dgm:styleLbl>
+  <dgm:styleLbl name="parChTrans1D1">
+    <dgm:scene3d>
+      <a:camera prst="orthographicFront"/>
+      <a:lightRig rig="threePt" dir="t"/>
+    </dgm:scene3d>
+    <dgm:sp3d/>
+    <dgm:txPr/>
+    <dgm:style>
+      <a:lnRef idx="2">
+        <a:scrgbClr r="0" g="0" b="0"/>
+      </a:lnRef>
+      <a:fillRef idx="0">
+        <a:scrgbClr r="0" g="0" b="0"/>
+      </a:fillRef>
+      <a:effectRef idx="0">
+        <a:scrgbClr r="0" g="0" b="0"/>
+      </a:effectRef>
+      <a:fontRef idx="minor"/>
+    </dgm:style>
+  </dgm:styleLbl>
+  <dgm:styleLbl name="parChTrans1D2">
+    <dgm:scene3d>
+      <a:camera prst="orthographicFront"/>
+      <a:lightRig rig="threePt" dir="t"/>
+    </dgm:scene3d>
+    <dgm:sp3d/>
+    <dgm:txPr/>
+    <dgm:style>
+      <a:lnRef idx="2">
+        <a:scrgbClr r="0" g="0" b="0"/>
+      </a:lnRef>
+      <a:fillRef idx="0">
+        <a:scrgbClr r="0" g="0" b="0"/>
+      </a:fillRef>
+      <a:effectRef idx="0">
+        <a:scrgbClr r="0" g="0" b="0"/>
+      </a:effectRef>
+      <a:fontRef idx="minor"/>
+    </dgm:style>
+  </dgm:styleLbl>
+  <dgm:styleLbl name="parChTrans1D3">
+    <dgm:scene3d>
+      <a:camera prst="orthographicFront"/>
+      <a:lightRig rig="threePt" dir="t"/>
+    </dgm:scene3d>
+    <dgm:sp3d/>
+    <dgm:txPr/>
+    <dgm:style>
+      <a:lnRef idx="2">
+        <a:scrgbClr r="0" g="0" b="0"/>
+      </a:lnRef>
+      <a:fillRef idx="0">
+        <a:scrgbClr r="0" g="0" b="0"/>
+      </a:fillRef>
+      <a:effectRef idx="0">
+        <a:scrgbClr r="0" g="0" b="0"/>
+      </a:effectRef>
+      <a:fontRef idx="minor"/>
+    </dgm:style>
+  </dgm:styleLbl>
+  <dgm:styleLbl name="parChTrans1D4">
+    <dgm:scene3d>
+      <a:camera prst="orthographicFront"/>
+      <a:lightRig rig="threePt" dir="t"/>
+    </dgm:scene3d>
+    <dgm:sp3d/>
+    <dgm:txPr/>
+    <dgm:style>
+      <a:lnRef idx="2">
+        <a:scrgbClr r="0" g="0" b="0"/>
+      </a:lnRef>
+      <a:fillRef idx="0">
+        <a:scrgbClr r="0" g="0" b="0"/>
+      </a:fillRef>
+      <a:effectRef idx="0">
+        <a:scrgbClr r="0" g="0" b="0"/>
+      </a:effectRef>
+      <a:fontRef idx="minor"/>
+    </dgm:style>
+  </dgm:styleLbl>
+  <dgm:styleLbl name="fgAcc1">
+    <dgm:scene3d>
+      <a:camera prst="orthographicFront"/>
+      <a:lightRig rig="threePt" dir="t"/>
+    </dgm:scene3d>
+    <dgm:sp3d/>
+    <dgm:txPr/>
+    <dgm:style>
+      <a:lnRef idx="2">
+        <a:scrgbClr r="0" g="0" b="0"/>
+      </a:lnRef>
+      <a:fillRef idx="1">
+        <a:scrgbClr r="0" g="0" b="0"/>
+      </a:fillRef>
+      <a:effectRef idx="0">
+        <a:scrgbClr r="0" g="0" b="0"/>
+      </a:effectRef>
+      <a:fontRef idx="minor"/>
+    </dgm:style>
+  </dgm:styleLbl>
+  <dgm:styleLbl name="conFgAcc1">
+    <dgm:scene3d>
+      <a:camera prst="orthographicFront"/>
+      <a:lightRig rig="threePt" dir="t"/>
+    </dgm:scene3d>
+    <dgm:sp3d/>
+    <dgm:txPr/>
+    <dgm:style>
+      <a:lnRef idx="2">
+        <a:scrgbClr r="0" g="0" b="0"/>
+      </a:lnRef>
+      <a:fillRef idx="1">
+        <a:scrgbClr r="0" g="0" b="0"/>
+      </a:fillRef>
+      <a:effectRef idx="0">
+        <a:scrgbClr r="0" g="0" b="0"/>
+      </a:effectRef>
+      <a:fontRef idx="minor"/>
+    </dgm:style>
+  </dgm:styleLbl>
+  <dgm:styleLbl name="alignAcc1">
+    <dgm:scene3d>
+      <a:camera prst="orthographicFront"/>
+      <a:lightRig rig="threePt" dir="t"/>
+    </dgm:scene3d>
+    <dgm:sp3d/>
+    <dgm:txPr/>
+    <dgm:style>
+      <a:lnRef idx="2">
+        <a:scrgbClr r="0" g="0" b="0"/>
+      </a:lnRef>
+      <a:fillRef idx="1">
+        <a:scrgbClr r="0" g="0" b="0"/>
+      </a:fillRef>
+      <a:effectRef idx="0">
+        <a:scrgbClr r="0" g="0" b="0"/>
+      </a:effectRef>
+      <a:fontRef idx="minor"/>
+    </dgm:style>
+  </dgm:styleLbl>
+  <dgm:styleLbl name="trAlignAcc1">
+    <dgm:scene3d>
+      <a:camera prst="orthographicFront"/>
+      <a:lightRig rig="threePt" dir="t"/>
+    </dgm:scene3d>
+    <dgm:sp3d/>
+    <dgm:txPr/>
+    <dgm:style>
+      <a:lnRef idx="1">
+        <a:scrgbClr r="0" g="0" b="0"/>
+      </a:lnRef>
+      <a:fillRef idx="1">
+        <a:scrgbClr r="0" g="0" b="0"/>
+      </a:fillRef>
+      <a:effectRef idx="0">
+        <a:scrgbClr r="0" g="0" b="0"/>
+      </a:effectRef>
+      <a:fontRef idx="minor"/>
+    </dgm:style>
+  </dgm:styleLbl>
+  <dgm:styleLbl name="bgAcc1">
+    <dgm:scene3d>
+      <a:camera prst="orthographicFront"/>
+      <a:lightRig rig="threePt" dir="t"/>
+    </dgm:scene3d>
+    <dgm:sp3d/>
+    <dgm:txPr/>
+    <dgm:style>
+      <a:lnRef idx="2">
+        <a:scrgbClr r="0" g="0" b="0"/>
+      </a:lnRef>
+      <a:fillRef idx="1">
+        <a:scrgbClr r="0" g="0" b="0"/>
+      </a:fillRef>
+      <a:effectRef idx="0">
+        <a:scrgbClr r="0" g="0" b="0"/>
+      </a:effectRef>
+      <a:fontRef idx="minor"/>
+    </dgm:style>
+  </dgm:styleLbl>
+  <dgm:styleLbl name="solidFgAcc1">
+    <dgm:scene3d>
+      <a:camera prst="orthographicFront"/>
+      <a:lightRig rig="threePt" dir="t"/>
+    </dgm:scene3d>
+    <dgm:sp3d/>
+    <dgm:txPr/>
+    <dgm:style>
+      <a:lnRef idx="2">
+        <a:scrgbClr r="0" g="0" b="0"/>
+      </a:lnRef>
+      <a:fillRef idx="1">
+        <a:scrgbClr r="0" g="0" b="0"/>
+      </a:fillRef>
+      <a:effectRef idx="0">
+        <a:scrgbClr r="0" g="0" b="0"/>
+      </a:effectRef>
+      <a:fontRef idx="minor"/>
+    </dgm:style>
+  </dgm:styleLbl>
+  <dgm:styleLbl name="solidAlignAcc1">
+    <dgm:scene3d>
+      <a:camera prst="orthographicFront"/>
+      <a:lightRig rig="threePt" dir="t"/>
+    </dgm:scene3d>
+    <dgm:sp3d/>
+    <dgm:txPr/>
+    <dgm:style>
+      <a:lnRef idx="2">
+        <a:scrgbClr r="0" g="0" b="0"/>
+      </a:lnRef>
+      <a:fillRef idx="1">
+        <a:scrgbClr r="0" g="0" b="0"/>
+      </a:fillRef>
+      <a:effectRef idx="0">
+        <a:scrgbClr r="0" g="0" b="0"/>
+      </a:effectRef>
+      <a:fontRef idx="minor"/>
+    </dgm:style>
+  </dgm:styleLbl>
+  <dgm:styleLbl name="solidBgAcc1">
+    <dgm:scene3d>
+      <a:camera prst="orthographicFront"/>
+      <a:lightRig rig="threePt" dir="t"/>
+    </dgm:scene3d>
+    <dgm:sp3d/>
+    <dgm:txPr/>
+    <dgm:style>
+      <a:lnRef idx="2">
+        <a:scrgbClr r="0" g="0" b="0"/>
+      </a:lnRef>
+      <a:fillRef idx="1">
+        <a:scrgbClr r="0" g="0" b="0"/>
+      </a:fillRef>
+      <a:effectRef idx="0">
+        <a:scrgbClr r="0" g="0" b="0"/>
+      </a:effectRef>
+      <a:fontRef idx="minor"/>
+    </dgm:style>
+  </dgm:styleLbl>
+  <dgm:styleLbl name="fgAccFollowNode1">
+    <dgm:scene3d>
+      <a:camera prst="orthographicFront"/>
+      <a:lightRig rig="threePt" dir="t"/>
+    </dgm:scene3d>
+    <dgm:sp3d/>
+    <dgm:txPr/>
+    <dgm:style>
+      <a:lnRef idx="2">
+        <a:scrgbClr r="0" g="0" b="0"/>
+      </a:lnRef>
+      <a:fillRef idx="1">
+        <a:scrgbClr r="0" g="0" b="0"/>
+      </a:fillRef>
+      <a:effectRef idx="0">
+        <a:scrgbClr r="0" g="0" b="0"/>
+      </a:effectRef>
+      <a:fontRef idx="minor"/>
+    </dgm:style>
+  </dgm:styleLbl>
+  <dgm:styleLbl name="alignAccFollowNode1">
+    <dgm:scene3d>
+      <a:camera prst="orthographicFront"/>
+      <a:lightRig rig="threePt" dir="t"/>
+    </dgm:scene3d>
+    <dgm:sp3d/>
+    <dgm:txPr/>
+    <dgm:style>
+      <a:lnRef idx="2">
+        <a:scrgbClr r="0" g="0" b="0"/>
+      </a:lnRef>
+      <a:fillRef idx="1">
+        <a:scrgbClr r="0" g="0" b="0"/>
+      </a:fillRef>
+      <a:effectRef idx="0">
+        <a:scrgbClr r="0" g="0" b="0"/>
+      </a:effectRef>
+      <a:fontRef idx="minor"/>
+    </dgm:style>
+  </dgm:styleLbl>
+  <dgm:styleLbl name="bgAccFollowNode1">
+    <dgm:scene3d>
+      <a:camera prst="orthographicFront"/>
+      <a:lightRig rig="threePt" dir="t"/>
+    </dgm:scene3d>
+    <dgm:sp3d/>
+    <dgm:txPr/>
+    <dgm:style>
+      <a:lnRef idx="2">
+        <a:scrgbClr r="0" g="0" b="0"/>
+      </a:lnRef>
+      <a:fillRef idx="1">
+        <a:scrgbClr r="0" g="0" b="0"/>
+      </a:fillRef>
+      <a:effectRef idx="0">
+        <a:scrgbClr r="0" g="0" b="0"/>
+      </a:effectRef>
+      <a:fontRef idx="minor"/>
+    </dgm:style>
+  </dgm:styleLbl>
+  <dgm:styleLbl name="fgAcc0">
+    <dgm:scene3d>
+      <a:camera prst="orthographicFront"/>
+      <a:lightRig rig="threePt" dir="t"/>
+    </dgm:scene3d>
+    <dgm:sp3d/>
+    <dgm:txPr/>
+    <dgm:style>
+      <a:lnRef idx="2">
+        <a:scrgbClr r="0" g="0" b="0"/>
+      </a:lnRef>
+      <a:fillRef idx="1">
+        <a:scrgbClr r="0" g="0" b="0"/>
+      </a:fillRef>
+      <a:effectRef idx="0">
+        <a:scrgbClr r="0" g="0" b="0"/>
+      </a:effectRef>
+      <a:fontRef idx="minor"/>
+    </dgm:style>
+  </dgm:styleLbl>
+  <dgm:styleLbl name="fgAcc2">
+    <dgm:scene3d>
+      <a:camera prst="orthographicFront"/>
+      <a:lightRig rig="threePt" dir="t"/>
+    </dgm:scene3d>
+    <dgm:sp3d/>
+    <dgm:txPr/>
+    <dgm:style>
+      <a:lnRef idx="2">
+        <a:scrgbClr r="0" g="0" b="0"/>
+      </a:lnRef>
+      <a:fillRef idx="1">
+        <a:scrgbClr r="0" g="0" b="0"/>
+      </a:fillRef>
+      <a:effectRef idx="0">
+        <a:scrgbClr r="0" g="0" b="0"/>
+      </a:effectRef>
+      <a:fontRef idx="minor"/>
+    </dgm:style>
+  </dgm:styleLbl>
+  <dgm:styleLbl name="fgAcc3">
+    <dgm:scene3d>
+      <a:camera prst="orthographicFront"/>
+      <a:lightRig rig="threePt" dir="t"/>
+    </dgm:scene3d>
+    <dgm:sp3d/>
+    <dgm:txPr/>
+    <dgm:style>
+      <a:lnRef idx="2">
+        <a:scrgbClr r="0" g="0" b="0"/>
+      </a:lnRef>
+      <a:fillRef idx="1">
+        <a:scrgbClr r="0" g="0" b="0"/>
+      </a:fillRef>
+      <a:effectRef idx="0">
+        <a:scrgbClr r="0" g="0" b="0"/>
+      </a:effectRef>
+      <a:fontRef idx="minor"/>
+    </dgm:style>
+  </dgm:styleLbl>
+  <dgm:styleLbl name="fgAcc4">
+    <dgm:scene3d>
+      <a:camera prst="orthographicFront"/>
+      <a:lightRig rig="threePt" dir="t"/>
+    </dgm:scene3d>
+    <dgm:sp3d/>
+    <dgm:txPr/>
+    <dgm:style>
+      <a:lnRef idx="2">
+        <a:scrgbClr r="0" g="0" b="0"/>
+      </a:lnRef>
+      <a:fillRef idx="1">
+        <a:scrgbClr r="0" g="0" b="0"/>
+      </a:fillRef>
+      <a:effectRef idx="0">
+        <a:scrgbClr r="0" g="0" b="0"/>
+      </a:effectRef>
+      <a:fontRef idx="minor"/>
+    </dgm:style>
+  </dgm:styleLbl>
+  <dgm:styleLbl name="bgShp">
+    <dgm:scene3d>
+      <a:camera prst="orthographicFront"/>
+      <a:lightRig rig="threePt" dir="t"/>
+    </dgm:scene3d>
+    <dgm:sp3d/>
+    <dgm:txPr/>
+    <dgm:style>
+      <a:lnRef idx="0">
+        <a:scrgbClr r="0" g="0" b="0"/>
+      </a:lnRef>
+      <a:fillRef idx="1">
+        <a:scrgbClr r="0" g="0" b="0"/>
+      </a:fillRef>
+      <a:effectRef idx="0">
+        <a:scrgbClr r="0" g="0" b="0"/>
+      </a:effectRef>
+      <a:fontRef idx="minor"/>
+    </dgm:style>
+  </dgm:styleLbl>
+  <dgm:styleLbl name="dkBgShp">
+    <dgm:scene3d>
+      <a:camera prst="orthographicFront"/>
+      <a:lightRig rig="threePt" dir="t"/>
+    </dgm:scene3d>
+    <dgm:sp3d/>
+    <dgm:txPr/>
+    <dgm:style>
+      <a:lnRef idx="0">
+        <a:scrgbClr r="0" g="0" b="0"/>
+      </a:lnRef>
+      <a:fillRef idx="1">
+        <a:scrgbClr r="0" g="0" b="0"/>
+      </a:fillRef>
+      <a:effectRef idx="0">
+        <a:scrgbClr r="0" g="0" b="0"/>
+      </a:effectRef>
+      <a:fontRef idx="minor"/>
+    </dgm:style>
+  </dgm:styleLbl>
+  <dgm:styleLbl name="trBgShp">
+    <dgm:scene3d>
+      <a:camera prst="orthographicFront"/>
+      <a:lightRig rig="threePt" dir="t"/>
+    </dgm:scene3d>
+    <dgm:sp3d/>
+    <dgm:txPr/>
+    <dgm:style>
+      <a:lnRef idx="0">
+        <a:scrgbClr r="0" g="0" b="0"/>
+      </a:lnRef>
+      <a:fillRef idx="1">
+        <a:scrgbClr r="0" g="0" b="0"/>
+      </a:fillRef>
+      <a:effectRef idx="0">
+        <a:scrgbClr r="0" g="0" b="0"/>
+      </a:effectRef>
+      <a:fontRef idx="minor"/>
+    </dgm:style>
+  </dgm:styleLbl>
+  <dgm:styleLbl name="fgShp">
+    <dgm:scene3d>
+      <a:camera prst="orthographicFront"/>
+      <a:lightRig rig="threePt" dir="t"/>
+    </dgm:scene3d>
+    <dgm:sp3d/>
+    <dgm:txPr/>
+    <dgm:style>
+      <a:lnRef idx="2">
+        <a:scrgbClr r="0" g="0" b="0"/>
+      </a:lnRef>
+      <a:fillRef idx="1">
+        <a:scrgbClr r="0" g="0" b="0"/>
+      </a:fillRef>
+      <a:effectRef idx="0">
+        <a:scrgbClr r="0" g="0" b="0"/>
+      </a:effectRef>
+      <a:fontRef idx="minor"/>
+    </dgm:style>
+  </dgm:styleLbl>
+  <dgm:styleLbl name="revTx">
+    <dgm:scene3d>
+      <a:camera prst="orthographicFront"/>
+      <a:lightRig rig="threePt" dir="t"/>
+    </dgm:scene3d>
+    <dgm:sp3d/>
+    <dgm:txPr/>
+    <dgm:style>
+      <a:lnRef idx="0">
+        <a:scrgbClr r="0" g="0" b="0"/>
+      </a:lnRef>
+      <a:fillRef idx="0">
+        <a:scrgbClr r="0" g="0" b="0"/>
+      </a:fillRef>
+      <a:effectRef idx="0">
+        <a:scrgbClr r="0" g="0" b="0"/>
+      </a:effectRef>
+      <a:fontRef idx="minor"/>
+    </dgm:style>
+  </dgm:styleLbl>
+</dgm:styleDef>
+</file>
+
+<file path=ppt/diagrams/quickStyle3.xml><?xml version="1.0" encoding="utf-8"?>
 <dgm:styleDef xmlns:dgm="http://schemas.openxmlformats.org/drawingml/2006/diagram" xmlns:a="http://schemas.openxmlformats.org/drawingml/2006/main" uniqueId="urn:microsoft.com/office/officeart/2005/8/quickstyle/simple5">
   <dgm:title val=""/>
   <dgm:desc val=""/>
@@ -9333,7 +12128,7 @@
 </dgm:styleDef>
 </file>
 
-<file path=ppt/diagrams/quickStyle3.xml><?xml version="1.0" encoding="utf-8"?>
+<file path=ppt/diagrams/quickStyle4.xml><?xml version="1.0" encoding="utf-8"?>
 <dgm:styleDef xmlns:dgm="http://schemas.openxmlformats.org/drawingml/2006/diagram" xmlns:a="http://schemas.openxmlformats.org/drawingml/2006/main" uniqueId="urn:microsoft.com/office/officeart/2005/8/quickstyle/simple1">
   <dgm:title val=""/>
   <dgm:desc val=""/>
@@ -10782,7 +13577,7 @@
           <a:p>
             <a:fld id="{9706A8DE-09B1-4D4D-A56A-A773B3CC6ACA}" type="slidenum">
               <a:rPr lang="en-GB" smtClean="0"/>
-              <a:t>6</a:t>
+              <a:t>4</a:t>
             </a:fld>
             <a:endParaRPr lang="en-GB"/>
           </a:p>
@@ -18551,7 +21346,7 @@
           <a:lstStyle/>
           <a:p>
             <a:r>
-              <a:rPr lang="en-GB"/>
+              <a:rPr lang="en-GB" dirty="0"/>
               <a:t>Nikodem Tom Joseph</a:t>
             </a:r>
           </a:p>
@@ -18706,6 +21501,261 @@
       <p:bldP spid="3" grpId="0" build="p"/>
     </p:bldLst>
   </p:timing>
+</p:sld>
+</file>
+
+<file path=ppt/slides/slide10.xml><?xml version="1.0" encoding="utf-8"?>
+<p:sld xmlns:a="http://schemas.openxmlformats.org/drawingml/2006/main" xmlns:r="http://schemas.openxmlformats.org/officeDocument/2006/relationships" xmlns:p="http://schemas.openxmlformats.org/presentationml/2006/main">
+  <p:cSld>
+    <p:spTree>
+      <p:nvGrpSpPr>
+        <p:cNvPr id="1" name=""/>
+        <p:cNvGrpSpPr/>
+        <p:nvPr/>
+      </p:nvGrpSpPr>
+      <p:grpSpPr>
+        <a:xfrm>
+          <a:off x="0" y="0"/>
+          <a:ext cx="0" cy="0"/>
+          <a:chOff x="0" y="0"/>
+          <a:chExt cx="0" cy="0"/>
+        </a:xfrm>
+      </p:grpSpPr>
+      <p:sp>
+        <p:nvSpPr>
+          <p:cNvPr id="2" name="Title 1">
+            <a:extLst>
+              <a:ext uri="{FF2B5EF4-FFF2-40B4-BE49-F238E27FC236}">
+                <a16:creationId xmlns:a16="http://schemas.microsoft.com/office/drawing/2014/main" id="{F339C7FF-99E5-D8EB-815D-0D0C3ADA4654}"/>
+              </a:ext>
+            </a:extLst>
+          </p:cNvPr>
+          <p:cNvSpPr>
+            <a:spLocks noGrp="1"/>
+          </p:cNvSpPr>
+          <p:nvPr>
+            <p:ph type="title"/>
+          </p:nvPr>
+        </p:nvSpPr>
+        <p:spPr/>
+        <p:txBody>
+          <a:bodyPr/>
+          <a:lstStyle/>
+          <a:p>
+            <a:r>
+              <a:rPr lang="en-GB" dirty="0"/>
+              <a:t>Key Features</a:t>
+            </a:r>
+          </a:p>
+        </p:txBody>
+      </p:sp>
+      <p:sp>
+        <p:nvSpPr>
+          <p:cNvPr id="3" name="Content Placeholder 2">
+            <a:extLst>
+              <a:ext uri="{FF2B5EF4-FFF2-40B4-BE49-F238E27FC236}">
+                <a16:creationId xmlns:a16="http://schemas.microsoft.com/office/drawing/2014/main" id="{EA3C587A-D0EB-9AE2-2517-A266D4B5346F}"/>
+              </a:ext>
+            </a:extLst>
+          </p:cNvPr>
+          <p:cNvSpPr>
+            <a:spLocks noGrp="1"/>
+          </p:cNvSpPr>
+          <p:nvPr>
+            <p:ph idx="1"/>
+          </p:nvPr>
+        </p:nvSpPr>
+        <p:spPr/>
+        <p:txBody>
+          <a:bodyPr/>
+          <a:lstStyle/>
+          <a:p>
+            <a:endParaRPr lang="en-GB" dirty="0"/>
+          </a:p>
+        </p:txBody>
+      </p:sp>
+    </p:spTree>
+    <p:extLst>
+      <p:ext uri="{BB962C8B-B14F-4D97-AF65-F5344CB8AC3E}">
+        <p14:creationId xmlns:p14="http://schemas.microsoft.com/office/powerpoint/2010/main" val="1706741567"/>
+      </p:ext>
+    </p:extLst>
+  </p:cSld>
+  <p:clrMapOvr>
+    <a:masterClrMapping/>
+  </p:clrMapOvr>
+</p:sld>
+</file>
+
+<file path=ppt/slides/slide11.xml><?xml version="1.0" encoding="utf-8"?>
+<p:sld xmlns:a="http://schemas.openxmlformats.org/drawingml/2006/main" xmlns:r="http://schemas.openxmlformats.org/officeDocument/2006/relationships" xmlns:p="http://schemas.openxmlformats.org/presentationml/2006/main">
+  <p:cSld>
+    <p:spTree>
+      <p:nvGrpSpPr>
+        <p:cNvPr id="1" name=""/>
+        <p:cNvGrpSpPr/>
+        <p:nvPr/>
+      </p:nvGrpSpPr>
+      <p:grpSpPr>
+        <a:xfrm>
+          <a:off x="0" y="0"/>
+          <a:ext cx="0" cy="0"/>
+          <a:chOff x="0" y="0"/>
+          <a:chExt cx="0" cy="0"/>
+        </a:xfrm>
+      </p:grpSpPr>
+      <p:sp>
+        <p:nvSpPr>
+          <p:cNvPr id="2" name="Title 1">
+            <a:extLst>
+              <a:ext uri="{FF2B5EF4-FFF2-40B4-BE49-F238E27FC236}">
+                <a16:creationId xmlns:a16="http://schemas.microsoft.com/office/drawing/2014/main" id="{9B64BAA8-7D5D-2507-CAF2-05EFCC5B4E56}"/>
+              </a:ext>
+            </a:extLst>
+          </p:cNvPr>
+          <p:cNvSpPr>
+            <a:spLocks noGrp="1"/>
+          </p:cNvSpPr>
+          <p:nvPr>
+            <p:ph type="title"/>
+          </p:nvPr>
+        </p:nvSpPr>
+        <p:spPr/>
+        <p:txBody>
+          <a:bodyPr/>
+          <a:lstStyle/>
+          <a:p>
+            <a:r>
+              <a:rPr lang="en-GB" dirty="0"/>
+              <a:t>FIREBASE</a:t>
+            </a:r>
+          </a:p>
+        </p:txBody>
+      </p:sp>
+      <p:sp>
+        <p:nvSpPr>
+          <p:cNvPr id="3" name="Text Placeholder 2">
+            <a:extLst>
+              <a:ext uri="{FF2B5EF4-FFF2-40B4-BE49-F238E27FC236}">
+                <a16:creationId xmlns:a16="http://schemas.microsoft.com/office/drawing/2014/main" id="{2EFD75D6-1FE3-5DF3-E0EC-2CB1D45007CE}"/>
+              </a:ext>
+            </a:extLst>
+          </p:cNvPr>
+          <p:cNvSpPr>
+            <a:spLocks noGrp="1"/>
+          </p:cNvSpPr>
+          <p:nvPr>
+            <p:ph type="body" idx="1"/>
+          </p:nvPr>
+        </p:nvSpPr>
+        <p:spPr/>
+        <p:txBody>
+          <a:bodyPr/>
+          <a:lstStyle/>
+          <a:p>
+            <a:endParaRPr lang="en-GB"/>
+          </a:p>
+        </p:txBody>
+      </p:sp>
+    </p:spTree>
+    <p:extLst>
+      <p:ext uri="{BB962C8B-B14F-4D97-AF65-F5344CB8AC3E}">
+        <p14:creationId xmlns:p14="http://schemas.microsoft.com/office/powerpoint/2010/main" val="1858727316"/>
+      </p:ext>
+    </p:extLst>
+  </p:cSld>
+  <p:clrMapOvr>
+    <a:masterClrMapping/>
+  </p:clrMapOvr>
+</p:sld>
+</file>
+
+<file path=ppt/slides/slide12.xml><?xml version="1.0" encoding="utf-8"?>
+<p:sld xmlns:a="http://schemas.openxmlformats.org/drawingml/2006/main" xmlns:r="http://schemas.openxmlformats.org/officeDocument/2006/relationships" xmlns:p="http://schemas.openxmlformats.org/presentationml/2006/main">
+  <p:cSld>
+    <p:spTree>
+      <p:nvGrpSpPr>
+        <p:cNvPr id="1" name="">
+          <a:extLst>
+            <a:ext uri="{FF2B5EF4-FFF2-40B4-BE49-F238E27FC236}">
+              <a16:creationId xmlns:a16="http://schemas.microsoft.com/office/drawing/2014/main" id="{E2FCC14E-B24E-80F1-F3F2-A77F3DFAE710}"/>
+            </a:ext>
+          </a:extLst>
+        </p:cNvPr>
+        <p:cNvGrpSpPr/>
+        <p:nvPr/>
+      </p:nvGrpSpPr>
+      <p:grpSpPr>
+        <a:xfrm>
+          <a:off x="0" y="0"/>
+          <a:ext cx="0" cy="0"/>
+          <a:chOff x="0" y="0"/>
+          <a:chExt cx="0" cy="0"/>
+        </a:xfrm>
+      </p:grpSpPr>
+      <p:sp>
+        <p:nvSpPr>
+          <p:cNvPr id="2" name="Title 1">
+            <a:extLst>
+              <a:ext uri="{FF2B5EF4-FFF2-40B4-BE49-F238E27FC236}">
+                <a16:creationId xmlns:a16="http://schemas.microsoft.com/office/drawing/2014/main" id="{00D5B9AA-6504-3205-6A45-35213C187141}"/>
+              </a:ext>
+            </a:extLst>
+          </p:cNvPr>
+          <p:cNvSpPr>
+            <a:spLocks noGrp="1"/>
+          </p:cNvSpPr>
+          <p:nvPr>
+            <p:ph type="title"/>
+          </p:nvPr>
+        </p:nvSpPr>
+        <p:spPr/>
+        <p:txBody>
+          <a:bodyPr/>
+          <a:lstStyle/>
+          <a:p>
+            <a:r>
+              <a:rPr lang="en-GB" dirty="0"/>
+              <a:t>FLUTTER</a:t>
+            </a:r>
+          </a:p>
+        </p:txBody>
+      </p:sp>
+      <p:sp>
+        <p:nvSpPr>
+          <p:cNvPr id="3" name="Text Placeholder 2">
+            <a:extLst>
+              <a:ext uri="{FF2B5EF4-FFF2-40B4-BE49-F238E27FC236}">
+                <a16:creationId xmlns:a16="http://schemas.microsoft.com/office/drawing/2014/main" id="{F99EABAF-1EC2-D7CE-7F02-CE1C5C016855}"/>
+              </a:ext>
+            </a:extLst>
+          </p:cNvPr>
+          <p:cNvSpPr>
+            <a:spLocks noGrp="1"/>
+          </p:cNvSpPr>
+          <p:nvPr>
+            <p:ph type="body" idx="1"/>
+          </p:nvPr>
+        </p:nvSpPr>
+        <p:spPr/>
+        <p:txBody>
+          <a:bodyPr/>
+          <a:lstStyle/>
+          <a:p>
+            <a:endParaRPr lang="en-GB"/>
+          </a:p>
+        </p:txBody>
+      </p:sp>
+    </p:spTree>
+    <p:extLst>
+      <p:ext uri="{BB962C8B-B14F-4D97-AF65-F5344CB8AC3E}">
+        <p14:creationId xmlns:p14="http://schemas.microsoft.com/office/powerpoint/2010/main" val="1716950810"/>
+      </p:ext>
+    </p:extLst>
+  </p:cSld>
+  <p:clrMapOvr>
+    <a:masterClrMapping/>
+  </p:clrMapOvr>
 </p:sld>
 </file>
 
@@ -18884,6 +21934,137 @@
 </file>
 
 <file path=ppt/slides/slide4.xml><?xml version="1.0" encoding="utf-8"?>
+<p:sld xmlns:a="http://schemas.openxmlformats.org/drawingml/2006/main" xmlns:r="http://schemas.openxmlformats.org/officeDocument/2006/relationships" xmlns:p="http://schemas.openxmlformats.org/presentationml/2006/main">
+  <p:cSld>
+    <p:bg>
+      <p:bgPr>
+        <a:gradFill rotWithShape="1">
+          <a:gsLst>
+            <a:gs pos="0">
+              <a:schemeClr val="bg2">
+                <a:tint val="96000"/>
+                <a:shade val="100000"/>
+                <a:hueMod val="270000"/>
+                <a:satMod val="200000"/>
+                <a:lumMod val="128000"/>
+              </a:schemeClr>
+            </a:gs>
+            <a:gs pos="50000">
+              <a:schemeClr val="bg2">
+                <a:shade val="100000"/>
+                <a:hueMod val="100000"/>
+                <a:satMod val="110000"/>
+                <a:lumMod val="130000"/>
+              </a:schemeClr>
+            </a:gs>
+            <a:gs pos="100000">
+              <a:schemeClr val="bg2">
+                <a:shade val="78000"/>
+                <a:hueMod val="44000"/>
+                <a:satMod val="200000"/>
+                <a:lumMod val="69000"/>
+              </a:schemeClr>
+            </a:gs>
+          </a:gsLst>
+          <a:lin ang="2520000" scaled="0"/>
+        </a:gradFill>
+        <a:effectLst/>
+      </p:bgPr>
+    </p:bg>
+    <p:spTree>
+      <p:nvGrpSpPr>
+        <p:cNvPr id="1" name=""/>
+        <p:cNvGrpSpPr/>
+        <p:nvPr/>
+      </p:nvGrpSpPr>
+      <p:grpSpPr>
+        <a:xfrm>
+          <a:off x="0" y="0"/>
+          <a:ext cx="0" cy="0"/>
+          <a:chOff x="0" y="0"/>
+          <a:chExt cx="0" cy="0"/>
+        </a:xfrm>
+      </p:grpSpPr>
+      <p:sp>
+        <p:nvSpPr>
+          <p:cNvPr id="2" name="Title 1">
+            <a:extLst>
+              <a:ext uri="{FF2B5EF4-FFF2-40B4-BE49-F238E27FC236}">
+                <a16:creationId xmlns:a16="http://schemas.microsoft.com/office/drawing/2014/main" id="{CDBC5CD6-6AF1-70A3-6912-71AE0D21700C}"/>
+              </a:ext>
+            </a:extLst>
+          </p:cNvPr>
+          <p:cNvSpPr>
+            <a:spLocks noGrp="1"/>
+          </p:cNvSpPr>
+          <p:nvPr>
+            <p:ph type="title"/>
+          </p:nvPr>
+        </p:nvSpPr>
+        <p:spPr>
+          <a:xfrm>
+            <a:off x="680321" y="753228"/>
+            <a:ext cx="9613861" cy="1080938"/>
+          </a:xfrm>
+        </p:spPr>
+        <p:txBody>
+          <a:bodyPr>
+            <a:normAutofit/>
+          </a:bodyPr>
+          <a:lstStyle/>
+          <a:p>
+            <a:r>
+              <a:rPr lang="en-GB"/>
+              <a:t>Benefits of IoT Lifecycle Management</a:t>
+            </a:r>
+          </a:p>
+        </p:txBody>
+      </p:sp>
+      <p:graphicFrame>
+        <p:nvGraphicFramePr>
+          <p:cNvPr id="7" name="Content Placeholder 2">
+            <a:extLst>
+              <a:ext uri="{FF2B5EF4-FFF2-40B4-BE49-F238E27FC236}">
+                <a16:creationId xmlns:a16="http://schemas.microsoft.com/office/drawing/2014/main" id="{3B89BF7B-D111-8C9C-132C-BD64E3051ADE}"/>
+              </a:ext>
+            </a:extLst>
+          </p:cNvPr>
+          <p:cNvGraphicFramePr>
+            <a:graphicFrameLocks noGrp="1"/>
+          </p:cNvGraphicFramePr>
+          <p:nvPr>
+            <p:ph idx="1"/>
+            <p:extLst>
+              <p:ext uri="{D42A27DB-BD31-4B8C-83A1-F6EECF244321}">
+                <p14:modId xmlns:p14="http://schemas.microsoft.com/office/powerpoint/2010/main" val="2734377625"/>
+              </p:ext>
+            </p:extLst>
+          </p:nvPr>
+        </p:nvGraphicFramePr>
+        <p:xfrm>
+          <a:off x="681037" y="2336800"/>
+          <a:ext cx="10830641" cy="3598863"/>
+        </p:xfrm>
+        <a:graphic>
+          <a:graphicData uri="http://schemas.openxmlformats.org/drawingml/2006/diagram">
+            <dgm:relIds xmlns:dgm="http://schemas.openxmlformats.org/drawingml/2006/diagram" xmlns:r="http://schemas.openxmlformats.org/officeDocument/2006/relationships" r:dm="rId3" r:lo="rId4" r:qs="rId5" r:cs="rId6"/>
+          </a:graphicData>
+        </a:graphic>
+      </p:graphicFrame>
+    </p:spTree>
+    <p:extLst>
+      <p:ext uri="{BB962C8B-B14F-4D97-AF65-F5344CB8AC3E}">
+        <p14:creationId xmlns:p14="http://schemas.microsoft.com/office/powerpoint/2010/main" val="1324079611"/>
+      </p:ext>
+    </p:extLst>
+  </p:cSld>
+  <p:clrMapOvr>
+    <a:masterClrMapping/>
+  </p:clrMapOvr>
+</p:sld>
+</file>
+
+<file path=ppt/slides/slide5.xml><?xml version="1.0" encoding="utf-8"?>
 <p:sld xmlns:a="http://schemas.openxmlformats.org/drawingml/2006/main" xmlns:r="http://schemas.openxmlformats.org/officeDocument/2006/relationships" xmlns:p="http://schemas.openxmlformats.org/presentationml/2006/main">
   <p:cSld>
     <p:bg>
@@ -19311,7 +22492,7 @@
 </p:sld>
 </file>
 
-<file path=ppt/slides/slide5.xml><?xml version="1.0" encoding="utf-8"?>
+<file path=ppt/slides/slide6.xml><?xml version="1.0" encoding="utf-8"?>
 <p:sld xmlns:a="http://schemas.openxmlformats.org/drawingml/2006/main" xmlns:r="http://schemas.openxmlformats.org/officeDocument/2006/relationships" xmlns:p="http://schemas.openxmlformats.org/presentationml/2006/main">
   <p:cSld>
     <p:bg>
@@ -19719,137 +22900,6 @@
 </p:sld>
 </file>
 
-<file path=ppt/slides/slide6.xml><?xml version="1.0" encoding="utf-8"?>
-<p:sld xmlns:a="http://schemas.openxmlformats.org/drawingml/2006/main" xmlns:r="http://schemas.openxmlformats.org/officeDocument/2006/relationships" xmlns:p="http://schemas.openxmlformats.org/presentationml/2006/main">
-  <p:cSld>
-    <p:bg>
-      <p:bgPr>
-        <a:gradFill rotWithShape="1">
-          <a:gsLst>
-            <a:gs pos="0">
-              <a:schemeClr val="bg2">
-                <a:tint val="96000"/>
-                <a:shade val="100000"/>
-                <a:hueMod val="270000"/>
-                <a:satMod val="200000"/>
-                <a:lumMod val="128000"/>
-              </a:schemeClr>
-            </a:gs>
-            <a:gs pos="50000">
-              <a:schemeClr val="bg2">
-                <a:shade val="100000"/>
-                <a:hueMod val="100000"/>
-                <a:satMod val="110000"/>
-                <a:lumMod val="130000"/>
-              </a:schemeClr>
-            </a:gs>
-            <a:gs pos="100000">
-              <a:schemeClr val="bg2">
-                <a:shade val="78000"/>
-                <a:hueMod val="44000"/>
-                <a:satMod val="200000"/>
-                <a:lumMod val="69000"/>
-              </a:schemeClr>
-            </a:gs>
-          </a:gsLst>
-          <a:lin ang="2520000" scaled="0"/>
-        </a:gradFill>
-        <a:effectLst/>
-      </p:bgPr>
-    </p:bg>
-    <p:spTree>
-      <p:nvGrpSpPr>
-        <p:cNvPr id="1" name=""/>
-        <p:cNvGrpSpPr/>
-        <p:nvPr/>
-      </p:nvGrpSpPr>
-      <p:grpSpPr>
-        <a:xfrm>
-          <a:off x="0" y="0"/>
-          <a:ext cx="0" cy="0"/>
-          <a:chOff x="0" y="0"/>
-          <a:chExt cx="0" cy="0"/>
-        </a:xfrm>
-      </p:grpSpPr>
-      <p:sp>
-        <p:nvSpPr>
-          <p:cNvPr id="2" name="Title 1">
-            <a:extLst>
-              <a:ext uri="{FF2B5EF4-FFF2-40B4-BE49-F238E27FC236}">
-                <a16:creationId xmlns:a16="http://schemas.microsoft.com/office/drawing/2014/main" id="{CDBC5CD6-6AF1-70A3-6912-71AE0D21700C}"/>
-              </a:ext>
-            </a:extLst>
-          </p:cNvPr>
-          <p:cNvSpPr>
-            <a:spLocks noGrp="1"/>
-          </p:cNvSpPr>
-          <p:nvPr>
-            <p:ph type="title"/>
-          </p:nvPr>
-        </p:nvSpPr>
-        <p:spPr>
-          <a:xfrm>
-            <a:off x="680321" y="753228"/>
-            <a:ext cx="9613861" cy="1080938"/>
-          </a:xfrm>
-        </p:spPr>
-        <p:txBody>
-          <a:bodyPr>
-            <a:normAutofit/>
-          </a:bodyPr>
-          <a:lstStyle/>
-          <a:p>
-            <a:r>
-              <a:rPr lang="en-GB"/>
-              <a:t>Benefits of IoT Lifecycle Management</a:t>
-            </a:r>
-          </a:p>
-        </p:txBody>
-      </p:sp>
-      <p:graphicFrame>
-        <p:nvGraphicFramePr>
-          <p:cNvPr id="7" name="Content Placeholder 2">
-            <a:extLst>
-              <a:ext uri="{FF2B5EF4-FFF2-40B4-BE49-F238E27FC236}">
-                <a16:creationId xmlns:a16="http://schemas.microsoft.com/office/drawing/2014/main" id="{3B89BF7B-D111-8C9C-132C-BD64E3051ADE}"/>
-              </a:ext>
-            </a:extLst>
-          </p:cNvPr>
-          <p:cNvGraphicFramePr>
-            <a:graphicFrameLocks noGrp="1"/>
-          </p:cNvGraphicFramePr>
-          <p:nvPr>
-            <p:ph idx="1"/>
-            <p:extLst>
-              <p:ext uri="{D42A27DB-BD31-4B8C-83A1-F6EECF244321}">
-                <p14:modId xmlns:p14="http://schemas.microsoft.com/office/powerpoint/2010/main" val="2734377625"/>
-              </p:ext>
-            </p:extLst>
-          </p:nvPr>
-        </p:nvGraphicFramePr>
-        <p:xfrm>
-          <a:off x="681037" y="2336800"/>
-          <a:ext cx="10830641" cy="3598863"/>
-        </p:xfrm>
-        <a:graphic>
-          <a:graphicData uri="http://schemas.openxmlformats.org/drawingml/2006/diagram">
-            <dgm:relIds xmlns:dgm="http://schemas.openxmlformats.org/drawingml/2006/diagram" xmlns:r="http://schemas.openxmlformats.org/officeDocument/2006/relationships" r:dm="rId3" r:lo="rId4" r:qs="rId5" r:cs="rId6"/>
-          </a:graphicData>
-        </a:graphic>
-      </p:graphicFrame>
-    </p:spTree>
-    <p:extLst>
-      <p:ext uri="{BB962C8B-B14F-4D97-AF65-F5344CB8AC3E}">
-        <p14:creationId xmlns:p14="http://schemas.microsoft.com/office/powerpoint/2010/main" val="1324079611"/>
-      </p:ext>
-    </p:extLst>
-  </p:cSld>
-  <p:clrMapOvr>
-    <a:masterClrMapping/>
-  </p:clrMapOvr>
-</p:sld>
-</file>
-
 <file path=ppt/slides/slide7.xml><?xml version="1.0" encoding="utf-8"?>
 <p:sld xmlns:a="http://schemas.openxmlformats.org/drawingml/2006/main" xmlns:r="http://schemas.openxmlformats.org/officeDocument/2006/relationships" xmlns:p="http://schemas.openxmlformats.org/presentationml/2006/main">
   <p:cSld>
@@ -20352,6 +23402,41 @@
 <file path=ppt/slides/slide8.xml><?xml version="1.0" encoding="utf-8"?>
 <p:sld xmlns:a="http://schemas.openxmlformats.org/drawingml/2006/main" xmlns:r="http://schemas.openxmlformats.org/officeDocument/2006/relationships" xmlns:p="http://schemas.openxmlformats.org/presentationml/2006/main">
   <p:cSld>
+    <p:bg>
+      <p:bgPr>
+        <a:gradFill rotWithShape="1">
+          <a:gsLst>
+            <a:gs pos="0">
+              <a:schemeClr val="bg2">
+                <a:tint val="96000"/>
+                <a:shade val="100000"/>
+                <a:hueMod val="270000"/>
+                <a:satMod val="200000"/>
+                <a:lumMod val="128000"/>
+              </a:schemeClr>
+            </a:gs>
+            <a:gs pos="50000">
+              <a:schemeClr val="bg2">
+                <a:shade val="100000"/>
+                <a:hueMod val="100000"/>
+                <a:satMod val="110000"/>
+                <a:lumMod val="130000"/>
+              </a:schemeClr>
+            </a:gs>
+            <a:gs pos="100000">
+              <a:schemeClr val="bg2">
+                <a:shade val="78000"/>
+                <a:hueMod val="44000"/>
+                <a:satMod val="200000"/>
+                <a:lumMod val="69000"/>
+              </a:schemeClr>
+            </a:gs>
+          </a:gsLst>
+          <a:lin ang="2520000" scaled="0"/>
+        </a:gradFill>
+        <a:effectLst/>
+      </p:bgPr>
+    </p:bg>
     <p:spTree>
       <p:nvGrpSpPr>
         <p:cNvPr id="1" name=""/>
@@ -20371,7 +23456,103 @@
           <p:cNvPr id="2" name="Title 1">
             <a:extLst>
               <a:ext uri="{FF2B5EF4-FFF2-40B4-BE49-F238E27FC236}">
-                <a16:creationId xmlns:a16="http://schemas.microsoft.com/office/drawing/2014/main" id="{9B64BAA8-7D5D-2507-CAF2-05EFCC5B4E56}"/>
+                <a16:creationId xmlns:a16="http://schemas.microsoft.com/office/drawing/2014/main" id="{6D61742E-5888-EE49-7786-5D8EE741669D}"/>
+              </a:ext>
+            </a:extLst>
+          </p:cNvPr>
+          <p:cNvSpPr>
+            <a:spLocks noGrp="1"/>
+          </p:cNvSpPr>
+          <p:nvPr>
+            <p:ph type="title"/>
+          </p:nvPr>
+        </p:nvSpPr>
+        <p:spPr>
+          <a:xfrm>
+            <a:off x="680321" y="753228"/>
+            <a:ext cx="9613861" cy="1080938"/>
+          </a:xfrm>
+        </p:spPr>
+        <p:txBody>
+          <a:bodyPr>
+            <a:normAutofit/>
+          </a:bodyPr>
+          <a:lstStyle/>
+          <a:p>
+            <a:r>
+              <a:rPr lang="en-GB" dirty="0"/>
+              <a:t>Application Purpose</a:t>
+            </a:r>
+          </a:p>
+        </p:txBody>
+      </p:sp>
+      <p:graphicFrame>
+        <p:nvGraphicFramePr>
+          <p:cNvPr id="5" name="Content Placeholder 2">
+            <a:extLst>
+              <a:ext uri="{FF2B5EF4-FFF2-40B4-BE49-F238E27FC236}">
+                <a16:creationId xmlns:a16="http://schemas.microsoft.com/office/drawing/2014/main" id="{B6886587-C375-B301-9D36-DBB9AAD346AC}"/>
+              </a:ext>
+            </a:extLst>
+          </p:cNvPr>
+          <p:cNvGraphicFramePr>
+            <a:graphicFrameLocks noGrp="1"/>
+          </p:cNvGraphicFramePr>
+          <p:nvPr>
+            <p:ph idx="1"/>
+            <p:extLst>
+              <p:ext uri="{D42A27DB-BD31-4B8C-83A1-F6EECF244321}">
+                <p14:modId xmlns:p14="http://schemas.microsoft.com/office/powerpoint/2010/main" val="920696684"/>
+              </p:ext>
+            </p:extLst>
+          </p:nvPr>
+        </p:nvGraphicFramePr>
+        <p:xfrm>
+          <a:off x="681037" y="2336800"/>
+          <a:ext cx="10830641" cy="3598863"/>
+        </p:xfrm>
+        <a:graphic>
+          <a:graphicData uri="http://schemas.openxmlformats.org/drawingml/2006/diagram">
+            <dgm:relIds xmlns:dgm="http://schemas.openxmlformats.org/drawingml/2006/diagram" xmlns:r="http://schemas.openxmlformats.org/officeDocument/2006/relationships" r:dm="rId2" r:lo="rId3" r:qs="rId4" r:cs="rId5"/>
+          </a:graphicData>
+        </a:graphic>
+      </p:graphicFrame>
+    </p:spTree>
+    <p:extLst>
+      <p:ext uri="{BB962C8B-B14F-4D97-AF65-F5344CB8AC3E}">
+        <p14:creationId xmlns:p14="http://schemas.microsoft.com/office/powerpoint/2010/main" val="2329786510"/>
+      </p:ext>
+    </p:extLst>
+  </p:cSld>
+  <p:clrMapOvr>
+    <a:masterClrMapping/>
+  </p:clrMapOvr>
+</p:sld>
+</file>
+
+<file path=ppt/slides/slide9.xml><?xml version="1.0" encoding="utf-8"?>
+<p:sld xmlns:a="http://schemas.openxmlformats.org/drawingml/2006/main" xmlns:r="http://schemas.openxmlformats.org/officeDocument/2006/relationships" xmlns:p="http://schemas.openxmlformats.org/presentationml/2006/main">
+  <p:cSld>
+    <p:spTree>
+      <p:nvGrpSpPr>
+        <p:cNvPr id="1" name=""/>
+        <p:cNvGrpSpPr/>
+        <p:nvPr/>
+      </p:nvGrpSpPr>
+      <p:grpSpPr>
+        <a:xfrm>
+          <a:off x="0" y="0"/>
+          <a:ext cx="0" cy="0"/>
+          <a:chOff x="0" y="0"/>
+          <a:chExt cx="0" cy="0"/>
+        </a:xfrm>
+      </p:grpSpPr>
+      <p:sp>
+        <p:nvSpPr>
+          <p:cNvPr id="2" name="Title 1">
+            <a:extLst>
+              <a:ext uri="{FF2B5EF4-FFF2-40B4-BE49-F238E27FC236}">
+                <a16:creationId xmlns:a16="http://schemas.microsoft.com/office/drawing/2014/main" id="{E77093C0-07A2-0CDC-CFDD-C620A99B0849}"/>
               </a:ext>
             </a:extLst>
           </p:cNvPr>
@@ -20389,17 +23570,17 @@
           <a:p>
             <a:r>
               <a:rPr lang="en-GB" dirty="0"/>
-              <a:t>FIREBASE</a:t>
+              <a:t>Security and Risk Management</a:t>
             </a:r>
           </a:p>
         </p:txBody>
       </p:sp>
       <p:sp>
         <p:nvSpPr>
-          <p:cNvPr id="3" name="Text Placeholder 2">
+          <p:cNvPr id="3" name="Content Placeholder 2">
             <a:extLst>
               <a:ext uri="{FF2B5EF4-FFF2-40B4-BE49-F238E27FC236}">
-                <a16:creationId xmlns:a16="http://schemas.microsoft.com/office/drawing/2014/main" id="{2EFD75D6-1FE3-5DF3-E0EC-2CB1D45007CE}"/>
+                <a16:creationId xmlns:a16="http://schemas.microsoft.com/office/drawing/2014/main" id="{5F6CB3C2-8798-8974-60D0-8FEA70EA2152}"/>
               </a:ext>
             </a:extLst>
           </p:cNvPr>
@@ -20407,111 +23588,87 @@
             <a:spLocks noGrp="1"/>
           </p:cNvSpPr>
           <p:nvPr>
-            <p:ph type="body" idx="1"/>
+            <p:ph idx="1"/>
           </p:nvPr>
         </p:nvSpPr>
         <p:spPr/>
         <p:txBody>
-          <a:bodyPr/>
+          <a:bodyPr>
+            <a:normAutofit lnSpcReduction="10000"/>
+          </a:bodyPr>
           <a:lstStyle/>
           <a:p>
-            <a:endParaRPr lang="en-GB"/>
+            <a:r>
+              <a:rPr lang="en-GB" dirty="0"/>
+              <a:t>RBAC(Role-Based Access Control)</a:t>
+            </a:r>
+          </a:p>
+          <a:p>
+            <a:pPr lvl="1"/>
+            <a:r>
+              <a:rPr lang="en-GB" dirty="0"/>
+              <a:t>Minimises access to vulnerable data</a:t>
+            </a:r>
+          </a:p>
+          <a:p>
+            <a:pPr lvl="1"/>
+            <a:r>
+              <a:rPr lang="en-GB" dirty="0"/>
+              <a:t>Validates on Login</a:t>
+            </a:r>
+          </a:p>
+          <a:p>
+            <a:r>
+              <a:rPr lang="en-GB" dirty="0"/>
+              <a:t>Compliance with Industry Standards</a:t>
+            </a:r>
+          </a:p>
+          <a:p>
+            <a:pPr lvl="1"/>
+            <a:r>
+              <a:rPr lang="en-GB" dirty="0"/>
+              <a:t>GDPR</a:t>
+            </a:r>
+          </a:p>
+          <a:p>
+            <a:pPr lvl="1"/>
+            <a:r>
+              <a:rPr lang="en-GB" dirty="0"/>
+              <a:t>Human-Computer Interaction</a:t>
+            </a:r>
+          </a:p>
+          <a:p>
+            <a:r>
+              <a:rPr lang="en-GB" dirty="0"/>
+              <a:t>Risk Mitigation</a:t>
+            </a:r>
+          </a:p>
+          <a:p>
+            <a:pPr lvl="1"/>
+            <a:r>
+              <a:rPr lang="en-GB" dirty="0"/>
+              <a:t>Analysed Risk and implementing strategies to avoid them</a:t>
+            </a:r>
+          </a:p>
+          <a:p>
+            <a:r>
+              <a:rPr lang="en-GB" dirty="0"/>
+              <a:t>Continuous Risk Assessment</a:t>
+            </a:r>
+          </a:p>
+          <a:p>
+            <a:pPr lvl="1"/>
+            <a:r>
+              <a:rPr lang="en-GB" dirty="0"/>
+              <a:t>Thought development </a:t>
+            </a:r>
           </a:p>
         </p:txBody>
       </p:sp>
     </p:spTree>
     <p:extLst>
       <p:ext uri="{BB962C8B-B14F-4D97-AF65-F5344CB8AC3E}">
-        <p14:creationId xmlns:p14="http://schemas.microsoft.com/office/powerpoint/2010/main" val="1858727316"/>
-      </p:ext>
-    </p:extLst>
-  </p:cSld>
-  <p:clrMapOvr>
-    <a:masterClrMapping/>
-  </p:clrMapOvr>
-</p:sld>
-</file>
-
-<file path=ppt/slides/slide9.xml><?xml version="1.0" encoding="utf-8"?>
-<p:sld xmlns:a="http://schemas.openxmlformats.org/drawingml/2006/main" xmlns:r="http://schemas.openxmlformats.org/officeDocument/2006/relationships" xmlns:p="http://schemas.openxmlformats.org/presentationml/2006/main">
-  <p:cSld>
-    <p:spTree>
-      <p:nvGrpSpPr>
-        <p:cNvPr id="1" name="">
-          <a:extLst>
-            <a:ext uri="{FF2B5EF4-FFF2-40B4-BE49-F238E27FC236}">
-              <a16:creationId xmlns:a16="http://schemas.microsoft.com/office/drawing/2014/main" id="{E2FCC14E-B24E-80F1-F3F2-A77F3DFAE710}"/>
-            </a:ext>
-          </a:extLst>
-        </p:cNvPr>
-        <p:cNvGrpSpPr/>
-        <p:nvPr/>
-      </p:nvGrpSpPr>
-      <p:grpSpPr>
-        <a:xfrm>
-          <a:off x="0" y="0"/>
-          <a:ext cx="0" cy="0"/>
-          <a:chOff x="0" y="0"/>
-          <a:chExt cx="0" cy="0"/>
-        </a:xfrm>
-      </p:grpSpPr>
-      <p:sp>
-        <p:nvSpPr>
-          <p:cNvPr id="2" name="Title 1">
-            <a:extLst>
-              <a:ext uri="{FF2B5EF4-FFF2-40B4-BE49-F238E27FC236}">
-                <a16:creationId xmlns:a16="http://schemas.microsoft.com/office/drawing/2014/main" id="{00D5B9AA-6504-3205-6A45-35213C187141}"/>
-              </a:ext>
-            </a:extLst>
-          </p:cNvPr>
-          <p:cNvSpPr>
-            <a:spLocks noGrp="1"/>
-          </p:cNvSpPr>
-          <p:nvPr>
-            <p:ph type="title"/>
-          </p:nvPr>
-        </p:nvSpPr>
-        <p:spPr/>
-        <p:txBody>
-          <a:bodyPr/>
-          <a:lstStyle/>
-          <a:p>
-            <a:r>
-              <a:rPr lang="en-GB" dirty="0"/>
-              <a:t>FLUTTER</a:t>
-            </a:r>
-          </a:p>
-        </p:txBody>
-      </p:sp>
-      <p:sp>
-        <p:nvSpPr>
-          <p:cNvPr id="3" name="Text Placeholder 2">
-            <a:extLst>
-              <a:ext uri="{FF2B5EF4-FFF2-40B4-BE49-F238E27FC236}">
-                <a16:creationId xmlns:a16="http://schemas.microsoft.com/office/drawing/2014/main" id="{F99EABAF-1EC2-D7CE-7F02-CE1C5C016855}"/>
-              </a:ext>
-            </a:extLst>
-          </p:cNvPr>
-          <p:cNvSpPr>
-            <a:spLocks noGrp="1"/>
-          </p:cNvSpPr>
-          <p:nvPr>
-            <p:ph type="body" idx="1"/>
-          </p:nvPr>
-        </p:nvSpPr>
-        <p:spPr/>
-        <p:txBody>
-          <a:bodyPr/>
-          <a:lstStyle/>
-          <a:p>
-            <a:endParaRPr lang="en-GB"/>
-          </a:p>
-        </p:txBody>
-      </p:sp>
-    </p:spTree>
-    <p:extLst>
-      <p:ext uri="{BB962C8B-B14F-4D97-AF65-F5344CB8AC3E}">
-        <p14:creationId xmlns:p14="http://schemas.microsoft.com/office/powerpoint/2010/main" val="1716950810"/>
+        <p14:creationId xmlns:p14="http://schemas.microsoft.com/office/powerpoint/2010/main" val="1023274192"/>
       </p:ext>
     </p:extLst>
   </p:cSld>

--- a/Paper WOrk/Presentation.pptx
+++ b/Paper WOrk/Presentation.pptx
@@ -3290,6 +3290,788 @@
     <dgm:fillClrLst meth="repeat">
       <a:schemeClr val="accent1">
         <a:tint val="60000"/>
+      </a:schemeClr>
+    </dgm:fillClrLst>
+    <dgm:linClrLst meth="repeat">
+      <a:schemeClr val="lt1"/>
+    </dgm:linClrLst>
+    <dgm:effectClrLst/>
+    <dgm:txLinClrLst/>
+    <dgm:txFillClrLst meth="repeat">
+      <a:schemeClr val="dk1"/>
+    </dgm:txFillClrLst>
+    <dgm:txEffectClrLst/>
+  </dgm:styleLbl>
+  <dgm:styleLbl name="revTx">
+    <dgm:fillClrLst meth="repeat">
+      <a:schemeClr val="lt1">
+        <a:alpha val="0"/>
+      </a:schemeClr>
+    </dgm:fillClrLst>
+    <dgm:linClrLst meth="repeat">
+      <a:schemeClr val="dk1">
+        <a:alpha val="0"/>
+      </a:schemeClr>
+    </dgm:linClrLst>
+    <dgm:effectClrLst/>
+    <dgm:txLinClrLst/>
+    <dgm:txFillClrLst meth="repeat">
+      <a:schemeClr val="tx1"/>
+    </dgm:txFillClrLst>
+    <dgm:txEffectClrLst/>
+  </dgm:styleLbl>
+</dgm:colorsDef>
+</file>
+
+<file path=ppt/diagrams/colors5.xml><?xml version="1.0" encoding="utf-8"?>
+<dgm:colorsDef xmlns:dgm="http://schemas.openxmlformats.org/drawingml/2006/diagram" xmlns:a="http://schemas.openxmlformats.org/drawingml/2006/main" uniqueId="urn:microsoft.com/office/officeart/2005/8/colors/colorful2">
+  <dgm:title val=""/>
+  <dgm:desc val=""/>
+  <dgm:catLst>
+    <dgm:cat type="colorful" pri="10200"/>
+  </dgm:catLst>
+  <dgm:styleLbl name="node0">
+    <dgm:fillClrLst meth="repeat">
+      <a:schemeClr val="accent1"/>
+    </dgm:fillClrLst>
+    <dgm:linClrLst meth="repeat">
+      <a:schemeClr val="lt1"/>
+    </dgm:linClrLst>
+    <dgm:effectClrLst/>
+    <dgm:txLinClrLst/>
+    <dgm:txFillClrLst/>
+    <dgm:txEffectClrLst/>
+  </dgm:styleLbl>
+  <dgm:styleLbl name="node1">
+    <dgm:fillClrLst>
+      <a:schemeClr val="accent2"/>
+      <a:schemeClr val="accent3"/>
+    </dgm:fillClrLst>
+    <dgm:linClrLst meth="repeat">
+      <a:schemeClr val="lt1"/>
+    </dgm:linClrLst>
+    <dgm:effectClrLst/>
+    <dgm:txLinClrLst/>
+    <dgm:txFillClrLst/>
+    <dgm:txEffectClrLst/>
+  </dgm:styleLbl>
+  <dgm:styleLbl name="alignNode1">
+    <dgm:fillClrLst>
+      <a:schemeClr val="accent2"/>
+      <a:schemeClr val="accent3"/>
+    </dgm:fillClrLst>
+    <dgm:linClrLst>
+      <a:schemeClr val="accent2"/>
+      <a:schemeClr val="accent3"/>
+    </dgm:linClrLst>
+    <dgm:effectClrLst/>
+    <dgm:txLinClrLst/>
+    <dgm:txFillClrLst/>
+    <dgm:txEffectClrLst/>
+  </dgm:styleLbl>
+  <dgm:styleLbl name="lnNode1">
+    <dgm:fillClrLst>
+      <a:schemeClr val="accent2"/>
+      <a:schemeClr val="accent3"/>
+    </dgm:fillClrLst>
+    <dgm:linClrLst meth="repeat">
+      <a:schemeClr val="lt1"/>
+    </dgm:linClrLst>
+    <dgm:effectClrLst/>
+    <dgm:txLinClrLst/>
+    <dgm:txFillClrLst/>
+    <dgm:txEffectClrLst/>
+  </dgm:styleLbl>
+  <dgm:styleLbl name="vennNode1">
+    <dgm:fillClrLst>
+      <a:schemeClr val="accent2">
+        <a:alpha val="50000"/>
+      </a:schemeClr>
+      <a:schemeClr val="accent3">
+        <a:alpha val="50000"/>
+      </a:schemeClr>
+    </dgm:fillClrLst>
+    <dgm:linClrLst meth="repeat">
+      <a:schemeClr val="lt1"/>
+    </dgm:linClrLst>
+    <dgm:effectClrLst/>
+    <dgm:txLinClrLst/>
+    <dgm:txFillClrLst/>
+    <dgm:txEffectClrLst/>
+  </dgm:styleLbl>
+  <dgm:styleLbl name="node2">
+    <dgm:fillClrLst>
+      <a:schemeClr val="accent3"/>
+    </dgm:fillClrLst>
+    <dgm:linClrLst meth="repeat">
+      <a:schemeClr val="lt1"/>
+    </dgm:linClrLst>
+    <dgm:effectClrLst/>
+    <dgm:txLinClrLst/>
+    <dgm:txFillClrLst/>
+    <dgm:txEffectClrLst/>
+  </dgm:styleLbl>
+  <dgm:styleLbl name="node3">
+    <dgm:fillClrLst>
+      <a:schemeClr val="accent4"/>
+    </dgm:fillClrLst>
+    <dgm:linClrLst meth="repeat">
+      <a:schemeClr val="lt1"/>
+    </dgm:linClrLst>
+    <dgm:effectClrLst/>
+    <dgm:txLinClrLst/>
+    <dgm:txFillClrLst/>
+    <dgm:txEffectClrLst/>
+  </dgm:styleLbl>
+  <dgm:styleLbl name="node4">
+    <dgm:fillClrLst>
+      <a:schemeClr val="accent5"/>
+    </dgm:fillClrLst>
+    <dgm:linClrLst meth="repeat">
+      <a:schemeClr val="lt1"/>
+    </dgm:linClrLst>
+    <dgm:effectClrLst/>
+    <dgm:txLinClrLst/>
+    <dgm:txFillClrLst/>
+    <dgm:txEffectClrLst/>
+  </dgm:styleLbl>
+  <dgm:styleLbl name="fgImgPlace1">
+    <dgm:fillClrLst>
+      <a:schemeClr val="accent2">
+        <a:tint val="50000"/>
+      </a:schemeClr>
+      <a:schemeClr val="accent3">
+        <a:tint val="50000"/>
+      </a:schemeClr>
+    </dgm:fillClrLst>
+    <dgm:linClrLst meth="repeat">
+      <a:schemeClr val="lt1"/>
+    </dgm:linClrLst>
+    <dgm:effectClrLst/>
+    <dgm:txLinClrLst/>
+    <dgm:txFillClrLst meth="repeat">
+      <a:schemeClr val="lt1"/>
+    </dgm:txFillClrLst>
+    <dgm:txEffectClrLst/>
+  </dgm:styleLbl>
+  <dgm:styleLbl name="alignImgPlace1">
+    <dgm:fillClrLst>
+      <a:schemeClr val="accent2">
+        <a:tint val="50000"/>
+      </a:schemeClr>
+      <a:schemeClr val="accent3">
+        <a:tint val="20000"/>
+      </a:schemeClr>
+    </dgm:fillClrLst>
+    <dgm:linClrLst meth="repeat">
+      <a:schemeClr val="lt1"/>
+    </dgm:linClrLst>
+    <dgm:effectClrLst/>
+    <dgm:txLinClrLst/>
+    <dgm:txFillClrLst meth="repeat">
+      <a:schemeClr val="lt1"/>
+    </dgm:txFillClrLst>
+    <dgm:txEffectClrLst/>
+  </dgm:styleLbl>
+  <dgm:styleLbl name="bgImgPlace1">
+    <dgm:fillClrLst>
+      <a:schemeClr val="accent2">
+        <a:tint val="50000"/>
+      </a:schemeClr>
+      <a:schemeClr val="accent3">
+        <a:tint val="20000"/>
+      </a:schemeClr>
+    </dgm:fillClrLst>
+    <dgm:linClrLst meth="repeat">
+      <a:schemeClr val="lt1"/>
+    </dgm:linClrLst>
+    <dgm:effectClrLst/>
+    <dgm:txLinClrLst/>
+    <dgm:txFillClrLst meth="repeat">
+      <a:schemeClr val="lt1"/>
+    </dgm:txFillClrLst>
+    <dgm:txEffectClrLst/>
+  </dgm:styleLbl>
+  <dgm:styleLbl name="sibTrans2D1">
+    <dgm:fillClrLst>
+      <a:schemeClr val="accent2"/>
+      <a:schemeClr val="accent3"/>
+    </dgm:fillClrLst>
+    <dgm:linClrLst meth="repeat">
+      <a:schemeClr val="lt1"/>
+    </dgm:linClrLst>
+    <dgm:effectClrLst/>
+    <dgm:txLinClrLst/>
+    <dgm:txFillClrLst/>
+    <dgm:txEffectClrLst/>
+  </dgm:styleLbl>
+  <dgm:styleLbl name="fgSibTrans2D1">
+    <dgm:fillClrLst>
+      <a:schemeClr val="accent2"/>
+      <a:schemeClr val="accent3"/>
+    </dgm:fillClrLst>
+    <dgm:linClrLst meth="repeat">
+      <a:schemeClr val="lt1"/>
+    </dgm:linClrLst>
+    <dgm:effectClrLst/>
+    <dgm:txLinClrLst/>
+    <dgm:txFillClrLst meth="repeat">
+      <a:schemeClr val="lt1"/>
+    </dgm:txFillClrLst>
+    <dgm:txEffectClrLst/>
+  </dgm:styleLbl>
+  <dgm:styleLbl name="bgSibTrans2D1">
+    <dgm:fillClrLst>
+      <a:schemeClr val="accent2"/>
+      <a:schemeClr val="accent3"/>
+    </dgm:fillClrLst>
+    <dgm:linClrLst meth="repeat">
+      <a:schemeClr val="lt1"/>
+    </dgm:linClrLst>
+    <dgm:effectClrLst/>
+    <dgm:txLinClrLst/>
+    <dgm:txFillClrLst meth="repeat">
+      <a:schemeClr val="lt1"/>
+    </dgm:txFillClrLst>
+    <dgm:txEffectClrLst/>
+  </dgm:styleLbl>
+  <dgm:styleLbl name="sibTrans1D1">
+    <dgm:fillClrLst/>
+    <dgm:linClrLst>
+      <a:schemeClr val="accent2"/>
+      <a:schemeClr val="accent3"/>
+    </dgm:linClrLst>
+    <dgm:effectClrLst/>
+    <dgm:txLinClrLst/>
+    <dgm:txFillClrLst meth="repeat">
+      <a:schemeClr val="tx1"/>
+    </dgm:txFillClrLst>
+    <dgm:txEffectClrLst/>
+  </dgm:styleLbl>
+  <dgm:styleLbl name="callout">
+    <dgm:fillClrLst meth="repeat">
+      <a:schemeClr val="accent2"/>
+    </dgm:fillClrLst>
+    <dgm:linClrLst meth="repeat">
+      <a:schemeClr val="accent2">
+        <a:tint val="50000"/>
+      </a:schemeClr>
+    </dgm:linClrLst>
+    <dgm:effectClrLst/>
+    <dgm:txLinClrLst/>
+    <dgm:txFillClrLst meth="repeat">
+      <a:schemeClr val="tx1"/>
+    </dgm:txFillClrLst>
+    <dgm:txEffectClrLst/>
+  </dgm:styleLbl>
+  <dgm:styleLbl name="asst0">
+    <dgm:fillClrLst meth="repeat">
+      <a:schemeClr val="accent2"/>
+    </dgm:fillClrLst>
+    <dgm:linClrLst meth="repeat">
+      <a:schemeClr val="lt1">
+        <a:shade val="80000"/>
+      </a:schemeClr>
+    </dgm:linClrLst>
+    <dgm:effectClrLst/>
+    <dgm:txLinClrLst/>
+    <dgm:txFillClrLst/>
+    <dgm:txEffectClrLst/>
+  </dgm:styleLbl>
+  <dgm:styleLbl name="asst1">
+    <dgm:fillClrLst meth="repeat">
+      <a:schemeClr val="accent3"/>
+    </dgm:fillClrLst>
+    <dgm:linClrLst meth="repeat">
+      <a:schemeClr val="lt1">
+        <a:shade val="80000"/>
+      </a:schemeClr>
+    </dgm:linClrLst>
+    <dgm:effectClrLst/>
+    <dgm:txLinClrLst/>
+    <dgm:txFillClrLst/>
+    <dgm:txEffectClrLst/>
+  </dgm:styleLbl>
+  <dgm:styleLbl name="asst2">
+    <dgm:fillClrLst>
+      <a:schemeClr val="accent4"/>
+    </dgm:fillClrLst>
+    <dgm:linClrLst meth="repeat">
+      <a:schemeClr val="lt1"/>
+    </dgm:linClrLst>
+    <dgm:effectClrLst/>
+    <dgm:txLinClrLst/>
+    <dgm:txFillClrLst/>
+    <dgm:txEffectClrLst/>
+  </dgm:styleLbl>
+  <dgm:styleLbl name="asst3">
+    <dgm:fillClrLst>
+      <a:schemeClr val="accent5"/>
+    </dgm:fillClrLst>
+    <dgm:linClrLst meth="repeat">
+      <a:schemeClr val="lt1"/>
+    </dgm:linClrLst>
+    <dgm:effectClrLst/>
+    <dgm:txLinClrLst/>
+    <dgm:txFillClrLst/>
+    <dgm:txEffectClrLst/>
+  </dgm:styleLbl>
+  <dgm:styleLbl name="asst4">
+    <dgm:fillClrLst>
+      <a:schemeClr val="accent6"/>
+    </dgm:fillClrLst>
+    <dgm:linClrLst meth="repeat">
+      <a:schemeClr val="lt1"/>
+    </dgm:linClrLst>
+    <dgm:effectClrLst/>
+    <dgm:txLinClrLst/>
+    <dgm:txFillClrLst/>
+    <dgm:txEffectClrLst/>
+  </dgm:styleLbl>
+  <dgm:styleLbl name="parChTrans2D1">
+    <dgm:fillClrLst meth="repeat">
+      <a:schemeClr val="accent2"/>
+    </dgm:fillClrLst>
+    <dgm:linClrLst meth="repeat">
+      <a:schemeClr val="lt1"/>
+    </dgm:linClrLst>
+    <dgm:effectClrLst/>
+    <dgm:txLinClrLst/>
+    <dgm:txFillClrLst meth="repeat">
+      <a:schemeClr val="lt1"/>
+    </dgm:txFillClrLst>
+    <dgm:txEffectClrLst/>
+  </dgm:styleLbl>
+  <dgm:styleLbl name="parChTrans2D2">
+    <dgm:fillClrLst meth="repeat">
+      <a:schemeClr val="accent3"/>
+    </dgm:fillClrLst>
+    <dgm:linClrLst meth="repeat">
+      <a:schemeClr val="lt1"/>
+    </dgm:linClrLst>
+    <dgm:effectClrLst/>
+    <dgm:txLinClrLst/>
+    <dgm:txFillClrLst/>
+    <dgm:txEffectClrLst/>
+  </dgm:styleLbl>
+  <dgm:styleLbl name="parChTrans2D3">
+    <dgm:fillClrLst meth="repeat">
+      <a:schemeClr val="accent4"/>
+    </dgm:fillClrLst>
+    <dgm:linClrLst meth="repeat">
+      <a:schemeClr val="lt1"/>
+    </dgm:linClrLst>
+    <dgm:effectClrLst/>
+    <dgm:txLinClrLst/>
+    <dgm:txFillClrLst/>
+    <dgm:txEffectClrLst/>
+  </dgm:styleLbl>
+  <dgm:styleLbl name="parChTrans2D4">
+    <dgm:fillClrLst meth="repeat">
+      <a:schemeClr val="accent5"/>
+    </dgm:fillClrLst>
+    <dgm:linClrLst meth="repeat">
+      <a:schemeClr val="lt1"/>
+    </dgm:linClrLst>
+    <dgm:effectClrLst/>
+    <dgm:txLinClrLst/>
+    <dgm:txFillClrLst meth="repeat">
+      <a:schemeClr val="lt1"/>
+    </dgm:txFillClrLst>
+    <dgm:txEffectClrLst/>
+  </dgm:styleLbl>
+  <dgm:styleLbl name="parChTrans1D1">
+    <dgm:fillClrLst meth="repeat">
+      <a:schemeClr val="accent2"/>
+    </dgm:fillClrLst>
+    <dgm:linClrLst meth="repeat">
+      <a:schemeClr val="accent2"/>
+    </dgm:linClrLst>
+    <dgm:effectClrLst/>
+    <dgm:txLinClrLst/>
+    <dgm:txFillClrLst meth="repeat">
+      <a:schemeClr val="tx1"/>
+    </dgm:txFillClrLst>
+    <dgm:txEffectClrLst/>
+  </dgm:styleLbl>
+  <dgm:styleLbl name="parChTrans1D2">
+    <dgm:fillClrLst meth="repeat">
+      <a:schemeClr val="accent2">
+        <a:tint val="90000"/>
+      </a:schemeClr>
+    </dgm:fillClrLst>
+    <dgm:linClrLst meth="repeat">
+      <a:schemeClr val="accent3"/>
+    </dgm:linClrLst>
+    <dgm:effectClrLst/>
+    <dgm:txLinClrLst/>
+    <dgm:txFillClrLst meth="repeat">
+      <a:schemeClr val="tx1"/>
+    </dgm:txFillClrLst>
+    <dgm:txEffectClrLst/>
+  </dgm:styleLbl>
+  <dgm:styleLbl name="parChTrans1D3">
+    <dgm:fillClrLst meth="repeat">
+      <a:schemeClr val="accent2">
+        <a:tint val="70000"/>
+      </a:schemeClr>
+    </dgm:fillClrLst>
+    <dgm:linClrLst meth="repeat">
+      <a:schemeClr val="accent4"/>
+    </dgm:linClrLst>
+    <dgm:effectClrLst/>
+    <dgm:txLinClrLst/>
+    <dgm:txFillClrLst meth="repeat">
+      <a:schemeClr val="tx1"/>
+    </dgm:txFillClrLst>
+    <dgm:txEffectClrLst/>
+  </dgm:styleLbl>
+  <dgm:styleLbl name="parChTrans1D4">
+    <dgm:fillClrLst meth="repeat">
+      <a:schemeClr val="accent2">
+        <a:tint val="50000"/>
+      </a:schemeClr>
+    </dgm:fillClrLst>
+    <dgm:linClrLst meth="repeat">
+      <a:schemeClr val="accent5"/>
+    </dgm:linClrLst>
+    <dgm:effectClrLst/>
+    <dgm:txLinClrLst/>
+    <dgm:txFillClrLst meth="repeat">
+      <a:schemeClr val="tx1"/>
+    </dgm:txFillClrLst>
+    <dgm:txEffectClrLst/>
+  </dgm:styleLbl>
+  <dgm:styleLbl name="fgAcc1">
+    <dgm:fillClrLst meth="repeat">
+      <a:schemeClr val="lt1">
+        <a:alpha val="90000"/>
+      </a:schemeClr>
+    </dgm:fillClrLst>
+    <dgm:linClrLst>
+      <a:schemeClr val="accent2"/>
+      <a:schemeClr val="accent3"/>
+    </dgm:linClrLst>
+    <dgm:effectClrLst/>
+    <dgm:txLinClrLst/>
+    <dgm:txFillClrLst meth="repeat">
+      <a:schemeClr val="dk1"/>
+    </dgm:txFillClrLst>
+    <dgm:txEffectClrLst/>
+  </dgm:styleLbl>
+  <dgm:styleLbl name="conFgAcc1">
+    <dgm:fillClrLst meth="repeat">
+      <a:schemeClr val="lt1">
+        <a:alpha val="90000"/>
+      </a:schemeClr>
+    </dgm:fillClrLst>
+    <dgm:linClrLst>
+      <a:schemeClr val="accent2"/>
+      <a:schemeClr val="accent3"/>
+    </dgm:linClrLst>
+    <dgm:effectClrLst/>
+    <dgm:txLinClrLst/>
+    <dgm:txFillClrLst meth="repeat">
+      <a:schemeClr val="dk1"/>
+    </dgm:txFillClrLst>
+    <dgm:txEffectClrLst/>
+  </dgm:styleLbl>
+  <dgm:styleLbl name="alignAcc1">
+    <dgm:fillClrLst meth="repeat">
+      <a:schemeClr val="lt1">
+        <a:alpha val="90000"/>
+      </a:schemeClr>
+    </dgm:fillClrLst>
+    <dgm:linClrLst>
+      <a:schemeClr val="accent2"/>
+      <a:schemeClr val="accent3"/>
+    </dgm:linClrLst>
+    <dgm:effectClrLst/>
+    <dgm:txLinClrLst/>
+    <dgm:txFillClrLst meth="repeat">
+      <a:schemeClr val="dk1"/>
+    </dgm:txFillClrLst>
+    <dgm:txEffectClrLst/>
+  </dgm:styleLbl>
+  <dgm:styleLbl name="trAlignAcc1">
+    <dgm:fillClrLst meth="repeat">
+      <a:schemeClr val="lt1">
+        <a:alpha val="40000"/>
+      </a:schemeClr>
+    </dgm:fillClrLst>
+    <dgm:linClrLst meth="repeat">
+      <a:schemeClr val="accent2"/>
+    </dgm:linClrLst>
+    <dgm:effectClrLst/>
+    <dgm:txLinClrLst/>
+    <dgm:txFillClrLst meth="repeat">
+      <a:schemeClr val="dk1"/>
+    </dgm:txFillClrLst>
+    <dgm:txEffectClrLst/>
+  </dgm:styleLbl>
+  <dgm:styleLbl name="bgAcc1">
+    <dgm:fillClrLst meth="repeat">
+      <a:schemeClr val="lt1">
+        <a:alpha val="90000"/>
+      </a:schemeClr>
+    </dgm:fillClrLst>
+    <dgm:linClrLst>
+      <a:schemeClr val="accent2"/>
+      <a:schemeClr val="accent3"/>
+    </dgm:linClrLst>
+    <dgm:effectClrLst/>
+    <dgm:txLinClrLst/>
+    <dgm:txFillClrLst meth="repeat">
+      <a:schemeClr val="dk1"/>
+    </dgm:txFillClrLst>
+    <dgm:txEffectClrLst/>
+  </dgm:styleLbl>
+  <dgm:styleLbl name="solidFgAcc1">
+    <dgm:fillClrLst meth="repeat">
+      <a:schemeClr val="lt1"/>
+    </dgm:fillClrLst>
+    <dgm:linClrLst>
+      <a:schemeClr val="accent2"/>
+      <a:schemeClr val="accent3"/>
+    </dgm:linClrLst>
+    <dgm:effectClrLst/>
+    <dgm:txLinClrLst/>
+    <dgm:txFillClrLst meth="repeat">
+      <a:schemeClr val="dk1"/>
+    </dgm:txFillClrLst>
+    <dgm:txEffectClrLst/>
+  </dgm:styleLbl>
+  <dgm:styleLbl name="solidAlignAcc1">
+    <dgm:fillClrLst meth="repeat">
+      <a:schemeClr val="lt1"/>
+    </dgm:fillClrLst>
+    <dgm:linClrLst>
+      <a:schemeClr val="accent2"/>
+      <a:schemeClr val="accent3"/>
+    </dgm:linClrLst>
+    <dgm:effectClrLst/>
+    <dgm:txLinClrLst/>
+    <dgm:txFillClrLst meth="repeat">
+      <a:schemeClr val="dk1"/>
+    </dgm:txFillClrLst>
+    <dgm:txEffectClrLst/>
+  </dgm:styleLbl>
+  <dgm:styleLbl name="solidBgAcc1">
+    <dgm:fillClrLst meth="repeat">
+      <a:schemeClr val="lt1"/>
+    </dgm:fillClrLst>
+    <dgm:linClrLst>
+      <a:schemeClr val="accent2"/>
+      <a:schemeClr val="accent3"/>
+    </dgm:linClrLst>
+    <dgm:effectClrLst/>
+    <dgm:txLinClrLst/>
+    <dgm:txFillClrLst meth="repeat">
+      <a:schemeClr val="dk1"/>
+    </dgm:txFillClrLst>
+    <dgm:txEffectClrLst/>
+  </dgm:styleLbl>
+  <dgm:styleLbl name="fgAccFollowNode1">
+    <dgm:fillClrLst>
+      <a:schemeClr val="accent2">
+        <a:tint val="40000"/>
+        <a:alpha val="90000"/>
+      </a:schemeClr>
+      <a:schemeClr val="accent3">
+        <a:tint val="40000"/>
+        <a:alpha val="90000"/>
+      </a:schemeClr>
+    </dgm:fillClrLst>
+    <dgm:linClrLst>
+      <a:schemeClr val="accent2">
+        <a:tint val="40000"/>
+        <a:alpha val="90000"/>
+      </a:schemeClr>
+      <a:schemeClr val="accent3">
+        <a:tint val="40000"/>
+        <a:alpha val="90000"/>
+      </a:schemeClr>
+    </dgm:linClrLst>
+    <dgm:effectClrLst/>
+    <dgm:txLinClrLst/>
+    <dgm:txFillClrLst meth="repeat">
+      <a:schemeClr val="dk1"/>
+    </dgm:txFillClrLst>
+    <dgm:txEffectClrLst/>
+  </dgm:styleLbl>
+  <dgm:styleLbl name="alignAccFollowNode1">
+    <dgm:fillClrLst>
+      <a:schemeClr val="accent2">
+        <a:tint val="40000"/>
+        <a:alpha val="90000"/>
+      </a:schemeClr>
+      <a:schemeClr val="accent3">
+        <a:tint val="40000"/>
+        <a:alpha val="90000"/>
+      </a:schemeClr>
+    </dgm:fillClrLst>
+    <dgm:linClrLst>
+      <a:schemeClr val="accent2">
+        <a:tint val="40000"/>
+        <a:alpha val="90000"/>
+      </a:schemeClr>
+      <a:schemeClr val="accent3">
+        <a:tint val="40000"/>
+        <a:alpha val="90000"/>
+      </a:schemeClr>
+    </dgm:linClrLst>
+    <dgm:effectClrLst/>
+    <dgm:txLinClrLst/>
+    <dgm:txFillClrLst meth="repeat">
+      <a:schemeClr val="dk1"/>
+    </dgm:txFillClrLst>
+    <dgm:txEffectClrLst/>
+  </dgm:styleLbl>
+  <dgm:styleLbl name="bgAccFollowNode1">
+    <dgm:fillClrLst>
+      <a:schemeClr val="accent2">
+        <a:tint val="40000"/>
+        <a:alpha val="90000"/>
+      </a:schemeClr>
+      <a:schemeClr val="accent3">
+        <a:tint val="40000"/>
+        <a:alpha val="90000"/>
+      </a:schemeClr>
+    </dgm:fillClrLst>
+    <dgm:linClrLst>
+      <a:schemeClr val="accent2">
+        <a:tint val="40000"/>
+        <a:alpha val="90000"/>
+      </a:schemeClr>
+      <a:schemeClr val="accent3">
+        <a:tint val="40000"/>
+        <a:alpha val="90000"/>
+      </a:schemeClr>
+    </dgm:linClrLst>
+    <dgm:effectClrLst/>
+    <dgm:txLinClrLst/>
+    <dgm:txFillClrLst meth="repeat">
+      <a:schemeClr val="dk1"/>
+    </dgm:txFillClrLst>
+    <dgm:txEffectClrLst/>
+  </dgm:styleLbl>
+  <dgm:styleLbl name="fgAcc0">
+    <dgm:fillClrLst meth="repeat">
+      <a:schemeClr val="lt1">
+        <a:alpha val="90000"/>
+      </a:schemeClr>
+    </dgm:fillClrLst>
+    <dgm:linClrLst>
+      <a:schemeClr val="accent1"/>
+    </dgm:linClrLst>
+    <dgm:effectClrLst/>
+    <dgm:txLinClrLst/>
+    <dgm:txFillClrLst meth="repeat">
+      <a:schemeClr val="dk1"/>
+    </dgm:txFillClrLst>
+    <dgm:txEffectClrLst/>
+  </dgm:styleLbl>
+  <dgm:styleLbl name="fgAcc2">
+    <dgm:fillClrLst meth="repeat">
+      <a:schemeClr val="lt1">
+        <a:alpha val="90000"/>
+      </a:schemeClr>
+    </dgm:fillClrLst>
+    <dgm:linClrLst>
+      <a:schemeClr val="accent3"/>
+    </dgm:linClrLst>
+    <dgm:effectClrLst/>
+    <dgm:txLinClrLst/>
+    <dgm:txFillClrLst meth="repeat">
+      <a:schemeClr val="dk1"/>
+    </dgm:txFillClrLst>
+    <dgm:txEffectClrLst/>
+  </dgm:styleLbl>
+  <dgm:styleLbl name="fgAcc3">
+    <dgm:fillClrLst meth="repeat">
+      <a:schemeClr val="lt1">
+        <a:alpha val="90000"/>
+      </a:schemeClr>
+    </dgm:fillClrLst>
+    <dgm:linClrLst>
+      <a:schemeClr val="accent4"/>
+    </dgm:linClrLst>
+    <dgm:effectClrLst/>
+    <dgm:txLinClrLst/>
+    <dgm:txFillClrLst meth="repeat">
+      <a:schemeClr val="dk1"/>
+    </dgm:txFillClrLst>
+    <dgm:txEffectClrLst/>
+  </dgm:styleLbl>
+  <dgm:styleLbl name="fgAcc4">
+    <dgm:fillClrLst meth="repeat">
+      <a:schemeClr val="lt1">
+        <a:alpha val="90000"/>
+      </a:schemeClr>
+    </dgm:fillClrLst>
+    <dgm:linClrLst>
+      <a:schemeClr val="accent5"/>
+    </dgm:linClrLst>
+    <dgm:effectClrLst/>
+    <dgm:txLinClrLst/>
+    <dgm:txFillClrLst meth="repeat">
+      <a:schemeClr val="dk1"/>
+    </dgm:txFillClrLst>
+    <dgm:txEffectClrLst/>
+  </dgm:styleLbl>
+  <dgm:styleLbl name="bgShp">
+    <dgm:fillClrLst meth="repeat">
+      <a:schemeClr val="accent2">
+        <a:tint val="40000"/>
+      </a:schemeClr>
+    </dgm:fillClrLst>
+    <dgm:linClrLst meth="repeat">
+      <a:schemeClr val="dk1"/>
+    </dgm:linClrLst>
+    <dgm:effectClrLst/>
+    <dgm:txLinClrLst/>
+    <dgm:txFillClrLst meth="repeat">
+      <a:schemeClr val="dk1"/>
+    </dgm:txFillClrLst>
+    <dgm:txEffectClrLst/>
+  </dgm:styleLbl>
+  <dgm:styleLbl name="dkBgShp">
+    <dgm:fillClrLst meth="repeat">
+      <a:schemeClr val="accent2">
+        <a:shade val="90000"/>
+      </a:schemeClr>
+    </dgm:fillClrLst>
+    <dgm:linClrLst meth="repeat">
+      <a:schemeClr val="dk1"/>
+    </dgm:linClrLst>
+    <dgm:effectClrLst/>
+    <dgm:txLinClrLst/>
+    <dgm:txFillClrLst meth="repeat">
+      <a:schemeClr val="lt1"/>
+    </dgm:txFillClrLst>
+    <dgm:txEffectClrLst/>
+  </dgm:styleLbl>
+  <dgm:styleLbl name="trBgShp">
+    <dgm:fillClrLst meth="repeat">
+      <a:schemeClr val="accent2">
+        <a:tint val="50000"/>
+        <a:alpha val="40000"/>
+      </a:schemeClr>
+    </dgm:fillClrLst>
+    <dgm:linClrLst meth="repeat">
+      <a:schemeClr val="accent2"/>
+    </dgm:linClrLst>
+    <dgm:effectClrLst/>
+    <dgm:txLinClrLst/>
+    <dgm:txFillClrLst meth="repeat">
+      <a:schemeClr val="lt1"/>
+    </dgm:txFillClrLst>
+    <dgm:txEffectClrLst/>
+  </dgm:styleLbl>
+  <dgm:styleLbl name="fgShp">
+    <dgm:fillClrLst meth="repeat">
+      <a:schemeClr val="accent2">
+        <a:tint val="40000"/>
       </a:schemeClr>
     </dgm:fillClrLst>
     <dgm:linClrLst meth="repeat">
@@ -5309,6 +6091,546 @@
     <dgm:cxn modelId="{50800EC2-0534-4BD0-AF59-B4701BD5EA63}" type="presParOf" srcId="{54AF8BD9-4072-437B-916F-B22045B396F0}" destId="{37B2B16D-E0CE-42F5-845B-E68B3140DC9B}" srcOrd="0" destOrd="0" presId="urn:microsoft.com/office/officeart/2005/8/layout/hierarchy1"/>
     <dgm:cxn modelId="{C009648D-4A1A-4E94-991D-E4439E9CBC25}" type="presParOf" srcId="{54AF8BD9-4072-437B-916F-B22045B396F0}" destId="{9D2DD10D-11BF-48C1-8811-E811CFBAEAC3}" srcOrd="1" destOrd="0" presId="urn:microsoft.com/office/officeart/2005/8/layout/hierarchy1"/>
     <dgm:cxn modelId="{F45B9B47-C1EB-4457-A8D6-46BE311839A5}" type="presParOf" srcId="{CBA3A008-6415-45C5-B21F-1E83FFE3B537}" destId="{503C0EBB-F56E-4D49-80C3-15C3529B2615}" srcOrd="1" destOrd="0" presId="urn:microsoft.com/office/officeart/2005/8/layout/hierarchy1"/>
+  </dgm:cxnLst>
+  <dgm:bg/>
+  <dgm:whole/>
+  <dgm:extLst>
+    <a:ext uri="http://schemas.microsoft.com/office/drawing/2008/diagram">
+      <dsp:dataModelExt xmlns:dsp="http://schemas.microsoft.com/office/drawing/2008/diagram" relId="rId6" minVer="http://schemas.openxmlformats.org/drawingml/2006/diagram"/>
+    </a:ext>
+  </dgm:extLst>
+</dgm:dataModel>
+</file>
+
+<file path=ppt/diagrams/data5.xml><?xml version="1.0" encoding="utf-8"?>
+<dgm:dataModel xmlns:dgm="http://schemas.openxmlformats.org/drawingml/2006/diagram" xmlns:a="http://schemas.openxmlformats.org/drawingml/2006/main">
+  <dgm:ptLst>
+    <dgm:pt modelId="{ABE40291-CFCA-4A35-B17B-6FE88A7D9145}" type="doc">
+      <dgm:prSet loTypeId="urn:microsoft.com/office/officeart/2005/8/layout/hierarchy1" loCatId="hierarchy" qsTypeId="urn:microsoft.com/office/officeart/2005/8/quickstyle/simple1" qsCatId="simple" csTypeId="urn:microsoft.com/office/officeart/2005/8/colors/colorful2" csCatId="colorful"/>
+      <dgm:spPr/>
+      <dgm:t>
+        <a:bodyPr/>
+        <a:lstStyle/>
+        <a:p>
+          <a:endParaRPr lang="en-US"/>
+        </a:p>
+      </dgm:t>
+    </dgm:pt>
+    <dgm:pt modelId="{58B47D31-276E-4ACF-8920-BB8D74AF56AC}">
+      <dgm:prSet/>
+      <dgm:spPr/>
+      <dgm:t>
+        <a:bodyPr/>
+        <a:lstStyle/>
+        <a:p>
+          <a:r>
+            <a:rPr lang="en-GB"/>
+            <a:t>Extensive Device History</a:t>
+          </a:r>
+          <a:endParaRPr lang="en-US"/>
+        </a:p>
+      </dgm:t>
+    </dgm:pt>
+    <dgm:pt modelId="{937722AB-AA5F-4ED8-912B-3F02AC87421A}" type="parTrans" cxnId="{9FD287C8-BD41-40F6-A70B-7FD36B1C6B7C}">
+      <dgm:prSet/>
+      <dgm:spPr/>
+      <dgm:t>
+        <a:bodyPr/>
+        <a:lstStyle/>
+        <a:p>
+          <a:endParaRPr lang="en-US"/>
+        </a:p>
+      </dgm:t>
+    </dgm:pt>
+    <dgm:pt modelId="{3700EF38-71A6-4A2B-9B2C-A1AA21B5A708}" type="sibTrans" cxnId="{9FD287C8-BD41-40F6-A70B-7FD36B1C6B7C}">
+      <dgm:prSet/>
+      <dgm:spPr/>
+      <dgm:t>
+        <a:bodyPr/>
+        <a:lstStyle/>
+        <a:p>
+          <a:endParaRPr lang="en-US"/>
+        </a:p>
+      </dgm:t>
+    </dgm:pt>
+    <dgm:pt modelId="{26C47B63-1F34-4ABB-8D4B-B6E6917E8CA0}">
+      <dgm:prSet/>
+      <dgm:spPr/>
+      <dgm:t>
+        <a:bodyPr/>
+        <a:lstStyle/>
+        <a:p>
+          <a:r>
+            <a:rPr lang="en-GB"/>
+            <a:t>Maintenance Log</a:t>
+          </a:r>
+          <a:endParaRPr lang="en-US"/>
+        </a:p>
+      </dgm:t>
+    </dgm:pt>
+    <dgm:pt modelId="{32007247-09CC-4ED3-A52F-25D4A1266EDE}" type="parTrans" cxnId="{8719BE09-5CD8-4821-9BBE-DFAF2CE91CA5}">
+      <dgm:prSet/>
+      <dgm:spPr/>
+      <dgm:t>
+        <a:bodyPr/>
+        <a:lstStyle/>
+        <a:p>
+          <a:endParaRPr lang="en-US"/>
+        </a:p>
+      </dgm:t>
+    </dgm:pt>
+    <dgm:pt modelId="{CA015EED-4C61-4A54-B910-2B97369B09C4}" type="sibTrans" cxnId="{8719BE09-5CD8-4821-9BBE-DFAF2CE91CA5}">
+      <dgm:prSet/>
+      <dgm:spPr/>
+      <dgm:t>
+        <a:bodyPr/>
+        <a:lstStyle/>
+        <a:p>
+          <a:endParaRPr lang="en-US"/>
+        </a:p>
+      </dgm:t>
+    </dgm:pt>
+    <dgm:pt modelId="{484A9B7D-C123-4436-86D4-9C584F2A0938}">
+      <dgm:prSet/>
+      <dgm:spPr/>
+      <dgm:t>
+        <a:bodyPr/>
+        <a:lstStyle/>
+        <a:p>
+          <a:r>
+            <a:rPr lang="en-GB"/>
+            <a:t>Tracked through </a:t>
+          </a:r>
+          <a:endParaRPr lang="en-US"/>
+        </a:p>
+      </dgm:t>
+    </dgm:pt>
+    <dgm:pt modelId="{67FA618E-4F1D-43DC-A766-535CF7ECEE60}" type="parTrans" cxnId="{84D60C95-E670-4B7F-B341-D1EC197F351B}">
+      <dgm:prSet/>
+      <dgm:spPr/>
+      <dgm:t>
+        <a:bodyPr/>
+        <a:lstStyle/>
+        <a:p>
+          <a:endParaRPr lang="en-US"/>
+        </a:p>
+      </dgm:t>
+    </dgm:pt>
+    <dgm:pt modelId="{C806E4FE-FFFA-4AAF-8155-3C07ABB2357D}" type="sibTrans" cxnId="{84D60C95-E670-4B7F-B341-D1EC197F351B}">
+      <dgm:prSet/>
+      <dgm:spPr/>
+      <dgm:t>
+        <a:bodyPr/>
+        <a:lstStyle/>
+        <a:p>
+          <a:endParaRPr lang="en-US"/>
+        </a:p>
+      </dgm:t>
+    </dgm:pt>
+    <dgm:pt modelId="{FFE7370B-3680-4F3D-8273-9BB6ED4D2D49}">
+      <dgm:prSet/>
+      <dgm:spPr/>
+      <dgm:t>
+        <a:bodyPr/>
+        <a:lstStyle/>
+        <a:p>
+          <a:r>
+            <a:rPr lang="en-GB"/>
+            <a:t>Mapped devices</a:t>
+          </a:r>
+          <a:endParaRPr lang="en-US"/>
+        </a:p>
+      </dgm:t>
+    </dgm:pt>
+    <dgm:pt modelId="{587C38B3-6419-418A-B69E-0E5C2A5B93F2}" type="parTrans" cxnId="{B8219868-36DD-4A30-A6D5-C5D9A5E4A265}">
+      <dgm:prSet/>
+      <dgm:spPr/>
+      <dgm:t>
+        <a:bodyPr/>
+        <a:lstStyle/>
+        <a:p>
+          <a:endParaRPr lang="en-US"/>
+        </a:p>
+      </dgm:t>
+    </dgm:pt>
+    <dgm:pt modelId="{33B9F531-6576-4381-AB20-DA2EA33BC9D5}" type="sibTrans" cxnId="{B8219868-36DD-4A30-A6D5-C5D9A5E4A265}">
+      <dgm:prSet/>
+      <dgm:spPr/>
+      <dgm:t>
+        <a:bodyPr/>
+        <a:lstStyle/>
+        <a:p>
+          <a:endParaRPr lang="en-US"/>
+        </a:p>
+      </dgm:t>
+    </dgm:pt>
+    <dgm:pt modelId="{6A4F37E5-C4B6-4493-99DD-52FFE88FF810}">
+      <dgm:prSet/>
+      <dgm:spPr/>
+      <dgm:t>
+        <a:bodyPr/>
+        <a:lstStyle/>
+        <a:p>
+          <a:r>
+            <a:rPr lang="en-GB"/>
+            <a:t>Map view of the location of a device based on logged co-ordinates</a:t>
+          </a:r>
+          <a:endParaRPr lang="en-US"/>
+        </a:p>
+      </dgm:t>
+    </dgm:pt>
+    <dgm:pt modelId="{9432B49F-8BE2-4236-94D8-66C142849A2C}" type="parTrans" cxnId="{F659BE5A-AEE4-4353-B33E-0D0287FA503E}">
+      <dgm:prSet/>
+      <dgm:spPr/>
+      <dgm:t>
+        <a:bodyPr/>
+        <a:lstStyle/>
+        <a:p>
+          <a:endParaRPr lang="en-US"/>
+        </a:p>
+      </dgm:t>
+    </dgm:pt>
+    <dgm:pt modelId="{60EC5786-F595-4D4F-9E8C-950D7E0E5147}" type="sibTrans" cxnId="{F659BE5A-AEE4-4353-B33E-0D0287FA503E}">
+      <dgm:prSet/>
+      <dgm:spPr/>
+      <dgm:t>
+        <a:bodyPr/>
+        <a:lstStyle/>
+        <a:p>
+          <a:endParaRPr lang="en-US"/>
+        </a:p>
+      </dgm:t>
+    </dgm:pt>
+    <dgm:pt modelId="{BAE3F75A-14D1-4CC4-A2AA-BEFF22F755F0}">
+      <dgm:prSet/>
+      <dgm:spPr/>
+      <dgm:t>
+        <a:bodyPr/>
+        <a:lstStyle/>
+        <a:p>
+          <a:r>
+            <a:rPr lang="en-GB"/>
+            <a:t>Qr Code Scanner</a:t>
+          </a:r>
+          <a:endParaRPr lang="en-US"/>
+        </a:p>
+      </dgm:t>
+    </dgm:pt>
+    <dgm:pt modelId="{496FC24E-89AD-4474-B200-CB5AB1061B99}" type="parTrans" cxnId="{A3AEC55A-FC12-4DEA-9088-90D4CCB934C2}">
+      <dgm:prSet/>
+      <dgm:spPr/>
+      <dgm:t>
+        <a:bodyPr/>
+        <a:lstStyle/>
+        <a:p>
+          <a:endParaRPr lang="en-US"/>
+        </a:p>
+      </dgm:t>
+    </dgm:pt>
+    <dgm:pt modelId="{B218FAD8-E15B-43D3-A9E1-5C0D207A5810}" type="sibTrans" cxnId="{A3AEC55A-FC12-4DEA-9088-90D4CCB934C2}">
+      <dgm:prSet/>
+      <dgm:spPr/>
+      <dgm:t>
+        <a:bodyPr/>
+        <a:lstStyle/>
+        <a:p>
+          <a:endParaRPr lang="en-US"/>
+        </a:p>
+      </dgm:t>
+    </dgm:pt>
+    <dgm:pt modelId="{176E49C0-9E48-48ED-A5E0-70ACF8816B54}">
+      <dgm:prSet/>
+      <dgm:spPr/>
+      <dgm:t>
+        <a:bodyPr/>
+        <a:lstStyle/>
+        <a:p>
+          <a:r>
+            <a:rPr lang="en-GB"/>
+            <a:t>Qr Code scanner to easily manage devices on location</a:t>
+          </a:r>
+          <a:endParaRPr lang="en-US"/>
+        </a:p>
+      </dgm:t>
+    </dgm:pt>
+    <dgm:pt modelId="{32C3A73B-7815-4267-9465-32CB1243BB24}" type="parTrans" cxnId="{2E017C90-48C8-4FA9-A297-D8C3314EA47B}">
+      <dgm:prSet/>
+      <dgm:spPr/>
+      <dgm:t>
+        <a:bodyPr/>
+        <a:lstStyle/>
+        <a:p>
+          <a:endParaRPr lang="en-US"/>
+        </a:p>
+      </dgm:t>
+    </dgm:pt>
+    <dgm:pt modelId="{3DDFF909-8FB8-4F2E-99D3-BCAF77579C86}" type="sibTrans" cxnId="{2E017C90-48C8-4FA9-A297-D8C3314EA47B}">
+      <dgm:prSet/>
+      <dgm:spPr/>
+      <dgm:t>
+        <a:bodyPr/>
+        <a:lstStyle/>
+        <a:p>
+          <a:endParaRPr lang="en-US"/>
+        </a:p>
+      </dgm:t>
+    </dgm:pt>
+    <dgm:pt modelId="{2709289E-A874-462E-9CB2-9EA79AEEC454}" type="pres">
+      <dgm:prSet presAssocID="{ABE40291-CFCA-4A35-B17B-6FE88A7D9145}" presName="hierChild1" presStyleCnt="0">
+        <dgm:presLayoutVars>
+          <dgm:chPref val="1"/>
+          <dgm:dir/>
+          <dgm:animOne val="branch"/>
+          <dgm:animLvl val="lvl"/>
+          <dgm:resizeHandles/>
+        </dgm:presLayoutVars>
+      </dgm:prSet>
+      <dgm:spPr/>
+    </dgm:pt>
+    <dgm:pt modelId="{6CA2BA5D-962A-48D3-8904-7C7EB4877572}" type="pres">
+      <dgm:prSet presAssocID="{58B47D31-276E-4ACF-8920-BB8D74AF56AC}" presName="hierRoot1" presStyleCnt="0"/>
+      <dgm:spPr/>
+    </dgm:pt>
+    <dgm:pt modelId="{1C63F619-B82F-41A8-BACF-A747166EDDEC}" type="pres">
+      <dgm:prSet presAssocID="{58B47D31-276E-4ACF-8920-BB8D74AF56AC}" presName="composite" presStyleCnt="0"/>
+      <dgm:spPr/>
+    </dgm:pt>
+    <dgm:pt modelId="{BD0CE947-08E4-4183-BD86-5E1DEA4ECDB5}" type="pres">
+      <dgm:prSet presAssocID="{58B47D31-276E-4ACF-8920-BB8D74AF56AC}" presName="background" presStyleLbl="node0" presStyleIdx="0" presStyleCnt="3"/>
+      <dgm:spPr/>
+    </dgm:pt>
+    <dgm:pt modelId="{D93E2888-92B6-4CEB-AB72-4B9B3F1CC6DF}" type="pres">
+      <dgm:prSet presAssocID="{58B47D31-276E-4ACF-8920-BB8D74AF56AC}" presName="text" presStyleLbl="fgAcc0" presStyleIdx="0" presStyleCnt="3">
+        <dgm:presLayoutVars>
+          <dgm:chPref val="3"/>
+        </dgm:presLayoutVars>
+      </dgm:prSet>
+      <dgm:spPr/>
+    </dgm:pt>
+    <dgm:pt modelId="{4E5ADF93-AE7D-4EC0-90A6-5EE4ADF49BD1}" type="pres">
+      <dgm:prSet presAssocID="{58B47D31-276E-4ACF-8920-BB8D74AF56AC}" presName="hierChild2" presStyleCnt="0"/>
+      <dgm:spPr/>
+    </dgm:pt>
+    <dgm:pt modelId="{635F81EB-DB04-45CE-AD09-12121B574B51}" type="pres">
+      <dgm:prSet presAssocID="{32007247-09CC-4ED3-A52F-25D4A1266EDE}" presName="Name10" presStyleLbl="parChTrans1D2" presStyleIdx="0" presStyleCnt="4"/>
+      <dgm:spPr/>
+    </dgm:pt>
+    <dgm:pt modelId="{D0E27FF1-B806-4878-9870-D9158FB9ABD8}" type="pres">
+      <dgm:prSet presAssocID="{26C47B63-1F34-4ABB-8D4B-B6E6917E8CA0}" presName="hierRoot2" presStyleCnt="0"/>
+      <dgm:spPr/>
+    </dgm:pt>
+    <dgm:pt modelId="{34B9BC76-3445-4CE7-A394-D4AC0370E8DB}" type="pres">
+      <dgm:prSet presAssocID="{26C47B63-1F34-4ABB-8D4B-B6E6917E8CA0}" presName="composite2" presStyleCnt="0"/>
+      <dgm:spPr/>
+    </dgm:pt>
+    <dgm:pt modelId="{262DC2DA-839D-4823-9DED-F8D0E603C37F}" type="pres">
+      <dgm:prSet presAssocID="{26C47B63-1F34-4ABB-8D4B-B6E6917E8CA0}" presName="background2" presStyleLbl="node2" presStyleIdx="0" presStyleCnt="4"/>
+      <dgm:spPr/>
+    </dgm:pt>
+    <dgm:pt modelId="{FC767F7D-CCF3-4172-AE42-C3914D03CA36}" type="pres">
+      <dgm:prSet presAssocID="{26C47B63-1F34-4ABB-8D4B-B6E6917E8CA0}" presName="text2" presStyleLbl="fgAcc2" presStyleIdx="0" presStyleCnt="4">
+        <dgm:presLayoutVars>
+          <dgm:chPref val="3"/>
+        </dgm:presLayoutVars>
+      </dgm:prSet>
+      <dgm:spPr/>
+    </dgm:pt>
+    <dgm:pt modelId="{3EE3D79F-8C1E-4C09-AD51-6B769309AC47}" type="pres">
+      <dgm:prSet presAssocID="{26C47B63-1F34-4ABB-8D4B-B6E6917E8CA0}" presName="hierChild3" presStyleCnt="0"/>
+      <dgm:spPr/>
+    </dgm:pt>
+    <dgm:pt modelId="{94847BBC-5197-48AF-9871-3E2386351FF1}" type="pres">
+      <dgm:prSet presAssocID="{67FA618E-4F1D-43DC-A766-535CF7ECEE60}" presName="Name10" presStyleLbl="parChTrans1D2" presStyleIdx="1" presStyleCnt="4"/>
+      <dgm:spPr/>
+    </dgm:pt>
+    <dgm:pt modelId="{0F8DA9D3-F72C-4D3D-8A55-55757E1994D4}" type="pres">
+      <dgm:prSet presAssocID="{484A9B7D-C123-4436-86D4-9C584F2A0938}" presName="hierRoot2" presStyleCnt="0"/>
+      <dgm:spPr/>
+    </dgm:pt>
+    <dgm:pt modelId="{C852E966-D654-4198-870A-5EDDE78D60BB}" type="pres">
+      <dgm:prSet presAssocID="{484A9B7D-C123-4436-86D4-9C584F2A0938}" presName="composite2" presStyleCnt="0"/>
+      <dgm:spPr/>
+    </dgm:pt>
+    <dgm:pt modelId="{437981C9-1546-4DD3-923C-673EA92C3C17}" type="pres">
+      <dgm:prSet presAssocID="{484A9B7D-C123-4436-86D4-9C584F2A0938}" presName="background2" presStyleLbl="node2" presStyleIdx="1" presStyleCnt="4"/>
+      <dgm:spPr/>
+    </dgm:pt>
+    <dgm:pt modelId="{05835C1D-309A-4212-9D20-1D1F4B88A885}" type="pres">
+      <dgm:prSet presAssocID="{484A9B7D-C123-4436-86D4-9C584F2A0938}" presName="text2" presStyleLbl="fgAcc2" presStyleIdx="1" presStyleCnt="4">
+        <dgm:presLayoutVars>
+          <dgm:chPref val="3"/>
+        </dgm:presLayoutVars>
+      </dgm:prSet>
+      <dgm:spPr/>
+    </dgm:pt>
+    <dgm:pt modelId="{7E0EB515-B90D-4BA0-9EB5-C8AA9A7D9AF0}" type="pres">
+      <dgm:prSet presAssocID="{484A9B7D-C123-4436-86D4-9C584F2A0938}" presName="hierChild3" presStyleCnt="0"/>
+      <dgm:spPr/>
+    </dgm:pt>
+    <dgm:pt modelId="{F22E9396-790A-4542-9848-5A8835DDB12D}" type="pres">
+      <dgm:prSet presAssocID="{FFE7370B-3680-4F3D-8273-9BB6ED4D2D49}" presName="hierRoot1" presStyleCnt="0"/>
+      <dgm:spPr/>
+    </dgm:pt>
+    <dgm:pt modelId="{C3D08BD8-1F3E-424E-B048-5A434E77A08B}" type="pres">
+      <dgm:prSet presAssocID="{FFE7370B-3680-4F3D-8273-9BB6ED4D2D49}" presName="composite" presStyleCnt="0"/>
+      <dgm:spPr/>
+    </dgm:pt>
+    <dgm:pt modelId="{295CA2D7-D6C6-4D80-85F2-DD9EBA946BC3}" type="pres">
+      <dgm:prSet presAssocID="{FFE7370B-3680-4F3D-8273-9BB6ED4D2D49}" presName="background" presStyleLbl="node0" presStyleIdx="1" presStyleCnt="3"/>
+      <dgm:spPr/>
+    </dgm:pt>
+    <dgm:pt modelId="{090AD1A6-1C50-4C31-A4EF-A2FD143992AE}" type="pres">
+      <dgm:prSet presAssocID="{FFE7370B-3680-4F3D-8273-9BB6ED4D2D49}" presName="text" presStyleLbl="fgAcc0" presStyleIdx="1" presStyleCnt="3">
+        <dgm:presLayoutVars>
+          <dgm:chPref val="3"/>
+        </dgm:presLayoutVars>
+      </dgm:prSet>
+      <dgm:spPr/>
+    </dgm:pt>
+    <dgm:pt modelId="{6F8DECB3-520B-4E22-B591-90D703A360D3}" type="pres">
+      <dgm:prSet presAssocID="{FFE7370B-3680-4F3D-8273-9BB6ED4D2D49}" presName="hierChild2" presStyleCnt="0"/>
+      <dgm:spPr/>
+    </dgm:pt>
+    <dgm:pt modelId="{7423AAED-830B-4956-B5B6-D3FDE8162E1D}" type="pres">
+      <dgm:prSet presAssocID="{9432B49F-8BE2-4236-94D8-66C142849A2C}" presName="Name10" presStyleLbl="parChTrans1D2" presStyleIdx="2" presStyleCnt="4"/>
+      <dgm:spPr/>
+    </dgm:pt>
+    <dgm:pt modelId="{CCCDFB5E-901D-469D-9114-6FE6818DF7BC}" type="pres">
+      <dgm:prSet presAssocID="{6A4F37E5-C4B6-4493-99DD-52FFE88FF810}" presName="hierRoot2" presStyleCnt="0"/>
+      <dgm:spPr/>
+    </dgm:pt>
+    <dgm:pt modelId="{C4582757-B6EE-4B8B-B34C-84D7E3B7EF09}" type="pres">
+      <dgm:prSet presAssocID="{6A4F37E5-C4B6-4493-99DD-52FFE88FF810}" presName="composite2" presStyleCnt="0"/>
+      <dgm:spPr/>
+    </dgm:pt>
+    <dgm:pt modelId="{1E0FFC9A-FE05-4108-89AA-466914E05278}" type="pres">
+      <dgm:prSet presAssocID="{6A4F37E5-C4B6-4493-99DD-52FFE88FF810}" presName="background2" presStyleLbl="node2" presStyleIdx="2" presStyleCnt="4"/>
+      <dgm:spPr/>
+    </dgm:pt>
+    <dgm:pt modelId="{4EF1E943-EAAA-45BD-AE66-F9F510130BA6}" type="pres">
+      <dgm:prSet presAssocID="{6A4F37E5-C4B6-4493-99DD-52FFE88FF810}" presName="text2" presStyleLbl="fgAcc2" presStyleIdx="2" presStyleCnt="4">
+        <dgm:presLayoutVars>
+          <dgm:chPref val="3"/>
+        </dgm:presLayoutVars>
+      </dgm:prSet>
+      <dgm:spPr/>
+    </dgm:pt>
+    <dgm:pt modelId="{CA9B5A6C-3EC3-4722-A7C0-A7B6B33CF4B6}" type="pres">
+      <dgm:prSet presAssocID="{6A4F37E5-C4B6-4493-99DD-52FFE88FF810}" presName="hierChild3" presStyleCnt="0"/>
+      <dgm:spPr/>
+    </dgm:pt>
+    <dgm:pt modelId="{2D3F3050-044D-42AA-BF56-2083E7F5D9E6}" type="pres">
+      <dgm:prSet presAssocID="{BAE3F75A-14D1-4CC4-A2AA-BEFF22F755F0}" presName="hierRoot1" presStyleCnt="0"/>
+      <dgm:spPr/>
+    </dgm:pt>
+    <dgm:pt modelId="{BE58A11B-7629-4F64-9B4A-7910708BF224}" type="pres">
+      <dgm:prSet presAssocID="{BAE3F75A-14D1-4CC4-A2AA-BEFF22F755F0}" presName="composite" presStyleCnt="0"/>
+      <dgm:spPr/>
+    </dgm:pt>
+    <dgm:pt modelId="{5F8EA3B7-F547-41E0-830B-A1D68B3149BC}" type="pres">
+      <dgm:prSet presAssocID="{BAE3F75A-14D1-4CC4-A2AA-BEFF22F755F0}" presName="background" presStyleLbl="node0" presStyleIdx="2" presStyleCnt="3"/>
+      <dgm:spPr/>
+    </dgm:pt>
+    <dgm:pt modelId="{6D141574-D189-410E-A9DE-F0A75D70CF2B}" type="pres">
+      <dgm:prSet presAssocID="{BAE3F75A-14D1-4CC4-A2AA-BEFF22F755F0}" presName="text" presStyleLbl="fgAcc0" presStyleIdx="2" presStyleCnt="3">
+        <dgm:presLayoutVars>
+          <dgm:chPref val="3"/>
+        </dgm:presLayoutVars>
+      </dgm:prSet>
+      <dgm:spPr/>
+    </dgm:pt>
+    <dgm:pt modelId="{69478CC9-910E-42B0-9E94-762F2F844297}" type="pres">
+      <dgm:prSet presAssocID="{BAE3F75A-14D1-4CC4-A2AA-BEFF22F755F0}" presName="hierChild2" presStyleCnt="0"/>
+      <dgm:spPr/>
+    </dgm:pt>
+    <dgm:pt modelId="{5A948B87-D2D0-474A-9C3A-1AAAE6B82450}" type="pres">
+      <dgm:prSet presAssocID="{32C3A73B-7815-4267-9465-32CB1243BB24}" presName="Name10" presStyleLbl="parChTrans1D2" presStyleIdx="3" presStyleCnt="4"/>
+      <dgm:spPr/>
+    </dgm:pt>
+    <dgm:pt modelId="{C655545C-62FB-4051-8166-14DD771793DC}" type="pres">
+      <dgm:prSet presAssocID="{176E49C0-9E48-48ED-A5E0-70ACF8816B54}" presName="hierRoot2" presStyleCnt="0"/>
+      <dgm:spPr/>
+    </dgm:pt>
+    <dgm:pt modelId="{E0947332-1985-4D43-95AD-33DAC8F4D0C7}" type="pres">
+      <dgm:prSet presAssocID="{176E49C0-9E48-48ED-A5E0-70ACF8816B54}" presName="composite2" presStyleCnt="0"/>
+      <dgm:spPr/>
+    </dgm:pt>
+    <dgm:pt modelId="{35B4200E-26A9-4B96-A5F4-90A4277A130D}" type="pres">
+      <dgm:prSet presAssocID="{176E49C0-9E48-48ED-A5E0-70ACF8816B54}" presName="background2" presStyleLbl="node2" presStyleIdx="3" presStyleCnt="4"/>
+      <dgm:spPr/>
+    </dgm:pt>
+    <dgm:pt modelId="{19D3CBE3-9E9D-40EC-9287-8938E935ECCF}" type="pres">
+      <dgm:prSet presAssocID="{176E49C0-9E48-48ED-A5E0-70ACF8816B54}" presName="text2" presStyleLbl="fgAcc2" presStyleIdx="3" presStyleCnt="4">
+        <dgm:presLayoutVars>
+          <dgm:chPref val="3"/>
+        </dgm:presLayoutVars>
+      </dgm:prSet>
+      <dgm:spPr/>
+    </dgm:pt>
+    <dgm:pt modelId="{15A082FE-E6AD-49C9-BBE7-AF9898A1ACF6}" type="pres">
+      <dgm:prSet presAssocID="{176E49C0-9E48-48ED-A5E0-70ACF8816B54}" presName="hierChild3" presStyleCnt="0"/>
+      <dgm:spPr/>
+    </dgm:pt>
+  </dgm:ptLst>
+  <dgm:cxnLst>
+    <dgm:cxn modelId="{8719BE09-5CD8-4821-9BBE-DFAF2CE91CA5}" srcId="{58B47D31-276E-4ACF-8920-BB8D74AF56AC}" destId="{26C47B63-1F34-4ABB-8D4B-B6E6917E8CA0}" srcOrd="0" destOrd="0" parTransId="{32007247-09CC-4ED3-A52F-25D4A1266EDE}" sibTransId="{CA015EED-4C61-4A54-B910-2B97369B09C4}"/>
+    <dgm:cxn modelId="{061CC10D-E457-4FA1-87AD-1D3E7F9400BC}" type="presOf" srcId="{32007247-09CC-4ED3-A52F-25D4A1266EDE}" destId="{635F81EB-DB04-45CE-AD09-12121B574B51}" srcOrd="0" destOrd="0" presId="urn:microsoft.com/office/officeart/2005/8/layout/hierarchy1"/>
+    <dgm:cxn modelId="{57F32814-198D-4009-BEE2-5C9BF9BF283F}" type="presOf" srcId="{BAE3F75A-14D1-4CC4-A2AA-BEFF22F755F0}" destId="{6D141574-D189-410E-A9DE-F0A75D70CF2B}" srcOrd="0" destOrd="0" presId="urn:microsoft.com/office/officeart/2005/8/layout/hierarchy1"/>
+    <dgm:cxn modelId="{A18B9227-B4BA-49C4-AA1A-E02A27D334DB}" type="presOf" srcId="{32C3A73B-7815-4267-9465-32CB1243BB24}" destId="{5A948B87-D2D0-474A-9C3A-1AAAE6B82450}" srcOrd="0" destOrd="0" presId="urn:microsoft.com/office/officeart/2005/8/layout/hierarchy1"/>
+    <dgm:cxn modelId="{3EED0B5C-C87A-4417-A97E-46FCD7B673EB}" type="presOf" srcId="{6A4F37E5-C4B6-4493-99DD-52FFE88FF810}" destId="{4EF1E943-EAAA-45BD-AE66-F9F510130BA6}" srcOrd="0" destOrd="0" presId="urn:microsoft.com/office/officeart/2005/8/layout/hierarchy1"/>
+    <dgm:cxn modelId="{190FDF66-1ED0-4FED-B4EA-584F407AAA8F}" type="presOf" srcId="{26C47B63-1F34-4ABB-8D4B-B6E6917E8CA0}" destId="{FC767F7D-CCF3-4172-AE42-C3914D03CA36}" srcOrd="0" destOrd="0" presId="urn:microsoft.com/office/officeart/2005/8/layout/hierarchy1"/>
+    <dgm:cxn modelId="{B8219868-36DD-4A30-A6D5-C5D9A5E4A265}" srcId="{ABE40291-CFCA-4A35-B17B-6FE88A7D9145}" destId="{FFE7370B-3680-4F3D-8273-9BB6ED4D2D49}" srcOrd="1" destOrd="0" parTransId="{587C38B3-6419-418A-B69E-0E5C2A5B93F2}" sibTransId="{33B9F531-6576-4381-AB20-DA2EA33BC9D5}"/>
+    <dgm:cxn modelId="{3C12C04A-F98F-4E20-9898-C8EC3E0932DC}" type="presOf" srcId="{176E49C0-9E48-48ED-A5E0-70ACF8816B54}" destId="{19D3CBE3-9E9D-40EC-9287-8938E935ECCF}" srcOrd="0" destOrd="0" presId="urn:microsoft.com/office/officeart/2005/8/layout/hierarchy1"/>
+    <dgm:cxn modelId="{5A4FC64D-D107-487D-BACA-7CC141EEA33D}" type="presOf" srcId="{67FA618E-4F1D-43DC-A766-535CF7ECEE60}" destId="{94847BBC-5197-48AF-9871-3E2386351FF1}" srcOrd="0" destOrd="0" presId="urn:microsoft.com/office/officeart/2005/8/layout/hierarchy1"/>
+    <dgm:cxn modelId="{F659BE5A-AEE4-4353-B33E-0D0287FA503E}" srcId="{FFE7370B-3680-4F3D-8273-9BB6ED4D2D49}" destId="{6A4F37E5-C4B6-4493-99DD-52FFE88FF810}" srcOrd="0" destOrd="0" parTransId="{9432B49F-8BE2-4236-94D8-66C142849A2C}" sibTransId="{60EC5786-F595-4D4F-9E8C-950D7E0E5147}"/>
+    <dgm:cxn modelId="{A3AEC55A-FC12-4DEA-9088-90D4CCB934C2}" srcId="{ABE40291-CFCA-4A35-B17B-6FE88A7D9145}" destId="{BAE3F75A-14D1-4CC4-A2AA-BEFF22F755F0}" srcOrd="2" destOrd="0" parTransId="{496FC24E-89AD-4474-B200-CB5AB1061B99}" sibTransId="{B218FAD8-E15B-43D3-A9E1-5C0D207A5810}"/>
+    <dgm:cxn modelId="{900FBC85-BB96-4014-8C4F-A3F4556386D6}" type="presOf" srcId="{58B47D31-276E-4ACF-8920-BB8D74AF56AC}" destId="{D93E2888-92B6-4CEB-AB72-4B9B3F1CC6DF}" srcOrd="0" destOrd="0" presId="urn:microsoft.com/office/officeart/2005/8/layout/hierarchy1"/>
+    <dgm:cxn modelId="{2BE11990-6B91-44BD-99D9-A9EA23D419B1}" type="presOf" srcId="{ABE40291-CFCA-4A35-B17B-6FE88A7D9145}" destId="{2709289E-A874-462E-9CB2-9EA79AEEC454}" srcOrd="0" destOrd="0" presId="urn:microsoft.com/office/officeart/2005/8/layout/hierarchy1"/>
+    <dgm:cxn modelId="{2E017C90-48C8-4FA9-A297-D8C3314EA47B}" srcId="{BAE3F75A-14D1-4CC4-A2AA-BEFF22F755F0}" destId="{176E49C0-9E48-48ED-A5E0-70ACF8816B54}" srcOrd="0" destOrd="0" parTransId="{32C3A73B-7815-4267-9465-32CB1243BB24}" sibTransId="{3DDFF909-8FB8-4F2E-99D3-BCAF77579C86}"/>
+    <dgm:cxn modelId="{84D60C95-E670-4B7F-B341-D1EC197F351B}" srcId="{58B47D31-276E-4ACF-8920-BB8D74AF56AC}" destId="{484A9B7D-C123-4436-86D4-9C584F2A0938}" srcOrd="1" destOrd="0" parTransId="{67FA618E-4F1D-43DC-A766-535CF7ECEE60}" sibTransId="{C806E4FE-FFFA-4AAF-8155-3C07ABB2357D}"/>
+    <dgm:cxn modelId="{439A71A3-8A8A-408B-BA45-FB01805C497E}" type="presOf" srcId="{484A9B7D-C123-4436-86D4-9C584F2A0938}" destId="{05835C1D-309A-4212-9D20-1D1F4B88A885}" srcOrd="0" destOrd="0" presId="urn:microsoft.com/office/officeart/2005/8/layout/hierarchy1"/>
+    <dgm:cxn modelId="{CCA56EC0-3C10-41C3-A13B-5742360226C1}" type="presOf" srcId="{FFE7370B-3680-4F3D-8273-9BB6ED4D2D49}" destId="{090AD1A6-1C50-4C31-A4EF-A2FD143992AE}" srcOrd="0" destOrd="0" presId="urn:microsoft.com/office/officeart/2005/8/layout/hierarchy1"/>
+    <dgm:cxn modelId="{96E168C5-E187-418B-B977-4E61D5BA1D75}" type="presOf" srcId="{9432B49F-8BE2-4236-94D8-66C142849A2C}" destId="{7423AAED-830B-4956-B5B6-D3FDE8162E1D}" srcOrd="0" destOrd="0" presId="urn:microsoft.com/office/officeart/2005/8/layout/hierarchy1"/>
+    <dgm:cxn modelId="{9FD287C8-BD41-40F6-A70B-7FD36B1C6B7C}" srcId="{ABE40291-CFCA-4A35-B17B-6FE88A7D9145}" destId="{58B47D31-276E-4ACF-8920-BB8D74AF56AC}" srcOrd="0" destOrd="0" parTransId="{937722AB-AA5F-4ED8-912B-3F02AC87421A}" sibTransId="{3700EF38-71A6-4A2B-9B2C-A1AA21B5A708}"/>
+    <dgm:cxn modelId="{61A1BD9A-B9AD-4DCF-AC4C-46D43D5ECBA3}" type="presParOf" srcId="{2709289E-A874-462E-9CB2-9EA79AEEC454}" destId="{6CA2BA5D-962A-48D3-8904-7C7EB4877572}" srcOrd="0" destOrd="0" presId="urn:microsoft.com/office/officeart/2005/8/layout/hierarchy1"/>
+    <dgm:cxn modelId="{85FC7625-1D41-4C62-AC4E-31A26110A89C}" type="presParOf" srcId="{6CA2BA5D-962A-48D3-8904-7C7EB4877572}" destId="{1C63F619-B82F-41A8-BACF-A747166EDDEC}" srcOrd="0" destOrd="0" presId="urn:microsoft.com/office/officeart/2005/8/layout/hierarchy1"/>
+    <dgm:cxn modelId="{B7250DD6-F513-4177-BFCD-6EAA71FCC395}" type="presParOf" srcId="{1C63F619-B82F-41A8-BACF-A747166EDDEC}" destId="{BD0CE947-08E4-4183-BD86-5E1DEA4ECDB5}" srcOrd="0" destOrd="0" presId="urn:microsoft.com/office/officeart/2005/8/layout/hierarchy1"/>
+    <dgm:cxn modelId="{38AA8CF1-2929-4577-9A67-ECB579EF09D3}" type="presParOf" srcId="{1C63F619-B82F-41A8-BACF-A747166EDDEC}" destId="{D93E2888-92B6-4CEB-AB72-4B9B3F1CC6DF}" srcOrd="1" destOrd="0" presId="urn:microsoft.com/office/officeart/2005/8/layout/hierarchy1"/>
+    <dgm:cxn modelId="{2FD5930E-A5EA-4101-9945-9EBA8B7DDD12}" type="presParOf" srcId="{6CA2BA5D-962A-48D3-8904-7C7EB4877572}" destId="{4E5ADF93-AE7D-4EC0-90A6-5EE4ADF49BD1}" srcOrd="1" destOrd="0" presId="urn:microsoft.com/office/officeart/2005/8/layout/hierarchy1"/>
+    <dgm:cxn modelId="{A63F0F83-C9BB-441C-AF22-6C1FA25235CE}" type="presParOf" srcId="{4E5ADF93-AE7D-4EC0-90A6-5EE4ADF49BD1}" destId="{635F81EB-DB04-45CE-AD09-12121B574B51}" srcOrd="0" destOrd="0" presId="urn:microsoft.com/office/officeart/2005/8/layout/hierarchy1"/>
+    <dgm:cxn modelId="{599772B2-46DF-4DA7-8E03-CA5320C41B3C}" type="presParOf" srcId="{4E5ADF93-AE7D-4EC0-90A6-5EE4ADF49BD1}" destId="{D0E27FF1-B806-4878-9870-D9158FB9ABD8}" srcOrd="1" destOrd="0" presId="urn:microsoft.com/office/officeart/2005/8/layout/hierarchy1"/>
+    <dgm:cxn modelId="{F09ACA8B-5331-476A-BC94-5670E55271AB}" type="presParOf" srcId="{D0E27FF1-B806-4878-9870-D9158FB9ABD8}" destId="{34B9BC76-3445-4CE7-A394-D4AC0370E8DB}" srcOrd="0" destOrd="0" presId="urn:microsoft.com/office/officeart/2005/8/layout/hierarchy1"/>
+    <dgm:cxn modelId="{6A74A4A8-802A-460E-B1FF-BCF693607BD6}" type="presParOf" srcId="{34B9BC76-3445-4CE7-A394-D4AC0370E8DB}" destId="{262DC2DA-839D-4823-9DED-F8D0E603C37F}" srcOrd="0" destOrd="0" presId="urn:microsoft.com/office/officeart/2005/8/layout/hierarchy1"/>
+    <dgm:cxn modelId="{B82EEDDD-CC91-439E-B19E-14458D33080A}" type="presParOf" srcId="{34B9BC76-3445-4CE7-A394-D4AC0370E8DB}" destId="{FC767F7D-CCF3-4172-AE42-C3914D03CA36}" srcOrd="1" destOrd="0" presId="urn:microsoft.com/office/officeart/2005/8/layout/hierarchy1"/>
+    <dgm:cxn modelId="{9445874B-F83C-4B29-8B97-2E1ABBEB54F7}" type="presParOf" srcId="{D0E27FF1-B806-4878-9870-D9158FB9ABD8}" destId="{3EE3D79F-8C1E-4C09-AD51-6B769309AC47}" srcOrd="1" destOrd="0" presId="urn:microsoft.com/office/officeart/2005/8/layout/hierarchy1"/>
+    <dgm:cxn modelId="{35685A1D-0115-4B61-820B-DC8A0E5AEFA1}" type="presParOf" srcId="{4E5ADF93-AE7D-4EC0-90A6-5EE4ADF49BD1}" destId="{94847BBC-5197-48AF-9871-3E2386351FF1}" srcOrd="2" destOrd="0" presId="urn:microsoft.com/office/officeart/2005/8/layout/hierarchy1"/>
+    <dgm:cxn modelId="{EBF1ECC1-2CE3-4792-9D6D-8098FB234725}" type="presParOf" srcId="{4E5ADF93-AE7D-4EC0-90A6-5EE4ADF49BD1}" destId="{0F8DA9D3-F72C-4D3D-8A55-55757E1994D4}" srcOrd="3" destOrd="0" presId="urn:microsoft.com/office/officeart/2005/8/layout/hierarchy1"/>
+    <dgm:cxn modelId="{035A98E6-AFFE-4013-8DDB-EB833FE22A88}" type="presParOf" srcId="{0F8DA9D3-F72C-4D3D-8A55-55757E1994D4}" destId="{C852E966-D654-4198-870A-5EDDE78D60BB}" srcOrd="0" destOrd="0" presId="urn:microsoft.com/office/officeart/2005/8/layout/hierarchy1"/>
+    <dgm:cxn modelId="{26057FB0-D32E-49CA-9697-B2ED8DA7C9F3}" type="presParOf" srcId="{C852E966-D654-4198-870A-5EDDE78D60BB}" destId="{437981C9-1546-4DD3-923C-673EA92C3C17}" srcOrd="0" destOrd="0" presId="urn:microsoft.com/office/officeart/2005/8/layout/hierarchy1"/>
+    <dgm:cxn modelId="{371CC25C-29F9-4BC3-801A-DF12BF329669}" type="presParOf" srcId="{C852E966-D654-4198-870A-5EDDE78D60BB}" destId="{05835C1D-309A-4212-9D20-1D1F4B88A885}" srcOrd="1" destOrd="0" presId="urn:microsoft.com/office/officeart/2005/8/layout/hierarchy1"/>
+    <dgm:cxn modelId="{4A908E3B-886D-46D3-9474-D8692A97B144}" type="presParOf" srcId="{0F8DA9D3-F72C-4D3D-8A55-55757E1994D4}" destId="{7E0EB515-B90D-4BA0-9EB5-C8AA9A7D9AF0}" srcOrd="1" destOrd="0" presId="urn:microsoft.com/office/officeart/2005/8/layout/hierarchy1"/>
+    <dgm:cxn modelId="{7E4283BE-F7D0-45A5-817C-C201046458DD}" type="presParOf" srcId="{2709289E-A874-462E-9CB2-9EA79AEEC454}" destId="{F22E9396-790A-4542-9848-5A8835DDB12D}" srcOrd="1" destOrd="0" presId="urn:microsoft.com/office/officeart/2005/8/layout/hierarchy1"/>
+    <dgm:cxn modelId="{80DFBA82-1E69-41A3-97E4-5CC0425F7951}" type="presParOf" srcId="{F22E9396-790A-4542-9848-5A8835DDB12D}" destId="{C3D08BD8-1F3E-424E-B048-5A434E77A08B}" srcOrd="0" destOrd="0" presId="urn:microsoft.com/office/officeart/2005/8/layout/hierarchy1"/>
+    <dgm:cxn modelId="{5255E345-6C1A-4B30-A261-7A745893C3B6}" type="presParOf" srcId="{C3D08BD8-1F3E-424E-B048-5A434E77A08B}" destId="{295CA2D7-D6C6-4D80-85F2-DD9EBA946BC3}" srcOrd="0" destOrd="0" presId="urn:microsoft.com/office/officeart/2005/8/layout/hierarchy1"/>
+    <dgm:cxn modelId="{8B65350C-773E-45EC-AE4A-1EF3C54F3AAF}" type="presParOf" srcId="{C3D08BD8-1F3E-424E-B048-5A434E77A08B}" destId="{090AD1A6-1C50-4C31-A4EF-A2FD143992AE}" srcOrd="1" destOrd="0" presId="urn:microsoft.com/office/officeart/2005/8/layout/hierarchy1"/>
+    <dgm:cxn modelId="{C4720301-0960-43EE-83DE-EF9D0B883182}" type="presParOf" srcId="{F22E9396-790A-4542-9848-5A8835DDB12D}" destId="{6F8DECB3-520B-4E22-B591-90D703A360D3}" srcOrd="1" destOrd="0" presId="urn:microsoft.com/office/officeart/2005/8/layout/hierarchy1"/>
+    <dgm:cxn modelId="{C95A5886-D324-47B7-AFD8-86CB1127CA43}" type="presParOf" srcId="{6F8DECB3-520B-4E22-B591-90D703A360D3}" destId="{7423AAED-830B-4956-B5B6-D3FDE8162E1D}" srcOrd="0" destOrd="0" presId="urn:microsoft.com/office/officeart/2005/8/layout/hierarchy1"/>
+    <dgm:cxn modelId="{78031FAB-949F-4396-BF88-5171C557A5AC}" type="presParOf" srcId="{6F8DECB3-520B-4E22-B591-90D703A360D3}" destId="{CCCDFB5E-901D-469D-9114-6FE6818DF7BC}" srcOrd="1" destOrd="0" presId="urn:microsoft.com/office/officeart/2005/8/layout/hierarchy1"/>
+    <dgm:cxn modelId="{0D111B6C-3C5D-4304-95A0-50FA2B049E58}" type="presParOf" srcId="{CCCDFB5E-901D-469D-9114-6FE6818DF7BC}" destId="{C4582757-B6EE-4B8B-B34C-84D7E3B7EF09}" srcOrd="0" destOrd="0" presId="urn:microsoft.com/office/officeart/2005/8/layout/hierarchy1"/>
+    <dgm:cxn modelId="{798EC589-E58D-4633-B4A3-9EC372C64386}" type="presParOf" srcId="{C4582757-B6EE-4B8B-B34C-84D7E3B7EF09}" destId="{1E0FFC9A-FE05-4108-89AA-466914E05278}" srcOrd="0" destOrd="0" presId="urn:microsoft.com/office/officeart/2005/8/layout/hierarchy1"/>
+    <dgm:cxn modelId="{94F63ECD-34E1-4FE8-B15A-518C31A5DD9A}" type="presParOf" srcId="{C4582757-B6EE-4B8B-B34C-84D7E3B7EF09}" destId="{4EF1E943-EAAA-45BD-AE66-F9F510130BA6}" srcOrd="1" destOrd="0" presId="urn:microsoft.com/office/officeart/2005/8/layout/hierarchy1"/>
+    <dgm:cxn modelId="{04CCF550-A061-4BE5-86B9-A365771C438C}" type="presParOf" srcId="{CCCDFB5E-901D-469D-9114-6FE6818DF7BC}" destId="{CA9B5A6C-3EC3-4722-A7C0-A7B6B33CF4B6}" srcOrd="1" destOrd="0" presId="urn:microsoft.com/office/officeart/2005/8/layout/hierarchy1"/>
+    <dgm:cxn modelId="{B53EE88B-8DA2-4EE0-9D45-0A7303749BFD}" type="presParOf" srcId="{2709289E-A874-462E-9CB2-9EA79AEEC454}" destId="{2D3F3050-044D-42AA-BF56-2083E7F5D9E6}" srcOrd="2" destOrd="0" presId="urn:microsoft.com/office/officeart/2005/8/layout/hierarchy1"/>
+    <dgm:cxn modelId="{547B4DB2-B0DA-4F83-9621-AC50AE1D6760}" type="presParOf" srcId="{2D3F3050-044D-42AA-BF56-2083E7F5D9E6}" destId="{BE58A11B-7629-4F64-9B4A-7910708BF224}" srcOrd="0" destOrd="0" presId="urn:microsoft.com/office/officeart/2005/8/layout/hierarchy1"/>
+    <dgm:cxn modelId="{ADE73AA1-27BD-4DB9-A194-3ED3F0BAB853}" type="presParOf" srcId="{BE58A11B-7629-4F64-9B4A-7910708BF224}" destId="{5F8EA3B7-F547-41E0-830B-A1D68B3149BC}" srcOrd="0" destOrd="0" presId="urn:microsoft.com/office/officeart/2005/8/layout/hierarchy1"/>
+    <dgm:cxn modelId="{A7AC0541-1A8A-40D4-924D-BA263B6B3629}" type="presParOf" srcId="{BE58A11B-7629-4F64-9B4A-7910708BF224}" destId="{6D141574-D189-410E-A9DE-F0A75D70CF2B}" srcOrd="1" destOrd="0" presId="urn:microsoft.com/office/officeart/2005/8/layout/hierarchy1"/>
+    <dgm:cxn modelId="{EBE967A8-57B5-4663-8E08-6AB74F4E7C41}" type="presParOf" srcId="{2D3F3050-044D-42AA-BF56-2083E7F5D9E6}" destId="{69478CC9-910E-42B0-9E94-762F2F844297}" srcOrd="1" destOrd="0" presId="urn:microsoft.com/office/officeart/2005/8/layout/hierarchy1"/>
+    <dgm:cxn modelId="{0B907C2D-B5F6-49BA-BBD1-BE304C1D1DED}" type="presParOf" srcId="{69478CC9-910E-42B0-9E94-762F2F844297}" destId="{5A948B87-D2D0-474A-9C3A-1AAAE6B82450}" srcOrd="0" destOrd="0" presId="urn:microsoft.com/office/officeart/2005/8/layout/hierarchy1"/>
+    <dgm:cxn modelId="{01DED8A0-0FA9-4FBF-9B86-BA9026F483F3}" type="presParOf" srcId="{69478CC9-910E-42B0-9E94-762F2F844297}" destId="{C655545C-62FB-4051-8166-14DD771793DC}" srcOrd="1" destOrd="0" presId="urn:microsoft.com/office/officeart/2005/8/layout/hierarchy1"/>
+    <dgm:cxn modelId="{E954666C-6431-4381-A1B1-F99B561550D9}" type="presParOf" srcId="{C655545C-62FB-4051-8166-14DD771793DC}" destId="{E0947332-1985-4D43-95AD-33DAC8F4D0C7}" srcOrd="0" destOrd="0" presId="urn:microsoft.com/office/officeart/2005/8/layout/hierarchy1"/>
+    <dgm:cxn modelId="{561FB740-B25F-4840-B3AB-C68E279C4FF6}" type="presParOf" srcId="{E0947332-1985-4D43-95AD-33DAC8F4D0C7}" destId="{35B4200E-26A9-4B96-A5F4-90A4277A130D}" srcOrd="0" destOrd="0" presId="urn:microsoft.com/office/officeart/2005/8/layout/hierarchy1"/>
+    <dgm:cxn modelId="{513294F1-3EEB-4B3C-BBBD-68FFF071AF61}" type="presParOf" srcId="{E0947332-1985-4D43-95AD-33DAC8F4D0C7}" destId="{19D3CBE3-9E9D-40EC-9287-8938E935ECCF}" srcOrd="1" destOrd="0" presId="urn:microsoft.com/office/officeart/2005/8/layout/hierarchy1"/>
+    <dgm:cxn modelId="{EB81D8E5-67E5-4F3B-B9B0-EED6304FF6FF}" type="presParOf" srcId="{C655545C-62FB-4051-8166-14DD771793DC}" destId="{15A082FE-E6AD-49C9-BBE7-AF9898A1ACF6}" srcOrd="1" destOrd="0" presId="urn:microsoft.com/office/officeart/2005/8/layout/hierarchy1"/>
   </dgm:cxnLst>
   <dgm:bg/>
   <dgm:whole/>
@@ -7734,6 +9056,1156 @@
 </dsp:drawing>
 </file>
 
+<file path=ppt/diagrams/drawing5.xml><?xml version="1.0" encoding="utf-8"?>
+<dsp:drawing xmlns:dgm="http://schemas.openxmlformats.org/drawingml/2006/diagram" xmlns:dsp="http://schemas.microsoft.com/office/drawing/2008/diagram" xmlns:a="http://schemas.openxmlformats.org/drawingml/2006/main">
+  <dsp:spTree>
+    <dsp:nvGrpSpPr>
+      <dsp:cNvPr id="0" name=""/>
+      <dsp:cNvGrpSpPr/>
+    </dsp:nvGrpSpPr>
+    <dsp:grpSpPr/>
+    <dsp:sp modelId="{5A948B87-D2D0-474A-9C3A-1AAAE6B82450}">
+      <dsp:nvSpPr>
+        <dsp:cNvPr id="0" name=""/>
+        <dsp:cNvSpPr/>
+      </dsp:nvSpPr>
+      <dsp:spPr>
+        <a:xfrm>
+          <a:off x="9206862" y="1371636"/>
+          <a:ext cx="91440" cy="627752"/>
+        </a:xfrm>
+        <a:custGeom>
+          <a:avLst/>
+          <a:gdLst/>
+          <a:ahLst/>
+          <a:cxnLst/>
+          <a:rect l="0" t="0" r="0" b="0"/>
+          <a:pathLst>
+            <a:path>
+              <a:moveTo>
+                <a:pt x="45720" y="0"/>
+              </a:moveTo>
+              <a:lnTo>
+                <a:pt x="45720" y="627752"/>
+              </a:lnTo>
+            </a:path>
+          </a:pathLst>
+        </a:custGeom>
+        <a:noFill/>
+        <a:ln w="12700" cap="flat" cmpd="sng" algn="ctr">
+          <a:solidFill>
+            <a:schemeClr val="accent3">
+              <a:hueOff val="0"/>
+              <a:satOff val="0"/>
+              <a:lumOff val="0"/>
+              <a:alphaOff val="0"/>
+            </a:schemeClr>
+          </a:solidFill>
+          <a:prstDash val="solid"/>
+        </a:ln>
+        <a:effectLst/>
+      </dsp:spPr>
+      <dsp:style>
+        <a:lnRef idx="2">
+          <a:scrgbClr r="0" g="0" b="0"/>
+        </a:lnRef>
+        <a:fillRef idx="0">
+          <a:scrgbClr r="0" g="0" b="0"/>
+        </a:fillRef>
+        <a:effectRef idx="0">
+          <a:scrgbClr r="0" g="0" b="0"/>
+        </a:effectRef>
+        <a:fontRef idx="minor"/>
+      </dsp:style>
+    </dsp:sp>
+    <dsp:sp modelId="{7423AAED-830B-4956-B5B6-D3FDE8162E1D}">
+      <dsp:nvSpPr>
+        <dsp:cNvPr id="0" name=""/>
+        <dsp:cNvSpPr/>
+      </dsp:nvSpPr>
+      <dsp:spPr>
+        <a:xfrm>
+          <a:off x="6568744" y="1371636"/>
+          <a:ext cx="91440" cy="627752"/>
+        </a:xfrm>
+        <a:custGeom>
+          <a:avLst/>
+          <a:gdLst/>
+          <a:ahLst/>
+          <a:cxnLst/>
+          <a:rect l="0" t="0" r="0" b="0"/>
+          <a:pathLst>
+            <a:path>
+              <a:moveTo>
+                <a:pt x="45720" y="0"/>
+              </a:moveTo>
+              <a:lnTo>
+                <a:pt x="45720" y="627752"/>
+              </a:lnTo>
+            </a:path>
+          </a:pathLst>
+        </a:custGeom>
+        <a:noFill/>
+        <a:ln w="12700" cap="flat" cmpd="sng" algn="ctr">
+          <a:solidFill>
+            <a:schemeClr val="accent3">
+              <a:hueOff val="0"/>
+              <a:satOff val="0"/>
+              <a:lumOff val="0"/>
+              <a:alphaOff val="0"/>
+            </a:schemeClr>
+          </a:solidFill>
+          <a:prstDash val="solid"/>
+        </a:ln>
+        <a:effectLst/>
+      </dsp:spPr>
+      <dsp:style>
+        <a:lnRef idx="2">
+          <a:scrgbClr r="0" g="0" b="0"/>
+        </a:lnRef>
+        <a:fillRef idx="0">
+          <a:scrgbClr r="0" g="0" b="0"/>
+        </a:fillRef>
+        <a:effectRef idx="0">
+          <a:scrgbClr r="0" g="0" b="0"/>
+        </a:effectRef>
+        <a:fontRef idx="minor"/>
+      </dsp:style>
+    </dsp:sp>
+    <dsp:sp modelId="{94847BBC-5197-48AF-9871-3E2386351FF1}">
+      <dsp:nvSpPr>
+        <dsp:cNvPr id="0" name=""/>
+        <dsp:cNvSpPr/>
+      </dsp:nvSpPr>
+      <dsp:spPr>
+        <a:xfrm>
+          <a:off x="2657288" y="1371636"/>
+          <a:ext cx="1319058" cy="627752"/>
+        </a:xfrm>
+        <a:custGeom>
+          <a:avLst/>
+          <a:gdLst/>
+          <a:ahLst/>
+          <a:cxnLst/>
+          <a:rect l="0" t="0" r="0" b="0"/>
+          <a:pathLst>
+            <a:path>
+              <a:moveTo>
+                <a:pt x="0" y="0"/>
+              </a:moveTo>
+              <a:lnTo>
+                <a:pt x="0" y="427794"/>
+              </a:lnTo>
+              <a:lnTo>
+                <a:pt x="1319058" y="427794"/>
+              </a:lnTo>
+              <a:lnTo>
+                <a:pt x="1319058" y="627752"/>
+              </a:lnTo>
+            </a:path>
+          </a:pathLst>
+        </a:custGeom>
+        <a:noFill/>
+        <a:ln w="12700" cap="flat" cmpd="sng" algn="ctr">
+          <a:solidFill>
+            <a:schemeClr val="accent3">
+              <a:hueOff val="0"/>
+              <a:satOff val="0"/>
+              <a:lumOff val="0"/>
+              <a:alphaOff val="0"/>
+            </a:schemeClr>
+          </a:solidFill>
+          <a:prstDash val="solid"/>
+        </a:ln>
+        <a:effectLst/>
+      </dsp:spPr>
+      <dsp:style>
+        <a:lnRef idx="2">
+          <a:scrgbClr r="0" g="0" b="0"/>
+        </a:lnRef>
+        <a:fillRef idx="0">
+          <a:scrgbClr r="0" g="0" b="0"/>
+        </a:fillRef>
+        <a:effectRef idx="0">
+          <a:scrgbClr r="0" g="0" b="0"/>
+        </a:effectRef>
+        <a:fontRef idx="minor"/>
+      </dsp:style>
+    </dsp:sp>
+    <dsp:sp modelId="{635F81EB-DB04-45CE-AD09-12121B574B51}">
+      <dsp:nvSpPr>
+        <dsp:cNvPr id="0" name=""/>
+        <dsp:cNvSpPr/>
+      </dsp:nvSpPr>
+      <dsp:spPr>
+        <a:xfrm>
+          <a:off x="1338229" y="1371636"/>
+          <a:ext cx="1319058" cy="627752"/>
+        </a:xfrm>
+        <a:custGeom>
+          <a:avLst/>
+          <a:gdLst/>
+          <a:ahLst/>
+          <a:cxnLst/>
+          <a:rect l="0" t="0" r="0" b="0"/>
+          <a:pathLst>
+            <a:path>
+              <a:moveTo>
+                <a:pt x="1319058" y="0"/>
+              </a:moveTo>
+              <a:lnTo>
+                <a:pt x="1319058" y="427794"/>
+              </a:lnTo>
+              <a:lnTo>
+                <a:pt x="0" y="427794"/>
+              </a:lnTo>
+              <a:lnTo>
+                <a:pt x="0" y="627752"/>
+              </a:lnTo>
+            </a:path>
+          </a:pathLst>
+        </a:custGeom>
+        <a:noFill/>
+        <a:ln w="12700" cap="flat" cmpd="sng" algn="ctr">
+          <a:solidFill>
+            <a:schemeClr val="accent3">
+              <a:hueOff val="0"/>
+              <a:satOff val="0"/>
+              <a:lumOff val="0"/>
+              <a:alphaOff val="0"/>
+            </a:schemeClr>
+          </a:solidFill>
+          <a:prstDash val="solid"/>
+        </a:ln>
+        <a:effectLst/>
+      </dsp:spPr>
+      <dsp:style>
+        <a:lnRef idx="2">
+          <a:scrgbClr r="0" g="0" b="0"/>
+        </a:lnRef>
+        <a:fillRef idx="0">
+          <a:scrgbClr r="0" g="0" b="0"/>
+        </a:fillRef>
+        <a:effectRef idx="0">
+          <a:scrgbClr r="0" g="0" b="0"/>
+        </a:effectRef>
+        <a:fontRef idx="minor"/>
+      </dsp:style>
+    </dsp:sp>
+    <dsp:sp modelId="{BD0CE947-08E4-4183-BD86-5E1DEA4ECDB5}">
+      <dsp:nvSpPr>
+        <dsp:cNvPr id="0" name=""/>
+        <dsp:cNvSpPr/>
+      </dsp:nvSpPr>
+      <dsp:spPr>
+        <a:xfrm>
+          <a:off x="1578058" y="1014"/>
+          <a:ext cx="2158460" cy="1370622"/>
+        </a:xfrm>
+        <a:prstGeom prst="roundRect">
+          <a:avLst>
+            <a:gd name="adj" fmla="val 10000"/>
+          </a:avLst>
+        </a:prstGeom>
+        <a:solidFill>
+          <a:schemeClr val="accent1">
+            <a:hueOff val="0"/>
+            <a:satOff val="0"/>
+            <a:lumOff val="0"/>
+            <a:alphaOff val="0"/>
+          </a:schemeClr>
+        </a:solidFill>
+        <a:ln w="12700" cap="flat" cmpd="sng" algn="ctr">
+          <a:solidFill>
+            <a:schemeClr val="lt1">
+              <a:hueOff val="0"/>
+              <a:satOff val="0"/>
+              <a:lumOff val="0"/>
+              <a:alphaOff val="0"/>
+            </a:schemeClr>
+          </a:solidFill>
+          <a:prstDash val="solid"/>
+        </a:ln>
+        <a:effectLst/>
+      </dsp:spPr>
+      <dsp:style>
+        <a:lnRef idx="2">
+          <a:scrgbClr r="0" g="0" b="0"/>
+        </a:lnRef>
+        <a:fillRef idx="1">
+          <a:scrgbClr r="0" g="0" b="0"/>
+        </a:fillRef>
+        <a:effectRef idx="0">
+          <a:scrgbClr r="0" g="0" b="0"/>
+        </a:effectRef>
+        <a:fontRef idx="minor">
+          <a:schemeClr val="lt1"/>
+        </a:fontRef>
+      </dsp:style>
+    </dsp:sp>
+    <dsp:sp modelId="{D93E2888-92B6-4CEB-AB72-4B9B3F1CC6DF}">
+      <dsp:nvSpPr>
+        <dsp:cNvPr id="0" name=""/>
+        <dsp:cNvSpPr/>
+      </dsp:nvSpPr>
+      <dsp:spPr>
+        <a:xfrm>
+          <a:off x="1817887" y="228852"/>
+          <a:ext cx="2158460" cy="1370622"/>
+        </a:xfrm>
+        <a:prstGeom prst="roundRect">
+          <a:avLst>
+            <a:gd name="adj" fmla="val 10000"/>
+          </a:avLst>
+        </a:prstGeom>
+        <a:solidFill>
+          <a:schemeClr val="lt1">
+            <a:alpha val="90000"/>
+            <a:hueOff val="0"/>
+            <a:satOff val="0"/>
+            <a:lumOff val="0"/>
+            <a:alphaOff val="0"/>
+          </a:schemeClr>
+        </a:solidFill>
+        <a:ln w="12700" cap="flat" cmpd="sng" algn="ctr">
+          <a:solidFill>
+            <a:schemeClr val="accent1">
+              <a:hueOff val="0"/>
+              <a:satOff val="0"/>
+              <a:lumOff val="0"/>
+              <a:alphaOff val="0"/>
+            </a:schemeClr>
+          </a:solidFill>
+          <a:prstDash val="solid"/>
+        </a:ln>
+        <a:effectLst/>
+      </dsp:spPr>
+      <dsp:style>
+        <a:lnRef idx="2">
+          <a:scrgbClr r="0" g="0" b="0"/>
+        </a:lnRef>
+        <a:fillRef idx="1">
+          <a:scrgbClr r="0" g="0" b="0"/>
+        </a:fillRef>
+        <a:effectRef idx="0">
+          <a:scrgbClr r="0" g="0" b="0"/>
+        </a:effectRef>
+        <a:fontRef idx="minor"/>
+      </dsp:style>
+      <dsp:txBody>
+        <a:bodyPr spcFirstLastPara="0" vert="horz" wrap="square" lIns="64770" tIns="64770" rIns="64770" bIns="64770" numCol="1" spcCol="1270" anchor="ctr" anchorCtr="0">
+          <a:noAutofit/>
+        </a:bodyPr>
+        <a:lstStyle/>
+        <a:p>
+          <a:pPr marL="0" lvl="0" indent="0" algn="ctr" defTabSz="755650">
+            <a:lnSpc>
+              <a:spcPct val="90000"/>
+            </a:lnSpc>
+            <a:spcBef>
+              <a:spcPct val="0"/>
+            </a:spcBef>
+            <a:spcAft>
+              <a:spcPct val="35000"/>
+            </a:spcAft>
+            <a:buNone/>
+          </a:pPr>
+          <a:r>
+            <a:rPr lang="en-GB" sz="1700" kern="1200"/>
+            <a:t>Extensive Device History</a:t>
+          </a:r>
+          <a:endParaRPr lang="en-US" sz="1700" kern="1200"/>
+        </a:p>
+      </dsp:txBody>
+      <dsp:txXfrm>
+        <a:off x="1858031" y="268996"/>
+        <a:ext cx="2078172" cy="1290334"/>
+      </dsp:txXfrm>
+    </dsp:sp>
+    <dsp:sp modelId="{262DC2DA-839D-4823-9DED-F8D0E603C37F}">
+      <dsp:nvSpPr>
+        <dsp:cNvPr id="0" name=""/>
+        <dsp:cNvSpPr/>
+      </dsp:nvSpPr>
+      <dsp:spPr>
+        <a:xfrm>
+          <a:off x="258999" y="1999388"/>
+          <a:ext cx="2158460" cy="1370622"/>
+        </a:xfrm>
+        <a:prstGeom prst="roundRect">
+          <a:avLst>
+            <a:gd name="adj" fmla="val 10000"/>
+          </a:avLst>
+        </a:prstGeom>
+        <a:solidFill>
+          <a:schemeClr val="accent3">
+            <a:hueOff val="0"/>
+            <a:satOff val="0"/>
+            <a:lumOff val="0"/>
+            <a:alphaOff val="0"/>
+          </a:schemeClr>
+        </a:solidFill>
+        <a:ln w="12700" cap="flat" cmpd="sng" algn="ctr">
+          <a:solidFill>
+            <a:schemeClr val="lt1">
+              <a:hueOff val="0"/>
+              <a:satOff val="0"/>
+              <a:lumOff val="0"/>
+              <a:alphaOff val="0"/>
+            </a:schemeClr>
+          </a:solidFill>
+          <a:prstDash val="solid"/>
+        </a:ln>
+        <a:effectLst/>
+      </dsp:spPr>
+      <dsp:style>
+        <a:lnRef idx="2">
+          <a:scrgbClr r="0" g="0" b="0"/>
+        </a:lnRef>
+        <a:fillRef idx="1">
+          <a:scrgbClr r="0" g="0" b="0"/>
+        </a:fillRef>
+        <a:effectRef idx="0">
+          <a:scrgbClr r="0" g="0" b="0"/>
+        </a:effectRef>
+        <a:fontRef idx="minor">
+          <a:schemeClr val="lt1"/>
+        </a:fontRef>
+      </dsp:style>
+    </dsp:sp>
+    <dsp:sp modelId="{FC767F7D-CCF3-4172-AE42-C3914D03CA36}">
+      <dsp:nvSpPr>
+        <dsp:cNvPr id="0" name=""/>
+        <dsp:cNvSpPr/>
+      </dsp:nvSpPr>
+      <dsp:spPr>
+        <a:xfrm>
+          <a:off x="498828" y="2227226"/>
+          <a:ext cx="2158460" cy="1370622"/>
+        </a:xfrm>
+        <a:prstGeom prst="roundRect">
+          <a:avLst>
+            <a:gd name="adj" fmla="val 10000"/>
+          </a:avLst>
+        </a:prstGeom>
+        <a:solidFill>
+          <a:schemeClr val="lt1">
+            <a:alpha val="90000"/>
+            <a:hueOff val="0"/>
+            <a:satOff val="0"/>
+            <a:lumOff val="0"/>
+            <a:alphaOff val="0"/>
+          </a:schemeClr>
+        </a:solidFill>
+        <a:ln w="12700" cap="flat" cmpd="sng" algn="ctr">
+          <a:solidFill>
+            <a:schemeClr val="accent3">
+              <a:hueOff val="0"/>
+              <a:satOff val="0"/>
+              <a:lumOff val="0"/>
+              <a:alphaOff val="0"/>
+            </a:schemeClr>
+          </a:solidFill>
+          <a:prstDash val="solid"/>
+        </a:ln>
+        <a:effectLst/>
+      </dsp:spPr>
+      <dsp:style>
+        <a:lnRef idx="2">
+          <a:scrgbClr r="0" g="0" b="0"/>
+        </a:lnRef>
+        <a:fillRef idx="1">
+          <a:scrgbClr r="0" g="0" b="0"/>
+        </a:fillRef>
+        <a:effectRef idx="0">
+          <a:scrgbClr r="0" g="0" b="0"/>
+        </a:effectRef>
+        <a:fontRef idx="minor"/>
+      </dsp:style>
+      <dsp:txBody>
+        <a:bodyPr spcFirstLastPara="0" vert="horz" wrap="square" lIns="64770" tIns="64770" rIns="64770" bIns="64770" numCol="1" spcCol="1270" anchor="ctr" anchorCtr="0">
+          <a:noAutofit/>
+        </a:bodyPr>
+        <a:lstStyle/>
+        <a:p>
+          <a:pPr marL="0" lvl="0" indent="0" algn="ctr" defTabSz="755650">
+            <a:lnSpc>
+              <a:spcPct val="90000"/>
+            </a:lnSpc>
+            <a:spcBef>
+              <a:spcPct val="0"/>
+            </a:spcBef>
+            <a:spcAft>
+              <a:spcPct val="35000"/>
+            </a:spcAft>
+            <a:buNone/>
+          </a:pPr>
+          <a:r>
+            <a:rPr lang="en-GB" sz="1700" kern="1200"/>
+            <a:t>Maintenance Log</a:t>
+          </a:r>
+          <a:endParaRPr lang="en-US" sz="1700" kern="1200"/>
+        </a:p>
+      </dsp:txBody>
+      <dsp:txXfrm>
+        <a:off x="538972" y="2267370"/>
+        <a:ext cx="2078172" cy="1290334"/>
+      </dsp:txXfrm>
+    </dsp:sp>
+    <dsp:sp modelId="{437981C9-1546-4DD3-923C-673EA92C3C17}">
+      <dsp:nvSpPr>
+        <dsp:cNvPr id="0" name=""/>
+        <dsp:cNvSpPr/>
+      </dsp:nvSpPr>
+      <dsp:spPr>
+        <a:xfrm>
+          <a:off x="2897117" y="1999388"/>
+          <a:ext cx="2158460" cy="1370622"/>
+        </a:xfrm>
+        <a:prstGeom prst="roundRect">
+          <a:avLst>
+            <a:gd name="adj" fmla="val 10000"/>
+          </a:avLst>
+        </a:prstGeom>
+        <a:solidFill>
+          <a:schemeClr val="accent3">
+            <a:hueOff val="0"/>
+            <a:satOff val="0"/>
+            <a:lumOff val="0"/>
+            <a:alphaOff val="0"/>
+          </a:schemeClr>
+        </a:solidFill>
+        <a:ln w="12700" cap="flat" cmpd="sng" algn="ctr">
+          <a:solidFill>
+            <a:schemeClr val="lt1">
+              <a:hueOff val="0"/>
+              <a:satOff val="0"/>
+              <a:lumOff val="0"/>
+              <a:alphaOff val="0"/>
+            </a:schemeClr>
+          </a:solidFill>
+          <a:prstDash val="solid"/>
+        </a:ln>
+        <a:effectLst/>
+      </dsp:spPr>
+      <dsp:style>
+        <a:lnRef idx="2">
+          <a:scrgbClr r="0" g="0" b="0"/>
+        </a:lnRef>
+        <a:fillRef idx="1">
+          <a:scrgbClr r="0" g="0" b="0"/>
+        </a:fillRef>
+        <a:effectRef idx="0">
+          <a:scrgbClr r="0" g="0" b="0"/>
+        </a:effectRef>
+        <a:fontRef idx="minor">
+          <a:schemeClr val="lt1"/>
+        </a:fontRef>
+      </dsp:style>
+    </dsp:sp>
+    <dsp:sp modelId="{05835C1D-309A-4212-9D20-1D1F4B88A885}">
+      <dsp:nvSpPr>
+        <dsp:cNvPr id="0" name=""/>
+        <dsp:cNvSpPr/>
+      </dsp:nvSpPr>
+      <dsp:spPr>
+        <a:xfrm>
+          <a:off x="3136946" y="2227226"/>
+          <a:ext cx="2158460" cy="1370622"/>
+        </a:xfrm>
+        <a:prstGeom prst="roundRect">
+          <a:avLst>
+            <a:gd name="adj" fmla="val 10000"/>
+          </a:avLst>
+        </a:prstGeom>
+        <a:solidFill>
+          <a:schemeClr val="lt1">
+            <a:alpha val="90000"/>
+            <a:hueOff val="0"/>
+            <a:satOff val="0"/>
+            <a:lumOff val="0"/>
+            <a:alphaOff val="0"/>
+          </a:schemeClr>
+        </a:solidFill>
+        <a:ln w="12700" cap="flat" cmpd="sng" algn="ctr">
+          <a:solidFill>
+            <a:schemeClr val="accent3">
+              <a:hueOff val="0"/>
+              <a:satOff val="0"/>
+              <a:lumOff val="0"/>
+              <a:alphaOff val="0"/>
+            </a:schemeClr>
+          </a:solidFill>
+          <a:prstDash val="solid"/>
+        </a:ln>
+        <a:effectLst/>
+      </dsp:spPr>
+      <dsp:style>
+        <a:lnRef idx="2">
+          <a:scrgbClr r="0" g="0" b="0"/>
+        </a:lnRef>
+        <a:fillRef idx="1">
+          <a:scrgbClr r="0" g="0" b="0"/>
+        </a:fillRef>
+        <a:effectRef idx="0">
+          <a:scrgbClr r="0" g="0" b="0"/>
+        </a:effectRef>
+        <a:fontRef idx="minor"/>
+      </dsp:style>
+      <dsp:txBody>
+        <a:bodyPr spcFirstLastPara="0" vert="horz" wrap="square" lIns="64770" tIns="64770" rIns="64770" bIns="64770" numCol="1" spcCol="1270" anchor="ctr" anchorCtr="0">
+          <a:noAutofit/>
+        </a:bodyPr>
+        <a:lstStyle/>
+        <a:p>
+          <a:pPr marL="0" lvl="0" indent="0" algn="ctr" defTabSz="755650">
+            <a:lnSpc>
+              <a:spcPct val="90000"/>
+            </a:lnSpc>
+            <a:spcBef>
+              <a:spcPct val="0"/>
+            </a:spcBef>
+            <a:spcAft>
+              <a:spcPct val="35000"/>
+            </a:spcAft>
+            <a:buNone/>
+          </a:pPr>
+          <a:r>
+            <a:rPr lang="en-GB" sz="1700" kern="1200"/>
+            <a:t>Tracked through </a:t>
+          </a:r>
+          <a:endParaRPr lang="en-US" sz="1700" kern="1200"/>
+        </a:p>
+      </dsp:txBody>
+      <dsp:txXfrm>
+        <a:off x="3177090" y="2267370"/>
+        <a:ext cx="2078172" cy="1290334"/>
+      </dsp:txXfrm>
+    </dsp:sp>
+    <dsp:sp modelId="{295CA2D7-D6C6-4D80-85F2-DD9EBA946BC3}">
+      <dsp:nvSpPr>
+        <dsp:cNvPr id="0" name=""/>
+        <dsp:cNvSpPr/>
+      </dsp:nvSpPr>
+      <dsp:spPr>
+        <a:xfrm>
+          <a:off x="5535234" y="1014"/>
+          <a:ext cx="2158460" cy="1370622"/>
+        </a:xfrm>
+        <a:prstGeom prst="roundRect">
+          <a:avLst>
+            <a:gd name="adj" fmla="val 10000"/>
+          </a:avLst>
+        </a:prstGeom>
+        <a:solidFill>
+          <a:schemeClr val="accent1">
+            <a:hueOff val="0"/>
+            <a:satOff val="0"/>
+            <a:lumOff val="0"/>
+            <a:alphaOff val="0"/>
+          </a:schemeClr>
+        </a:solidFill>
+        <a:ln w="12700" cap="flat" cmpd="sng" algn="ctr">
+          <a:solidFill>
+            <a:schemeClr val="lt1">
+              <a:hueOff val="0"/>
+              <a:satOff val="0"/>
+              <a:lumOff val="0"/>
+              <a:alphaOff val="0"/>
+            </a:schemeClr>
+          </a:solidFill>
+          <a:prstDash val="solid"/>
+        </a:ln>
+        <a:effectLst/>
+      </dsp:spPr>
+      <dsp:style>
+        <a:lnRef idx="2">
+          <a:scrgbClr r="0" g="0" b="0"/>
+        </a:lnRef>
+        <a:fillRef idx="1">
+          <a:scrgbClr r="0" g="0" b="0"/>
+        </a:fillRef>
+        <a:effectRef idx="0">
+          <a:scrgbClr r="0" g="0" b="0"/>
+        </a:effectRef>
+        <a:fontRef idx="minor">
+          <a:schemeClr val="lt1"/>
+        </a:fontRef>
+      </dsp:style>
+    </dsp:sp>
+    <dsp:sp modelId="{090AD1A6-1C50-4C31-A4EF-A2FD143992AE}">
+      <dsp:nvSpPr>
+        <dsp:cNvPr id="0" name=""/>
+        <dsp:cNvSpPr/>
+      </dsp:nvSpPr>
+      <dsp:spPr>
+        <a:xfrm>
+          <a:off x="5775063" y="228852"/>
+          <a:ext cx="2158460" cy="1370622"/>
+        </a:xfrm>
+        <a:prstGeom prst="roundRect">
+          <a:avLst>
+            <a:gd name="adj" fmla="val 10000"/>
+          </a:avLst>
+        </a:prstGeom>
+        <a:solidFill>
+          <a:schemeClr val="lt1">
+            <a:alpha val="90000"/>
+            <a:hueOff val="0"/>
+            <a:satOff val="0"/>
+            <a:lumOff val="0"/>
+            <a:alphaOff val="0"/>
+          </a:schemeClr>
+        </a:solidFill>
+        <a:ln w="12700" cap="flat" cmpd="sng" algn="ctr">
+          <a:solidFill>
+            <a:schemeClr val="accent1">
+              <a:hueOff val="0"/>
+              <a:satOff val="0"/>
+              <a:lumOff val="0"/>
+              <a:alphaOff val="0"/>
+            </a:schemeClr>
+          </a:solidFill>
+          <a:prstDash val="solid"/>
+        </a:ln>
+        <a:effectLst/>
+      </dsp:spPr>
+      <dsp:style>
+        <a:lnRef idx="2">
+          <a:scrgbClr r="0" g="0" b="0"/>
+        </a:lnRef>
+        <a:fillRef idx="1">
+          <a:scrgbClr r="0" g="0" b="0"/>
+        </a:fillRef>
+        <a:effectRef idx="0">
+          <a:scrgbClr r="0" g="0" b="0"/>
+        </a:effectRef>
+        <a:fontRef idx="minor"/>
+      </dsp:style>
+      <dsp:txBody>
+        <a:bodyPr spcFirstLastPara="0" vert="horz" wrap="square" lIns="64770" tIns="64770" rIns="64770" bIns="64770" numCol="1" spcCol="1270" anchor="ctr" anchorCtr="0">
+          <a:noAutofit/>
+        </a:bodyPr>
+        <a:lstStyle/>
+        <a:p>
+          <a:pPr marL="0" lvl="0" indent="0" algn="ctr" defTabSz="755650">
+            <a:lnSpc>
+              <a:spcPct val="90000"/>
+            </a:lnSpc>
+            <a:spcBef>
+              <a:spcPct val="0"/>
+            </a:spcBef>
+            <a:spcAft>
+              <a:spcPct val="35000"/>
+            </a:spcAft>
+            <a:buNone/>
+          </a:pPr>
+          <a:r>
+            <a:rPr lang="en-GB" sz="1700" kern="1200"/>
+            <a:t>Mapped devices</a:t>
+          </a:r>
+          <a:endParaRPr lang="en-US" sz="1700" kern="1200"/>
+        </a:p>
+      </dsp:txBody>
+      <dsp:txXfrm>
+        <a:off x="5815207" y="268996"/>
+        <a:ext cx="2078172" cy="1290334"/>
+      </dsp:txXfrm>
+    </dsp:sp>
+    <dsp:sp modelId="{1E0FFC9A-FE05-4108-89AA-466914E05278}">
+      <dsp:nvSpPr>
+        <dsp:cNvPr id="0" name=""/>
+        <dsp:cNvSpPr/>
+      </dsp:nvSpPr>
+      <dsp:spPr>
+        <a:xfrm>
+          <a:off x="5535234" y="1999388"/>
+          <a:ext cx="2158460" cy="1370622"/>
+        </a:xfrm>
+        <a:prstGeom prst="roundRect">
+          <a:avLst>
+            <a:gd name="adj" fmla="val 10000"/>
+          </a:avLst>
+        </a:prstGeom>
+        <a:solidFill>
+          <a:schemeClr val="accent3">
+            <a:hueOff val="0"/>
+            <a:satOff val="0"/>
+            <a:lumOff val="0"/>
+            <a:alphaOff val="0"/>
+          </a:schemeClr>
+        </a:solidFill>
+        <a:ln w="12700" cap="flat" cmpd="sng" algn="ctr">
+          <a:solidFill>
+            <a:schemeClr val="lt1">
+              <a:hueOff val="0"/>
+              <a:satOff val="0"/>
+              <a:lumOff val="0"/>
+              <a:alphaOff val="0"/>
+            </a:schemeClr>
+          </a:solidFill>
+          <a:prstDash val="solid"/>
+        </a:ln>
+        <a:effectLst/>
+      </dsp:spPr>
+      <dsp:style>
+        <a:lnRef idx="2">
+          <a:scrgbClr r="0" g="0" b="0"/>
+        </a:lnRef>
+        <a:fillRef idx="1">
+          <a:scrgbClr r="0" g="0" b="0"/>
+        </a:fillRef>
+        <a:effectRef idx="0">
+          <a:scrgbClr r="0" g="0" b="0"/>
+        </a:effectRef>
+        <a:fontRef idx="minor">
+          <a:schemeClr val="lt1"/>
+        </a:fontRef>
+      </dsp:style>
+    </dsp:sp>
+    <dsp:sp modelId="{4EF1E943-EAAA-45BD-AE66-F9F510130BA6}">
+      <dsp:nvSpPr>
+        <dsp:cNvPr id="0" name=""/>
+        <dsp:cNvSpPr/>
+      </dsp:nvSpPr>
+      <dsp:spPr>
+        <a:xfrm>
+          <a:off x="5775063" y="2227226"/>
+          <a:ext cx="2158460" cy="1370622"/>
+        </a:xfrm>
+        <a:prstGeom prst="roundRect">
+          <a:avLst>
+            <a:gd name="adj" fmla="val 10000"/>
+          </a:avLst>
+        </a:prstGeom>
+        <a:solidFill>
+          <a:schemeClr val="lt1">
+            <a:alpha val="90000"/>
+            <a:hueOff val="0"/>
+            <a:satOff val="0"/>
+            <a:lumOff val="0"/>
+            <a:alphaOff val="0"/>
+          </a:schemeClr>
+        </a:solidFill>
+        <a:ln w="12700" cap="flat" cmpd="sng" algn="ctr">
+          <a:solidFill>
+            <a:schemeClr val="accent3">
+              <a:hueOff val="0"/>
+              <a:satOff val="0"/>
+              <a:lumOff val="0"/>
+              <a:alphaOff val="0"/>
+            </a:schemeClr>
+          </a:solidFill>
+          <a:prstDash val="solid"/>
+        </a:ln>
+        <a:effectLst/>
+      </dsp:spPr>
+      <dsp:style>
+        <a:lnRef idx="2">
+          <a:scrgbClr r="0" g="0" b="0"/>
+        </a:lnRef>
+        <a:fillRef idx="1">
+          <a:scrgbClr r="0" g="0" b="0"/>
+        </a:fillRef>
+        <a:effectRef idx="0">
+          <a:scrgbClr r="0" g="0" b="0"/>
+        </a:effectRef>
+        <a:fontRef idx="minor"/>
+      </dsp:style>
+      <dsp:txBody>
+        <a:bodyPr spcFirstLastPara="0" vert="horz" wrap="square" lIns="64770" tIns="64770" rIns="64770" bIns="64770" numCol="1" spcCol="1270" anchor="ctr" anchorCtr="0">
+          <a:noAutofit/>
+        </a:bodyPr>
+        <a:lstStyle/>
+        <a:p>
+          <a:pPr marL="0" lvl="0" indent="0" algn="ctr" defTabSz="755650">
+            <a:lnSpc>
+              <a:spcPct val="90000"/>
+            </a:lnSpc>
+            <a:spcBef>
+              <a:spcPct val="0"/>
+            </a:spcBef>
+            <a:spcAft>
+              <a:spcPct val="35000"/>
+            </a:spcAft>
+            <a:buNone/>
+          </a:pPr>
+          <a:r>
+            <a:rPr lang="en-GB" sz="1700" kern="1200"/>
+            <a:t>Map view of the location of a device based on logged co-ordinates</a:t>
+          </a:r>
+          <a:endParaRPr lang="en-US" sz="1700" kern="1200"/>
+        </a:p>
+      </dsp:txBody>
+      <dsp:txXfrm>
+        <a:off x="5815207" y="2267370"/>
+        <a:ext cx="2078172" cy="1290334"/>
+      </dsp:txXfrm>
+    </dsp:sp>
+    <dsp:sp modelId="{5F8EA3B7-F547-41E0-830B-A1D68B3149BC}">
+      <dsp:nvSpPr>
+        <dsp:cNvPr id="0" name=""/>
+        <dsp:cNvSpPr/>
+      </dsp:nvSpPr>
+      <dsp:spPr>
+        <a:xfrm>
+          <a:off x="8173352" y="1014"/>
+          <a:ext cx="2158460" cy="1370622"/>
+        </a:xfrm>
+        <a:prstGeom prst="roundRect">
+          <a:avLst>
+            <a:gd name="adj" fmla="val 10000"/>
+          </a:avLst>
+        </a:prstGeom>
+        <a:solidFill>
+          <a:schemeClr val="accent1">
+            <a:hueOff val="0"/>
+            <a:satOff val="0"/>
+            <a:lumOff val="0"/>
+            <a:alphaOff val="0"/>
+          </a:schemeClr>
+        </a:solidFill>
+        <a:ln w="12700" cap="flat" cmpd="sng" algn="ctr">
+          <a:solidFill>
+            <a:schemeClr val="lt1">
+              <a:hueOff val="0"/>
+              <a:satOff val="0"/>
+              <a:lumOff val="0"/>
+              <a:alphaOff val="0"/>
+            </a:schemeClr>
+          </a:solidFill>
+          <a:prstDash val="solid"/>
+        </a:ln>
+        <a:effectLst/>
+      </dsp:spPr>
+      <dsp:style>
+        <a:lnRef idx="2">
+          <a:scrgbClr r="0" g="0" b="0"/>
+        </a:lnRef>
+        <a:fillRef idx="1">
+          <a:scrgbClr r="0" g="0" b="0"/>
+        </a:fillRef>
+        <a:effectRef idx="0">
+          <a:scrgbClr r="0" g="0" b="0"/>
+        </a:effectRef>
+        <a:fontRef idx="minor">
+          <a:schemeClr val="lt1"/>
+        </a:fontRef>
+      </dsp:style>
+    </dsp:sp>
+    <dsp:sp modelId="{6D141574-D189-410E-A9DE-F0A75D70CF2B}">
+      <dsp:nvSpPr>
+        <dsp:cNvPr id="0" name=""/>
+        <dsp:cNvSpPr/>
+      </dsp:nvSpPr>
+      <dsp:spPr>
+        <a:xfrm>
+          <a:off x="8413181" y="228852"/>
+          <a:ext cx="2158460" cy="1370622"/>
+        </a:xfrm>
+        <a:prstGeom prst="roundRect">
+          <a:avLst>
+            <a:gd name="adj" fmla="val 10000"/>
+          </a:avLst>
+        </a:prstGeom>
+        <a:solidFill>
+          <a:schemeClr val="lt1">
+            <a:alpha val="90000"/>
+            <a:hueOff val="0"/>
+            <a:satOff val="0"/>
+            <a:lumOff val="0"/>
+            <a:alphaOff val="0"/>
+          </a:schemeClr>
+        </a:solidFill>
+        <a:ln w="12700" cap="flat" cmpd="sng" algn="ctr">
+          <a:solidFill>
+            <a:schemeClr val="accent1">
+              <a:hueOff val="0"/>
+              <a:satOff val="0"/>
+              <a:lumOff val="0"/>
+              <a:alphaOff val="0"/>
+            </a:schemeClr>
+          </a:solidFill>
+          <a:prstDash val="solid"/>
+        </a:ln>
+        <a:effectLst/>
+      </dsp:spPr>
+      <dsp:style>
+        <a:lnRef idx="2">
+          <a:scrgbClr r="0" g="0" b="0"/>
+        </a:lnRef>
+        <a:fillRef idx="1">
+          <a:scrgbClr r="0" g="0" b="0"/>
+        </a:fillRef>
+        <a:effectRef idx="0">
+          <a:scrgbClr r="0" g="0" b="0"/>
+        </a:effectRef>
+        <a:fontRef idx="minor"/>
+      </dsp:style>
+      <dsp:txBody>
+        <a:bodyPr spcFirstLastPara="0" vert="horz" wrap="square" lIns="64770" tIns="64770" rIns="64770" bIns="64770" numCol="1" spcCol="1270" anchor="ctr" anchorCtr="0">
+          <a:noAutofit/>
+        </a:bodyPr>
+        <a:lstStyle/>
+        <a:p>
+          <a:pPr marL="0" lvl="0" indent="0" algn="ctr" defTabSz="755650">
+            <a:lnSpc>
+              <a:spcPct val="90000"/>
+            </a:lnSpc>
+            <a:spcBef>
+              <a:spcPct val="0"/>
+            </a:spcBef>
+            <a:spcAft>
+              <a:spcPct val="35000"/>
+            </a:spcAft>
+            <a:buNone/>
+          </a:pPr>
+          <a:r>
+            <a:rPr lang="en-GB" sz="1700" kern="1200"/>
+            <a:t>Qr Code Scanner</a:t>
+          </a:r>
+          <a:endParaRPr lang="en-US" sz="1700" kern="1200"/>
+        </a:p>
+      </dsp:txBody>
+      <dsp:txXfrm>
+        <a:off x="8453325" y="268996"/>
+        <a:ext cx="2078172" cy="1290334"/>
+      </dsp:txXfrm>
+    </dsp:sp>
+    <dsp:sp modelId="{35B4200E-26A9-4B96-A5F4-90A4277A130D}">
+      <dsp:nvSpPr>
+        <dsp:cNvPr id="0" name=""/>
+        <dsp:cNvSpPr/>
+      </dsp:nvSpPr>
+      <dsp:spPr>
+        <a:xfrm>
+          <a:off x="8173352" y="1999388"/>
+          <a:ext cx="2158460" cy="1370622"/>
+        </a:xfrm>
+        <a:prstGeom prst="roundRect">
+          <a:avLst>
+            <a:gd name="adj" fmla="val 10000"/>
+          </a:avLst>
+        </a:prstGeom>
+        <a:solidFill>
+          <a:schemeClr val="accent3">
+            <a:hueOff val="0"/>
+            <a:satOff val="0"/>
+            <a:lumOff val="0"/>
+            <a:alphaOff val="0"/>
+          </a:schemeClr>
+        </a:solidFill>
+        <a:ln w="12700" cap="flat" cmpd="sng" algn="ctr">
+          <a:solidFill>
+            <a:schemeClr val="lt1">
+              <a:hueOff val="0"/>
+              <a:satOff val="0"/>
+              <a:lumOff val="0"/>
+              <a:alphaOff val="0"/>
+            </a:schemeClr>
+          </a:solidFill>
+          <a:prstDash val="solid"/>
+        </a:ln>
+        <a:effectLst/>
+      </dsp:spPr>
+      <dsp:style>
+        <a:lnRef idx="2">
+          <a:scrgbClr r="0" g="0" b="0"/>
+        </a:lnRef>
+        <a:fillRef idx="1">
+          <a:scrgbClr r="0" g="0" b="0"/>
+        </a:fillRef>
+        <a:effectRef idx="0">
+          <a:scrgbClr r="0" g="0" b="0"/>
+        </a:effectRef>
+        <a:fontRef idx="minor">
+          <a:schemeClr val="lt1"/>
+        </a:fontRef>
+      </dsp:style>
+    </dsp:sp>
+    <dsp:sp modelId="{19D3CBE3-9E9D-40EC-9287-8938E935ECCF}">
+      <dsp:nvSpPr>
+        <dsp:cNvPr id="0" name=""/>
+        <dsp:cNvSpPr/>
+      </dsp:nvSpPr>
+      <dsp:spPr>
+        <a:xfrm>
+          <a:off x="8413181" y="2227226"/>
+          <a:ext cx="2158460" cy="1370622"/>
+        </a:xfrm>
+        <a:prstGeom prst="roundRect">
+          <a:avLst>
+            <a:gd name="adj" fmla="val 10000"/>
+          </a:avLst>
+        </a:prstGeom>
+        <a:solidFill>
+          <a:schemeClr val="lt1">
+            <a:alpha val="90000"/>
+            <a:hueOff val="0"/>
+            <a:satOff val="0"/>
+            <a:lumOff val="0"/>
+            <a:alphaOff val="0"/>
+          </a:schemeClr>
+        </a:solidFill>
+        <a:ln w="12700" cap="flat" cmpd="sng" algn="ctr">
+          <a:solidFill>
+            <a:schemeClr val="accent3">
+              <a:hueOff val="0"/>
+              <a:satOff val="0"/>
+              <a:lumOff val="0"/>
+              <a:alphaOff val="0"/>
+            </a:schemeClr>
+          </a:solidFill>
+          <a:prstDash val="solid"/>
+        </a:ln>
+        <a:effectLst/>
+      </dsp:spPr>
+      <dsp:style>
+        <a:lnRef idx="2">
+          <a:scrgbClr r="0" g="0" b="0"/>
+        </a:lnRef>
+        <a:fillRef idx="1">
+          <a:scrgbClr r="0" g="0" b="0"/>
+        </a:fillRef>
+        <a:effectRef idx="0">
+          <a:scrgbClr r="0" g="0" b="0"/>
+        </a:effectRef>
+        <a:fontRef idx="minor"/>
+      </dsp:style>
+      <dsp:txBody>
+        <a:bodyPr spcFirstLastPara="0" vert="horz" wrap="square" lIns="64770" tIns="64770" rIns="64770" bIns="64770" numCol="1" spcCol="1270" anchor="ctr" anchorCtr="0">
+          <a:noAutofit/>
+        </a:bodyPr>
+        <a:lstStyle/>
+        <a:p>
+          <a:pPr marL="0" lvl="0" indent="0" algn="ctr" defTabSz="755650">
+            <a:lnSpc>
+              <a:spcPct val="90000"/>
+            </a:lnSpc>
+            <a:spcBef>
+              <a:spcPct val="0"/>
+            </a:spcBef>
+            <a:spcAft>
+              <a:spcPct val="35000"/>
+            </a:spcAft>
+            <a:buNone/>
+          </a:pPr>
+          <a:r>
+            <a:rPr lang="en-GB" sz="1700" kern="1200"/>
+            <a:t>Qr Code scanner to easily manage devices on location</a:t>
+          </a:r>
+          <a:endParaRPr lang="en-US" sz="1700" kern="1200"/>
+        </a:p>
+      </dsp:txBody>
+      <dsp:txXfrm>
+        <a:off x="8453325" y="2267370"/>
+        <a:ext cx="2078172" cy="1290334"/>
+      </dsp:txXfrm>
+    </dsp:sp>
+  </dsp:spTree>
+</dsp:drawing>
+</file>
+
 <file path=ppt/diagrams/layout1.xml><?xml version="1.0" encoding="utf-8"?>
 <dgm:layoutDef xmlns:dgm="http://schemas.openxmlformats.org/drawingml/2006/diagram" xmlns:a="http://schemas.openxmlformats.org/drawingml/2006/main" uniqueId="urn:microsoft.com/office/officeart/2005/8/layout/process4">
   <dgm:title val=""/>
@@ -9026,6 +11498,569 @@
 </dgm:layoutDef>
 </file>
 
+<file path=ppt/diagrams/layout5.xml><?xml version="1.0" encoding="utf-8"?>
+<dgm:layoutDef xmlns:dgm="http://schemas.openxmlformats.org/drawingml/2006/diagram" xmlns:a="http://schemas.openxmlformats.org/drawingml/2006/main" uniqueId="urn:microsoft.com/office/officeart/2005/8/layout/hierarchy1">
+  <dgm:title val=""/>
+  <dgm:desc val=""/>
+  <dgm:catLst>
+    <dgm:cat type="hierarchy" pri="2000"/>
+  </dgm:catLst>
+  <dgm:sampData>
+    <dgm:dataModel>
+      <dgm:ptLst>
+        <dgm:pt modelId="0" type="doc"/>
+        <dgm:pt modelId="1">
+          <dgm:prSet phldr="1"/>
+        </dgm:pt>
+        <dgm:pt modelId="2">
+          <dgm:prSet phldr="1"/>
+        </dgm:pt>
+        <dgm:pt modelId="21">
+          <dgm:prSet phldr="1"/>
+        </dgm:pt>
+        <dgm:pt modelId="22">
+          <dgm:prSet phldr="1"/>
+        </dgm:pt>
+        <dgm:pt modelId="3">
+          <dgm:prSet phldr="1"/>
+        </dgm:pt>
+        <dgm:pt modelId="31">
+          <dgm:prSet phldr="1"/>
+        </dgm:pt>
+      </dgm:ptLst>
+      <dgm:cxnLst>
+        <dgm:cxn modelId="4" srcId="0" destId="1" srcOrd="0" destOrd="0"/>
+        <dgm:cxn modelId="5" srcId="1" destId="2" srcOrd="0" destOrd="0"/>
+        <dgm:cxn modelId="6" srcId="1" destId="3" srcOrd="1" destOrd="0"/>
+        <dgm:cxn modelId="23" srcId="2" destId="21" srcOrd="0" destOrd="0"/>
+        <dgm:cxn modelId="24" srcId="2" destId="22" srcOrd="1" destOrd="0"/>
+        <dgm:cxn modelId="33" srcId="3" destId="31" srcOrd="0" destOrd="0"/>
+      </dgm:cxnLst>
+      <dgm:bg/>
+      <dgm:whole/>
+    </dgm:dataModel>
+  </dgm:sampData>
+  <dgm:styleData>
+    <dgm:dataModel>
+      <dgm:ptLst>
+        <dgm:pt modelId="0" type="doc"/>
+        <dgm:pt modelId="1"/>
+        <dgm:pt modelId="11"/>
+        <dgm:pt modelId="12"/>
+      </dgm:ptLst>
+      <dgm:cxnLst>
+        <dgm:cxn modelId="2" srcId="0" destId="1" srcOrd="0" destOrd="0"/>
+        <dgm:cxn modelId="13" srcId="1" destId="11" srcOrd="0" destOrd="0"/>
+        <dgm:cxn modelId="14" srcId="1" destId="12" srcOrd="1" destOrd="0"/>
+      </dgm:cxnLst>
+      <dgm:bg/>
+      <dgm:whole/>
+    </dgm:dataModel>
+  </dgm:styleData>
+  <dgm:clrData>
+    <dgm:dataModel>
+      <dgm:ptLst>
+        <dgm:pt modelId="0" type="doc"/>
+        <dgm:pt modelId="1"/>
+        <dgm:pt modelId="2"/>
+        <dgm:pt modelId="21"/>
+        <dgm:pt modelId="211"/>
+        <dgm:pt modelId="3"/>
+        <dgm:pt modelId="31"/>
+        <dgm:pt modelId="311"/>
+      </dgm:ptLst>
+      <dgm:cxnLst>
+        <dgm:cxn modelId="4" srcId="0" destId="1" srcOrd="0" destOrd="0"/>
+        <dgm:cxn modelId="5" srcId="1" destId="2" srcOrd="0" destOrd="0"/>
+        <dgm:cxn modelId="6" srcId="1" destId="3" srcOrd="1" destOrd="0"/>
+        <dgm:cxn modelId="23" srcId="2" destId="21" srcOrd="0" destOrd="0"/>
+        <dgm:cxn modelId="24" srcId="21" destId="211" srcOrd="0" destOrd="0"/>
+        <dgm:cxn modelId="33" srcId="3" destId="31" srcOrd="0" destOrd="0"/>
+        <dgm:cxn modelId="34" srcId="31" destId="311" srcOrd="0" destOrd="0"/>
+      </dgm:cxnLst>
+      <dgm:bg/>
+      <dgm:whole/>
+    </dgm:dataModel>
+  </dgm:clrData>
+  <dgm:layoutNode name="hierChild1">
+    <dgm:varLst>
+      <dgm:chPref val="1"/>
+      <dgm:dir/>
+      <dgm:animOne val="branch"/>
+      <dgm:animLvl val="lvl"/>
+      <dgm:resizeHandles/>
+    </dgm:varLst>
+    <dgm:choose name="Name0">
+      <dgm:if name="Name1" func="var" arg="dir" op="equ" val="norm">
+        <dgm:alg type="hierChild">
+          <dgm:param type="linDir" val="fromL"/>
+        </dgm:alg>
+      </dgm:if>
+      <dgm:else name="Name2">
+        <dgm:alg type="hierChild">
+          <dgm:param type="linDir" val="fromR"/>
+        </dgm:alg>
+      </dgm:else>
+    </dgm:choose>
+    <dgm:shape xmlns:r="http://schemas.openxmlformats.org/officeDocument/2006/relationships" r:blip="">
+      <dgm:adjLst/>
+    </dgm:shape>
+    <dgm:presOf/>
+    <dgm:constrLst>
+      <dgm:constr type="primFontSz" for="des" ptType="node" op="equ" val="65"/>
+      <dgm:constr type="w" for="des" forName="composite" refType="w"/>
+      <dgm:constr type="h" for="des" forName="composite" refType="w" refFor="des" refForName="composite" fact="0.667"/>
+      <dgm:constr type="w" for="des" forName="composite2" refType="w" refFor="des" refForName="composite"/>
+      <dgm:constr type="h" for="des" forName="composite2" refType="h" refFor="des" refForName="composite"/>
+      <dgm:constr type="w" for="des" forName="composite3" refType="w" refFor="des" refForName="composite"/>
+      <dgm:constr type="h" for="des" forName="composite3" refType="h" refFor="des" refForName="composite"/>
+      <dgm:constr type="w" for="des" forName="composite4" refType="w" refFor="des" refForName="composite"/>
+      <dgm:constr type="h" for="des" forName="composite4" refType="h" refFor="des" refForName="composite"/>
+      <dgm:constr type="w" for="des" forName="composite5" refType="w" refFor="des" refForName="composite"/>
+      <dgm:constr type="h" for="des" forName="composite5" refType="h" refFor="des" refForName="composite"/>
+      <dgm:constr type="sibSp" refType="w" refFor="des" refForName="composite" fact="0.1"/>
+      <dgm:constr type="sibSp" for="des" forName="hierChild2" refType="sibSp"/>
+      <dgm:constr type="sibSp" for="des" forName="hierChild3" refType="sibSp"/>
+      <dgm:constr type="sibSp" for="des" forName="hierChild4" refType="sibSp"/>
+      <dgm:constr type="sibSp" for="des" forName="hierChild5" refType="sibSp"/>
+      <dgm:constr type="sibSp" for="des" forName="hierChild6" refType="sibSp"/>
+      <dgm:constr type="sp" for="des" forName="hierRoot1" refType="h" refFor="des" refForName="composite" fact="0.25"/>
+      <dgm:constr type="sp" for="des" forName="hierRoot2" refType="sp" refFor="des" refForName="hierRoot1"/>
+      <dgm:constr type="sp" for="des" forName="hierRoot3" refType="sp" refFor="des" refForName="hierRoot1"/>
+      <dgm:constr type="sp" for="des" forName="hierRoot4" refType="sp" refFor="des" refForName="hierRoot1"/>
+      <dgm:constr type="sp" for="des" forName="hierRoot5" refType="sp" refFor="des" refForName="hierRoot1"/>
+    </dgm:constrLst>
+    <dgm:ruleLst/>
+    <dgm:forEach name="Name3" axis="ch">
+      <dgm:forEach name="Name4" axis="self" ptType="node">
+        <dgm:layoutNode name="hierRoot1">
+          <dgm:alg type="hierRoot"/>
+          <dgm:shape xmlns:r="http://schemas.openxmlformats.org/officeDocument/2006/relationships" r:blip="">
+            <dgm:adjLst/>
+          </dgm:shape>
+          <dgm:presOf/>
+          <dgm:constrLst>
+            <dgm:constr type="bendDist" for="des" ptType="parTrans" refType="sp" fact="0.5"/>
+          </dgm:constrLst>
+          <dgm:ruleLst/>
+          <dgm:layoutNode name="composite">
+            <dgm:alg type="composite"/>
+            <dgm:shape xmlns:r="http://schemas.openxmlformats.org/officeDocument/2006/relationships" r:blip="">
+              <dgm:adjLst/>
+            </dgm:shape>
+            <dgm:presOf/>
+            <dgm:constrLst>
+              <dgm:constr type="w" for="ch" forName="background" refType="w" fact="0.9"/>
+              <dgm:constr type="h" for="ch" forName="background" refType="w" refFor="ch" refForName="background" fact="0.635"/>
+              <dgm:constr type="t" for="ch" forName="background"/>
+              <dgm:constr type="l" for="ch" forName="background"/>
+              <dgm:constr type="w" for="ch" forName="text" refType="w" fact="0.9"/>
+              <dgm:constr type="h" for="ch" forName="text" refType="w" refFor="ch" refForName="text" fact="0.635"/>
+              <dgm:constr type="t" for="ch" forName="text" refType="w" fact="0.095"/>
+              <dgm:constr type="l" for="ch" forName="text" refType="w" fact="0.1"/>
+            </dgm:constrLst>
+            <dgm:ruleLst/>
+            <dgm:layoutNode name="background" styleLbl="node0" moveWith="text">
+              <dgm:alg type="sp"/>
+              <dgm:shape xmlns:r="http://schemas.openxmlformats.org/officeDocument/2006/relationships" type="roundRect" r:blip="">
+                <dgm:adjLst>
+                  <dgm:adj idx="1" val="0.1"/>
+                </dgm:adjLst>
+              </dgm:shape>
+              <dgm:presOf/>
+              <dgm:constrLst/>
+              <dgm:ruleLst/>
+            </dgm:layoutNode>
+            <dgm:layoutNode name="text" styleLbl="fgAcc0">
+              <dgm:varLst>
+                <dgm:chPref val="3"/>
+              </dgm:varLst>
+              <dgm:alg type="tx"/>
+              <dgm:shape xmlns:r="http://schemas.openxmlformats.org/officeDocument/2006/relationships" type="roundRect" r:blip="">
+                <dgm:adjLst>
+                  <dgm:adj idx="1" val="0.1"/>
+                </dgm:adjLst>
+              </dgm:shape>
+              <dgm:presOf axis="self"/>
+              <dgm:constrLst>
+                <dgm:constr type="tMarg" refType="primFontSz" fact="0.3"/>
+                <dgm:constr type="bMarg" refType="primFontSz" fact="0.3"/>
+                <dgm:constr type="lMarg" refType="primFontSz" fact="0.3"/>
+                <dgm:constr type="rMarg" refType="primFontSz" fact="0.3"/>
+              </dgm:constrLst>
+              <dgm:ruleLst>
+                <dgm:rule type="primFontSz" val="5" fact="NaN" max="NaN"/>
+              </dgm:ruleLst>
+            </dgm:layoutNode>
+          </dgm:layoutNode>
+          <dgm:layoutNode name="hierChild2">
+            <dgm:choose name="Name5">
+              <dgm:if name="Name6" func="var" arg="dir" op="equ" val="norm">
+                <dgm:alg type="hierChild">
+                  <dgm:param type="linDir" val="fromL"/>
+                </dgm:alg>
+              </dgm:if>
+              <dgm:else name="Name7">
+                <dgm:alg type="hierChild">
+                  <dgm:param type="linDir" val="fromR"/>
+                </dgm:alg>
+              </dgm:else>
+            </dgm:choose>
+            <dgm:shape xmlns:r="http://schemas.openxmlformats.org/officeDocument/2006/relationships" r:blip="">
+              <dgm:adjLst/>
+            </dgm:shape>
+            <dgm:presOf/>
+            <dgm:constrLst/>
+            <dgm:ruleLst/>
+            <dgm:forEach name="Name8" axis="ch">
+              <dgm:forEach name="Name9" axis="self" ptType="parTrans" cnt="1">
+                <dgm:layoutNode name="Name10">
+                  <dgm:alg type="conn">
+                    <dgm:param type="dim" val="1D"/>
+                    <dgm:param type="endSty" val="noArr"/>
+                    <dgm:param type="connRout" val="bend"/>
+                    <dgm:param type="bendPt" val="end"/>
+                    <dgm:param type="begPts" val="bCtr"/>
+                    <dgm:param type="endPts" val="tCtr"/>
+                    <dgm:param type="srcNode" val="background"/>
+                    <dgm:param type="dstNode" val="background2"/>
+                  </dgm:alg>
+                  <dgm:shape xmlns:r="http://schemas.openxmlformats.org/officeDocument/2006/relationships" type="conn" r:blip="" zOrderOff="-999">
+                    <dgm:adjLst/>
+                  </dgm:shape>
+                  <dgm:presOf axis="self"/>
+                  <dgm:constrLst>
+                    <dgm:constr type="begPad"/>
+                    <dgm:constr type="endPad"/>
+                  </dgm:constrLst>
+                  <dgm:ruleLst/>
+                </dgm:layoutNode>
+              </dgm:forEach>
+              <dgm:forEach name="Name11" axis="self" ptType="node">
+                <dgm:layoutNode name="hierRoot2">
+                  <dgm:alg type="hierRoot"/>
+                  <dgm:shape xmlns:r="http://schemas.openxmlformats.org/officeDocument/2006/relationships" r:blip="">
+                    <dgm:adjLst/>
+                  </dgm:shape>
+                  <dgm:presOf/>
+                  <dgm:constrLst>
+                    <dgm:constr type="bendDist" for="des" ptType="parTrans" refType="sp" fact="0.5"/>
+                  </dgm:constrLst>
+                  <dgm:ruleLst/>
+                  <dgm:layoutNode name="composite2">
+                    <dgm:alg type="composite"/>
+                    <dgm:shape xmlns:r="http://schemas.openxmlformats.org/officeDocument/2006/relationships" r:blip="">
+                      <dgm:adjLst/>
+                    </dgm:shape>
+                    <dgm:presOf/>
+                    <dgm:constrLst>
+                      <dgm:constr type="w" for="ch" forName="background2" refType="w" fact="0.9"/>
+                      <dgm:constr type="h" for="ch" forName="background2" refType="w" refFor="ch" refForName="background2" fact="0.635"/>
+                      <dgm:constr type="t" for="ch" forName="background2"/>
+                      <dgm:constr type="l" for="ch" forName="background2"/>
+                      <dgm:constr type="w" for="ch" forName="text2" refType="w" fact="0.9"/>
+                      <dgm:constr type="h" for="ch" forName="text2" refType="w" refFor="ch" refForName="text2" fact="0.635"/>
+                      <dgm:constr type="t" for="ch" forName="text2" refType="w" fact="0.095"/>
+                      <dgm:constr type="l" for="ch" forName="text2" refType="w" fact="0.1"/>
+                    </dgm:constrLst>
+                    <dgm:ruleLst/>
+                    <dgm:layoutNode name="background2" moveWith="text2">
+                      <dgm:alg type="sp"/>
+                      <dgm:shape xmlns:r="http://schemas.openxmlformats.org/officeDocument/2006/relationships" type="roundRect" r:blip="">
+                        <dgm:adjLst>
+                          <dgm:adj idx="1" val="0.1"/>
+                        </dgm:adjLst>
+                      </dgm:shape>
+                      <dgm:presOf/>
+                      <dgm:constrLst/>
+                      <dgm:ruleLst/>
+                    </dgm:layoutNode>
+                    <dgm:layoutNode name="text2" styleLbl="fgAcc2">
+                      <dgm:varLst>
+                        <dgm:chPref val="3"/>
+                      </dgm:varLst>
+                      <dgm:alg type="tx"/>
+                      <dgm:shape xmlns:r="http://schemas.openxmlformats.org/officeDocument/2006/relationships" type="roundRect" r:blip="">
+                        <dgm:adjLst>
+                          <dgm:adj idx="1" val="0.1"/>
+                        </dgm:adjLst>
+                      </dgm:shape>
+                      <dgm:presOf axis="self"/>
+                      <dgm:constrLst>
+                        <dgm:constr type="tMarg" refType="primFontSz" fact="0.3"/>
+                        <dgm:constr type="bMarg" refType="primFontSz" fact="0.3"/>
+                        <dgm:constr type="lMarg" refType="primFontSz" fact="0.3"/>
+                        <dgm:constr type="rMarg" refType="primFontSz" fact="0.3"/>
+                      </dgm:constrLst>
+                      <dgm:ruleLst>
+                        <dgm:rule type="primFontSz" val="5" fact="NaN" max="NaN"/>
+                      </dgm:ruleLst>
+                    </dgm:layoutNode>
+                  </dgm:layoutNode>
+                  <dgm:layoutNode name="hierChild3">
+                    <dgm:choose name="Name12">
+                      <dgm:if name="Name13" func="var" arg="dir" op="equ" val="norm">
+                        <dgm:alg type="hierChild">
+                          <dgm:param type="linDir" val="fromL"/>
+                        </dgm:alg>
+                      </dgm:if>
+                      <dgm:else name="Name14">
+                        <dgm:alg type="hierChild">
+                          <dgm:param type="linDir" val="fromR"/>
+                        </dgm:alg>
+                      </dgm:else>
+                    </dgm:choose>
+                    <dgm:shape xmlns:r="http://schemas.openxmlformats.org/officeDocument/2006/relationships" r:blip="">
+                      <dgm:adjLst/>
+                    </dgm:shape>
+                    <dgm:presOf/>
+                    <dgm:constrLst/>
+                    <dgm:ruleLst/>
+                    <dgm:forEach name="Name15" axis="ch">
+                      <dgm:forEach name="Name16" axis="self" ptType="parTrans" cnt="1">
+                        <dgm:layoutNode name="Name17">
+                          <dgm:alg type="conn">
+                            <dgm:param type="dim" val="1D"/>
+                            <dgm:param type="endSty" val="noArr"/>
+                            <dgm:param type="connRout" val="bend"/>
+                            <dgm:param type="bendPt" val="end"/>
+                            <dgm:param type="begPts" val="bCtr"/>
+                            <dgm:param type="endPts" val="tCtr"/>
+                            <dgm:param type="srcNode" val="background2"/>
+                            <dgm:param type="dstNode" val="background3"/>
+                          </dgm:alg>
+                          <dgm:shape xmlns:r="http://schemas.openxmlformats.org/officeDocument/2006/relationships" type="conn" r:blip="" zOrderOff="-999">
+                            <dgm:adjLst/>
+                          </dgm:shape>
+                          <dgm:presOf axis="self"/>
+                          <dgm:constrLst>
+                            <dgm:constr type="begPad"/>
+                            <dgm:constr type="endPad"/>
+                          </dgm:constrLst>
+                          <dgm:ruleLst/>
+                        </dgm:layoutNode>
+                      </dgm:forEach>
+                      <dgm:forEach name="Name18" axis="self" ptType="node">
+                        <dgm:layoutNode name="hierRoot3">
+                          <dgm:alg type="hierRoot"/>
+                          <dgm:shape xmlns:r="http://schemas.openxmlformats.org/officeDocument/2006/relationships" r:blip="">
+                            <dgm:adjLst/>
+                          </dgm:shape>
+                          <dgm:presOf/>
+                          <dgm:constrLst>
+                            <dgm:constr type="bendDist" for="des" ptType="parTrans" refType="sp" fact="0.5"/>
+                          </dgm:constrLst>
+                          <dgm:ruleLst/>
+                          <dgm:layoutNode name="composite3">
+                            <dgm:alg type="composite"/>
+                            <dgm:shape xmlns:r="http://schemas.openxmlformats.org/officeDocument/2006/relationships" r:blip="">
+                              <dgm:adjLst/>
+                            </dgm:shape>
+                            <dgm:presOf/>
+                            <dgm:constrLst>
+                              <dgm:constr type="w" for="ch" forName="background3" refType="w" fact="0.9"/>
+                              <dgm:constr type="h" for="ch" forName="background3" refType="w" refFor="ch" refForName="background3" fact="0.635"/>
+                              <dgm:constr type="t" for="ch" forName="background3"/>
+                              <dgm:constr type="l" for="ch" forName="background3"/>
+                              <dgm:constr type="w" for="ch" forName="text3" refType="w" fact="0.9"/>
+                              <dgm:constr type="h" for="ch" forName="text3" refType="w" refFor="ch" refForName="text3" fact="0.635"/>
+                              <dgm:constr type="t" for="ch" forName="text3" refType="w" fact="0.095"/>
+                              <dgm:constr type="l" for="ch" forName="text3" refType="w" fact="0.1"/>
+                            </dgm:constrLst>
+                            <dgm:ruleLst/>
+                            <dgm:layoutNode name="background3" moveWith="text3">
+                              <dgm:alg type="sp"/>
+                              <dgm:shape xmlns:r="http://schemas.openxmlformats.org/officeDocument/2006/relationships" type="roundRect" r:blip="">
+                                <dgm:adjLst>
+                                  <dgm:adj idx="1" val="0.1"/>
+                                </dgm:adjLst>
+                              </dgm:shape>
+                              <dgm:presOf/>
+                              <dgm:constrLst/>
+                              <dgm:ruleLst/>
+                            </dgm:layoutNode>
+                            <dgm:layoutNode name="text3" styleLbl="fgAcc3">
+                              <dgm:varLst>
+                                <dgm:chPref val="3"/>
+                              </dgm:varLst>
+                              <dgm:alg type="tx"/>
+                              <dgm:shape xmlns:r="http://schemas.openxmlformats.org/officeDocument/2006/relationships" type="roundRect" r:blip="">
+                                <dgm:adjLst>
+                                  <dgm:adj idx="1" val="0.1"/>
+                                </dgm:adjLst>
+                              </dgm:shape>
+                              <dgm:presOf axis="self"/>
+                              <dgm:constrLst>
+                                <dgm:constr type="tMarg" refType="primFontSz" fact="0.3"/>
+                                <dgm:constr type="bMarg" refType="primFontSz" fact="0.3"/>
+                                <dgm:constr type="lMarg" refType="primFontSz" fact="0.3"/>
+                                <dgm:constr type="rMarg" refType="primFontSz" fact="0.3"/>
+                              </dgm:constrLst>
+                              <dgm:ruleLst>
+                                <dgm:rule type="primFontSz" val="5" fact="NaN" max="NaN"/>
+                              </dgm:ruleLst>
+                            </dgm:layoutNode>
+                          </dgm:layoutNode>
+                          <dgm:layoutNode name="hierChild4">
+                            <dgm:choose name="Name19">
+                              <dgm:if name="Name20" func="var" arg="dir" op="equ" val="norm">
+                                <dgm:alg type="hierChild">
+                                  <dgm:param type="linDir" val="fromL"/>
+                                </dgm:alg>
+                              </dgm:if>
+                              <dgm:else name="Name21">
+                                <dgm:alg type="hierChild">
+                                  <dgm:param type="linDir" val="fromR"/>
+                                </dgm:alg>
+                              </dgm:else>
+                            </dgm:choose>
+                            <dgm:shape xmlns:r="http://schemas.openxmlformats.org/officeDocument/2006/relationships" r:blip="">
+                              <dgm:adjLst/>
+                            </dgm:shape>
+                            <dgm:presOf/>
+                            <dgm:constrLst/>
+                            <dgm:ruleLst/>
+                            <dgm:forEach name="repeat" axis="ch">
+                              <dgm:forEach name="Name22" axis="self" ptType="parTrans" cnt="1">
+                                <dgm:layoutNode name="Name23">
+                                  <dgm:choose name="Name24">
+                                    <dgm:if name="Name25" axis="self" func="depth" op="lte" val="4">
+                                      <dgm:alg type="conn">
+                                        <dgm:param type="dim" val="1D"/>
+                                        <dgm:param type="endSty" val="noArr"/>
+                                        <dgm:param type="connRout" val="bend"/>
+                                        <dgm:param type="bendPt" val="end"/>
+                                        <dgm:param type="begPts" val="bCtr"/>
+                                        <dgm:param type="endPts" val="tCtr"/>
+                                        <dgm:param type="srcNode" val="background3"/>
+                                        <dgm:param type="dstNode" val="background4"/>
+                                      </dgm:alg>
+                                    </dgm:if>
+                                    <dgm:else name="Name26">
+                                      <dgm:alg type="conn">
+                                        <dgm:param type="dim" val="1D"/>
+                                        <dgm:param type="endSty" val="noArr"/>
+                                        <dgm:param type="connRout" val="bend"/>
+                                        <dgm:param type="bendPt" val="end"/>
+                                        <dgm:param type="begPts" val="bCtr"/>
+                                        <dgm:param type="endPts" val="tCtr"/>
+                                        <dgm:param type="srcNode" val="background4"/>
+                                        <dgm:param type="dstNode" val="background4"/>
+                                      </dgm:alg>
+                                    </dgm:else>
+                                  </dgm:choose>
+                                  <dgm:shape xmlns:r="http://schemas.openxmlformats.org/officeDocument/2006/relationships" type="conn" r:blip="" zOrderOff="-999">
+                                    <dgm:adjLst/>
+                                  </dgm:shape>
+                                  <dgm:presOf axis="self"/>
+                                  <dgm:constrLst>
+                                    <dgm:constr type="begPad"/>
+                                    <dgm:constr type="endPad"/>
+                                  </dgm:constrLst>
+                                  <dgm:ruleLst/>
+                                </dgm:layoutNode>
+                              </dgm:forEach>
+                              <dgm:forEach name="Name27" axis="self" ptType="node">
+                                <dgm:layoutNode name="hierRoot4">
+                                  <dgm:alg type="hierRoot"/>
+                                  <dgm:shape xmlns:r="http://schemas.openxmlformats.org/officeDocument/2006/relationships" r:blip="">
+                                    <dgm:adjLst/>
+                                  </dgm:shape>
+                                  <dgm:presOf/>
+                                  <dgm:constrLst>
+                                    <dgm:constr type="bendDist" for="des" ptType="parTrans" refType="sp" fact="0.5"/>
+                                  </dgm:constrLst>
+                                  <dgm:ruleLst/>
+                                  <dgm:layoutNode name="composite4">
+                                    <dgm:alg type="composite"/>
+                                    <dgm:shape xmlns:r="http://schemas.openxmlformats.org/officeDocument/2006/relationships" r:blip="">
+                                      <dgm:adjLst/>
+                                    </dgm:shape>
+                                    <dgm:presOf/>
+                                    <dgm:constrLst>
+                                      <dgm:constr type="w" for="ch" forName="background4" refType="w" fact="0.9"/>
+                                      <dgm:constr type="h" for="ch" forName="background4" refType="w" refFor="ch" refForName="background4" fact="0.635"/>
+                                      <dgm:constr type="t" for="ch" forName="background4"/>
+                                      <dgm:constr type="l" for="ch" forName="background4"/>
+                                      <dgm:constr type="w" for="ch" forName="text4" refType="w" fact="0.9"/>
+                                      <dgm:constr type="h" for="ch" forName="text4" refType="w" refFor="ch" refForName="text4" fact="0.635"/>
+                                      <dgm:constr type="t" for="ch" forName="text4" refType="w" fact="0.095"/>
+                                      <dgm:constr type="l" for="ch" forName="text4" refType="w" fact="0.1"/>
+                                    </dgm:constrLst>
+                                    <dgm:ruleLst/>
+                                    <dgm:layoutNode name="background4" moveWith="text4">
+                                      <dgm:alg type="sp"/>
+                                      <dgm:shape xmlns:r="http://schemas.openxmlformats.org/officeDocument/2006/relationships" type="roundRect" r:blip="">
+                                        <dgm:adjLst>
+                                          <dgm:adj idx="1" val="0.1"/>
+                                        </dgm:adjLst>
+                                      </dgm:shape>
+                                      <dgm:presOf/>
+                                      <dgm:constrLst/>
+                                      <dgm:ruleLst/>
+                                    </dgm:layoutNode>
+                                    <dgm:layoutNode name="text4" styleLbl="fgAcc4">
+                                      <dgm:varLst>
+                                        <dgm:chPref val="3"/>
+                                      </dgm:varLst>
+                                      <dgm:alg type="tx"/>
+                                      <dgm:shape xmlns:r="http://schemas.openxmlformats.org/officeDocument/2006/relationships" type="roundRect" r:blip="">
+                                        <dgm:adjLst>
+                                          <dgm:adj idx="1" val="0.1"/>
+                                        </dgm:adjLst>
+                                      </dgm:shape>
+                                      <dgm:presOf axis="self"/>
+                                      <dgm:constrLst>
+                                        <dgm:constr type="tMarg" refType="primFontSz" fact="0.3"/>
+                                        <dgm:constr type="bMarg" refType="primFontSz" fact="0.3"/>
+                                        <dgm:constr type="lMarg" refType="primFontSz" fact="0.3"/>
+                                        <dgm:constr type="rMarg" refType="primFontSz" fact="0.3"/>
+                                      </dgm:constrLst>
+                                      <dgm:ruleLst>
+                                        <dgm:rule type="primFontSz" val="5" fact="NaN" max="NaN"/>
+                                      </dgm:ruleLst>
+                                    </dgm:layoutNode>
+                                  </dgm:layoutNode>
+                                  <dgm:layoutNode name="hierChild5">
+                                    <dgm:choose name="Name28">
+                                      <dgm:if name="Name29" func="var" arg="dir" op="equ" val="norm">
+                                        <dgm:alg type="hierChild">
+                                          <dgm:param type="linDir" val="fromL"/>
+                                        </dgm:alg>
+                                      </dgm:if>
+                                      <dgm:else name="Name30">
+                                        <dgm:alg type="hierChild">
+                                          <dgm:param type="linDir" val="fromR"/>
+                                        </dgm:alg>
+                                      </dgm:else>
+                                    </dgm:choose>
+                                    <dgm:shape xmlns:r="http://schemas.openxmlformats.org/officeDocument/2006/relationships" r:blip="">
+                                      <dgm:adjLst/>
+                                    </dgm:shape>
+                                    <dgm:presOf/>
+                                    <dgm:constrLst/>
+                                    <dgm:ruleLst/>
+                                    <dgm:forEach name="Name31" ref="repeat"/>
+                                  </dgm:layoutNode>
+                                </dgm:layoutNode>
+                              </dgm:forEach>
+                            </dgm:forEach>
+                          </dgm:layoutNode>
+                        </dgm:layoutNode>
+                      </dgm:forEach>
+                    </dgm:forEach>
+                  </dgm:layoutNode>
+                </dgm:layoutNode>
+              </dgm:forEach>
+            </dgm:forEach>
+          </dgm:layoutNode>
+        </dgm:layoutNode>
+      </dgm:forEach>
+    </dgm:forEach>
+  </dgm:layoutNode>
+</dgm:layoutDef>
+</file>
+
 <file path=ppt/diagrams/quickStyle1.xml><?xml version="1.0" encoding="utf-8"?>
 <dgm:styleDef xmlns:dgm="http://schemas.openxmlformats.org/drawingml/2006/diagram" xmlns:a="http://schemas.openxmlformats.org/drawingml/2006/main" uniqueId="urn:microsoft.com/office/officeart/2005/8/quickstyle/simple1">
   <dgm:title val=""/>
@@ -12129,6 +15164,1040 @@
 </file>
 
 <file path=ppt/diagrams/quickStyle4.xml><?xml version="1.0" encoding="utf-8"?>
+<dgm:styleDef xmlns:dgm="http://schemas.openxmlformats.org/drawingml/2006/diagram" xmlns:a="http://schemas.openxmlformats.org/drawingml/2006/main" uniqueId="urn:microsoft.com/office/officeart/2005/8/quickstyle/simple1">
+  <dgm:title val=""/>
+  <dgm:desc val=""/>
+  <dgm:catLst>
+    <dgm:cat type="simple" pri="10100"/>
+  </dgm:catLst>
+  <dgm:scene3d>
+    <a:camera prst="orthographicFront"/>
+    <a:lightRig rig="threePt" dir="t"/>
+  </dgm:scene3d>
+  <dgm:styleLbl name="node0">
+    <dgm:scene3d>
+      <a:camera prst="orthographicFront"/>
+      <a:lightRig rig="threePt" dir="t"/>
+    </dgm:scene3d>
+    <dgm:sp3d/>
+    <dgm:txPr/>
+    <dgm:style>
+      <a:lnRef idx="2">
+        <a:scrgbClr r="0" g="0" b="0"/>
+      </a:lnRef>
+      <a:fillRef idx="1">
+        <a:scrgbClr r="0" g="0" b="0"/>
+      </a:fillRef>
+      <a:effectRef idx="0">
+        <a:scrgbClr r="0" g="0" b="0"/>
+      </a:effectRef>
+      <a:fontRef idx="minor">
+        <a:schemeClr val="lt1"/>
+      </a:fontRef>
+    </dgm:style>
+  </dgm:styleLbl>
+  <dgm:styleLbl name="lnNode1">
+    <dgm:scene3d>
+      <a:camera prst="orthographicFront"/>
+      <a:lightRig rig="threePt" dir="t"/>
+    </dgm:scene3d>
+    <dgm:sp3d/>
+    <dgm:txPr/>
+    <dgm:style>
+      <a:lnRef idx="2">
+        <a:scrgbClr r="0" g="0" b="0"/>
+      </a:lnRef>
+      <a:fillRef idx="1">
+        <a:scrgbClr r="0" g="0" b="0"/>
+      </a:fillRef>
+      <a:effectRef idx="0">
+        <a:scrgbClr r="0" g="0" b="0"/>
+      </a:effectRef>
+      <a:fontRef idx="minor">
+        <a:schemeClr val="lt1"/>
+      </a:fontRef>
+    </dgm:style>
+  </dgm:styleLbl>
+  <dgm:styleLbl name="vennNode1">
+    <dgm:scene3d>
+      <a:camera prst="orthographicFront"/>
+      <a:lightRig rig="threePt" dir="t"/>
+    </dgm:scene3d>
+    <dgm:sp3d/>
+    <dgm:txPr/>
+    <dgm:style>
+      <a:lnRef idx="2">
+        <a:scrgbClr r="0" g="0" b="0"/>
+      </a:lnRef>
+      <a:fillRef idx="1">
+        <a:scrgbClr r="0" g="0" b="0"/>
+      </a:fillRef>
+      <a:effectRef idx="0">
+        <a:scrgbClr r="0" g="0" b="0"/>
+      </a:effectRef>
+      <a:fontRef idx="minor">
+        <a:schemeClr val="tx1"/>
+      </a:fontRef>
+    </dgm:style>
+  </dgm:styleLbl>
+  <dgm:styleLbl name="alignNode1">
+    <dgm:scene3d>
+      <a:camera prst="orthographicFront"/>
+      <a:lightRig rig="threePt" dir="t"/>
+    </dgm:scene3d>
+    <dgm:sp3d/>
+    <dgm:txPr/>
+    <dgm:style>
+      <a:lnRef idx="2">
+        <a:scrgbClr r="0" g="0" b="0"/>
+      </a:lnRef>
+      <a:fillRef idx="1">
+        <a:scrgbClr r="0" g="0" b="0"/>
+      </a:fillRef>
+      <a:effectRef idx="0">
+        <a:scrgbClr r="0" g="0" b="0"/>
+      </a:effectRef>
+      <a:fontRef idx="minor">
+        <a:schemeClr val="lt1"/>
+      </a:fontRef>
+    </dgm:style>
+  </dgm:styleLbl>
+  <dgm:styleLbl name="node1">
+    <dgm:scene3d>
+      <a:camera prst="orthographicFront"/>
+      <a:lightRig rig="threePt" dir="t"/>
+    </dgm:scene3d>
+    <dgm:sp3d/>
+    <dgm:txPr/>
+    <dgm:style>
+      <a:lnRef idx="2">
+        <a:scrgbClr r="0" g="0" b="0"/>
+      </a:lnRef>
+      <a:fillRef idx="1">
+        <a:scrgbClr r="0" g="0" b="0"/>
+      </a:fillRef>
+      <a:effectRef idx="0">
+        <a:scrgbClr r="0" g="0" b="0"/>
+      </a:effectRef>
+      <a:fontRef idx="minor">
+        <a:schemeClr val="lt1"/>
+      </a:fontRef>
+    </dgm:style>
+  </dgm:styleLbl>
+  <dgm:styleLbl name="node2">
+    <dgm:scene3d>
+      <a:camera prst="orthographicFront"/>
+      <a:lightRig rig="threePt" dir="t"/>
+    </dgm:scene3d>
+    <dgm:sp3d/>
+    <dgm:txPr/>
+    <dgm:style>
+      <a:lnRef idx="2">
+        <a:scrgbClr r="0" g="0" b="0"/>
+      </a:lnRef>
+      <a:fillRef idx="1">
+        <a:scrgbClr r="0" g="0" b="0"/>
+      </a:fillRef>
+      <a:effectRef idx="0">
+        <a:scrgbClr r="0" g="0" b="0"/>
+      </a:effectRef>
+      <a:fontRef idx="minor">
+        <a:schemeClr val="lt1"/>
+      </a:fontRef>
+    </dgm:style>
+  </dgm:styleLbl>
+  <dgm:styleLbl name="node3">
+    <dgm:scene3d>
+      <a:camera prst="orthographicFront"/>
+      <a:lightRig rig="threePt" dir="t"/>
+    </dgm:scene3d>
+    <dgm:sp3d/>
+    <dgm:txPr/>
+    <dgm:style>
+      <a:lnRef idx="2">
+        <a:scrgbClr r="0" g="0" b="0"/>
+      </a:lnRef>
+      <a:fillRef idx="1">
+        <a:scrgbClr r="0" g="0" b="0"/>
+      </a:fillRef>
+      <a:effectRef idx="0">
+        <a:scrgbClr r="0" g="0" b="0"/>
+      </a:effectRef>
+      <a:fontRef idx="minor">
+        <a:schemeClr val="lt1"/>
+      </a:fontRef>
+    </dgm:style>
+  </dgm:styleLbl>
+  <dgm:styleLbl name="node4">
+    <dgm:scene3d>
+      <a:camera prst="orthographicFront"/>
+      <a:lightRig rig="threePt" dir="t"/>
+    </dgm:scene3d>
+    <dgm:sp3d/>
+    <dgm:txPr/>
+    <dgm:style>
+      <a:lnRef idx="2">
+        <a:scrgbClr r="0" g="0" b="0"/>
+      </a:lnRef>
+      <a:fillRef idx="1">
+        <a:scrgbClr r="0" g="0" b="0"/>
+      </a:fillRef>
+      <a:effectRef idx="0">
+        <a:scrgbClr r="0" g="0" b="0"/>
+      </a:effectRef>
+      <a:fontRef idx="minor">
+        <a:schemeClr val="lt1"/>
+      </a:fontRef>
+    </dgm:style>
+  </dgm:styleLbl>
+  <dgm:styleLbl name="fgImgPlace1">
+    <dgm:scene3d>
+      <a:camera prst="orthographicFront"/>
+      <a:lightRig rig="threePt" dir="t"/>
+    </dgm:scene3d>
+    <dgm:sp3d/>
+    <dgm:txPr/>
+    <dgm:style>
+      <a:lnRef idx="2">
+        <a:scrgbClr r="0" g="0" b="0"/>
+      </a:lnRef>
+      <a:fillRef idx="1">
+        <a:scrgbClr r="0" g="0" b="0"/>
+      </a:fillRef>
+      <a:effectRef idx="0">
+        <a:scrgbClr r="0" g="0" b="0"/>
+      </a:effectRef>
+      <a:fontRef idx="minor"/>
+    </dgm:style>
+  </dgm:styleLbl>
+  <dgm:styleLbl name="alignImgPlace1">
+    <dgm:scene3d>
+      <a:camera prst="orthographicFront"/>
+      <a:lightRig rig="threePt" dir="t"/>
+    </dgm:scene3d>
+    <dgm:sp3d/>
+    <dgm:txPr/>
+    <dgm:style>
+      <a:lnRef idx="2">
+        <a:scrgbClr r="0" g="0" b="0"/>
+      </a:lnRef>
+      <a:fillRef idx="1">
+        <a:scrgbClr r="0" g="0" b="0"/>
+      </a:fillRef>
+      <a:effectRef idx="0">
+        <a:scrgbClr r="0" g="0" b="0"/>
+      </a:effectRef>
+      <a:fontRef idx="minor"/>
+    </dgm:style>
+  </dgm:styleLbl>
+  <dgm:styleLbl name="bgImgPlace1">
+    <dgm:scene3d>
+      <a:camera prst="orthographicFront"/>
+      <a:lightRig rig="threePt" dir="t"/>
+    </dgm:scene3d>
+    <dgm:sp3d/>
+    <dgm:txPr/>
+    <dgm:style>
+      <a:lnRef idx="2">
+        <a:scrgbClr r="0" g="0" b="0"/>
+      </a:lnRef>
+      <a:fillRef idx="1">
+        <a:scrgbClr r="0" g="0" b="0"/>
+      </a:fillRef>
+      <a:effectRef idx="0">
+        <a:scrgbClr r="0" g="0" b="0"/>
+      </a:effectRef>
+      <a:fontRef idx="minor"/>
+    </dgm:style>
+  </dgm:styleLbl>
+  <dgm:styleLbl name="sibTrans2D1">
+    <dgm:scene3d>
+      <a:camera prst="orthographicFront"/>
+      <a:lightRig rig="threePt" dir="t"/>
+    </dgm:scene3d>
+    <dgm:sp3d/>
+    <dgm:txPr/>
+    <dgm:style>
+      <a:lnRef idx="0">
+        <a:scrgbClr r="0" g="0" b="0"/>
+      </a:lnRef>
+      <a:fillRef idx="1">
+        <a:scrgbClr r="0" g="0" b="0"/>
+      </a:fillRef>
+      <a:effectRef idx="0">
+        <a:scrgbClr r="0" g="0" b="0"/>
+      </a:effectRef>
+      <a:fontRef idx="minor">
+        <a:schemeClr val="lt1"/>
+      </a:fontRef>
+    </dgm:style>
+  </dgm:styleLbl>
+  <dgm:styleLbl name="fgSibTrans2D1">
+    <dgm:scene3d>
+      <a:camera prst="orthographicFront"/>
+      <a:lightRig rig="threePt" dir="t"/>
+    </dgm:scene3d>
+    <dgm:sp3d/>
+    <dgm:txPr/>
+    <dgm:style>
+      <a:lnRef idx="0">
+        <a:scrgbClr r="0" g="0" b="0"/>
+      </a:lnRef>
+      <a:fillRef idx="1">
+        <a:scrgbClr r="0" g="0" b="0"/>
+      </a:fillRef>
+      <a:effectRef idx="0">
+        <a:scrgbClr r="0" g="0" b="0"/>
+      </a:effectRef>
+      <a:fontRef idx="minor">
+        <a:schemeClr val="lt1"/>
+      </a:fontRef>
+    </dgm:style>
+  </dgm:styleLbl>
+  <dgm:styleLbl name="bgSibTrans2D1">
+    <dgm:scene3d>
+      <a:camera prst="orthographicFront"/>
+      <a:lightRig rig="threePt" dir="t"/>
+    </dgm:scene3d>
+    <dgm:sp3d/>
+    <dgm:txPr/>
+    <dgm:style>
+      <a:lnRef idx="0">
+        <a:scrgbClr r="0" g="0" b="0"/>
+      </a:lnRef>
+      <a:fillRef idx="1">
+        <a:scrgbClr r="0" g="0" b="0"/>
+      </a:fillRef>
+      <a:effectRef idx="0">
+        <a:scrgbClr r="0" g="0" b="0"/>
+      </a:effectRef>
+      <a:fontRef idx="minor">
+        <a:schemeClr val="lt1"/>
+      </a:fontRef>
+    </dgm:style>
+  </dgm:styleLbl>
+  <dgm:styleLbl name="sibTrans1D1">
+    <dgm:scene3d>
+      <a:camera prst="orthographicFront"/>
+      <a:lightRig rig="threePt" dir="t"/>
+    </dgm:scene3d>
+    <dgm:sp3d/>
+    <dgm:txPr/>
+    <dgm:style>
+      <a:lnRef idx="1">
+        <a:scrgbClr r="0" g="0" b="0"/>
+      </a:lnRef>
+      <a:fillRef idx="0">
+        <a:scrgbClr r="0" g="0" b="0"/>
+      </a:fillRef>
+      <a:effectRef idx="0">
+        <a:scrgbClr r="0" g="0" b="0"/>
+      </a:effectRef>
+      <a:fontRef idx="minor"/>
+    </dgm:style>
+  </dgm:styleLbl>
+  <dgm:styleLbl name="callout">
+    <dgm:scene3d>
+      <a:camera prst="orthographicFront"/>
+      <a:lightRig rig="threePt" dir="t"/>
+    </dgm:scene3d>
+    <dgm:sp3d/>
+    <dgm:txPr/>
+    <dgm:style>
+      <a:lnRef idx="2">
+        <a:scrgbClr r="0" g="0" b="0"/>
+      </a:lnRef>
+      <a:fillRef idx="1">
+        <a:scrgbClr r="0" g="0" b="0"/>
+      </a:fillRef>
+      <a:effectRef idx="0">
+        <a:scrgbClr r="0" g="0" b="0"/>
+      </a:effectRef>
+      <a:fontRef idx="minor"/>
+    </dgm:style>
+  </dgm:styleLbl>
+  <dgm:styleLbl name="asst0">
+    <dgm:scene3d>
+      <a:camera prst="orthographicFront"/>
+      <a:lightRig rig="threePt" dir="t"/>
+    </dgm:scene3d>
+    <dgm:sp3d/>
+    <dgm:txPr/>
+    <dgm:style>
+      <a:lnRef idx="2">
+        <a:scrgbClr r="0" g="0" b="0"/>
+      </a:lnRef>
+      <a:fillRef idx="1">
+        <a:scrgbClr r="0" g="0" b="0"/>
+      </a:fillRef>
+      <a:effectRef idx="0">
+        <a:scrgbClr r="0" g="0" b="0"/>
+      </a:effectRef>
+      <a:fontRef idx="minor">
+        <a:schemeClr val="lt1"/>
+      </a:fontRef>
+    </dgm:style>
+  </dgm:styleLbl>
+  <dgm:styleLbl name="asst1">
+    <dgm:scene3d>
+      <a:camera prst="orthographicFront"/>
+      <a:lightRig rig="threePt" dir="t"/>
+    </dgm:scene3d>
+    <dgm:sp3d/>
+    <dgm:txPr/>
+    <dgm:style>
+      <a:lnRef idx="2">
+        <a:scrgbClr r="0" g="0" b="0"/>
+      </a:lnRef>
+      <a:fillRef idx="1">
+        <a:scrgbClr r="0" g="0" b="0"/>
+      </a:fillRef>
+      <a:effectRef idx="0">
+        <a:scrgbClr r="0" g="0" b="0"/>
+      </a:effectRef>
+      <a:fontRef idx="minor">
+        <a:schemeClr val="lt1"/>
+      </a:fontRef>
+    </dgm:style>
+  </dgm:styleLbl>
+  <dgm:styleLbl name="asst2">
+    <dgm:scene3d>
+      <a:camera prst="orthographicFront"/>
+      <a:lightRig rig="threePt" dir="t"/>
+    </dgm:scene3d>
+    <dgm:sp3d/>
+    <dgm:txPr/>
+    <dgm:style>
+      <a:lnRef idx="2">
+        <a:scrgbClr r="0" g="0" b="0"/>
+      </a:lnRef>
+      <a:fillRef idx="1">
+        <a:scrgbClr r="0" g="0" b="0"/>
+      </a:fillRef>
+      <a:effectRef idx="0">
+        <a:scrgbClr r="0" g="0" b="0"/>
+      </a:effectRef>
+      <a:fontRef idx="minor">
+        <a:schemeClr val="lt1"/>
+      </a:fontRef>
+    </dgm:style>
+  </dgm:styleLbl>
+  <dgm:styleLbl name="asst3">
+    <dgm:scene3d>
+      <a:camera prst="orthographicFront"/>
+      <a:lightRig rig="threePt" dir="t"/>
+    </dgm:scene3d>
+    <dgm:sp3d/>
+    <dgm:txPr/>
+    <dgm:style>
+      <a:lnRef idx="2">
+        <a:scrgbClr r="0" g="0" b="0"/>
+      </a:lnRef>
+      <a:fillRef idx="1">
+        <a:scrgbClr r="0" g="0" b="0"/>
+      </a:fillRef>
+      <a:effectRef idx="0">
+        <a:scrgbClr r="0" g="0" b="0"/>
+      </a:effectRef>
+      <a:fontRef idx="minor">
+        <a:schemeClr val="lt1"/>
+      </a:fontRef>
+    </dgm:style>
+  </dgm:styleLbl>
+  <dgm:styleLbl name="asst4">
+    <dgm:scene3d>
+      <a:camera prst="orthographicFront"/>
+      <a:lightRig rig="threePt" dir="t"/>
+    </dgm:scene3d>
+    <dgm:sp3d/>
+    <dgm:txPr/>
+    <dgm:style>
+      <a:lnRef idx="2">
+        <a:scrgbClr r="0" g="0" b="0"/>
+      </a:lnRef>
+      <a:fillRef idx="1">
+        <a:scrgbClr r="0" g="0" b="0"/>
+      </a:fillRef>
+      <a:effectRef idx="0">
+        <a:scrgbClr r="0" g="0" b="0"/>
+      </a:effectRef>
+      <a:fontRef idx="minor">
+        <a:schemeClr val="lt1"/>
+      </a:fontRef>
+    </dgm:style>
+  </dgm:styleLbl>
+  <dgm:styleLbl name="parChTrans2D1">
+    <dgm:scene3d>
+      <a:camera prst="orthographicFront"/>
+      <a:lightRig rig="threePt" dir="t"/>
+    </dgm:scene3d>
+    <dgm:sp3d/>
+    <dgm:txPr/>
+    <dgm:style>
+      <a:lnRef idx="2">
+        <a:scrgbClr r="0" g="0" b="0"/>
+      </a:lnRef>
+      <a:fillRef idx="1">
+        <a:scrgbClr r="0" g="0" b="0"/>
+      </a:fillRef>
+      <a:effectRef idx="0">
+        <a:scrgbClr r="0" g="0" b="0"/>
+      </a:effectRef>
+      <a:fontRef idx="minor">
+        <a:schemeClr val="lt1"/>
+      </a:fontRef>
+    </dgm:style>
+  </dgm:styleLbl>
+  <dgm:styleLbl name="parChTrans2D2">
+    <dgm:scene3d>
+      <a:camera prst="orthographicFront"/>
+      <a:lightRig rig="threePt" dir="t"/>
+    </dgm:scene3d>
+    <dgm:sp3d/>
+    <dgm:txPr/>
+    <dgm:style>
+      <a:lnRef idx="2">
+        <a:scrgbClr r="0" g="0" b="0"/>
+      </a:lnRef>
+      <a:fillRef idx="1">
+        <a:scrgbClr r="0" g="0" b="0"/>
+      </a:fillRef>
+      <a:effectRef idx="0">
+        <a:scrgbClr r="0" g="0" b="0"/>
+      </a:effectRef>
+      <a:fontRef idx="minor">
+        <a:schemeClr val="lt1"/>
+      </a:fontRef>
+    </dgm:style>
+  </dgm:styleLbl>
+  <dgm:styleLbl name="parChTrans2D3">
+    <dgm:scene3d>
+      <a:camera prst="orthographicFront"/>
+      <a:lightRig rig="threePt" dir="t"/>
+    </dgm:scene3d>
+    <dgm:sp3d/>
+    <dgm:txPr/>
+    <dgm:style>
+      <a:lnRef idx="2">
+        <a:scrgbClr r="0" g="0" b="0"/>
+      </a:lnRef>
+      <a:fillRef idx="1">
+        <a:scrgbClr r="0" g="0" b="0"/>
+      </a:fillRef>
+      <a:effectRef idx="0">
+        <a:scrgbClr r="0" g="0" b="0"/>
+      </a:effectRef>
+      <a:fontRef idx="minor">
+        <a:schemeClr val="lt1"/>
+      </a:fontRef>
+    </dgm:style>
+  </dgm:styleLbl>
+  <dgm:styleLbl name="parChTrans2D4">
+    <dgm:scene3d>
+      <a:camera prst="orthographicFront"/>
+      <a:lightRig rig="threePt" dir="t"/>
+    </dgm:scene3d>
+    <dgm:sp3d/>
+    <dgm:txPr/>
+    <dgm:style>
+      <a:lnRef idx="2">
+        <a:scrgbClr r="0" g="0" b="0"/>
+      </a:lnRef>
+      <a:fillRef idx="1">
+        <a:scrgbClr r="0" g="0" b="0"/>
+      </a:fillRef>
+      <a:effectRef idx="0">
+        <a:scrgbClr r="0" g="0" b="0"/>
+      </a:effectRef>
+      <a:fontRef idx="minor">
+        <a:schemeClr val="lt1"/>
+      </a:fontRef>
+    </dgm:style>
+  </dgm:styleLbl>
+  <dgm:styleLbl name="parChTrans1D1">
+    <dgm:scene3d>
+      <a:camera prst="orthographicFront"/>
+      <a:lightRig rig="threePt" dir="t"/>
+    </dgm:scene3d>
+    <dgm:sp3d/>
+    <dgm:txPr/>
+    <dgm:style>
+      <a:lnRef idx="2">
+        <a:scrgbClr r="0" g="0" b="0"/>
+      </a:lnRef>
+      <a:fillRef idx="0">
+        <a:scrgbClr r="0" g="0" b="0"/>
+      </a:fillRef>
+      <a:effectRef idx="0">
+        <a:scrgbClr r="0" g="0" b="0"/>
+      </a:effectRef>
+      <a:fontRef idx="minor"/>
+    </dgm:style>
+  </dgm:styleLbl>
+  <dgm:styleLbl name="parChTrans1D2">
+    <dgm:scene3d>
+      <a:camera prst="orthographicFront"/>
+      <a:lightRig rig="threePt" dir="t"/>
+    </dgm:scene3d>
+    <dgm:sp3d/>
+    <dgm:txPr/>
+    <dgm:style>
+      <a:lnRef idx="2">
+        <a:scrgbClr r="0" g="0" b="0"/>
+      </a:lnRef>
+      <a:fillRef idx="0">
+        <a:scrgbClr r="0" g="0" b="0"/>
+      </a:fillRef>
+      <a:effectRef idx="0">
+        <a:scrgbClr r="0" g="0" b="0"/>
+      </a:effectRef>
+      <a:fontRef idx="minor"/>
+    </dgm:style>
+  </dgm:styleLbl>
+  <dgm:styleLbl name="parChTrans1D3">
+    <dgm:scene3d>
+      <a:camera prst="orthographicFront"/>
+      <a:lightRig rig="threePt" dir="t"/>
+    </dgm:scene3d>
+    <dgm:sp3d/>
+    <dgm:txPr/>
+    <dgm:style>
+      <a:lnRef idx="2">
+        <a:scrgbClr r="0" g="0" b="0"/>
+      </a:lnRef>
+      <a:fillRef idx="0">
+        <a:scrgbClr r="0" g="0" b="0"/>
+      </a:fillRef>
+      <a:effectRef idx="0">
+        <a:scrgbClr r="0" g="0" b="0"/>
+      </a:effectRef>
+      <a:fontRef idx="minor"/>
+    </dgm:style>
+  </dgm:styleLbl>
+  <dgm:styleLbl name="parChTrans1D4">
+    <dgm:scene3d>
+      <a:camera prst="orthographicFront"/>
+      <a:lightRig rig="threePt" dir="t"/>
+    </dgm:scene3d>
+    <dgm:sp3d/>
+    <dgm:txPr/>
+    <dgm:style>
+      <a:lnRef idx="2">
+        <a:scrgbClr r="0" g="0" b="0"/>
+      </a:lnRef>
+      <a:fillRef idx="0">
+        <a:scrgbClr r="0" g="0" b="0"/>
+      </a:fillRef>
+      <a:effectRef idx="0">
+        <a:scrgbClr r="0" g="0" b="0"/>
+      </a:effectRef>
+      <a:fontRef idx="minor"/>
+    </dgm:style>
+  </dgm:styleLbl>
+  <dgm:styleLbl name="fgAcc1">
+    <dgm:scene3d>
+      <a:camera prst="orthographicFront"/>
+      <a:lightRig rig="threePt" dir="t"/>
+    </dgm:scene3d>
+    <dgm:sp3d/>
+    <dgm:txPr/>
+    <dgm:style>
+      <a:lnRef idx="2">
+        <a:scrgbClr r="0" g="0" b="0"/>
+      </a:lnRef>
+      <a:fillRef idx="1">
+        <a:scrgbClr r="0" g="0" b="0"/>
+      </a:fillRef>
+      <a:effectRef idx="0">
+        <a:scrgbClr r="0" g="0" b="0"/>
+      </a:effectRef>
+      <a:fontRef idx="minor"/>
+    </dgm:style>
+  </dgm:styleLbl>
+  <dgm:styleLbl name="conFgAcc1">
+    <dgm:scene3d>
+      <a:camera prst="orthographicFront"/>
+      <a:lightRig rig="threePt" dir="t"/>
+    </dgm:scene3d>
+    <dgm:sp3d/>
+    <dgm:txPr/>
+    <dgm:style>
+      <a:lnRef idx="2">
+        <a:scrgbClr r="0" g="0" b="0"/>
+      </a:lnRef>
+      <a:fillRef idx="1">
+        <a:scrgbClr r="0" g="0" b="0"/>
+      </a:fillRef>
+      <a:effectRef idx="0">
+        <a:scrgbClr r="0" g="0" b="0"/>
+      </a:effectRef>
+      <a:fontRef idx="minor"/>
+    </dgm:style>
+  </dgm:styleLbl>
+  <dgm:styleLbl name="alignAcc1">
+    <dgm:scene3d>
+      <a:camera prst="orthographicFront"/>
+      <a:lightRig rig="threePt" dir="t"/>
+    </dgm:scene3d>
+    <dgm:sp3d/>
+    <dgm:txPr/>
+    <dgm:style>
+      <a:lnRef idx="2">
+        <a:scrgbClr r="0" g="0" b="0"/>
+      </a:lnRef>
+      <a:fillRef idx="1">
+        <a:scrgbClr r="0" g="0" b="0"/>
+      </a:fillRef>
+      <a:effectRef idx="0">
+        <a:scrgbClr r="0" g="0" b="0"/>
+      </a:effectRef>
+      <a:fontRef idx="minor"/>
+    </dgm:style>
+  </dgm:styleLbl>
+  <dgm:styleLbl name="trAlignAcc1">
+    <dgm:scene3d>
+      <a:camera prst="orthographicFront"/>
+      <a:lightRig rig="threePt" dir="t"/>
+    </dgm:scene3d>
+    <dgm:sp3d/>
+    <dgm:txPr/>
+    <dgm:style>
+      <a:lnRef idx="1">
+        <a:scrgbClr r="0" g="0" b="0"/>
+      </a:lnRef>
+      <a:fillRef idx="1">
+        <a:scrgbClr r="0" g="0" b="0"/>
+      </a:fillRef>
+      <a:effectRef idx="0">
+        <a:scrgbClr r="0" g="0" b="0"/>
+      </a:effectRef>
+      <a:fontRef idx="minor"/>
+    </dgm:style>
+  </dgm:styleLbl>
+  <dgm:styleLbl name="bgAcc1">
+    <dgm:scene3d>
+      <a:camera prst="orthographicFront"/>
+      <a:lightRig rig="threePt" dir="t"/>
+    </dgm:scene3d>
+    <dgm:sp3d/>
+    <dgm:txPr/>
+    <dgm:style>
+      <a:lnRef idx="2">
+        <a:scrgbClr r="0" g="0" b="0"/>
+      </a:lnRef>
+      <a:fillRef idx="1">
+        <a:scrgbClr r="0" g="0" b="0"/>
+      </a:fillRef>
+      <a:effectRef idx="0">
+        <a:scrgbClr r="0" g="0" b="0"/>
+      </a:effectRef>
+      <a:fontRef idx="minor"/>
+    </dgm:style>
+  </dgm:styleLbl>
+  <dgm:styleLbl name="solidFgAcc1">
+    <dgm:scene3d>
+      <a:camera prst="orthographicFront"/>
+      <a:lightRig rig="threePt" dir="t"/>
+    </dgm:scene3d>
+    <dgm:sp3d/>
+    <dgm:txPr/>
+    <dgm:style>
+      <a:lnRef idx="2">
+        <a:scrgbClr r="0" g="0" b="0"/>
+      </a:lnRef>
+      <a:fillRef idx="1">
+        <a:scrgbClr r="0" g="0" b="0"/>
+      </a:fillRef>
+      <a:effectRef idx="0">
+        <a:scrgbClr r="0" g="0" b="0"/>
+      </a:effectRef>
+      <a:fontRef idx="minor"/>
+    </dgm:style>
+  </dgm:styleLbl>
+  <dgm:styleLbl name="solidAlignAcc1">
+    <dgm:scene3d>
+      <a:camera prst="orthographicFront"/>
+      <a:lightRig rig="threePt" dir="t"/>
+    </dgm:scene3d>
+    <dgm:sp3d/>
+    <dgm:txPr/>
+    <dgm:style>
+      <a:lnRef idx="2">
+        <a:scrgbClr r="0" g="0" b="0"/>
+      </a:lnRef>
+      <a:fillRef idx="1">
+        <a:scrgbClr r="0" g="0" b="0"/>
+      </a:fillRef>
+      <a:effectRef idx="0">
+        <a:scrgbClr r="0" g="0" b="0"/>
+      </a:effectRef>
+      <a:fontRef idx="minor"/>
+    </dgm:style>
+  </dgm:styleLbl>
+  <dgm:styleLbl name="solidBgAcc1">
+    <dgm:scene3d>
+      <a:camera prst="orthographicFront"/>
+      <a:lightRig rig="threePt" dir="t"/>
+    </dgm:scene3d>
+    <dgm:sp3d/>
+    <dgm:txPr/>
+    <dgm:style>
+      <a:lnRef idx="2">
+        <a:scrgbClr r="0" g="0" b="0"/>
+      </a:lnRef>
+      <a:fillRef idx="1">
+        <a:scrgbClr r="0" g="0" b="0"/>
+      </a:fillRef>
+      <a:effectRef idx="0">
+        <a:scrgbClr r="0" g="0" b="0"/>
+      </a:effectRef>
+      <a:fontRef idx="minor"/>
+    </dgm:style>
+  </dgm:styleLbl>
+  <dgm:styleLbl name="fgAccFollowNode1">
+    <dgm:scene3d>
+      <a:camera prst="orthographicFront"/>
+      <a:lightRig rig="threePt" dir="t"/>
+    </dgm:scene3d>
+    <dgm:sp3d/>
+    <dgm:txPr/>
+    <dgm:style>
+      <a:lnRef idx="2">
+        <a:scrgbClr r="0" g="0" b="0"/>
+      </a:lnRef>
+      <a:fillRef idx="1">
+        <a:scrgbClr r="0" g="0" b="0"/>
+      </a:fillRef>
+      <a:effectRef idx="0">
+        <a:scrgbClr r="0" g="0" b="0"/>
+      </a:effectRef>
+      <a:fontRef idx="minor"/>
+    </dgm:style>
+  </dgm:styleLbl>
+  <dgm:styleLbl name="alignAccFollowNode1">
+    <dgm:scene3d>
+      <a:camera prst="orthographicFront"/>
+      <a:lightRig rig="threePt" dir="t"/>
+    </dgm:scene3d>
+    <dgm:sp3d/>
+    <dgm:txPr/>
+    <dgm:style>
+      <a:lnRef idx="2">
+        <a:scrgbClr r="0" g="0" b="0"/>
+      </a:lnRef>
+      <a:fillRef idx="1">
+        <a:scrgbClr r="0" g="0" b="0"/>
+      </a:fillRef>
+      <a:effectRef idx="0">
+        <a:scrgbClr r="0" g="0" b="0"/>
+      </a:effectRef>
+      <a:fontRef idx="minor"/>
+    </dgm:style>
+  </dgm:styleLbl>
+  <dgm:styleLbl name="bgAccFollowNode1">
+    <dgm:scene3d>
+      <a:camera prst="orthographicFront"/>
+      <a:lightRig rig="threePt" dir="t"/>
+    </dgm:scene3d>
+    <dgm:sp3d/>
+    <dgm:txPr/>
+    <dgm:style>
+      <a:lnRef idx="2">
+        <a:scrgbClr r="0" g="0" b="0"/>
+      </a:lnRef>
+      <a:fillRef idx="1">
+        <a:scrgbClr r="0" g="0" b="0"/>
+      </a:fillRef>
+      <a:effectRef idx="0">
+        <a:scrgbClr r="0" g="0" b="0"/>
+      </a:effectRef>
+      <a:fontRef idx="minor"/>
+    </dgm:style>
+  </dgm:styleLbl>
+  <dgm:styleLbl name="fgAcc0">
+    <dgm:scene3d>
+      <a:camera prst="orthographicFront"/>
+      <a:lightRig rig="threePt" dir="t"/>
+    </dgm:scene3d>
+    <dgm:sp3d/>
+    <dgm:txPr/>
+    <dgm:style>
+      <a:lnRef idx="2">
+        <a:scrgbClr r="0" g="0" b="0"/>
+      </a:lnRef>
+      <a:fillRef idx="1">
+        <a:scrgbClr r="0" g="0" b="0"/>
+      </a:fillRef>
+      <a:effectRef idx="0">
+        <a:scrgbClr r="0" g="0" b="0"/>
+      </a:effectRef>
+      <a:fontRef idx="minor"/>
+    </dgm:style>
+  </dgm:styleLbl>
+  <dgm:styleLbl name="fgAcc2">
+    <dgm:scene3d>
+      <a:camera prst="orthographicFront"/>
+      <a:lightRig rig="threePt" dir="t"/>
+    </dgm:scene3d>
+    <dgm:sp3d/>
+    <dgm:txPr/>
+    <dgm:style>
+      <a:lnRef idx="2">
+        <a:scrgbClr r="0" g="0" b="0"/>
+      </a:lnRef>
+      <a:fillRef idx="1">
+        <a:scrgbClr r="0" g="0" b="0"/>
+      </a:fillRef>
+      <a:effectRef idx="0">
+        <a:scrgbClr r="0" g="0" b="0"/>
+      </a:effectRef>
+      <a:fontRef idx="minor"/>
+    </dgm:style>
+  </dgm:styleLbl>
+  <dgm:styleLbl name="fgAcc3">
+    <dgm:scene3d>
+      <a:camera prst="orthographicFront"/>
+      <a:lightRig rig="threePt" dir="t"/>
+    </dgm:scene3d>
+    <dgm:sp3d/>
+    <dgm:txPr/>
+    <dgm:style>
+      <a:lnRef idx="2">
+        <a:scrgbClr r="0" g="0" b="0"/>
+      </a:lnRef>
+      <a:fillRef idx="1">
+        <a:scrgbClr r="0" g="0" b="0"/>
+      </a:fillRef>
+      <a:effectRef idx="0">
+        <a:scrgbClr r="0" g="0" b="0"/>
+      </a:effectRef>
+      <a:fontRef idx="minor"/>
+    </dgm:style>
+  </dgm:styleLbl>
+  <dgm:styleLbl name="fgAcc4">
+    <dgm:scene3d>
+      <a:camera prst="orthographicFront"/>
+      <a:lightRig rig="threePt" dir="t"/>
+    </dgm:scene3d>
+    <dgm:sp3d/>
+    <dgm:txPr/>
+    <dgm:style>
+      <a:lnRef idx="2">
+        <a:scrgbClr r="0" g="0" b="0"/>
+      </a:lnRef>
+      <a:fillRef idx="1">
+        <a:scrgbClr r="0" g="0" b="0"/>
+      </a:fillRef>
+      <a:effectRef idx="0">
+        <a:scrgbClr r="0" g="0" b="0"/>
+      </a:effectRef>
+      <a:fontRef idx="minor"/>
+    </dgm:style>
+  </dgm:styleLbl>
+  <dgm:styleLbl name="bgShp">
+    <dgm:scene3d>
+      <a:camera prst="orthographicFront"/>
+      <a:lightRig rig="threePt" dir="t"/>
+    </dgm:scene3d>
+    <dgm:sp3d/>
+    <dgm:txPr/>
+    <dgm:style>
+      <a:lnRef idx="0">
+        <a:scrgbClr r="0" g="0" b="0"/>
+      </a:lnRef>
+      <a:fillRef idx="1">
+        <a:scrgbClr r="0" g="0" b="0"/>
+      </a:fillRef>
+      <a:effectRef idx="0">
+        <a:scrgbClr r="0" g="0" b="0"/>
+      </a:effectRef>
+      <a:fontRef idx="minor"/>
+    </dgm:style>
+  </dgm:styleLbl>
+  <dgm:styleLbl name="dkBgShp">
+    <dgm:scene3d>
+      <a:camera prst="orthographicFront"/>
+      <a:lightRig rig="threePt" dir="t"/>
+    </dgm:scene3d>
+    <dgm:sp3d/>
+    <dgm:txPr/>
+    <dgm:style>
+      <a:lnRef idx="0">
+        <a:scrgbClr r="0" g="0" b="0"/>
+      </a:lnRef>
+      <a:fillRef idx="1">
+        <a:scrgbClr r="0" g="0" b="0"/>
+      </a:fillRef>
+      <a:effectRef idx="0">
+        <a:scrgbClr r="0" g="0" b="0"/>
+      </a:effectRef>
+      <a:fontRef idx="minor"/>
+    </dgm:style>
+  </dgm:styleLbl>
+  <dgm:styleLbl name="trBgShp">
+    <dgm:scene3d>
+      <a:camera prst="orthographicFront"/>
+      <a:lightRig rig="threePt" dir="t"/>
+    </dgm:scene3d>
+    <dgm:sp3d/>
+    <dgm:txPr/>
+    <dgm:style>
+      <a:lnRef idx="0">
+        <a:scrgbClr r="0" g="0" b="0"/>
+      </a:lnRef>
+      <a:fillRef idx="1">
+        <a:scrgbClr r="0" g="0" b="0"/>
+      </a:fillRef>
+      <a:effectRef idx="0">
+        <a:scrgbClr r="0" g="0" b="0"/>
+      </a:effectRef>
+      <a:fontRef idx="minor"/>
+    </dgm:style>
+  </dgm:styleLbl>
+  <dgm:styleLbl name="fgShp">
+    <dgm:scene3d>
+      <a:camera prst="orthographicFront"/>
+      <a:lightRig rig="threePt" dir="t"/>
+    </dgm:scene3d>
+    <dgm:sp3d/>
+    <dgm:txPr/>
+    <dgm:style>
+      <a:lnRef idx="2">
+        <a:scrgbClr r="0" g="0" b="0"/>
+      </a:lnRef>
+      <a:fillRef idx="1">
+        <a:scrgbClr r="0" g="0" b="0"/>
+      </a:fillRef>
+      <a:effectRef idx="0">
+        <a:scrgbClr r="0" g="0" b="0"/>
+      </a:effectRef>
+      <a:fontRef idx="minor"/>
+    </dgm:style>
+  </dgm:styleLbl>
+  <dgm:styleLbl name="revTx">
+    <dgm:scene3d>
+      <a:camera prst="orthographicFront"/>
+      <a:lightRig rig="threePt" dir="t"/>
+    </dgm:scene3d>
+    <dgm:sp3d/>
+    <dgm:txPr/>
+    <dgm:style>
+      <a:lnRef idx="0">
+        <a:scrgbClr r="0" g="0" b="0"/>
+      </a:lnRef>
+      <a:fillRef idx="0">
+        <a:scrgbClr r="0" g="0" b="0"/>
+      </a:fillRef>
+      <a:effectRef idx="0">
+        <a:scrgbClr r="0" g="0" b="0"/>
+      </a:effectRef>
+      <a:fontRef idx="minor"/>
+    </dgm:style>
+  </dgm:styleLbl>
+</dgm:styleDef>
+</file>
+
+<file path=ppt/diagrams/quickStyle5.xml><?xml version="1.0" encoding="utf-8"?>
 <dgm:styleDef xmlns:dgm="http://schemas.openxmlformats.org/drawingml/2006/diagram" xmlns:a="http://schemas.openxmlformats.org/drawingml/2006/main" uniqueId="urn:microsoft.com/office/officeart/2005/8/quickstyle/simple1">
   <dgm:title val=""/>
   <dgm:desc val=""/>
@@ -13244,7 +17313,7 @@
           <a:p>
             <a:fld id="{A8156B9F-B356-4EBF-91D4-2E5310C721CD}" type="datetimeFigureOut">
               <a:rPr lang="en-GB" smtClean="0"/>
-              <a:t>01/01/2025</a:t>
+              <a:t>02/01/2025</a:t>
             </a:fld>
             <a:endParaRPr lang="en-GB"/>
           </a:p>
@@ -13870,7 +17939,7 @@
           <a:p>
             <a:fld id="{002B8F4B-2B18-452D-8E80-D6E4D39031F0}" type="datetimeFigureOut">
               <a:rPr lang="en-GB" smtClean="0"/>
-              <a:t>01/01/2025</a:t>
+              <a:t>02/01/2025</a:t>
             </a:fld>
             <a:endParaRPr lang="en-GB"/>
           </a:p>
@@ -14284,7 +18353,7 @@
           <a:p>
             <a:fld id="{002B8F4B-2B18-452D-8E80-D6E4D39031F0}" type="datetimeFigureOut">
               <a:rPr lang="en-GB" smtClean="0"/>
-              <a:t>01/01/2025</a:t>
+              <a:t>02/01/2025</a:t>
             </a:fld>
             <a:endParaRPr lang="en-GB"/>
           </a:p>
@@ -14620,7 +18689,7 @@
           <a:p>
             <a:fld id="{002B8F4B-2B18-452D-8E80-D6E4D39031F0}" type="datetimeFigureOut">
               <a:rPr lang="en-GB" smtClean="0"/>
-              <a:t>01/01/2025</a:t>
+              <a:t>02/01/2025</a:t>
             </a:fld>
             <a:endParaRPr lang="en-GB"/>
           </a:p>
@@ -15025,7 +19094,7 @@
           <a:p>
             <a:fld id="{002B8F4B-2B18-452D-8E80-D6E4D39031F0}" type="datetimeFigureOut">
               <a:rPr lang="en-GB" smtClean="0"/>
-              <a:t>01/01/2025</a:t>
+              <a:t>02/01/2025</a:t>
             </a:fld>
             <a:endParaRPr lang="en-GB"/>
           </a:p>
@@ -15593,7 +19662,7 @@
           <a:p>
             <a:fld id="{002B8F4B-2B18-452D-8E80-D6E4D39031F0}" type="datetimeFigureOut">
               <a:rPr lang="en-GB" smtClean="0"/>
-              <a:t>01/01/2025</a:t>
+              <a:t>02/01/2025</a:t>
             </a:fld>
             <a:endParaRPr lang="en-GB"/>
           </a:p>
@@ -16274,7 +20343,7 @@
           <a:p>
             <a:fld id="{002B8F4B-2B18-452D-8E80-D6E4D39031F0}" type="datetimeFigureOut">
               <a:rPr lang="en-GB" smtClean="0"/>
-              <a:t>01/01/2025</a:t>
+              <a:t>02/01/2025</a:t>
             </a:fld>
             <a:endParaRPr lang="en-GB"/>
           </a:p>
@@ -17187,7 +21256,7 @@
           <a:p>
             <a:fld id="{002B8F4B-2B18-452D-8E80-D6E4D39031F0}" type="datetimeFigureOut">
               <a:rPr lang="en-GB" smtClean="0"/>
-              <a:t>01/01/2025</a:t>
+              <a:t>02/01/2025</a:t>
             </a:fld>
             <a:endParaRPr lang="en-GB"/>
           </a:p>
@@ -17500,7 +21569,7 @@
           <a:p>
             <a:fld id="{002B8F4B-2B18-452D-8E80-D6E4D39031F0}" type="datetimeFigureOut">
               <a:rPr lang="en-GB" smtClean="0"/>
-              <a:t>01/01/2025</a:t>
+              <a:t>02/01/2025</a:t>
             </a:fld>
             <a:endParaRPr lang="en-GB"/>
           </a:p>
@@ -17764,7 +21833,7 @@
           <a:p>
             <a:fld id="{002B8F4B-2B18-452D-8E80-D6E4D39031F0}" type="datetimeFigureOut">
               <a:rPr lang="en-GB" smtClean="0"/>
-              <a:t>01/01/2025</a:t>
+              <a:t>02/01/2025</a:t>
             </a:fld>
             <a:endParaRPr lang="en-GB"/>
           </a:p>
@@ -18087,7 +22156,7 @@
           <a:p>
             <a:fld id="{002B8F4B-2B18-452D-8E80-D6E4D39031F0}" type="datetimeFigureOut">
               <a:rPr lang="en-GB" smtClean="0"/>
-              <a:t>01/01/2025</a:t>
+              <a:t>02/01/2025</a:t>
             </a:fld>
             <a:endParaRPr lang="en-GB"/>
           </a:p>
@@ -18476,7 +22545,7 @@
           <a:p>
             <a:fld id="{002B8F4B-2B18-452D-8E80-D6E4D39031F0}" type="datetimeFigureOut">
               <a:rPr lang="en-GB" smtClean="0"/>
-              <a:t>01/01/2025</a:t>
+              <a:t>02/01/2025</a:t>
             </a:fld>
             <a:endParaRPr lang="en-GB"/>
           </a:p>
@@ -18852,7 +22921,7 @@
           <a:p>
             <a:fld id="{002B8F4B-2B18-452D-8E80-D6E4D39031F0}" type="datetimeFigureOut">
               <a:rPr lang="en-GB" smtClean="0"/>
-              <a:t>01/01/2025</a:t>
+              <a:t>02/01/2025</a:t>
             </a:fld>
             <a:endParaRPr lang="en-GB"/>
           </a:p>
@@ -19358,7 +23427,7 @@
           <a:p>
             <a:fld id="{002B8F4B-2B18-452D-8E80-D6E4D39031F0}" type="datetimeFigureOut">
               <a:rPr lang="en-GB" smtClean="0"/>
-              <a:t>01/01/2025</a:t>
+              <a:t>02/01/2025</a:t>
             </a:fld>
             <a:endParaRPr lang="en-GB"/>
           </a:p>
@@ -19615,7 +23684,7 @@
           <a:p>
             <a:fld id="{002B8F4B-2B18-452D-8E80-D6E4D39031F0}" type="datetimeFigureOut">
               <a:rPr lang="en-GB" smtClean="0"/>
-              <a:t>01/01/2025</a:t>
+              <a:t>02/01/2025</a:t>
             </a:fld>
             <a:endParaRPr lang="en-GB"/>
           </a:p>
@@ -19778,7 +23847,7 @@
           <a:p>
             <a:fld id="{002B8F4B-2B18-452D-8E80-D6E4D39031F0}" type="datetimeFigureOut">
               <a:rPr lang="en-GB" smtClean="0"/>
-              <a:t>01/01/2025</a:t>
+              <a:t>02/01/2025</a:t>
             </a:fld>
             <a:endParaRPr lang="en-GB"/>
           </a:p>
@@ -20168,7 +24237,7 @@
           <a:p>
             <a:fld id="{002B8F4B-2B18-452D-8E80-D6E4D39031F0}" type="datetimeFigureOut">
               <a:rPr lang="en-GB" smtClean="0"/>
-              <a:t>01/01/2025</a:t>
+              <a:t>02/01/2025</a:t>
             </a:fld>
             <a:endParaRPr lang="en-GB"/>
           </a:p>
@@ -20577,7 +24646,7 @@
           <a:p>
             <a:fld id="{002B8F4B-2B18-452D-8E80-D6E4D39031F0}" type="datetimeFigureOut">
               <a:rPr lang="en-GB" smtClean="0"/>
-              <a:t>01/01/2025</a:t>
+              <a:t>02/01/2025</a:t>
             </a:fld>
             <a:endParaRPr lang="en-GB"/>
           </a:p>
@@ -20852,7 +24921,7 @@
           <a:p>
             <a:fld id="{002B8F4B-2B18-452D-8E80-D6E4D39031F0}" type="datetimeFigureOut">
               <a:rPr lang="en-GB" smtClean="0"/>
-              <a:t>01/01/2025</a:t>
+              <a:t>02/01/2025</a:t>
             </a:fld>
             <a:endParaRPr lang="en-GB"/>
           </a:p>
@@ -21507,6 +25576,41 @@
 <file path=ppt/slides/slide10.xml><?xml version="1.0" encoding="utf-8"?>
 <p:sld xmlns:a="http://schemas.openxmlformats.org/drawingml/2006/main" xmlns:r="http://schemas.openxmlformats.org/officeDocument/2006/relationships" xmlns:p="http://schemas.openxmlformats.org/presentationml/2006/main">
   <p:cSld>
+    <p:bg>
+      <p:bgPr>
+        <a:gradFill rotWithShape="1">
+          <a:gsLst>
+            <a:gs pos="0">
+              <a:schemeClr val="bg2">
+                <a:tint val="96000"/>
+                <a:shade val="100000"/>
+                <a:hueMod val="270000"/>
+                <a:satMod val="200000"/>
+                <a:lumMod val="128000"/>
+              </a:schemeClr>
+            </a:gs>
+            <a:gs pos="50000">
+              <a:schemeClr val="bg2">
+                <a:shade val="100000"/>
+                <a:hueMod val="100000"/>
+                <a:satMod val="110000"/>
+                <a:lumMod val="130000"/>
+              </a:schemeClr>
+            </a:gs>
+            <a:gs pos="100000">
+              <a:schemeClr val="bg2">
+                <a:shade val="78000"/>
+                <a:hueMod val="44000"/>
+                <a:satMod val="200000"/>
+                <a:lumMod val="69000"/>
+              </a:schemeClr>
+            </a:gs>
+          </a:gsLst>
+          <a:lin ang="2520000" scaled="0"/>
+        </a:gradFill>
+        <a:effectLst/>
+      </p:bgPr>
+    </p:bg>
     <p:spTree>
       <p:nvGrpSpPr>
         <p:cNvPr id="1" name=""/>
@@ -21537,9 +25641,16 @@
             <p:ph type="title"/>
           </p:nvPr>
         </p:nvSpPr>
-        <p:spPr/>
+        <p:spPr>
+          <a:xfrm>
+            <a:off x="680321" y="753228"/>
+            <a:ext cx="9613861" cy="1080938"/>
+          </a:xfrm>
+        </p:spPr>
         <p:txBody>
-          <a:bodyPr/>
+          <a:bodyPr>
+            <a:normAutofit/>
+          </a:bodyPr>
           <a:lstStyle/>
           <a:p>
             <a:r>
@@ -21549,31 +25660,37 @@
           </a:p>
         </p:txBody>
       </p:sp>
-      <p:sp>
-        <p:nvSpPr>
-          <p:cNvPr id="3" name="Content Placeholder 2">
+      <p:graphicFrame>
+        <p:nvGraphicFramePr>
+          <p:cNvPr id="5" name="Content Placeholder 2">
             <a:extLst>
               <a:ext uri="{FF2B5EF4-FFF2-40B4-BE49-F238E27FC236}">
-                <a16:creationId xmlns:a16="http://schemas.microsoft.com/office/drawing/2014/main" id="{EA3C587A-D0EB-9AE2-2517-A266D4B5346F}"/>
+                <a16:creationId xmlns:a16="http://schemas.microsoft.com/office/drawing/2014/main" id="{FD1B9870-E21A-757C-168D-24466A567468}"/>
               </a:ext>
             </a:extLst>
           </p:cNvPr>
-          <p:cNvSpPr>
-            <a:spLocks noGrp="1"/>
-          </p:cNvSpPr>
+          <p:cNvGraphicFramePr>
+            <a:graphicFrameLocks noGrp="1"/>
+          </p:cNvGraphicFramePr>
           <p:nvPr>
             <p:ph idx="1"/>
+            <p:extLst>
+              <p:ext uri="{D42A27DB-BD31-4B8C-83A1-F6EECF244321}">
+                <p14:modId xmlns:p14="http://schemas.microsoft.com/office/powerpoint/2010/main" val="3878980643"/>
+              </p:ext>
+            </p:extLst>
           </p:nvPr>
-        </p:nvSpPr>
-        <p:spPr/>
-        <p:txBody>
-          <a:bodyPr/>
-          <a:lstStyle/>
-          <a:p>
-            <a:endParaRPr lang="en-GB" dirty="0"/>
-          </a:p>
-        </p:txBody>
-      </p:sp>
+        </p:nvGraphicFramePr>
+        <p:xfrm>
+          <a:off x="681037" y="2336800"/>
+          <a:ext cx="10830641" cy="3598863"/>
+        </p:xfrm>
+        <a:graphic>
+          <a:graphicData uri="http://schemas.openxmlformats.org/drawingml/2006/diagram">
+            <dgm:relIds xmlns:dgm="http://schemas.openxmlformats.org/drawingml/2006/diagram" xmlns:r="http://schemas.openxmlformats.org/officeDocument/2006/relationships" r:dm="rId2" r:lo="rId3" r:qs="rId4" r:cs="rId5"/>
+          </a:graphicData>
+        </a:graphic>
+      </p:graphicFrame>
     </p:spTree>
     <p:extLst>
       <p:ext uri="{BB962C8B-B14F-4D97-AF65-F5344CB8AC3E}">
